--- a/项目介绍/SE2020-G10-项目介绍1.0.1.pptx
+++ b/项目介绍/SE2020-G10-项目介绍1.0.1.pptx
@@ -3,27 +3,27 @@
 <p:presentation xmlns:a="http://schemas.openxmlformats.org/drawingml/2006/main" xmlns:r="http://schemas.openxmlformats.org/officeDocument/2006/relationships" xmlns:p="http://schemas.openxmlformats.org/presentationml/2006/main">
   <p:sldMasterIdLst>
     <p:sldMasterId id="2147483648" r:id="rId1"/>
-    <p:sldMasterId id="2147483657" r:id="rId2"/>
+    <p:sldMasterId id="2147483657" r:id="rId3"/>
   </p:sldMasterIdLst>
   <p:notesMasterIdLst>
-    <p:notesMasterId r:id="rId13"/>
+    <p:notesMasterId r:id="rId6"/>
   </p:notesMasterIdLst>
   <p:sldIdLst>
-    <p:sldId id="292" r:id="rId3"/>
-    <p:sldId id="291" r:id="rId4"/>
-    <p:sldId id="298" r:id="rId5"/>
-    <p:sldId id="299" r:id="rId6"/>
-    <p:sldId id="302" r:id="rId7"/>
-    <p:sldId id="297" r:id="rId8"/>
-    <p:sldId id="300" r:id="rId9"/>
-    <p:sldId id="296" r:id="rId10"/>
-    <p:sldId id="290" r:id="rId11"/>
-    <p:sldId id="301" r:id="rId12"/>
+    <p:sldId id="292" r:id="rId4"/>
+    <p:sldId id="291" r:id="rId5"/>
+    <p:sldId id="298" r:id="rId7"/>
+    <p:sldId id="299" r:id="rId8"/>
+    <p:sldId id="302" r:id="rId9"/>
+    <p:sldId id="297" r:id="rId10"/>
+    <p:sldId id="300" r:id="rId11"/>
+    <p:sldId id="296" r:id="rId12"/>
+    <p:sldId id="290" r:id="rId13"/>
+    <p:sldId id="301" r:id="rId14"/>
   </p:sldIdLst>
   <p:sldSz cx="12192000" cy="6858000"/>
   <p:notesSz cx="6858000" cy="9144000"/>
   <p:custDataLst>
-    <p:tags r:id="rId14"/>
+    <p:tags r:id="rId18"/>
   </p:custDataLst>
   <p:defaultTextStyle>
     <a:defPPr>
@@ -121,52 +121,8 @@
     </a:lvl9pPr>
   </p:defaultTextStyle>
   <p:extLst>
-    <p:ext uri="{EFAFB233-063F-42B5-8137-9DF3F51BA10A}">
-      <p15:sldGuideLst xmlns:p15="http://schemas.microsoft.com/office/powerpoint/2012/main">
-        <p15:guide id="1" orient="horz" pos="151">
-          <p15:clr>
-            <a:srgbClr val="A4A3A4"/>
-          </p15:clr>
-        </p15:guide>
-        <p15:guide id="2" orient="horz" pos="4200">
-          <p15:clr>
-            <a:srgbClr val="A4A3A4"/>
-          </p15:clr>
-        </p15:guide>
-        <p15:guide id="3" pos="258">
-          <p15:clr>
-            <a:srgbClr val="A4A3A4"/>
-          </p15:clr>
-        </p15:guide>
-        <p15:guide id="4" pos="7426">
-          <p15:clr>
-            <a:srgbClr val="A4A3A4"/>
-          </p15:clr>
-        </p15:guide>
-        <p15:guide id="5" orient="horz" pos="530">
-          <p15:clr>
-            <a:srgbClr val="A4A3A4"/>
-          </p15:clr>
-        </p15:guide>
-        <p15:guide id="6" orient="horz" pos="772">
-          <p15:clr>
-            <a:srgbClr val="A4A3A4"/>
-          </p15:clr>
-        </p15:guide>
-        <p15:guide id="7" orient="horz" pos="4030">
-          <p15:clr>
-            <a:srgbClr val="A4A3A4"/>
-          </p15:clr>
-        </p15:guide>
-        <p15:guide id="8" orient="horz" pos="3942">
-          <p15:clr>
-            <a:srgbClr val="A4A3A4"/>
-          </p15:clr>
-        </p15:guide>
-      </p15:sldGuideLst>
-    </p:ext>
     <p:ext uri="{505F2C04-C923-438B-8C0F-E0CD2BADF298}">
-      <wppc:fontMiss xmlns:wppc="http://www.wps.cn/officeDocument/PresentationCustomData" xmlns="" type="true"/>
+      <wppc:fontMiss xmlns:wppc="http://www.wps.cn/officeDocument/PresentationCustomData" type="true"/>
     </p:ext>
   </p:extLst>
 </p:presentation>
@@ -254,7 +210,6 @@
           <a:p>
             <a:fld id="{141743F9-9B08-422F-9ECE-BE7148BC7DDC}" type="datetimeFigureOut">
               <a:rPr lang="zh-CN" altLang="en-US" smtClean="0"/>
-              <a:t>2020/10/13</a:t>
             </a:fld>
             <a:endParaRPr lang="zh-CN" altLang="en-US"/>
           </a:p>
@@ -321,6 +276,7 @@
               <a:rPr lang="zh-CN" altLang="en-US"/>
               <a:t>编辑母版文本样式</a:t>
             </a:r>
+            <a:endParaRPr lang="zh-CN" altLang="en-US"/>
           </a:p>
           <a:p>
             <a:pPr lvl="1"/>
@@ -328,6 +284,7 @@
               <a:rPr lang="zh-CN" altLang="en-US"/>
               <a:t>第二级</a:t>
             </a:r>
+            <a:endParaRPr lang="zh-CN" altLang="en-US"/>
           </a:p>
           <a:p>
             <a:pPr lvl="2"/>
@@ -335,6 +292,7 @@
               <a:rPr lang="zh-CN" altLang="en-US"/>
               <a:t>第三级</a:t>
             </a:r>
+            <a:endParaRPr lang="zh-CN" altLang="en-US"/>
           </a:p>
           <a:p>
             <a:pPr lvl="3"/>
@@ -342,6 +300,7 @@
               <a:rPr lang="zh-CN" altLang="en-US"/>
               <a:t>第四级</a:t>
             </a:r>
+            <a:endParaRPr lang="zh-CN" altLang="en-US"/>
           </a:p>
           <a:p>
             <a:pPr lvl="4"/>
@@ -349,6 +308,7 @@
               <a:rPr lang="zh-CN" altLang="en-US"/>
               <a:t>第五级</a:t>
             </a:r>
+            <a:endParaRPr lang="zh-CN" altLang="en-US"/>
           </a:p>
         </p:txBody>
       </p:sp>
@@ -412,18 +372,12 @@
           <a:p>
             <a:fld id="{D34C0232-94FA-4EBE-BB9B-79FBE486032D}" type="slidenum">
               <a:rPr lang="zh-CN" altLang="en-US" smtClean="0"/>
-              <a:t>‹#›</a:t>
             </a:fld>
             <a:endParaRPr lang="zh-CN" altLang="en-US"/>
           </a:p>
         </p:txBody>
       </p:sp>
     </p:spTree>
-    <p:extLst>
-      <p:ext uri="{BB962C8B-B14F-4D97-AF65-F5344CB8AC3E}">
-        <p14:creationId xmlns:p14="http://schemas.microsoft.com/office/powerpoint/2010/main" val="929980005"/>
-      </p:ext>
-    </p:extLst>
   </p:cSld>
   <p:clrMap bg1="lt1" tx1="dk1" bg2="lt2" tx2="dk2" accent1="accent1" accent2="accent2" accent3="accent3" accent4="accent4" accent5="accent5" accent6="accent6" hlink="hlink" folHlink="folHlink"/>
   <p:notesStyle>
@@ -586,18 +540,12 @@
           <a:p>
             <a:fld id="{F14E5D49-73DC-4F12-9286-E1E270B96B4F}" type="slidenum">
               <a:rPr lang="zh-CN" altLang="en-US" smtClean="0"/>
-              <a:t>2</a:t>
             </a:fld>
             <a:endParaRPr lang="zh-CN" altLang="en-US"/>
           </a:p>
         </p:txBody>
       </p:sp>
     </p:spTree>
-    <p:extLst>
-      <p:ext uri="{BB962C8B-B14F-4D97-AF65-F5344CB8AC3E}">
-        <p14:creationId xmlns:p14="http://schemas.microsoft.com/office/powerpoint/2010/main" val="219462794"/>
-      </p:ext>
-    </p:extLst>
   </p:cSld>
   <p:clrMapOvr>
     <a:masterClrMapping/>
@@ -656,11 +604,6 @@
         </p:txBody>
       </p:sp>
     </p:spTree>
-    <p:extLst>
-      <p:ext uri="{BB962C8B-B14F-4D97-AF65-F5344CB8AC3E}">
-        <p14:creationId xmlns:p14="http://schemas.microsoft.com/office/powerpoint/2010/main" val="2255620263"/>
-      </p:ext>
-    </p:extLst>
   </p:cSld>
   <p:clrMapOvr>
     <a:masterClrMapping/>
@@ -719,11 +662,6 @@
         </p:txBody>
       </p:sp>
     </p:spTree>
-    <p:extLst>
-      <p:ext uri="{BB962C8B-B14F-4D97-AF65-F5344CB8AC3E}">
-        <p14:creationId xmlns:p14="http://schemas.microsoft.com/office/powerpoint/2010/main" val="3787034378"/>
-      </p:ext>
-    </p:extLst>
   </p:cSld>
   <p:clrMapOvr>
     <a:masterClrMapping/>
@@ -782,11 +720,6 @@
         </p:txBody>
       </p:sp>
     </p:spTree>
-    <p:extLst>
-      <p:ext uri="{BB962C8B-B14F-4D97-AF65-F5344CB8AC3E}">
-        <p14:creationId xmlns:p14="http://schemas.microsoft.com/office/powerpoint/2010/main" val="2408013116"/>
-      </p:ext>
-    </p:extLst>
   </p:cSld>
   <p:clrMapOvr>
     <a:masterClrMapping/>
@@ -845,11 +778,6 @@
         </p:txBody>
       </p:sp>
     </p:spTree>
-    <p:extLst>
-      <p:ext uri="{BB962C8B-B14F-4D97-AF65-F5344CB8AC3E}">
-        <p14:creationId xmlns:p14="http://schemas.microsoft.com/office/powerpoint/2010/main" val="956227589"/>
-      </p:ext>
-    </p:extLst>
   </p:cSld>
   <p:clrMapOvr>
     <a:masterClrMapping/>
@@ -908,11 +836,6 @@
         </p:txBody>
       </p:sp>
     </p:spTree>
-    <p:extLst>
-      <p:ext uri="{BB962C8B-B14F-4D97-AF65-F5344CB8AC3E}">
-        <p14:creationId xmlns:p14="http://schemas.microsoft.com/office/powerpoint/2010/main" val="1519406825"/>
-      </p:ext>
-    </p:extLst>
   </p:cSld>
   <p:clrMapOvr>
     <a:masterClrMapping/>
@@ -971,11 +894,6 @@
         </p:txBody>
       </p:sp>
     </p:spTree>
-    <p:extLst>
-      <p:ext uri="{BB962C8B-B14F-4D97-AF65-F5344CB8AC3E}">
-        <p14:creationId xmlns:p14="http://schemas.microsoft.com/office/powerpoint/2010/main" val="3518690484"/>
-      </p:ext>
-    </p:extLst>
   </p:cSld>
   <p:clrMapOvr>
     <a:masterClrMapping/>
@@ -1034,11 +952,6 @@
         </p:txBody>
       </p:sp>
     </p:spTree>
-    <p:extLst>
-      <p:ext uri="{BB962C8B-B14F-4D97-AF65-F5344CB8AC3E}">
-        <p14:creationId xmlns:p14="http://schemas.microsoft.com/office/powerpoint/2010/main" val="2712637412"/>
-      </p:ext>
-    </p:extLst>
   </p:cSld>
   <p:clrMapOvr>
     <a:masterClrMapping/>
@@ -1099,13 +1012,13 @@
   <p:clrMapOvr>
     <a:masterClrMapping/>
   </p:clrMapOvr>
-  <mc:AlternateContent xmlns:mc="http://schemas.openxmlformats.org/markup-compatibility/2006" xmlns:p14="http://schemas.microsoft.com/office/powerpoint/2010/main">
-    <mc:Choice Requires="p14">
+  <mc:AlternateContent xmlns:mc="http://schemas.openxmlformats.org/markup-compatibility/2006">
+    <mc:Choice xmlns:p14="http://schemas.microsoft.com/office/powerpoint/2010/main" Requires="p14">
       <p:transition spd="slow" p14:dur="1400" advClick="0" advTm="5000">
         <p14:ripple/>
       </p:transition>
     </mc:Choice>
-    <mc:Fallback xmlns="">
+    <mc:Fallback>
       <p:transition spd="slow" advClick="0" advTm="5000">
         <p:fade/>
       </p:transition>
@@ -1145,7 +1058,7 @@
           <p:cNvGrpSpPr/>
           <p:nvPr userDrawn="1">
             <p:custDataLst>
-              <p:tags r:id="rId1"/>
+              <p:tags r:id="rId2"/>
             </p:custDataLst>
           </p:nvPr>
         </p:nvGrpSpPr>
@@ -1163,12 +1076,12 @@
             <p:cNvPicPr/>
             <p:nvPr userDrawn="1">
               <p:custDataLst>
-                <p:tags r:id="rId7"/>
+                <p:tags r:id="rId3"/>
               </p:custDataLst>
             </p:nvPr>
           </p:nvPicPr>
           <p:blipFill>
-            <a:blip r:embed="rId10" r:link="rId11" cstate="email"/>
+            <a:blip r:embed="rId4" r:link="rId5" cstate="email"/>
             <a:stretch>
               <a:fillRect/>
             </a:stretch>
@@ -1189,12 +1102,12 @@
             <p:cNvPicPr/>
             <p:nvPr userDrawn="1">
               <p:custDataLst>
-                <p:tags r:id="rId8"/>
+                <p:tags r:id="rId6"/>
               </p:custDataLst>
             </p:nvPr>
           </p:nvPicPr>
           <p:blipFill>
-            <a:blip r:embed="rId12" r:link="rId13" cstate="email"/>
+            <a:blip r:embed="rId7" r:link="rId8" cstate="email"/>
             <a:stretch>
               <a:fillRect/>
             </a:stretch>
@@ -1219,7 +1132,7 @@
           <p:nvPr>
             <p:ph type="title"/>
             <p:custDataLst>
-              <p:tags r:id="rId2"/>
+              <p:tags r:id="rId9"/>
             </p:custDataLst>
           </p:nvPr>
         </p:nvSpPr>
@@ -1259,6 +1172,9 @@
               </a:rPr>
               <a:t>单击此处编辑母版标题样式</a:t>
             </a:r>
+            <a:endParaRPr dirty="0">
+              <a:sym typeface="+mn-ea"/>
+            </a:endParaRPr>
           </a:p>
         </p:txBody>
       </p:sp>
@@ -1271,7 +1187,7 @@
           <p:nvPr>
             <p:ph idx="1"/>
             <p:custDataLst>
-              <p:tags r:id="rId3"/>
+              <p:tags r:id="rId10"/>
             </p:custDataLst>
           </p:nvPr>
         </p:nvSpPr>
@@ -1413,6 +1329,9 @@
               </a:rPr>
               <a:t>单击此处编辑母版文本样式</a:t>
             </a:r>
+            <a:endParaRPr dirty="0">
+              <a:sym typeface="+mn-ea"/>
+            </a:endParaRPr>
           </a:p>
           <a:p>
             <a:pPr lvl="1"/>
@@ -1422,6 +1341,9 @@
               </a:rPr>
               <a:t>第二级</a:t>
             </a:r>
+            <a:endParaRPr dirty="0">
+              <a:sym typeface="+mn-ea"/>
+            </a:endParaRPr>
           </a:p>
           <a:p>
             <a:pPr lvl="2"/>
@@ -1431,6 +1353,9 @@
               </a:rPr>
               <a:t>第三级</a:t>
             </a:r>
+            <a:endParaRPr dirty="0">
+              <a:sym typeface="+mn-ea"/>
+            </a:endParaRPr>
           </a:p>
           <a:p>
             <a:pPr lvl="3"/>
@@ -1440,6 +1365,9 @@
               </a:rPr>
               <a:t>第四级</a:t>
             </a:r>
+            <a:endParaRPr dirty="0">
+              <a:sym typeface="+mn-ea"/>
+            </a:endParaRPr>
           </a:p>
           <a:p>
             <a:pPr lvl="4"/>
@@ -1449,6 +1377,9 @@
               </a:rPr>
               <a:t>第五级</a:t>
             </a:r>
+            <a:endParaRPr dirty="0">
+              <a:sym typeface="+mn-ea"/>
+            </a:endParaRPr>
           </a:p>
         </p:txBody>
       </p:sp>
@@ -1461,7 +1392,7 @@
           <p:nvPr>
             <p:ph type="dt" sz="half" idx="10"/>
             <p:custDataLst>
-              <p:tags r:id="rId4"/>
+              <p:tags r:id="rId11"/>
             </p:custDataLst>
           </p:nvPr>
         </p:nvSpPr>
@@ -1486,7 +1417,6 @@
           <a:p>
             <a:fld id="{760FBDFE-C587-4B4C-A407-44438C67B59E}" type="datetimeFigureOut">
               <a:rPr lang="zh-CN" altLang="en-US" smtClean="0"/>
-              <a:t>2020/10/13</a:t>
             </a:fld>
             <a:endParaRPr lang="zh-CN" altLang="en-US"/>
           </a:p>
@@ -1501,7 +1431,7 @@
           <p:nvPr>
             <p:ph type="ftr" sz="quarter" idx="11"/>
             <p:custDataLst>
-              <p:tags r:id="rId5"/>
+              <p:tags r:id="rId12"/>
             </p:custDataLst>
           </p:nvPr>
         </p:nvSpPr>
@@ -1537,7 +1467,7 @@
           <p:nvPr>
             <p:ph type="sldNum" sz="quarter" idx="12"/>
             <p:custDataLst>
-              <p:tags r:id="rId6"/>
+              <p:tags r:id="rId13"/>
             </p:custDataLst>
           </p:nvPr>
         </p:nvSpPr>
@@ -1562,7 +1492,6 @@
           <a:p>
             <a:fld id="{49AE70B2-8BF9-45C0-BB95-33D1B9D3A854}" type="slidenum">
               <a:rPr lang="zh-CN" altLang="en-US" smtClean="0"/>
-              <a:t>‹#›</a:t>
             </a:fld>
             <a:endParaRPr lang="zh-CN" altLang="en-US"/>
           </a:p>
@@ -1607,12 +1536,12 @@
           <p:cNvPicPr/>
           <p:nvPr userDrawn="1">
             <p:custDataLst>
-              <p:tags r:id="rId1"/>
+              <p:tags r:id="rId2"/>
             </p:custDataLst>
           </p:nvPr>
         </p:nvPicPr>
         <p:blipFill>
-          <a:blip r:embed="rId8" r:link="rId9" cstate="email"/>
+          <a:blip r:embed="rId3" r:link="rId4" cstate="email"/>
           <a:stretch>
             <a:fillRect/>
           </a:stretch>
@@ -1636,7 +1565,7 @@
           <p:nvPr>
             <p:ph type="dt" sz="half" idx="10"/>
             <p:custDataLst>
-              <p:tags r:id="rId2"/>
+              <p:tags r:id="rId5"/>
             </p:custDataLst>
           </p:nvPr>
         </p:nvSpPr>
@@ -1661,7 +1590,6 @@
           <a:p>
             <a:fld id="{760FBDFE-C587-4B4C-A407-44438C67B59E}" type="datetimeFigureOut">
               <a:rPr lang="zh-CN" altLang="en-US" smtClean="0"/>
-              <a:t>2020/10/13</a:t>
             </a:fld>
             <a:endParaRPr lang="zh-CN" altLang="en-US"/>
           </a:p>
@@ -1676,7 +1604,7 @@
           <p:nvPr>
             <p:ph type="ftr" sz="quarter" idx="11"/>
             <p:custDataLst>
-              <p:tags r:id="rId3"/>
+              <p:tags r:id="rId6"/>
             </p:custDataLst>
           </p:nvPr>
         </p:nvSpPr>
@@ -1712,7 +1640,7 @@
           <p:nvPr>
             <p:ph type="sldNum" sz="quarter" idx="12"/>
             <p:custDataLst>
-              <p:tags r:id="rId4"/>
+              <p:tags r:id="rId7"/>
             </p:custDataLst>
           </p:nvPr>
         </p:nvSpPr>
@@ -1737,7 +1665,6 @@
           <a:p>
             <a:fld id="{49AE70B2-8BF9-45C0-BB95-33D1B9D3A854}" type="slidenum">
               <a:rPr lang="zh-CN" altLang="en-US" smtClean="0"/>
-              <a:t>‹#›</a:t>
             </a:fld>
             <a:endParaRPr lang="zh-CN" altLang="en-US"/>
           </a:p>
@@ -1752,7 +1679,7 @@
           <p:nvPr>
             <p:ph type="ctrTitle" idx="14" hasCustomPrompt="1"/>
             <p:custDataLst>
-              <p:tags r:id="rId5"/>
+              <p:tags r:id="rId8"/>
             </p:custDataLst>
           </p:nvPr>
         </p:nvSpPr>
@@ -1795,6 +1722,7 @@
               <a:rPr lang="zh-CN" altLang="en-US"/>
               <a:t>编辑标题</a:t>
             </a:r>
+            <a:endParaRPr lang="zh-CN" altLang="en-US"/>
           </a:p>
         </p:txBody>
       </p:sp>
@@ -1807,7 +1735,7 @@
           <p:nvPr>
             <p:ph type="subTitle" idx="13" hasCustomPrompt="1"/>
             <p:custDataLst>
-              <p:tags r:id="rId6"/>
+              <p:tags r:id="rId9"/>
             </p:custDataLst>
           </p:nvPr>
         </p:nvSpPr>
@@ -1874,6 +1802,7 @@
               <a:rPr lang="zh-CN" altLang="en-US"/>
               <a:t>单击此处编辑副标题</a:t>
             </a:r>
+            <a:endParaRPr lang="zh-CN" altLang="en-US"/>
           </a:p>
         </p:txBody>
       </p:sp>
@@ -1916,7 +1845,7 @@
           <p:cNvGrpSpPr/>
           <p:nvPr userDrawn="1">
             <p:custDataLst>
-              <p:tags r:id="rId1"/>
+              <p:tags r:id="rId2"/>
             </p:custDataLst>
           </p:nvPr>
         </p:nvGrpSpPr>
@@ -1934,12 +1863,12 @@
             <p:cNvPicPr/>
             <p:nvPr userDrawn="1">
               <p:custDataLst>
-                <p:tags r:id="rId8"/>
+                <p:tags r:id="rId3"/>
               </p:custDataLst>
             </p:nvPr>
           </p:nvPicPr>
           <p:blipFill>
-            <a:blip r:embed="rId11" r:link="rId12" cstate="email"/>
+            <a:blip r:embed="rId4" r:link="rId5" cstate="email"/>
             <a:stretch>
               <a:fillRect/>
             </a:stretch>
@@ -1960,12 +1889,12 @@
             <p:cNvPicPr/>
             <p:nvPr userDrawn="1">
               <p:custDataLst>
-                <p:tags r:id="rId9"/>
+                <p:tags r:id="rId6"/>
               </p:custDataLst>
             </p:nvPr>
           </p:nvPicPr>
           <p:blipFill>
-            <a:blip r:embed="rId13" r:link="rId14" cstate="email"/>
+            <a:blip r:embed="rId7" r:link="rId8" cstate="email"/>
             <a:stretch>
               <a:fillRect/>
             </a:stretch>
@@ -1990,7 +1919,7 @@
           <p:nvPr>
             <p:ph type="title"/>
             <p:custDataLst>
-              <p:tags r:id="rId2"/>
+              <p:tags r:id="rId9"/>
             </p:custDataLst>
           </p:nvPr>
         </p:nvSpPr>
@@ -2030,6 +1959,9 @@
               </a:rPr>
               <a:t>单击此处编辑母版标题样式</a:t>
             </a:r>
+            <a:endParaRPr>
+              <a:sym typeface="+mn-ea"/>
+            </a:endParaRPr>
           </a:p>
         </p:txBody>
       </p:sp>
@@ -2042,7 +1974,7 @@
           <p:nvPr>
             <p:ph sz="half" idx="1"/>
             <p:custDataLst>
-              <p:tags r:id="rId3"/>
+              <p:tags r:id="rId10"/>
             </p:custDataLst>
           </p:nvPr>
         </p:nvSpPr>
@@ -2184,6 +2116,9 @@
               </a:rPr>
               <a:t>单击此处编辑母版文本样式</a:t>
             </a:r>
+            <a:endParaRPr>
+              <a:sym typeface="+mn-ea"/>
+            </a:endParaRPr>
           </a:p>
           <a:p>
             <a:pPr lvl="1"/>
@@ -2193,6 +2128,9 @@
               </a:rPr>
               <a:t>第二级</a:t>
             </a:r>
+            <a:endParaRPr>
+              <a:sym typeface="+mn-ea"/>
+            </a:endParaRPr>
           </a:p>
           <a:p>
             <a:pPr lvl="2"/>
@@ -2202,6 +2140,9 @@
               </a:rPr>
               <a:t>第三级</a:t>
             </a:r>
+            <a:endParaRPr>
+              <a:sym typeface="+mn-ea"/>
+            </a:endParaRPr>
           </a:p>
           <a:p>
             <a:pPr lvl="3"/>
@@ -2211,6 +2152,9 @@
               </a:rPr>
               <a:t>第四级</a:t>
             </a:r>
+            <a:endParaRPr>
+              <a:sym typeface="+mn-ea"/>
+            </a:endParaRPr>
           </a:p>
           <a:p>
             <a:pPr lvl="4"/>
@@ -2220,6 +2164,9 @@
               </a:rPr>
               <a:t>第五级</a:t>
             </a:r>
+            <a:endParaRPr>
+              <a:sym typeface="+mn-ea"/>
+            </a:endParaRPr>
           </a:p>
         </p:txBody>
       </p:sp>
@@ -2232,7 +2179,7 @@
           <p:nvPr>
             <p:ph sz="half" idx="2"/>
             <p:custDataLst>
-              <p:tags r:id="rId4"/>
+              <p:tags r:id="rId11"/>
             </p:custDataLst>
           </p:nvPr>
         </p:nvSpPr>
@@ -2299,6 +2246,7 @@
               <a:rPr lang="zh-CN" altLang="en-US" dirty="0"/>
               <a:t>单击此处编辑母版文本样式</a:t>
             </a:r>
+            <a:endParaRPr lang="zh-CN" altLang="en-US" dirty="0"/>
           </a:p>
           <a:p>
             <a:pPr lvl="1"/>
@@ -2306,6 +2254,7 @@
               <a:rPr lang="zh-CN" altLang="en-US" dirty="0"/>
               <a:t>第二级</a:t>
             </a:r>
+            <a:endParaRPr lang="zh-CN" altLang="en-US" dirty="0"/>
           </a:p>
           <a:p>
             <a:pPr lvl="2"/>
@@ -2313,6 +2262,7 @@
               <a:rPr lang="zh-CN" altLang="en-US" dirty="0"/>
               <a:t>第三级</a:t>
             </a:r>
+            <a:endParaRPr lang="zh-CN" altLang="en-US" dirty="0"/>
           </a:p>
           <a:p>
             <a:pPr lvl="3"/>
@@ -2320,6 +2270,7 @@
               <a:rPr lang="zh-CN" altLang="en-US" dirty="0"/>
               <a:t>第四级</a:t>
             </a:r>
+            <a:endParaRPr lang="zh-CN" altLang="en-US" dirty="0"/>
           </a:p>
           <a:p>
             <a:pPr lvl="4"/>
@@ -2327,6 +2278,7 @@
               <a:rPr lang="zh-CN" altLang="en-US" dirty="0"/>
               <a:t>第五级</a:t>
             </a:r>
+            <a:endParaRPr lang="zh-CN" altLang="en-US" dirty="0"/>
           </a:p>
         </p:txBody>
       </p:sp>
@@ -2339,7 +2291,7 @@
           <p:nvPr>
             <p:ph type="dt" sz="half" idx="10"/>
             <p:custDataLst>
-              <p:tags r:id="rId5"/>
+              <p:tags r:id="rId12"/>
             </p:custDataLst>
           </p:nvPr>
         </p:nvSpPr>
@@ -2364,7 +2316,6 @@
           <a:p>
             <a:fld id="{760FBDFE-C587-4B4C-A407-44438C67B59E}" type="datetimeFigureOut">
               <a:rPr lang="zh-CN" altLang="en-US" smtClean="0"/>
-              <a:t>2020/10/13</a:t>
             </a:fld>
             <a:endParaRPr lang="zh-CN" altLang="en-US"/>
           </a:p>
@@ -2379,7 +2330,7 @@
           <p:nvPr>
             <p:ph type="ftr" sz="quarter" idx="11"/>
             <p:custDataLst>
-              <p:tags r:id="rId6"/>
+              <p:tags r:id="rId13"/>
             </p:custDataLst>
           </p:nvPr>
         </p:nvSpPr>
@@ -2415,7 +2366,7 @@
           <p:nvPr>
             <p:ph type="sldNum" sz="quarter" idx="12"/>
             <p:custDataLst>
-              <p:tags r:id="rId7"/>
+              <p:tags r:id="rId14"/>
             </p:custDataLst>
           </p:nvPr>
         </p:nvSpPr>
@@ -2440,7 +2391,6 @@
           <a:p>
             <a:fld id="{49AE70B2-8BF9-45C0-BB95-33D1B9D3A854}" type="slidenum">
               <a:rPr lang="zh-CN" altLang="en-US" smtClean="0"/>
-              <a:t>‹#›</a:t>
             </a:fld>
             <a:endParaRPr lang="zh-CN" altLang="en-US"/>
           </a:p>
@@ -2485,7 +2435,7 @@
           <p:cNvGrpSpPr/>
           <p:nvPr userDrawn="1">
             <p:custDataLst>
-              <p:tags r:id="rId1"/>
+              <p:tags r:id="rId2"/>
             </p:custDataLst>
           </p:nvPr>
         </p:nvGrpSpPr>
@@ -2503,12 +2453,12 @@
             <p:cNvPicPr/>
             <p:nvPr userDrawn="1">
               <p:custDataLst>
-                <p:tags r:id="rId10"/>
+                <p:tags r:id="rId3"/>
               </p:custDataLst>
             </p:nvPr>
           </p:nvPicPr>
           <p:blipFill>
-            <a:blip r:embed="rId13" r:link="rId14" cstate="email"/>
+            <a:blip r:embed="rId4" r:link="rId5" cstate="email"/>
             <a:stretch>
               <a:fillRect/>
             </a:stretch>
@@ -2529,12 +2479,12 @@
             <p:cNvPicPr/>
             <p:nvPr userDrawn="1">
               <p:custDataLst>
-                <p:tags r:id="rId11"/>
+                <p:tags r:id="rId6"/>
               </p:custDataLst>
             </p:nvPr>
           </p:nvPicPr>
           <p:blipFill>
-            <a:blip r:embed="rId15" r:link="rId16" cstate="email"/>
+            <a:blip r:embed="rId7" r:link="rId8" cstate="email"/>
             <a:stretch>
               <a:fillRect/>
             </a:stretch>
@@ -2559,7 +2509,7 @@
           <p:nvPr>
             <p:ph type="title"/>
             <p:custDataLst>
-              <p:tags r:id="rId2"/>
+              <p:tags r:id="rId9"/>
             </p:custDataLst>
           </p:nvPr>
         </p:nvSpPr>
@@ -2599,6 +2549,9 @@
               </a:rPr>
               <a:t>单击此处编辑母版标题样式</a:t>
             </a:r>
+            <a:endParaRPr dirty="0">
+              <a:sym typeface="+mn-ea"/>
+            </a:endParaRPr>
           </a:p>
         </p:txBody>
       </p:sp>
@@ -2611,7 +2564,7 @@
           <p:nvPr>
             <p:ph type="body" idx="1" hasCustomPrompt="1"/>
             <p:custDataLst>
-              <p:tags r:id="rId3"/>
+              <p:tags r:id="rId10"/>
             </p:custDataLst>
           </p:nvPr>
         </p:nvSpPr>
@@ -2682,6 +2635,7 @@
               <a:rPr lang="zh-CN" altLang="en-US" dirty="0"/>
               <a:t>单击此处编辑文本</a:t>
             </a:r>
+            <a:endParaRPr lang="zh-CN" altLang="en-US" dirty="0"/>
           </a:p>
         </p:txBody>
       </p:sp>
@@ -2694,7 +2648,7 @@
           <p:nvPr>
             <p:ph sz="half" idx="2"/>
             <p:custDataLst>
-              <p:tags r:id="rId4"/>
+              <p:tags r:id="rId11"/>
             </p:custDataLst>
           </p:nvPr>
         </p:nvSpPr>
@@ -2836,6 +2790,9 @@
               </a:rPr>
               <a:t>单击此处编辑母版文本样式</a:t>
             </a:r>
+            <a:endParaRPr dirty="0">
+              <a:sym typeface="+mn-ea"/>
+            </a:endParaRPr>
           </a:p>
           <a:p>
             <a:pPr lvl="1"/>
@@ -2845,6 +2802,9 @@
               </a:rPr>
               <a:t>第二级</a:t>
             </a:r>
+            <a:endParaRPr dirty="0">
+              <a:sym typeface="+mn-ea"/>
+            </a:endParaRPr>
           </a:p>
           <a:p>
             <a:pPr lvl="2"/>
@@ -2854,6 +2814,9 @@
               </a:rPr>
               <a:t>第三级</a:t>
             </a:r>
+            <a:endParaRPr dirty="0">
+              <a:sym typeface="+mn-ea"/>
+            </a:endParaRPr>
           </a:p>
           <a:p>
             <a:pPr lvl="3"/>
@@ -2863,6 +2826,9 @@
               </a:rPr>
               <a:t>第四级</a:t>
             </a:r>
+            <a:endParaRPr dirty="0">
+              <a:sym typeface="+mn-ea"/>
+            </a:endParaRPr>
           </a:p>
           <a:p>
             <a:pPr lvl="4"/>
@@ -2872,6 +2838,9 @@
               </a:rPr>
               <a:t>第五级</a:t>
             </a:r>
+            <a:endParaRPr dirty="0">
+              <a:sym typeface="+mn-ea"/>
+            </a:endParaRPr>
           </a:p>
         </p:txBody>
       </p:sp>
@@ -2884,7 +2853,7 @@
           <p:nvPr>
             <p:ph type="body" sz="quarter" idx="3" hasCustomPrompt="1"/>
             <p:custDataLst>
-              <p:tags r:id="rId5"/>
+              <p:tags r:id="rId12"/>
             </p:custDataLst>
           </p:nvPr>
         </p:nvSpPr>
@@ -2963,6 +2932,9 @@
               </a:rPr>
               <a:t>单击此处编辑文本</a:t>
             </a:r>
+            <a:endParaRPr>
+              <a:sym typeface="+mn-ea"/>
+            </a:endParaRPr>
           </a:p>
         </p:txBody>
       </p:sp>
@@ -2975,7 +2947,7 @@
           <p:nvPr>
             <p:ph sz="quarter" idx="4"/>
             <p:custDataLst>
-              <p:tags r:id="rId6"/>
+              <p:tags r:id="rId13"/>
             </p:custDataLst>
           </p:nvPr>
         </p:nvSpPr>
@@ -3117,6 +3089,9 @@
               </a:rPr>
               <a:t>单击此处编辑母版文本样式</a:t>
             </a:r>
+            <a:endParaRPr dirty="0">
+              <a:sym typeface="+mn-ea"/>
+            </a:endParaRPr>
           </a:p>
           <a:p>
             <a:pPr lvl="1"/>
@@ -3126,6 +3101,9 @@
               </a:rPr>
               <a:t>第二级</a:t>
             </a:r>
+            <a:endParaRPr dirty="0">
+              <a:sym typeface="+mn-ea"/>
+            </a:endParaRPr>
           </a:p>
           <a:p>
             <a:pPr lvl="2"/>
@@ -3135,6 +3113,9 @@
               </a:rPr>
               <a:t>第三级</a:t>
             </a:r>
+            <a:endParaRPr dirty="0">
+              <a:sym typeface="+mn-ea"/>
+            </a:endParaRPr>
           </a:p>
           <a:p>
             <a:pPr lvl="3"/>
@@ -3144,6 +3125,9 @@
               </a:rPr>
               <a:t>第四级</a:t>
             </a:r>
+            <a:endParaRPr dirty="0">
+              <a:sym typeface="+mn-ea"/>
+            </a:endParaRPr>
           </a:p>
           <a:p>
             <a:pPr lvl="4"/>
@@ -3153,6 +3137,9 @@
               </a:rPr>
               <a:t>第五级</a:t>
             </a:r>
+            <a:endParaRPr dirty="0">
+              <a:sym typeface="+mn-ea"/>
+            </a:endParaRPr>
           </a:p>
         </p:txBody>
       </p:sp>
@@ -3165,7 +3152,7 @@
           <p:nvPr>
             <p:ph type="dt" sz="half" idx="10"/>
             <p:custDataLst>
-              <p:tags r:id="rId7"/>
+              <p:tags r:id="rId14"/>
             </p:custDataLst>
           </p:nvPr>
         </p:nvSpPr>
@@ -3190,7 +3177,6 @@
           <a:p>
             <a:fld id="{760FBDFE-C587-4B4C-A407-44438C67B59E}" type="datetimeFigureOut">
               <a:rPr lang="zh-CN" altLang="en-US" smtClean="0"/>
-              <a:t>2020/10/13</a:t>
             </a:fld>
             <a:endParaRPr lang="zh-CN" altLang="en-US"/>
           </a:p>
@@ -3205,7 +3191,7 @@
           <p:nvPr>
             <p:ph type="ftr" sz="quarter" idx="11"/>
             <p:custDataLst>
-              <p:tags r:id="rId8"/>
+              <p:tags r:id="rId15"/>
             </p:custDataLst>
           </p:nvPr>
         </p:nvSpPr>
@@ -3241,7 +3227,7 @@
           <p:nvPr>
             <p:ph type="sldNum" sz="quarter" idx="12"/>
             <p:custDataLst>
-              <p:tags r:id="rId9"/>
+              <p:tags r:id="rId16"/>
             </p:custDataLst>
           </p:nvPr>
         </p:nvSpPr>
@@ -3266,7 +3252,6 @@
           <a:p>
             <a:fld id="{49AE70B2-8BF9-45C0-BB95-33D1B9D3A854}" type="slidenum">
               <a:rPr lang="zh-CN" altLang="en-US" smtClean="0"/>
-              <a:t>‹#›</a:t>
             </a:fld>
             <a:endParaRPr lang="zh-CN" altLang="en-US"/>
           </a:p>
@@ -3311,12 +3296,12 @@
           <p:cNvPicPr/>
           <p:nvPr userDrawn="1">
             <p:custDataLst>
-              <p:tags r:id="rId1"/>
+              <p:tags r:id="rId2"/>
             </p:custDataLst>
           </p:nvPr>
         </p:nvPicPr>
         <p:blipFill>
-          <a:blip r:embed="rId9" r:link="rId10" cstate="email"/>
+          <a:blip r:embed="rId3" r:link="rId4" cstate="email"/>
           <a:stretch>
             <a:fillRect/>
           </a:stretch>
@@ -3337,7 +3322,7 @@
           <p:cNvSpPr/>
           <p:nvPr userDrawn="1">
             <p:custDataLst>
-              <p:tags r:id="rId2"/>
+              <p:tags r:id="rId5"/>
             </p:custDataLst>
           </p:nvPr>
         </p:nvSpPr>
@@ -3547,12 +3532,12 @@
           <p:cNvPicPr/>
           <p:nvPr userDrawn="1">
             <p:custDataLst>
-              <p:tags r:id="rId3"/>
+              <p:tags r:id="rId6"/>
             </p:custDataLst>
           </p:nvPr>
         </p:nvPicPr>
         <p:blipFill>
-          <a:blip r:embed="rId11" r:link="rId12" cstate="email"/>
+          <a:blip r:embed="rId7" r:link="rId8" cstate="email"/>
           <a:stretch>
             <a:fillRect/>
           </a:stretch>
@@ -3576,7 +3561,7 @@
           <p:nvPr>
             <p:ph type="title"/>
             <p:custDataLst>
-              <p:tags r:id="rId4"/>
+              <p:tags r:id="rId9"/>
             </p:custDataLst>
           </p:nvPr>
         </p:nvSpPr>
@@ -3616,6 +3601,9 @@
               </a:rPr>
               <a:t>单击此处编辑母版标题样式</a:t>
             </a:r>
+            <a:endParaRPr>
+              <a:sym typeface="+mn-ea"/>
+            </a:endParaRPr>
           </a:p>
         </p:txBody>
       </p:sp>
@@ -3628,7 +3616,7 @@
           <p:nvPr>
             <p:ph type="dt" sz="half" idx="10"/>
             <p:custDataLst>
-              <p:tags r:id="rId5"/>
+              <p:tags r:id="rId10"/>
             </p:custDataLst>
           </p:nvPr>
         </p:nvSpPr>
@@ -3653,7 +3641,6 @@
           <a:p>
             <a:fld id="{760FBDFE-C587-4B4C-A407-44438C67B59E}" type="datetimeFigureOut">
               <a:rPr lang="zh-CN" altLang="en-US" smtClean="0"/>
-              <a:t>2020/10/13</a:t>
             </a:fld>
             <a:endParaRPr lang="zh-CN" altLang="en-US"/>
           </a:p>
@@ -3668,7 +3655,7 @@
           <p:nvPr>
             <p:ph type="ftr" sz="quarter" idx="11"/>
             <p:custDataLst>
-              <p:tags r:id="rId6"/>
+              <p:tags r:id="rId11"/>
             </p:custDataLst>
           </p:nvPr>
         </p:nvSpPr>
@@ -3704,7 +3691,7 @@
           <p:nvPr>
             <p:ph type="sldNum" sz="quarter" idx="12"/>
             <p:custDataLst>
-              <p:tags r:id="rId7"/>
+              <p:tags r:id="rId12"/>
             </p:custDataLst>
           </p:nvPr>
         </p:nvSpPr>
@@ -3729,7 +3716,6 @@
           <a:p>
             <a:fld id="{49AE70B2-8BF9-45C0-BB95-33D1B9D3A854}" type="slidenum">
               <a:rPr lang="zh-CN" altLang="en-US" smtClean="0"/>
-              <a:t>‹#›</a:t>
             </a:fld>
             <a:endParaRPr lang="zh-CN" altLang="en-US"/>
           </a:p>
@@ -3777,7 +3763,7 @@
           <p:nvPr>
             <p:ph type="dt" sz="half" idx="10"/>
             <p:custDataLst>
-              <p:tags r:id="rId1"/>
+              <p:tags r:id="rId2"/>
             </p:custDataLst>
           </p:nvPr>
         </p:nvSpPr>
@@ -3802,7 +3788,6 @@
           <a:p>
             <a:fld id="{760FBDFE-C587-4B4C-A407-44438C67B59E}" type="datetimeFigureOut">
               <a:rPr lang="zh-CN" altLang="en-US" smtClean="0"/>
-              <a:t>2020/10/13</a:t>
             </a:fld>
             <a:endParaRPr lang="zh-CN" altLang="en-US"/>
           </a:p>
@@ -3817,7 +3802,7 @@
           <p:nvPr>
             <p:ph type="ftr" sz="quarter" idx="11"/>
             <p:custDataLst>
-              <p:tags r:id="rId2"/>
+              <p:tags r:id="rId3"/>
             </p:custDataLst>
           </p:nvPr>
         </p:nvSpPr>
@@ -3853,7 +3838,7 @@
           <p:nvPr>
             <p:ph type="sldNum" sz="quarter" idx="12"/>
             <p:custDataLst>
-              <p:tags r:id="rId3"/>
+              <p:tags r:id="rId4"/>
             </p:custDataLst>
           </p:nvPr>
         </p:nvSpPr>
@@ -3878,7 +3863,6 @@
           <a:p>
             <a:fld id="{49AE70B2-8BF9-45C0-BB95-33D1B9D3A854}" type="slidenum">
               <a:rPr lang="zh-CN" altLang="en-US" smtClean="0"/>
-              <a:t>‹#›</a:t>
             </a:fld>
             <a:endParaRPr lang="zh-CN" altLang="en-US"/>
           </a:p>
@@ -3923,7 +3907,7 @@
           <p:cNvGrpSpPr/>
           <p:nvPr userDrawn="1">
             <p:custDataLst>
-              <p:tags r:id="rId1"/>
+              <p:tags r:id="rId2"/>
             </p:custDataLst>
           </p:nvPr>
         </p:nvGrpSpPr>
@@ -3941,12 +3925,12 @@
             <p:cNvPicPr/>
             <p:nvPr userDrawn="1">
               <p:custDataLst>
-                <p:tags r:id="rId8"/>
+                <p:tags r:id="rId3"/>
               </p:custDataLst>
             </p:nvPr>
           </p:nvPicPr>
           <p:blipFill>
-            <a:blip r:embed="rId11" r:link="rId12" cstate="email"/>
+            <a:blip r:embed="rId4" r:link="rId5" cstate="email"/>
             <a:stretch>
               <a:fillRect/>
             </a:stretch>
@@ -3967,12 +3951,12 @@
             <p:cNvPicPr/>
             <p:nvPr userDrawn="1">
               <p:custDataLst>
-                <p:tags r:id="rId9"/>
+                <p:tags r:id="rId6"/>
               </p:custDataLst>
             </p:nvPr>
           </p:nvPicPr>
           <p:blipFill>
-            <a:blip r:embed="rId13" r:link="rId14" cstate="email"/>
+            <a:blip r:embed="rId7" r:link="rId8" cstate="email"/>
             <a:stretch>
               <a:fillRect/>
             </a:stretch>
@@ -3997,7 +3981,7 @@
           <p:nvPr>
             <p:ph type="title"/>
             <p:custDataLst>
-              <p:tags r:id="rId2"/>
+              <p:tags r:id="rId9"/>
             </p:custDataLst>
           </p:nvPr>
         </p:nvSpPr>
@@ -4037,6 +4021,9 @@
               </a:rPr>
               <a:t>单击此处编辑母版标题样式</a:t>
             </a:r>
+            <a:endParaRPr dirty="0">
+              <a:sym typeface="+mn-ea"/>
+            </a:endParaRPr>
           </a:p>
         </p:txBody>
       </p:sp>
@@ -4049,7 +4036,7 @@
           <p:nvPr>
             <p:ph type="pic" idx="1"/>
             <p:custDataLst>
-              <p:tags r:id="rId3"/>
+              <p:tags r:id="rId10"/>
             </p:custDataLst>
           </p:nvPr>
         </p:nvSpPr>
@@ -4200,7 +4187,7 @@
           <p:nvPr>
             <p:ph type="body" sz="half" idx="2"/>
             <p:custDataLst>
-              <p:tags r:id="rId4"/>
+              <p:tags r:id="rId11"/>
             </p:custDataLst>
           </p:nvPr>
         </p:nvSpPr>
@@ -4247,6 +4234,9 @@
               </a:rPr>
               <a:t>单击此处编辑母版文本样式</a:t>
             </a:r>
+            <a:endParaRPr>
+              <a:sym typeface="+mn-ea"/>
+            </a:endParaRPr>
           </a:p>
         </p:txBody>
       </p:sp>
@@ -4259,7 +4249,7 @@
           <p:nvPr>
             <p:ph type="dt" sz="half" idx="10"/>
             <p:custDataLst>
-              <p:tags r:id="rId5"/>
+              <p:tags r:id="rId12"/>
             </p:custDataLst>
           </p:nvPr>
         </p:nvSpPr>
@@ -4284,7 +4274,6 @@
           <a:p>
             <a:fld id="{9EFD9D74-47D9-4702-A33C-335B63B48DBF}" type="datetimeFigureOut">
               <a:rPr lang="zh-CN" altLang="en-US" smtClean="0"/>
-              <a:t>2020/10/13</a:t>
             </a:fld>
             <a:endParaRPr lang="zh-CN" altLang="en-US" dirty="0"/>
           </a:p>
@@ -4299,7 +4288,7 @@
           <p:nvPr>
             <p:ph type="ftr" sz="quarter" idx="11"/>
             <p:custDataLst>
-              <p:tags r:id="rId6"/>
+              <p:tags r:id="rId13"/>
             </p:custDataLst>
           </p:nvPr>
         </p:nvSpPr>
@@ -4335,7 +4324,7 @@
           <p:nvPr>
             <p:ph type="sldNum" sz="quarter" idx="12"/>
             <p:custDataLst>
-              <p:tags r:id="rId7"/>
+              <p:tags r:id="rId14"/>
             </p:custDataLst>
           </p:nvPr>
         </p:nvSpPr>
@@ -4360,7 +4349,6 @@
           <a:p>
             <a:fld id="{FABC47A4-756D-490B-A52F-7D9E2C9FC05F}" type="slidenum">
               <a:rPr lang="zh-CN" altLang="en-US" smtClean="0"/>
-              <a:t>‹#›</a:t>
             </a:fld>
             <a:endParaRPr lang="zh-CN" altLang="en-US"/>
           </a:p>
@@ -4405,7 +4393,7 @@
           <p:cNvGrpSpPr/>
           <p:nvPr userDrawn="1">
             <p:custDataLst>
-              <p:tags r:id="rId1"/>
+              <p:tags r:id="rId2"/>
             </p:custDataLst>
           </p:nvPr>
         </p:nvGrpSpPr>
@@ -4423,12 +4411,12 @@
             <p:cNvPicPr/>
             <p:nvPr userDrawn="1">
               <p:custDataLst>
-                <p:tags r:id="rId7"/>
+                <p:tags r:id="rId3"/>
               </p:custDataLst>
             </p:nvPr>
           </p:nvPicPr>
           <p:blipFill>
-            <a:blip r:embed="rId10" r:link="rId11" cstate="email"/>
+            <a:blip r:embed="rId4" r:link="rId5" cstate="email"/>
             <a:stretch>
               <a:fillRect/>
             </a:stretch>
@@ -4449,12 +4437,12 @@
             <p:cNvPicPr/>
             <p:nvPr userDrawn="1">
               <p:custDataLst>
-                <p:tags r:id="rId8"/>
+                <p:tags r:id="rId6"/>
               </p:custDataLst>
             </p:nvPr>
           </p:nvPicPr>
           <p:blipFill>
-            <a:blip r:embed="rId12" r:link="rId13" cstate="email"/>
+            <a:blip r:embed="rId7" r:link="rId8" cstate="email"/>
             <a:stretch>
               <a:fillRect/>
             </a:stretch>
@@ -4479,7 +4467,7 @@
           <p:nvPr>
             <p:ph type="title" orient="vert"/>
             <p:custDataLst>
-              <p:tags r:id="rId2"/>
+              <p:tags r:id="rId9"/>
             </p:custDataLst>
           </p:nvPr>
         </p:nvSpPr>
@@ -4522,6 +4510,9 @@
               </a:rPr>
               <a:t>单击此处编辑母版标题样式</a:t>
             </a:r>
+            <a:endParaRPr>
+              <a:sym typeface="+mn-ea"/>
+            </a:endParaRPr>
           </a:p>
         </p:txBody>
       </p:sp>
@@ -4534,7 +4525,7 @@
           <p:nvPr>
             <p:ph type="body" orient="vert" idx="1"/>
             <p:custDataLst>
-              <p:tags r:id="rId3"/>
+              <p:tags r:id="rId10"/>
             </p:custDataLst>
           </p:nvPr>
         </p:nvSpPr>
@@ -4601,6 +4592,7 @@
               <a:rPr lang="zh-CN" altLang="en-US" dirty="0"/>
               <a:t>单击此处编辑母版文本样式</a:t>
             </a:r>
+            <a:endParaRPr lang="zh-CN" altLang="en-US" dirty="0"/>
           </a:p>
           <a:p>
             <a:pPr lvl="1"/>
@@ -4608,6 +4600,7 @@
               <a:rPr lang="zh-CN" altLang="en-US" dirty="0"/>
               <a:t>第二级</a:t>
             </a:r>
+            <a:endParaRPr lang="zh-CN" altLang="en-US" dirty="0"/>
           </a:p>
           <a:p>
             <a:pPr lvl="2"/>
@@ -4615,6 +4608,7 @@
               <a:rPr lang="zh-CN" altLang="en-US" dirty="0"/>
               <a:t>第三级</a:t>
             </a:r>
+            <a:endParaRPr lang="zh-CN" altLang="en-US" dirty="0"/>
           </a:p>
           <a:p>
             <a:pPr lvl="3"/>
@@ -4622,6 +4616,7 @@
               <a:rPr lang="zh-CN" altLang="en-US" dirty="0"/>
               <a:t>第四级</a:t>
             </a:r>
+            <a:endParaRPr lang="zh-CN" altLang="en-US" dirty="0"/>
           </a:p>
           <a:p>
             <a:pPr lvl="4"/>
@@ -4629,6 +4624,7 @@
               <a:rPr lang="zh-CN" altLang="en-US" dirty="0"/>
               <a:t>第五级</a:t>
             </a:r>
+            <a:endParaRPr lang="zh-CN" altLang="en-US" dirty="0"/>
           </a:p>
         </p:txBody>
       </p:sp>
@@ -4641,7 +4637,7 @@
           <p:nvPr>
             <p:ph type="dt" sz="half" idx="10"/>
             <p:custDataLst>
-              <p:tags r:id="rId4"/>
+              <p:tags r:id="rId11"/>
             </p:custDataLst>
           </p:nvPr>
         </p:nvSpPr>
@@ -4666,7 +4662,6 @@
           <a:p>
             <a:fld id="{760FBDFE-C587-4B4C-A407-44438C67B59E}" type="datetimeFigureOut">
               <a:rPr lang="zh-CN" altLang="en-US" smtClean="0"/>
-              <a:t>2020/10/13</a:t>
             </a:fld>
             <a:endParaRPr lang="zh-CN" altLang="en-US"/>
           </a:p>
@@ -4681,7 +4676,7 @@
           <p:nvPr>
             <p:ph type="ftr" sz="quarter" idx="11"/>
             <p:custDataLst>
-              <p:tags r:id="rId5"/>
+              <p:tags r:id="rId12"/>
             </p:custDataLst>
           </p:nvPr>
         </p:nvSpPr>
@@ -4717,7 +4712,7 @@
           <p:nvPr>
             <p:ph type="sldNum" sz="quarter" idx="12"/>
             <p:custDataLst>
-              <p:tags r:id="rId6"/>
+              <p:tags r:id="rId13"/>
             </p:custDataLst>
           </p:nvPr>
         </p:nvSpPr>
@@ -4742,7 +4737,6 @@
           <a:p>
             <a:fld id="{49AE70B2-8BF9-45C0-BB95-33D1B9D3A854}" type="slidenum">
               <a:rPr lang="zh-CN" altLang="en-US" smtClean="0"/>
-              <a:t>‹#›</a:t>
             </a:fld>
             <a:endParaRPr lang="zh-CN" altLang="en-US"/>
           </a:p>
@@ -4787,7 +4781,7 @@
           <p:cNvGrpSpPr/>
           <p:nvPr userDrawn="1">
             <p:custDataLst>
-              <p:tags r:id="rId1"/>
+              <p:tags r:id="rId2"/>
             </p:custDataLst>
           </p:nvPr>
         </p:nvGrpSpPr>
@@ -4805,12 +4799,12 @@
             <p:cNvPicPr/>
             <p:nvPr userDrawn="1">
               <p:custDataLst>
-                <p:tags r:id="rId6"/>
+                <p:tags r:id="rId3"/>
               </p:custDataLst>
             </p:nvPr>
           </p:nvPicPr>
           <p:blipFill>
-            <a:blip r:embed="rId9" r:link="rId10" cstate="email"/>
+            <a:blip r:embed="rId4" r:link="rId5" cstate="email"/>
             <a:stretch>
               <a:fillRect/>
             </a:stretch>
@@ -4831,12 +4825,12 @@
             <p:cNvPicPr/>
             <p:nvPr userDrawn="1">
               <p:custDataLst>
-                <p:tags r:id="rId7"/>
+                <p:tags r:id="rId6"/>
               </p:custDataLst>
             </p:nvPr>
           </p:nvPicPr>
           <p:blipFill>
-            <a:blip r:embed="rId11" r:link="rId12" cstate="email"/>
+            <a:blip r:embed="rId7" r:link="rId8" cstate="email"/>
             <a:stretch>
               <a:fillRect/>
             </a:stretch>
@@ -4861,7 +4855,7 @@
           <p:nvPr>
             <p:ph type="dt" sz="half" idx="10"/>
             <p:custDataLst>
-              <p:tags r:id="rId2"/>
+              <p:tags r:id="rId9"/>
             </p:custDataLst>
           </p:nvPr>
         </p:nvSpPr>
@@ -4886,7 +4880,6 @@
           <a:p>
             <a:fld id="{760FBDFE-C587-4B4C-A407-44438C67B59E}" type="datetimeFigureOut">
               <a:rPr lang="zh-CN" altLang="en-US" smtClean="0"/>
-              <a:t>2020/10/13</a:t>
             </a:fld>
             <a:endParaRPr lang="zh-CN" altLang="en-US"/>
           </a:p>
@@ -4901,7 +4894,7 @@
           <p:nvPr>
             <p:ph type="ftr" sz="quarter" idx="11"/>
             <p:custDataLst>
-              <p:tags r:id="rId3"/>
+              <p:tags r:id="rId10"/>
             </p:custDataLst>
           </p:nvPr>
         </p:nvSpPr>
@@ -4937,7 +4930,7 @@
           <p:nvPr>
             <p:ph type="sldNum" sz="quarter" idx="12"/>
             <p:custDataLst>
-              <p:tags r:id="rId4"/>
+              <p:tags r:id="rId11"/>
             </p:custDataLst>
           </p:nvPr>
         </p:nvSpPr>
@@ -4962,7 +4955,6 @@
           <a:p>
             <a:fld id="{49AE70B2-8BF9-45C0-BB95-33D1B9D3A854}" type="slidenum">
               <a:rPr lang="zh-CN" altLang="en-US" smtClean="0"/>
-              <a:t>‹#›</a:t>
             </a:fld>
             <a:endParaRPr lang="zh-CN" altLang="en-US"/>
           </a:p>
@@ -4977,7 +4969,7 @@
           <p:nvPr>
             <p:ph sz="quarter" idx="13"/>
             <p:custDataLst>
-              <p:tags r:id="rId5"/>
+              <p:tags r:id="rId12"/>
             </p:custDataLst>
           </p:nvPr>
         </p:nvSpPr>
@@ -5044,6 +5036,7 @@
               <a:rPr lang="zh-CN" altLang="en-US" dirty="0"/>
               <a:t>单击此处编辑母版文本样式</a:t>
             </a:r>
+            <a:endParaRPr lang="zh-CN" altLang="en-US" dirty="0"/>
           </a:p>
           <a:p>
             <a:pPr lvl="1"/>
@@ -5051,6 +5044,7 @@
               <a:rPr lang="zh-CN" altLang="en-US" dirty="0"/>
               <a:t>第二级</a:t>
             </a:r>
+            <a:endParaRPr lang="zh-CN" altLang="en-US" dirty="0"/>
           </a:p>
           <a:p>
             <a:pPr lvl="2"/>
@@ -5058,6 +5052,7 @@
               <a:rPr lang="zh-CN" altLang="en-US" dirty="0"/>
               <a:t>第三级</a:t>
             </a:r>
+            <a:endParaRPr lang="zh-CN" altLang="en-US" dirty="0"/>
           </a:p>
           <a:p>
             <a:pPr lvl="3"/>
@@ -5065,6 +5060,7 @@
               <a:rPr lang="zh-CN" altLang="en-US" dirty="0"/>
               <a:t>第四级</a:t>
             </a:r>
+            <a:endParaRPr lang="zh-CN" altLang="en-US" dirty="0"/>
           </a:p>
           <a:p>
             <a:pPr lvl="4"/>
@@ -5072,6 +5068,7 @@
               <a:rPr lang="zh-CN" altLang="en-US" dirty="0"/>
               <a:t>第五级</a:t>
             </a:r>
+            <a:endParaRPr lang="zh-CN" altLang="en-US" dirty="0"/>
           </a:p>
         </p:txBody>
       </p:sp>
@@ -5089,7 +5086,7 @@
     <p:bg>
       <p:bgPr>
         <a:blipFill dpi="0" rotWithShape="1">
-          <a:blip r:embed="rId7">
+          <a:blip r:embed="rId2">
             <a:lum/>
           </a:blip>
           <a:srcRect/>
@@ -5123,7 +5120,7 @@
           <p:nvPr>
             <p:ph type="dt" sz="half" idx="10"/>
             <p:custDataLst>
-              <p:tags r:id="rId1"/>
+              <p:tags r:id="rId3"/>
             </p:custDataLst>
           </p:nvPr>
         </p:nvSpPr>
@@ -5148,7 +5145,6 @@
           <a:p>
             <a:fld id="{760FBDFE-C587-4B4C-A407-44438C67B59E}" type="datetimeFigureOut">
               <a:rPr lang="zh-CN" altLang="en-US" smtClean="0"/>
-              <a:t>2020/10/13</a:t>
             </a:fld>
             <a:endParaRPr lang="zh-CN" altLang="en-US"/>
           </a:p>
@@ -5163,7 +5159,7 @@
           <p:nvPr>
             <p:ph type="ftr" sz="quarter" idx="11"/>
             <p:custDataLst>
-              <p:tags r:id="rId2"/>
+              <p:tags r:id="rId4"/>
             </p:custDataLst>
           </p:nvPr>
         </p:nvSpPr>
@@ -5199,7 +5195,7 @@
           <p:nvPr>
             <p:ph type="sldNum" sz="quarter" idx="12"/>
             <p:custDataLst>
-              <p:tags r:id="rId3"/>
+              <p:tags r:id="rId5"/>
             </p:custDataLst>
           </p:nvPr>
         </p:nvSpPr>
@@ -5224,7 +5220,6 @@
           <a:p>
             <a:fld id="{49AE70B2-8BF9-45C0-BB95-33D1B9D3A854}" type="slidenum">
               <a:rPr lang="zh-CN" altLang="en-US" smtClean="0"/>
-              <a:t>‹#›</a:t>
             </a:fld>
             <a:endParaRPr lang="zh-CN" altLang="en-US"/>
           </a:p>
@@ -5239,7 +5234,7 @@
           <p:nvPr>
             <p:ph type="title" idx="13" hasCustomPrompt="1"/>
             <p:custDataLst>
-              <p:tags r:id="rId4"/>
+              <p:tags r:id="rId6"/>
             </p:custDataLst>
           </p:nvPr>
         </p:nvSpPr>
@@ -5284,6 +5279,7 @@
               <a:rPr lang="zh-CN" altLang="en-US" dirty="0"/>
               <a:t>编辑标题</a:t>
             </a:r>
+            <a:endParaRPr lang="zh-CN" altLang="en-US" dirty="0"/>
           </a:p>
         </p:txBody>
       </p:sp>
@@ -5296,7 +5292,7 @@
           <p:nvPr>
             <p:ph type="body" sz="quarter" idx="14" hasCustomPrompt="1"/>
             <p:custDataLst>
-              <p:tags r:id="rId5"/>
+              <p:tags r:id="rId7"/>
             </p:custDataLst>
           </p:nvPr>
         </p:nvSpPr>
@@ -5322,6 +5318,7 @@
               <a:rPr lang="zh-CN" altLang="en-US" dirty="0"/>
               <a:t>单击此处编辑副标题内容</a:t>
             </a:r>
+            <a:endParaRPr lang="zh-CN" altLang="en-US" dirty="0"/>
           </a:p>
         </p:txBody>
       </p:sp>
@@ -5417,13 +5414,13 @@
   <p:clrMapOvr>
     <a:masterClrMapping/>
   </p:clrMapOvr>
-  <mc:AlternateContent xmlns:mc="http://schemas.openxmlformats.org/markup-compatibility/2006" xmlns:p14="http://schemas.microsoft.com/office/powerpoint/2010/main">
-    <mc:Choice Requires="p14">
+  <mc:AlternateContent xmlns:mc="http://schemas.openxmlformats.org/markup-compatibility/2006">
+    <mc:Choice xmlns:p14="http://schemas.microsoft.com/office/powerpoint/2010/main" Requires="p14">
       <p:transition spd="slow" p14:dur="1400" advClick="0" advTm="5000">
         <p14:doors dir="vert"/>
       </p:transition>
     </mc:Choice>
-    <mc:Fallback xmlns="">
+    <mc:Fallback>
       <p:transition spd="slow" advClick="0" advTm="5000">
         <p:fade/>
       </p:transition>
@@ -5463,12 +5460,12 @@
           <p:cNvPicPr/>
           <p:nvPr userDrawn="1">
             <p:custDataLst>
-              <p:tags r:id="rId1"/>
+              <p:tags r:id="rId2"/>
             </p:custDataLst>
           </p:nvPr>
         </p:nvPicPr>
         <p:blipFill>
-          <a:blip r:embed="rId8" r:link="rId9" cstate="email"/>
+          <a:blip r:embed="rId3" r:link="rId4" cstate="email"/>
           <a:stretch>
             <a:fillRect/>
           </a:stretch>
@@ -5489,12 +5486,12 @@
           <p:cNvPicPr/>
           <p:nvPr userDrawn="1">
             <p:custDataLst>
-              <p:tags r:id="rId2"/>
+              <p:tags r:id="rId5"/>
             </p:custDataLst>
           </p:nvPr>
         </p:nvPicPr>
         <p:blipFill>
-          <a:blip r:embed="rId10" r:link="rId11" cstate="email"/>
+          <a:blip r:embed="rId6" r:link="rId7" cstate="email"/>
           <a:stretch>
             <a:fillRect/>
           </a:stretch>
@@ -5518,7 +5515,7 @@
           <p:nvPr>
             <p:ph type="title"/>
             <p:custDataLst>
-              <p:tags r:id="rId3"/>
+              <p:tags r:id="rId8"/>
             </p:custDataLst>
           </p:nvPr>
         </p:nvSpPr>
@@ -5548,6 +5545,7 @@
               <a:rPr lang="zh-CN" altLang="en-US" dirty="0"/>
               <a:t>单击此处编辑母版标题样式</a:t>
             </a:r>
+            <a:endParaRPr lang="zh-CN" altLang="en-US" dirty="0"/>
           </a:p>
         </p:txBody>
       </p:sp>
@@ -5560,7 +5558,7 @@
           <p:nvPr>
             <p:ph type="dt" sz="half" idx="10"/>
             <p:custDataLst>
-              <p:tags r:id="rId4"/>
+              <p:tags r:id="rId9"/>
             </p:custDataLst>
           </p:nvPr>
         </p:nvSpPr>
@@ -5585,7 +5583,6 @@
           <a:p>
             <a:fld id="{760FBDFE-C587-4B4C-A407-44438C67B59E}" type="datetimeFigureOut">
               <a:rPr lang="zh-CN" altLang="en-US" smtClean="0"/>
-              <a:t>2020/10/13</a:t>
             </a:fld>
             <a:endParaRPr lang="zh-CN" altLang="en-US"/>
           </a:p>
@@ -5600,7 +5597,7 @@
           <p:nvPr>
             <p:ph type="ftr" sz="quarter" idx="11"/>
             <p:custDataLst>
-              <p:tags r:id="rId5"/>
+              <p:tags r:id="rId10"/>
             </p:custDataLst>
           </p:nvPr>
         </p:nvSpPr>
@@ -5636,7 +5633,7 @@
           <p:nvPr>
             <p:ph type="sldNum" sz="quarter" idx="12"/>
             <p:custDataLst>
-              <p:tags r:id="rId6"/>
+              <p:tags r:id="rId11"/>
             </p:custDataLst>
           </p:nvPr>
         </p:nvSpPr>
@@ -5661,7 +5658,6 @@
           <a:p>
             <a:fld id="{49AE70B2-8BF9-45C0-BB95-33D1B9D3A854}" type="slidenum">
               <a:rPr lang="zh-CN" altLang="en-US" smtClean="0"/>
-              <a:t>‹#›</a:t>
             </a:fld>
             <a:endParaRPr lang="zh-CN" altLang="en-US" dirty="0"/>
           </a:p>
@@ -5706,7 +5702,7 @@
           <p:cNvSpPr/>
           <p:nvPr userDrawn="1">
             <p:custDataLst>
-              <p:tags r:id="rId1"/>
+              <p:tags r:id="rId2"/>
             </p:custDataLst>
           </p:nvPr>
         </p:nvSpPr>
@@ -5767,12 +5763,12 @@
           <p:cNvPicPr/>
           <p:nvPr userDrawn="1">
             <p:custDataLst>
-              <p:tags r:id="rId2"/>
+              <p:tags r:id="rId3"/>
             </p:custDataLst>
           </p:nvPr>
         </p:nvPicPr>
         <p:blipFill>
-          <a:blip r:embed="rId10" r:link="rId11" cstate="email"/>
+          <a:blip r:embed="rId4" r:link="rId5" cstate="email"/>
           <a:stretch>
             <a:fillRect/>
           </a:stretch>
@@ -5793,12 +5789,12 @@
           <p:cNvPicPr/>
           <p:nvPr userDrawn="1">
             <p:custDataLst>
-              <p:tags r:id="rId3"/>
+              <p:tags r:id="rId6"/>
             </p:custDataLst>
           </p:nvPr>
         </p:nvPicPr>
         <p:blipFill>
-          <a:blip r:embed="rId12" r:link="rId13" cstate="email"/>
+          <a:blip r:embed="rId7" r:link="rId8" cstate="email"/>
           <a:stretch>
             <a:fillRect/>
           </a:stretch>
@@ -5822,7 +5818,7 @@
           <p:nvPr>
             <p:ph type="title" hasCustomPrompt="1"/>
             <p:custDataLst>
-              <p:tags r:id="rId4"/>
+              <p:tags r:id="rId9"/>
             </p:custDataLst>
           </p:nvPr>
         </p:nvSpPr>
@@ -5852,6 +5848,7 @@
               <a:rPr lang="zh-CN" altLang="en-US" dirty="0"/>
               <a:t>单击此处编辑标题</a:t>
             </a:r>
+            <a:endParaRPr lang="zh-CN" altLang="en-US" dirty="0"/>
           </a:p>
         </p:txBody>
       </p:sp>
@@ -5864,7 +5861,7 @@
           <p:nvPr>
             <p:ph sz="quarter" idx="13"/>
             <p:custDataLst>
-              <p:tags r:id="rId5"/>
+              <p:tags r:id="rId10"/>
             </p:custDataLst>
           </p:nvPr>
         </p:nvSpPr>
@@ -5931,6 +5928,7 @@
               <a:rPr lang="zh-CN" altLang="en-US" dirty="0"/>
               <a:t>单击此处编辑母版文本样式</a:t>
             </a:r>
+            <a:endParaRPr lang="zh-CN" altLang="en-US" dirty="0"/>
           </a:p>
           <a:p>
             <a:pPr lvl="1"/>
@@ -5938,6 +5936,7 @@
               <a:rPr lang="zh-CN" altLang="en-US" dirty="0"/>
               <a:t>第二级</a:t>
             </a:r>
+            <a:endParaRPr lang="zh-CN" altLang="en-US" dirty="0"/>
           </a:p>
           <a:p>
             <a:pPr lvl="2"/>
@@ -5945,6 +5944,7 @@
               <a:rPr lang="zh-CN" altLang="en-US" dirty="0"/>
               <a:t>第三级</a:t>
             </a:r>
+            <a:endParaRPr lang="zh-CN" altLang="en-US" dirty="0"/>
           </a:p>
           <a:p>
             <a:pPr lvl="3"/>
@@ -5952,6 +5952,7 @@
               <a:rPr lang="zh-CN" altLang="en-US" dirty="0"/>
               <a:t>第四级</a:t>
             </a:r>
+            <a:endParaRPr lang="zh-CN" altLang="en-US" dirty="0"/>
           </a:p>
           <a:p>
             <a:pPr lvl="4"/>
@@ -5959,6 +5960,7 @@
               <a:rPr lang="zh-CN" altLang="en-US" dirty="0"/>
               <a:t>第五级</a:t>
             </a:r>
+            <a:endParaRPr lang="zh-CN" altLang="en-US" dirty="0"/>
           </a:p>
         </p:txBody>
       </p:sp>
@@ -5971,7 +5973,7 @@
           <p:nvPr>
             <p:ph type="dt" sz="half" idx="10"/>
             <p:custDataLst>
-              <p:tags r:id="rId6"/>
+              <p:tags r:id="rId11"/>
             </p:custDataLst>
           </p:nvPr>
         </p:nvSpPr>
@@ -5996,7 +5998,6 @@
           <a:p>
             <a:fld id="{760FBDFE-C587-4B4C-A407-44438C67B59E}" type="datetimeFigureOut">
               <a:rPr lang="zh-CN" altLang="en-US" smtClean="0"/>
-              <a:t>2020/10/13</a:t>
             </a:fld>
             <a:endParaRPr lang="zh-CN" altLang="en-US"/>
           </a:p>
@@ -6011,7 +6012,7 @@
           <p:nvPr>
             <p:ph type="ftr" sz="quarter" idx="11"/>
             <p:custDataLst>
-              <p:tags r:id="rId7"/>
+              <p:tags r:id="rId12"/>
             </p:custDataLst>
           </p:nvPr>
         </p:nvSpPr>
@@ -6047,7 +6048,7 @@
           <p:nvPr>
             <p:ph type="sldNum" sz="quarter" idx="12"/>
             <p:custDataLst>
-              <p:tags r:id="rId8"/>
+              <p:tags r:id="rId13"/>
             </p:custDataLst>
           </p:nvPr>
         </p:nvSpPr>
@@ -6072,7 +6073,6 @@
           <a:p>
             <a:fld id="{49AE70B2-8BF9-45C0-BB95-33D1B9D3A854}" type="slidenum">
               <a:rPr lang="zh-CN" altLang="en-US" smtClean="0"/>
-              <a:t>‹#›</a:t>
             </a:fld>
             <a:endParaRPr lang="zh-CN" altLang="en-US" dirty="0"/>
           </a:p>
@@ -6117,7 +6117,7 @@
           <p:cNvSpPr/>
           <p:nvPr userDrawn="1">
             <p:custDataLst>
-              <p:tags r:id="rId1"/>
+              <p:tags r:id="rId2"/>
             </p:custDataLst>
           </p:nvPr>
         </p:nvSpPr>
@@ -6178,12 +6178,12 @@
           <p:cNvPicPr/>
           <p:nvPr userDrawn="1">
             <p:custDataLst>
-              <p:tags r:id="rId2"/>
+              <p:tags r:id="rId3"/>
             </p:custDataLst>
           </p:nvPr>
         </p:nvPicPr>
         <p:blipFill>
-          <a:blip r:embed="rId10" r:link="rId11" cstate="email"/>
+          <a:blip r:embed="rId4" r:link="rId5" cstate="email"/>
           <a:stretch>
             <a:fillRect/>
           </a:stretch>
@@ -6207,7 +6207,7 @@
           <p:nvPr>
             <p:ph type="title" hasCustomPrompt="1"/>
             <p:custDataLst>
-              <p:tags r:id="rId3"/>
+              <p:tags r:id="rId6"/>
             </p:custDataLst>
           </p:nvPr>
         </p:nvSpPr>
@@ -6237,6 +6237,7 @@
               <a:rPr lang="zh-CN" altLang="en-US" dirty="0"/>
               <a:t>单击编辑标题</a:t>
             </a:r>
+            <a:endParaRPr lang="zh-CN" altLang="en-US" dirty="0"/>
           </a:p>
         </p:txBody>
       </p:sp>
@@ -6249,7 +6250,7 @@
           <p:nvPr>
             <p:ph type="dt" sz="half" idx="10"/>
             <p:custDataLst>
-              <p:tags r:id="rId4"/>
+              <p:tags r:id="rId7"/>
             </p:custDataLst>
           </p:nvPr>
         </p:nvSpPr>
@@ -6274,7 +6275,6 @@
           <a:p>
             <a:fld id="{760FBDFE-C587-4B4C-A407-44438C67B59E}" type="datetimeFigureOut">
               <a:rPr lang="zh-CN" altLang="en-US" smtClean="0"/>
-              <a:t>2020/10/13</a:t>
             </a:fld>
             <a:endParaRPr lang="zh-CN" altLang="en-US"/>
           </a:p>
@@ -6289,7 +6289,7 @@
           <p:nvPr>
             <p:ph type="ftr" sz="quarter" idx="11"/>
             <p:custDataLst>
-              <p:tags r:id="rId5"/>
+              <p:tags r:id="rId8"/>
             </p:custDataLst>
           </p:nvPr>
         </p:nvSpPr>
@@ -6325,7 +6325,7 @@
           <p:nvPr>
             <p:ph type="sldNum" sz="quarter" idx="12"/>
             <p:custDataLst>
-              <p:tags r:id="rId6"/>
+              <p:tags r:id="rId9"/>
             </p:custDataLst>
           </p:nvPr>
         </p:nvSpPr>
@@ -6350,7 +6350,6 @@
           <a:p>
             <a:fld id="{49AE70B2-8BF9-45C0-BB95-33D1B9D3A854}" type="slidenum">
               <a:rPr lang="zh-CN" altLang="en-US" smtClean="0"/>
-              <a:t>‹#›</a:t>
             </a:fld>
             <a:endParaRPr lang="zh-CN" altLang="en-US" dirty="0"/>
           </a:p>
@@ -6365,7 +6364,7 @@
           <p:nvPr>
             <p:ph type="body" sz="quarter" idx="13"/>
             <p:custDataLst>
-              <p:tags r:id="rId7"/>
+              <p:tags r:id="rId10"/>
             </p:custDataLst>
           </p:nvPr>
         </p:nvSpPr>
@@ -6432,6 +6431,7 @@
               <a:rPr lang="zh-CN" altLang="en-US" dirty="0"/>
               <a:t>单击此处编辑母版文本样式</a:t>
             </a:r>
+            <a:endParaRPr lang="zh-CN" altLang="en-US" dirty="0"/>
           </a:p>
           <a:p>
             <a:pPr lvl="1"/>
@@ -6439,6 +6439,7 @@
               <a:rPr lang="zh-CN" altLang="en-US" dirty="0"/>
               <a:t>第二级</a:t>
             </a:r>
+            <a:endParaRPr lang="zh-CN" altLang="en-US" dirty="0"/>
           </a:p>
           <a:p>
             <a:pPr lvl="2"/>
@@ -6446,6 +6447,7 @@
               <a:rPr lang="zh-CN" altLang="en-US" dirty="0"/>
               <a:t>第三级</a:t>
             </a:r>
+            <a:endParaRPr lang="zh-CN" altLang="en-US" dirty="0"/>
           </a:p>
           <a:p>
             <a:pPr lvl="3"/>
@@ -6453,6 +6455,7 @@
               <a:rPr lang="zh-CN" altLang="en-US" dirty="0"/>
               <a:t>第四级</a:t>
             </a:r>
+            <a:endParaRPr lang="zh-CN" altLang="en-US" dirty="0"/>
           </a:p>
           <a:p>
             <a:pPr lvl="4"/>
@@ -6460,6 +6463,7 @@
               <a:rPr lang="zh-CN" altLang="en-US" dirty="0"/>
               <a:t>第五级</a:t>
             </a:r>
+            <a:endParaRPr lang="zh-CN" altLang="en-US" dirty="0"/>
           </a:p>
         </p:txBody>
       </p:sp>
@@ -6472,7 +6476,7 @@
           <p:nvPr>
             <p:ph sz="quarter" idx="14"/>
             <p:custDataLst>
-              <p:tags r:id="rId8"/>
+              <p:tags r:id="rId11"/>
             </p:custDataLst>
           </p:nvPr>
         </p:nvSpPr>
@@ -6539,6 +6543,7 @@
               <a:rPr lang="zh-CN" altLang="en-US" dirty="0"/>
               <a:t>单击此处编辑母版文本样式</a:t>
             </a:r>
+            <a:endParaRPr lang="zh-CN" altLang="en-US" dirty="0"/>
           </a:p>
           <a:p>
             <a:pPr lvl="1"/>
@@ -6546,6 +6551,7 @@
               <a:rPr lang="zh-CN" altLang="en-US" dirty="0"/>
               <a:t>第二级</a:t>
             </a:r>
+            <a:endParaRPr lang="zh-CN" altLang="en-US" dirty="0"/>
           </a:p>
           <a:p>
             <a:pPr lvl="2"/>
@@ -6553,6 +6559,7 @@
               <a:rPr lang="zh-CN" altLang="en-US" dirty="0"/>
               <a:t>第三级</a:t>
             </a:r>
+            <a:endParaRPr lang="zh-CN" altLang="en-US" dirty="0"/>
           </a:p>
           <a:p>
             <a:pPr lvl="3"/>
@@ -6560,6 +6567,7 @@
               <a:rPr lang="zh-CN" altLang="en-US" dirty="0"/>
               <a:t>第四级</a:t>
             </a:r>
+            <a:endParaRPr lang="zh-CN" altLang="en-US" dirty="0"/>
           </a:p>
           <a:p>
             <a:pPr lvl="4"/>
@@ -6567,6 +6575,7 @@
               <a:rPr lang="zh-CN" altLang="en-US" dirty="0"/>
               <a:t>第五级</a:t>
             </a:r>
+            <a:endParaRPr lang="zh-CN" altLang="en-US" dirty="0"/>
           </a:p>
         </p:txBody>
       </p:sp>
@@ -6609,7 +6618,7 @@
           <p:cNvSpPr/>
           <p:nvPr userDrawn="1">
             <p:custDataLst>
-              <p:tags r:id="rId1"/>
+              <p:tags r:id="rId2"/>
             </p:custDataLst>
           </p:nvPr>
         </p:nvSpPr>
@@ -6670,12 +6679,12 @@
           <p:cNvPicPr/>
           <p:nvPr userDrawn="1">
             <p:custDataLst>
-              <p:tags r:id="rId2"/>
+              <p:tags r:id="rId3"/>
             </p:custDataLst>
           </p:nvPr>
         </p:nvPicPr>
         <p:blipFill>
-          <a:blip r:embed="rId11" r:link="rId12" cstate="email"/>
+          <a:blip r:embed="rId4" r:link="rId5" cstate="email"/>
           <a:stretch>
             <a:fillRect/>
           </a:stretch>
@@ -6696,12 +6705,12 @@
           <p:cNvPicPr/>
           <p:nvPr userDrawn="1">
             <p:custDataLst>
-              <p:tags r:id="rId3"/>
+              <p:tags r:id="rId6"/>
             </p:custDataLst>
           </p:nvPr>
         </p:nvPicPr>
         <p:blipFill>
-          <a:blip r:embed="rId13" r:link="rId14" cstate="email"/>
+          <a:blip r:embed="rId7" r:link="rId8" cstate="email"/>
           <a:stretch>
             <a:fillRect/>
           </a:stretch>
@@ -6725,7 +6734,7 @@
           <p:nvPr>
             <p:ph type="title"/>
             <p:custDataLst>
-              <p:tags r:id="rId4"/>
+              <p:tags r:id="rId9"/>
             </p:custDataLst>
           </p:nvPr>
         </p:nvSpPr>
@@ -6755,6 +6764,7 @@
               <a:rPr lang="zh-CN" altLang="en-US"/>
               <a:t>单击此处编辑母版标题样式</a:t>
             </a:r>
+            <a:endParaRPr lang="zh-CN" altLang="en-US"/>
           </a:p>
         </p:txBody>
       </p:sp>
@@ -6767,7 +6777,7 @@
           <p:nvPr>
             <p:ph type="dt" sz="half" idx="10"/>
             <p:custDataLst>
-              <p:tags r:id="rId5"/>
+              <p:tags r:id="rId10"/>
             </p:custDataLst>
           </p:nvPr>
         </p:nvSpPr>
@@ -6792,7 +6802,6 @@
           <a:p>
             <a:fld id="{760FBDFE-C587-4B4C-A407-44438C67B59E}" type="datetimeFigureOut">
               <a:rPr lang="zh-CN" altLang="en-US" smtClean="0"/>
-              <a:t>2020/10/13</a:t>
             </a:fld>
             <a:endParaRPr lang="zh-CN" altLang="en-US"/>
           </a:p>
@@ -6807,7 +6816,7 @@
           <p:nvPr>
             <p:ph type="ftr" sz="quarter" idx="11"/>
             <p:custDataLst>
-              <p:tags r:id="rId6"/>
+              <p:tags r:id="rId11"/>
             </p:custDataLst>
           </p:nvPr>
         </p:nvSpPr>
@@ -6843,7 +6852,7 @@
           <p:nvPr>
             <p:ph type="sldNum" sz="quarter" idx="12"/>
             <p:custDataLst>
-              <p:tags r:id="rId7"/>
+              <p:tags r:id="rId12"/>
             </p:custDataLst>
           </p:nvPr>
         </p:nvSpPr>
@@ -6868,7 +6877,6 @@
           <a:p>
             <a:fld id="{49AE70B2-8BF9-45C0-BB95-33D1B9D3A854}" type="slidenum">
               <a:rPr lang="zh-CN" altLang="en-US" smtClean="0"/>
-              <a:t>‹#›</a:t>
             </a:fld>
             <a:endParaRPr lang="zh-CN" altLang="en-US" dirty="0"/>
           </a:p>
@@ -6883,7 +6891,7 @@
           <p:nvPr>
             <p:ph type="body" sz="quarter" idx="13"/>
             <p:custDataLst>
-              <p:tags r:id="rId8"/>
+              <p:tags r:id="rId13"/>
             </p:custDataLst>
           </p:nvPr>
         </p:nvSpPr>
@@ -6914,6 +6922,7 @@
               <a:rPr lang="zh-CN" altLang="en-US" dirty="0"/>
               <a:t>单击此处编辑母版文本样式</a:t>
             </a:r>
+            <a:endParaRPr lang="zh-CN" altLang="en-US" dirty="0"/>
           </a:p>
         </p:txBody>
       </p:sp>
@@ -6926,7 +6935,7 @@
           <p:nvPr>
             <p:ph sz="quarter" idx="14"/>
             <p:custDataLst>
-              <p:tags r:id="rId9"/>
+              <p:tags r:id="rId14"/>
             </p:custDataLst>
           </p:nvPr>
         </p:nvSpPr>
@@ -6993,6 +7002,7 @@
               <a:rPr lang="zh-CN" altLang="en-US" dirty="0"/>
               <a:t>单击此处编辑母版文本样式</a:t>
             </a:r>
+            <a:endParaRPr lang="zh-CN" altLang="en-US" dirty="0"/>
           </a:p>
           <a:p>
             <a:pPr lvl="1"/>
@@ -7000,6 +7010,7 @@
               <a:rPr lang="zh-CN" altLang="en-US" dirty="0"/>
               <a:t>第二级</a:t>
             </a:r>
+            <a:endParaRPr lang="zh-CN" altLang="en-US" dirty="0"/>
           </a:p>
           <a:p>
             <a:pPr lvl="2"/>
@@ -7007,6 +7018,7 @@
               <a:rPr lang="zh-CN" altLang="en-US" dirty="0"/>
               <a:t>第三级</a:t>
             </a:r>
+            <a:endParaRPr lang="zh-CN" altLang="en-US" dirty="0"/>
           </a:p>
           <a:p>
             <a:pPr lvl="3"/>
@@ -7014,6 +7026,7 @@
               <a:rPr lang="zh-CN" altLang="en-US" dirty="0"/>
               <a:t>第四级</a:t>
             </a:r>
+            <a:endParaRPr lang="zh-CN" altLang="en-US" dirty="0"/>
           </a:p>
           <a:p>
             <a:pPr lvl="4"/>
@@ -7021,6 +7034,7 @@
               <a:rPr lang="zh-CN" altLang="en-US" dirty="0"/>
               <a:t>第五级</a:t>
             </a:r>
+            <a:endParaRPr lang="zh-CN" altLang="en-US" dirty="0"/>
           </a:p>
         </p:txBody>
       </p:sp>
@@ -7063,7 +7077,7 @@
           <p:cNvSpPr/>
           <p:nvPr userDrawn="1">
             <p:custDataLst>
-              <p:tags r:id="rId1"/>
+              <p:tags r:id="rId2"/>
             </p:custDataLst>
           </p:nvPr>
         </p:nvSpPr>
@@ -7124,12 +7138,12 @@
           <p:cNvPicPr/>
           <p:nvPr userDrawn="1">
             <p:custDataLst>
-              <p:tags r:id="rId2"/>
+              <p:tags r:id="rId3"/>
             </p:custDataLst>
           </p:nvPr>
         </p:nvPicPr>
         <p:blipFill>
-          <a:blip r:embed="rId11" r:link="rId12" cstate="email"/>
+          <a:blip r:embed="rId4" r:link="rId5" cstate="email"/>
           <a:stretch>
             <a:fillRect/>
           </a:stretch>
@@ -7150,12 +7164,12 @@
           <p:cNvPicPr/>
           <p:nvPr userDrawn="1">
             <p:custDataLst>
-              <p:tags r:id="rId3"/>
+              <p:tags r:id="rId6"/>
             </p:custDataLst>
           </p:nvPr>
         </p:nvPicPr>
         <p:blipFill>
-          <a:blip r:embed="rId13" r:link="rId14" cstate="email"/>
+          <a:blip r:embed="rId7" r:link="rId8" cstate="email"/>
           <a:stretch>
             <a:fillRect/>
           </a:stretch>
@@ -7179,7 +7193,7 @@
           <p:nvPr>
             <p:ph type="title"/>
             <p:custDataLst>
-              <p:tags r:id="rId4"/>
+              <p:tags r:id="rId9"/>
             </p:custDataLst>
           </p:nvPr>
         </p:nvSpPr>
@@ -7209,6 +7223,7 @@
               <a:rPr lang="zh-CN" altLang="en-US" dirty="0"/>
               <a:t>单击此处编辑母版标题样式</a:t>
             </a:r>
+            <a:endParaRPr lang="zh-CN" altLang="en-US" dirty="0"/>
           </a:p>
         </p:txBody>
       </p:sp>
@@ -7221,7 +7236,7 @@
           <p:nvPr>
             <p:ph type="dt" sz="half" idx="10"/>
             <p:custDataLst>
-              <p:tags r:id="rId5"/>
+              <p:tags r:id="rId10"/>
             </p:custDataLst>
           </p:nvPr>
         </p:nvSpPr>
@@ -7246,7 +7261,6 @@
           <a:p>
             <a:fld id="{760FBDFE-C587-4B4C-A407-44438C67B59E}" type="datetimeFigureOut">
               <a:rPr lang="zh-CN" altLang="en-US" smtClean="0"/>
-              <a:t>2020/10/13</a:t>
             </a:fld>
             <a:endParaRPr lang="zh-CN" altLang="en-US"/>
           </a:p>
@@ -7261,7 +7275,7 @@
           <p:nvPr>
             <p:ph type="ftr" sz="quarter" idx="11"/>
             <p:custDataLst>
-              <p:tags r:id="rId6"/>
+              <p:tags r:id="rId11"/>
             </p:custDataLst>
           </p:nvPr>
         </p:nvSpPr>
@@ -7297,7 +7311,7 @@
           <p:nvPr>
             <p:ph type="sldNum" sz="quarter" idx="12"/>
             <p:custDataLst>
-              <p:tags r:id="rId7"/>
+              <p:tags r:id="rId12"/>
             </p:custDataLst>
           </p:nvPr>
         </p:nvSpPr>
@@ -7322,7 +7336,6 @@
           <a:p>
             <a:fld id="{49AE70B2-8BF9-45C0-BB95-33D1B9D3A854}" type="slidenum">
               <a:rPr lang="zh-CN" altLang="en-US" smtClean="0"/>
-              <a:t>‹#›</a:t>
             </a:fld>
             <a:endParaRPr lang="zh-CN" altLang="en-US" dirty="0"/>
           </a:p>
@@ -7337,7 +7350,7 @@
           <p:nvPr>
             <p:ph sz="quarter" idx="13"/>
             <p:custDataLst>
-              <p:tags r:id="rId8"/>
+              <p:tags r:id="rId13"/>
             </p:custDataLst>
           </p:nvPr>
         </p:nvSpPr>
@@ -7404,6 +7417,7 @@
               <a:rPr lang="zh-CN" altLang="en-US" dirty="0"/>
               <a:t>单击此处编辑母版文本样式</a:t>
             </a:r>
+            <a:endParaRPr lang="zh-CN" altLang="en-US" dirty="0"/>
           </a:p>
           <a:p>
             <a:pPr lvl="1"/>
@@ -7411,6 +7425,7 @@
               <a:rPr lang="zh-CN" altLang="en-US" dirty="0"/>
               <a:t>第二级</a:t>
             </a:r>
+            <a:endParaRPr lang="zh-CN" altLang="en-US" dirty="0"/>
           </a:p>
           <a:p>
             <a:pPr lvl="2"/>
@@ -7418,6 +7433,7 @@
               <a:rPr lang="zh-CN" altLang="en-US" dirty="0"/>
               <a:t>第三级</a:t>
             </a:r>
+            <a:endParaRPr lang="zh-CN" altLang="en-US" dirty="0"/>
           </a:p>
           <a:p>
             <a:pPr lvl="3"/>
@@ -7425,6 +7441,7 @@
               <a:rPr lang="zh-CN" altLang="en-US" dirty="0"/>
               <a:t>第四级</a:t>
             </a:r>
+            <a:endParaRPr lang="zh-CN" altLang="en-US" dirty="0"/>
           </a:p>
           <a:p>
             <a:pPr lvl="4"/>
@@ -7432,6 +7449,7 @@
               <a:rPr lang="zh-CN" altLang="en-US" dirty="0"/>
               <a:t>第五级</a:t>
             </a:r>
+            <a:endParaRPr lang="zh-CN" altLang="en-US" dirty="0"/>
           </a:p>
         </p:txBody>
       </p:sp>
@@ -7444,7 +7462,7 @@
           <p:nvPr>
             <p:ph type="body" sz="quarter" idx="14"/>
             <p:custDataLst>
-              <p:tags r:id="rId9"/>
+              <p:tags r:id="rId14"/>
             </p:custDataLst>
           </p:nvPr>
         </p:nvSpPr>
@@ -7475,6 +7493,7 @@
               <a:rPr lang="zh-CN" altLang="en-US" dirty="0"/>
               <a:t>单击此处编辑母版文本样式</a:t>
             </a:r>
+            <a:endParaRPr lang="zh-CN" altLang="en-US" dirty="0"/>
           </a:p>
         </p:txBody>
       </p:sp>
@@ -7517,7 +7536,7 @@
           <p:cNvSpPr/>
           <p:nvPr userDrawn="1">
             <p:custDataLst>
-              <p:tags r:id="rId1"/>
+              <p:tags r:id="rId2"/>
             </p:custDataLst>
           </p:nvPr>
         </p:nvSpPr>
@@ -7578,12 +7597,12 @@
           <p:cNvPicPr/>
           <p:nvPr userDrawn="1">
             <p:custDataLst>
-              <p:tags r:id="rId2"/>
+              <p:tags r:id="rId3"/>
             </p:custDataLst>
           </p:nvPr>
         </p:nvPicPr>
         <p:blipFill>
-          <a:blip r:embed="rId13" r:link="rId14" cstate="email"/>
+          <a:blip r:embed="rId4" r:link="rId5" cstate="email"/>
           <a:stretch>
             <a:fillRect/>
           </a:stretch>
@@ -7604,12 +7623,12 @@
           <p:cNvPicPr/>
           <p:nvPr userDrawn="1">
             <p:custDataLst>
-              <p:tags r:id="rId3"/>
+              <p:tags r:id="rId6"/>
             </p:custDataLst>
           </p:nvPr>
         </p:nvPicPr>
         <p:blipFill>
-          <a:blip r:embed="rId15" r:link="rId16" cstate="email"/>
+          <a:blip r:embed="rId7" r:link="rId8" cstate="email"/>
           <a:stretch>
             <a:fillRect/>
           </a:stretch>
@@ -7633,7 +7652,7 @@
           <p:nvPr>
             <p:ph type="title"/>
             <p:custDataLst>
-              <p:tags r:id="rId4"/>
+              <p:tags r:id="rId9"/>
             </p:custDataLst>
           </p:nvPr>
         </p:nvSpPr>
@@ -7663,6 +7682,7 @@
               <a:rPr lang="zh-CN" altLang="en-US" dirty="0"/>
               <a:t>单击此处编辑母版标题样式</a:t>
             </a:r>
+            <a:endParaRPr lang="zh-CN" altLang="en-US" dirty="0"/>
           </a:p>
         </p:txBody>
       </p:sp>
@@ -7675,7 +7695,7 @@
           <p:nvPr>
             <p:ph type="dt" sz="half" idx="10"/>
             <p:custDataLst>
-              <p:tags r:id="rId5"/>
+              <p:tags r:id="rId10"/>
             </p:custDataLst>
           </p:nvPr>
         </p:nvSpPr>
@@ -7700,7 +7720,6 @@
           <a:p>
             <a:fld id="{760FBDFE-C587-4B4C-A407-44438C67B59E}" type="datetimeFigureOut">
               <a:rPr lang="zh-CN" altLang="en-US" smtClean="0"/>
-              <a:t>2020/10/13</a:t>
             </a:fld>
             <a:endParaRPr lang="zh-CN" altLang="en-US"/>
           </a:p>
@@ -7715,7 +7734,7 @@
           <p:nvPr>
             <p:ph type="ftr" sz="quarter" idx="11"/>
             <p:custDataLst>
-              <p:tags r:id="rId6"/>
+              <p:tags r:id="rId11"/>
             </p:custDataLst>
           </p:nvPr>
         </p:nvSpPr>
@@ -7751,7 +7770,7 @@
           <p:nvPr>
             <p:ph type="sldNum" sz="quarter" idx="12"/>
             <p:custDataLst>
-              <p:tags r:id="rId7"/>
+              <p:tags r:id="rId12"/>
             </p:custDataLst>
           </p:nvPr>
         </p:nvSpPr>
@@ -7776,7 +7795,6 @@
           <a:p>
             <a:fld id="{49AE70B2-8BF9-45C0-BB95-33D1B9D3A854}" type="slidenum">
               <a:rPr lang="zh-CN" altLang="en-US" smtClean="0"/>
-              <a:t>‹#›</a:t>
             </a:fld>
             <a:endParaRPr lang="zh-CN" altLang="en-US" dirty="0"/>
           </a:p>
@@ -7791,7 +7809,7 @@
           <p:nvPr>
             <p:ph sz="quarter" idx="13"/>
             <p:custDataLst>
-              <p:tags r:id="rId8"/>
+              <p:tags r:id="rId13"/>
             </p:custDataLst>
           </p:nvPr>
         </p:nvSpPr>
@@ -7858,6 +7876,7 @@
               <a:rPr lang="zh-CN" altLang="en-US" dirty="0"/>
               <a:t>单击此处编辑母版文本样式</a:t>
             </a:r>
+            <a:endParaRPr lang="zh-CN" altLang="en-US" dirty="0"/>
           </a:p>
           <a:p>
             <a:pPr lvl="1"/>
@@ -7865,6 +7884,7 @@
               <a:rPr lang="zh-CN" altLang="en-US" dirty="0"/>
               <a:t>第二级</a:t>
             </a:r>
+            <a:endParaRPr lang="zh-CN" altLang="en-US" dirty="0"/>
           </a:p>
           <a:p>
             <a:pPr lvl="2"/>
@@ -7872,6 +7892,7 @@
               <a:rPr lang="zh-CN" altLang="en-US" dirty="0"/>
               <a:t>第三级</a:t>
             </a:r>
+            <a:endParaRPr lang="zh-CN" altLang="en-US" dirty="0"/>
           </a:p>
           <a:p>
             <a:pPr lvl="3"/>
@@ -7879,6 +7900,7 @@
               <a:rPr lang="zh-CN" altLang="en-US" dirty="0"/>
               <a:t>第四级</a:t>
             </a:r>
+            <a:endParaRPr lang="zh-CN" altLang="en-US" dirty="0"/>
           </a:p>
           <a:p>
             <a:pPr lvl="4"/>
@@ -7886,6 +7908,7 @@
               <a:rPr lang="zh-CN" altLang="en-US" dirty="0"/>
               <a:t>第五级</a:t>
             </a:r>
+            <a:endParaRPr lang="zh-CN" altLang="en-US" dirty="0"/>
           </a:p>
         </p:txBody>
       </p:sp>
@@ -7898,7 +7921,7 @@
           <p:nvPr>
             <p:ph sz="quarter" idx="14"/>
             <p:custDataLst>
-              <p:tags r:id="rId9"/>
+              <p:tags r:id="rId14"/>
             </p:custDataLst>
           </p:nvPr>
         </p:nvSpPr>
@@ -7965,6 +7988,7 @@
               <a:rPr lang="zh-CN" altLang="en-US" dirty="0"/>
               <a:t>单击此处编辑母版文本样式</a:t>
             </a:r>
+            <a:endParaRPr lang="zh-CN" altLang="en-US" dirty="0"/>
           </a:p>
           <a:p>
             <a:pPr lvl="1"/>
@@ -7972,6 +7996,7 @@
               <a:rPr lang="zh-CN" altLang="en-US" dirty="0"/>
               <a:t>第二级</a:t>
             </a:r>
+            <a:endParaRPr lang="zh-CN" altLang="en-US" dirty="0"/>
           </a:p>
           <a:p>
             <a:pPr lvl="2"/>
@@ -7979,6 +8004,7 @@
               <a:rPr lang="zh-CN" altLang="en-US" dirty="0"/>
               <a:t>第三级</a:t>
             </a:r>
+            <a:endParaRPr lang="zh-CN" altLang="en-US" dirty="0"/>
           </a:p>
           <a:p>
             <a:pPr lvl="3"/>
@@ -7986,6 +8012,7 @@
               <a:rPr lang="zh-CN" altLang="en-US" dirty="0"/>
               <a:t>第四级</a:t>
             </a:r>
+            <a:endParaRPr lang="zh-CN" altLang="en-US" dirty="0"/>
           </a:p>
           <a:p>
             <a:pPr lvl="4"/>
@@ -7993,6 +8020,7 @@
               <a:rPr lang="zh-CN" altLang="en-US" dirty="0"/>
               <a:t>第五级</a:t>
             </a:r>
+            <a:endParaRPr lang="zh-CN" altLang="en-US" dirty="0"/>
           </a:p>
         </p:txBody>
       </p:sp>
@@ -8005,7 +8033,7 @@
           <p:nvPr>
             <p:ph type="body" sz="quarter" idx="15"/>
             <p:custDataLst>
-              <p:tags r:id="rId10"/>
+              <p:tags r:id="rId15"/>
             </p:custDataLst>
           </p:nvPr>
         </p:nvSpPr>
@@ -8036,6 +8064,7 @@
               <a:rPr lang="zh-CN" altLang="en-US" dirty="0"/>
               <a:t>单击此处编辑母版文本样式</a:t>
             </a:r>
+            <a:endParaRPr lang="zh-CN" altLang="en-US" dirty="0"/>
           </a:p>
         </p:txBody>
       </p:sp>
@@ -8048,7 +8077,7 @@
           <p:nvPr>
             <p:ph type="body" sz="quarter" idx="16"/>
             <p:custDataLst>
-              <p:tags r:id="rId11"/>
+              <p:tags r:id="rId16"/>
             </p:custDataLst>
           </p:nvPr>
         </p:nvSpPr>
@@ -8079,6 +8108,7 @@
               <a:rPr lang="zh-CN" altLang="en-US" dirty="0"/>
               <a:t>单击此处编辑母版文本样式</a:t>
             </a:r>
+            <a:endParaRPr lang="zh-CN" altLang="en-US" dirty="0"/>
           </a:p>
         </p:txBody>
       </p:sp>
@@ -8121,7 +8151,7 @@
           <p:cNvSpPr/>
           <p:nvPr userDrawn="1">
             <p:custDataLst>
-              <p:tags r:id="rId1"/>
+              <p:tags r:id="rId2"/>
             </p:custDataLst>
           </p:nvPr>
         </p:nvSpPr>
@@ -8182,12 +8212,12 @@
           <p:cNvPicPr/>
           <p:nvPr userDrawn="1">
             <p:custDataLst>
-              <p:tags r:id="rId2"/>
+              <p:tags r:id="rId3"/>
             </p:custDataLst>
           </p:nvPr>
         </p:nvPicPr>
         <p:blipFill>
-          <a:blip r:embed="rId10" r:link="rId11" cstate="email"/>
+          <a:blip r:embed="rId4" r:link="rId5" cstate="email"/>
           <a:stretch>
             <a:fillRect/>
           </a:stretch>
@@ -8208,12 +8238,12 @@
           <p:cNvPicPr/>
           <p:nvPr userDrawn="1">
             <p:custDataLst>
-              <p:tags r:id="rId3"/>
+              <p:tags r:id="rId6"/>
             </p:custDataLst>
           </p:nvPr>
         </p:nvPicPr>
         <p:blipFill>
-          <a:blip r:embed="rId12" r:link="rId13" cstate="email"/>
+          <a:blip r:embed="rId7" r:link="rId8" cstate="email"/>
           <a:stretch>
             <a:fillRect/>
           </a:stretch>
@@ -8237,7 +8267,7 @@
           <p:nvPr>
             <p:ph type="title" hasCustomPrompt="1"/>
             <p:custDataLst>
-              <p:tags r:id="rId4"/>
+              <p:tags r:id="rId9"/>
             </p:custDataLst>
           </p:nvPr>
         </p:nvSpPr>
@@ -8267,6 +8297,7 @@
               <a:rPr lang="zh-CN" altLang="en-US" dirty="0"/>
               <a:t>单击此处编辑标题</a:t>
             </a:r>
+            <a:endParaRPr lang="zh-CN" altLang="en-US" dirty="0"/>
           </a:p>
         </p:txBody>
       </p:sp>
@@ -8279,7 +8310,7 @@
           <p:nvPr>
             <p:ph type="dt" sz="half" idx="10"/>
             <p:custDataLst>
-              <p:tags r:id="rId5"/>
+              <p:tags r:id="rId10"/>
             </p:custDataLst>
           </p:nvPr>
         </p:nvSpPr>
@@ -8304,7 +8335,6 @@
           <a:p>
             <a:fld id="{760FBDFE-C587-4B4C-A407-44438C67B59E}" type="datetimeFigureOut">
               <a:rPr lang="zh-CN" altLang="en-US" smtClean="0"/>
-              <a:t>2020/10/13</a:t>
             </a:fld>
             <a:endParaRPr lang="zh-CN" altLang="en-US"/>
           </a:p>
@@ -8319,7 +8349,7 @@
           <p:nvPr>
             <p:ph type="ftr" sz="quarter" idx="11"/>
             <p:custDataLst>
-              <p:tags r:id="rId6"/>
+              <p:tags r:id="rId11"/>
             </p:custDataLst>
           </p:nvPr>
         </p:nvSpPr>
@@ -8355,7 +8385,7 @@
           <p:nvPr>
             <p:ph type="sldNum" sz="quarter" idx="12"/>
             <p:custDataLst>
-              <p:tags r:id="rId7"/>
+              <p:tags r:id="rId12"/>
             </p:custDataLst>
           </p:nvPr>
         </p:nvSpPr>
@@ -8380,7 +8410,6 @@
           <a:p>
             <a:fld id="{49AE70B2-8BF9-45C0-BB95-33D1B9D3A854}" type="slidenum">
               <a:rPr lang="zh-CN" altLang="en-US" smtClean="0"/>
-              <a:t>‹#›</a:t>
             </a:fld>
             <a:endParaRPr lang="zh-CN" altLang="en-US" dirty="0"/>
           </a:p>
@@ -8395,7 +8424,7 @@
           <p:nvPr>
             <p:ph type="body" sz="quarter" idx="13"/>
             <p:custDataLst>
-              <p:tags r:id="rId8"/>
+              <p:tags r:id="rId13"/>
             </p:custDataLst>
           </p:nvPr>
         </p:nvSpPr>
@@ -8426,6 +8455,7 @@
               <a:rPr lang="zh-CN" altLang="en-US" dirty="0"/>
               <a:t>单击此处编辑母版文本样式</a:t>
             </a:r>
+            <a:endParaRPr lang="zh-CN" altLang="en-US" dirty="0"/>
           </a:p>
         </p:txBody>
       </p:sp>
@@ -8490,13 +8520,13 @@
   <p:clrMapOvr>
     <a:masterClrMapping/>
   </p:clrMapOvr>
-  <mc:AlternateContent xmlns:mc="http://schemas.openxmlformats.org/markup-compatibility/2006" xmlns:p14="http://schemas.microsoft.com/office/powerpoint/2010/main">
-    <mc:Choice Requires="p14">
+  <mc:AlternateContent xmlns:mc="http://schemas.openxmlformats.org/markup-compatibility/2006">
+    <mc:Choice xmlns:p14="http://schemas.microsoft.com/office/powerpoint/2010/main" Requires="p14">
       <p:transition spd="slow" p14:dur="900" advClick="0" advTm="5000">
         <p14:warp dir="in"/>
       </p:transition>
     </mc:Choice>
-    <mc:Fallback xmlns="">
+    <mc:Fallback>
       <p:transition spd="slow" advClick="0" advTm="5000">
         <p:fade/>
       </p:transition>
@@ -8557,6 +8587,13 @@
               </a:rPr>
               <a:t>请输入你的标题</a:t>
             </a:r>
+            <a:endParaRPr lang="zh-CN" altLang="en-US" sz="3600" b="1" dirty="0">
+              <a:solidFill>
+                <a:srgbClr val="595959"/>
+              </a:solidFill>
+              <a:latin typeface="腾祥铁山楷书简繁合集" panose="01010104010101010101" pitchFamily="2" charset="-122"/>
+              <a:ea typeface="腾祥铁山楷书简繁合集" panose="01010104010101010101" pitchFamily="2" charset="-122"/>
+            </a:endParaRPr>
           </a:p>
         </p:txBody>
       </p:sp>
@@ -8565,13 +8602,13 @@
   <p:clrMapOvr>
     <a:masterClrMapping/>
   </p:clrMapOvr>
-  <mc:AlternateContent xmlns:mc="http://schemas.openxmlformats.org/markup-compatibility/2006" xmlns:p14="http://schemas.microsoft.com/office/powerpoint/2010/main">
-    <mc:Choice Requires="p14">
+  <mc:AlternateContent xmlns:mc="http://schemas.openxmlformats.org/markup-compatibility/2006">
+    <mc:Choice xmlns:p14="http://schemas.microsoft.com/office/powerpoint/2010/main" Requires="p14">
       <p:transition spd="slow" p14:dur="1600" advClick="0" advTm="5000">
         <p14:prism isInverted="1"/>
       </p:transition>
     </mc:Choice>
-    <mc:Fallback xmlns="">
+    <mc:Fallback>
       <p:transition spd="slow" advClick="0" advTm="5000">
         <p:fade/>
       </p:transition>
@@ -8759,6 +8796,13 @@
               </a:rPr>
               <a:t>请输入你的标题</a:t>
             </a:r>
+            <a:endParaRPr lang="zh-CN" altLang="en-US" sz="3600" b="1" dirty="0">
+              <a:solidFill>
+                <a:srgbClr val="595959"/>
+              </a:solidFill>
+              <a:latin typeface="腾祥铁山楷书简繁合集" panose="01010104010101010101" pitchFamily="2" charset="-122"/>
+              <a:ea typeface="腾祥铁山楷书简繁合集" panose="01010104010101010101" pitchFamily="2" charset="-122"/>
+            </a:endParaRPr>
           </a:p>
         </p:txBody>
       </p:sp>
@@ -8767,13 +8811,13 @@
   <p:clrMapOvr>
     <a:masterClrMapping/>
   </p:clrMapOvr>
-  <mc:AlternateContent xmlns:mc="http://schemas.openxmlformats.org/markup-compatibility/2006" xmlns:p14="http://schemas.microsoft.com/office/powerpoint/2010/main">
-    <mc:Choice Requires="p14">
+  <mc:AlternateContent xmlns:mc="http://schemas.openxmlformats.org/markup-compatibility/2006">
+    <mc:Choice xmlns:p14="http://schemas.microsoft.com/office/powerpoint/2010/main" Requires="p14">
       <p:transition spd="slow" p14:dur="1250" advClick="0" advTm="5000">
         <p14:switch dir="r"/>
       </p:transition>
     </mc:Choice>
-    <mc:Fallback xmlns="">
+    <mc:Fallback>
       <p:transition spd="slow" advClick="0" advTm="5000">
         <p:fade/>
       </p:transition>
@@ -8961,6 +9005,13 @@
               </a:rPr>
               <a:t>请输入你的标题</a:t>
             </a:r>
+            <a:endParaRPr lang="zh-CN" altLang="en-US" sz="3600" b="1" dirty="0">
+              <a:solidFill>
+                <a:srgbClr val="595959"/>
+              </a:solidFill>
+              <a:latin typeface="腾祥铁山楷书简繁合集" panose="01010104010101010101" pitchFamily="2" charset="-122"/>
+              <a:ea typeface="腾祥铁山楷书简繁合集" panose="01010104010101010101" pitchFamily="2" charset="-122"/>
+            </a:endParaRPr>
           </a:p>
         </p:txBody>
       </p:sp>
@@ -8969,13 +9020,13 @@
   <p:clrMapOvr>
     <a:masterClrMapping/>
   </p:clrMapOvr>
-  <mc:AlternateContent xmlns:mc="http://schemas.openxmlformats.org/markup-compatibility/2006" xmlns:p14="http://schemas.microsoft.com/office/powerpoint/2010/main">
-    <mc:Choice Requires="p14">
+  <mc:AlternateContent xmlns:mc="http://schemas.openxmlformats.org/markup-compatibility/2006">
+    <mc:Choice xmlns:p14="http://schemas.microsoft.com/office/powerpoint/2010/main" Requires="p14">
       <p:transition spd="slow" p14:dur="1250" advClick="0" advTm="5000">
         <p14:flip dir="r"/>
       </p:transition>
     </mc:Choice>
-    <mc:Fallback xmlns="">
+    <mc:Fallback>
       <p:transition spd="slow" advClick="0" advTm="5000">
         <p:fade/>
       </p:transition>
@@ -9163,6 +9214,13 @@
               </a:rPr>
               <a:t>请输入你的标题</a:t>
             </a:r>
+            <a:endParaRPr lang="zh-CN" altLang="en-US" sz="3600" b="1" dirty="0">
+              <a:solidFill>
+                <a:srgbClr val="595959"/>
+              </a:solidFill>
+              <a:latin typeface="腾祥铁山楷书简繁合集" panose="01010104010101010101" pitchFamily="2" charset="-122"/>
+              <a:ea typeface="腾祥铁山楷书简繁合集" panose="01010104010101010101" pitchFamily="2" charset="-122"/>
+            </a:endParaRPr>
           </a:p>
         </p:txBody>
       </p:sp>
@@ -9171,13 +9229,13 @@
   <p:clrMapOvr>
     <a:masterClrMapping/>
   </p:clrMapOvr>
-  <mc:AlternateContent xmlns:mc="http://schemas.openxmlformats.org/markup-compatibility/2006" xmlns:p14="http://schemas.microsoft.com/office/powerpoint/2010/main">
-    <mc:Choice Requires="p14">
+  <mc:AlternateContent xmlns:mc="http://schemas.openxmlformats.org/markup-compatibility/2006">
+    <mc:Choice xmlns:p14="http://schemas.microsoft.com/office/powerpoint/2010/main" Requires="p14">
       <p:transition spd="slow" p14:dur="1600" advClick="0" advTm="5000">
         <p14:gallery dir="l"/>
       </p:transition>
     </mc:Choice>
-    <mc:Fallback xmlns="">
+    <mc:Fallback>
       <p:transition spd="slow" advClick="0" advTm="5000">
         <p:fade/>
       </p:transition>
@@ -9397,13 +9455,13 @@
   <p:clrMapOvr>
     <a:masterClrMapping/>
   </p:clrMapOvr>
-  <mc:AlternateContent xmlns:mc="http://schemas.openxmlformats.org/markup-compatibility/2006" xmlns:p14="http://schemas.microsoft.com/office/powerpoint/2010/main">
-    <mc:Choice Requires="p14">
+  <mc:AlternateContent xmlns:mc="http://schemas.openxmlformats.org/markup-compatibility/2006">
+    <mc:Choice xmlns:p14="http://schemas.microsoft.com/office/powerpoint/2010/main" Requires="p14">
       <p:transition spd="slow" p14:dur="1600" advClick="0" advTm="5000">
         <p:blinds dir="vert"/>
       </p:transition>
     </mc:Choice>
-    <mc:Fallback xmlns="">
+    <mc:Fallback>
       <p:transition spd="slow" advClick="0" advTm="5000">
         <p:blinds dir="vert"/>
       </p:transition>
@@ -9418,7 +9476,7 @@
     <p:bg>
       <p:bgPr>
         <a:blipFill dpi="0" rotWithShape="1">
-          <a:blip r:embed="rId7">
+          <a:blip r:embed="rId2">
             <a:lum/>
           </a:blip>
           <a:srcRect/>
@@ -9452,7 +9510,7 @@
           <p:nvPr>
             <p:ph type="dt" sz="half" idx="10"/>
             <p:custDataLst>
-              <p:tags r:id="rId1"/>
+              <p:tags r:id="rId3"/>
             </p:custDataLst>
           </p:nvPr>
         </p:nvSpPr>
@@ -9477,7 +9535,6 @@
           <a:p>
             <a:fld id="{760FBDFE-C587-4B4C-A407-44438C67B59E}" type="datetimeFigureOut">
               <a:rPr lang="zh-CN" altLang="en-US" smtClean="0"/>
-              <a:t>2020/10/13</a:t>
             </a:fld>
             <a:endParaRPr lang="zh-CN" altLang="en-US"/>
           </a:p>
@@ -9492,7 +9549,7 @@
           <p:nvPr>
             <p:ph type="ftr" sz="quarter" idx="11"/>
             <p:custDataLst>
-              <p:tags r:id="rId2"/>
+              <p:tags r:id="rId4"/>
             </p:custDataLst>
           </p:nvPr>
         </p:nvSpPr>
@@ -9528,7 +9585,7 @@
           <p:nvPr>
             <p:ph type="sldNum" sz="quarter" idx="12"/>
             <p:custDataLst>
-              <p:tags r:id="rId3"/>
+              <p:tags r:id="rId5"/>
             </p:custDataLst>
           </p:nvPr>
         </p:nvSpPr>
@@ -9553,7 +9610,6 @@
           <a:p>
             <a:fld id="{49AE70B2-8BF9-45C0-BB95-33D1B9D3A854}" type="slidenum">
               <a:rPr lang="zh-CN" altLang="en-US" smtClean="0"/>
-              <a:t>‹#›</a:t>
             </a:fld>
             <a:endParaRPr lang="zh-CN" altLang="en-US" dirty="0"/>
           </a:p>
@@ -9568,7 +9624,7 @@
           <p:nvPr>
             <p:ph type="subTitle" idx="14" hasCustomPrompt="1"/>
             <p:custDataLst>
-              <p:tags r:id="rId4"/>
+              <p:tags r:id="rId6"/>
             </p:custDataLst>
           </p:nvPr>
         </p:nvSpPr>
@@ -9638,6 +9694,7 @@
               <a:rPr lang="zh-CN" altLang="en-US"/>
               <a:t>单击此处编辑副标题</a:t>
             </a:r>
+            <a:endParaRPr lang="zh-CN" altLang="en-US"/>
           </a:p>
         </p:txBody>
       </p:sp>
@@ -9650,7 +9707,7 @@
           <p:nvPr>
             <p:ph type="ctrTitle" idx="13" hasCustomPrompt="1"/>
             <p:custDataLst>
-              <p:tags r:id="rId5"/>
+              <p:tags r:id="rId7"/>
             </p:custDataLst>
           </p:nvPr>
         </p:nvSpPr>
@@ -9695,6 +9752,7 @@
               <a:rPr lang="zh-CN" altLang="en-US" dirty="0"/>
               <a:t>编辑标题</a:t>
             </a:r>
+            <a:endParaRPr lang="zh-CN" altLang="en-US" dirty="0"/>
           </a:p>
         </p:txBody>
       </p:sp>
@@ -9744,11 +9802,11 @@
     <p:sldLayoutId id="2147483655" r:id="rId7"/>
     <p:sldLayoutId id="2147483656" r:id="rId8"/>
   </p:sldLayoutIdLst>
-  <mc:AlternateContent xmlns:mc="http://schemas.openxmlformats.org/markup-compatibility/2006" xmlns:p14="http://schemas.microsoft.com/office/powerpoint/2010/main">
-    <mc:Choice Requires="p14">
+  <mc:AlternateContent xmlns:mc="http://schemas.openxmlformats.org/markup-compatibility/2006">
+    <mc:Choice xmlns:p14="http://schemas.microsoft.com/office/powerpoint/2010/main" Requires="p14">
       <p:transition p14:dur="10" advClick="0" advTm="5000"/>
     </mc:Choice>
-    <mc:Fallback xmlns="">
+    <mc:Fallback>
       <p:transition advClick="0" advTm="5000"/>
     </mc:Fallback>
   </mc:AlternateContent>
@@ -10069,7 +10127,7 @@
           <p:nvPr>
             <p:ph type="title"/>
             <p:custDataLst>
-              <p:tags r:id="rId20"/>
+              <p:tags r:id="rId19"/>
             </p:custDataLst>
           </p:nvPr>
         </p:nvSpPr>
@@ -10092,6 +10150,7 @@
               <a:rPr lang="zh-CN" altLang="en-US" dirty="0"/>
               <a:t>单击此处编辑母版标题样式</a:t>
             </a:r>
+            <a:endParaRPr lang="zh-CN" altLang="en-US" dirty="0"/>
           </a:p>
         </p:txBody>
       </p:sp>
@@ -10104,7 +10163,7 @@
           <p:nvPr>
             <p:ph type="body" idx="1"/>
             <p:custDataLst>
-              <p:tags r:id="rId21"/>
+              <p:tags r:id="rId20"/>
             </p:custDataLst>
           </p:nvPr>
         </p:nvSpPr>
@@ -10128,6 +10187,7 @@
               <a:rPr lang="zh-CN" altLang="en-US" dirty="0"/>
               <a:t>单击此处编辑母版文本样式</a:t>
             </a:r>
+            <a:endParaRPr lang="zh-CN" altLang="en-US" dirty="0"/>
           </a:p>
           <a:p>
             <a:pPr lvl="1"/>
@@ -10135,6 +10195,7 @@
               <a:rPr lang="zh-CN" altLang="en-US" dirty="0"/>
               <a:t>第二级</a:t>
             </a:r>
+            <a:endParaRPr lang="zh-CN" altLang="en-US" dirty="0"/>
           </a:p>
           <a:p>
             <a:pPr lvl="2"/>
@@ -10142,6 +10203,7 @@
               <a:rPr lang="zh-CN" altLang="en-US" dirty="0"/>
               <a:t>第三级</a:t>
             </a:r>
+            <a:endParaRPr lang="zh-CN" altLang="en-US" dirty="0"/>
           </a:p>
           <a:p>
             <a:pPr lvl="3"/>
@@ -10149,6 +10211,7 @@
               <a:rPr lang="zh-CN" altLang="en-US" dirty="0"/>
               <a:t>第四级</a:t>
             </a:r>
+            <a:endParaRPr lang="zh-CN" altLang="en-US" dirty="0"/>
           </a:p>
           <a:p>
             <a:pPr lvl="4"/>
@@ -10156,6 +10219,7 @@
               <a:rPr lang="zh-CN" altLang="en-US" dirty="0"/>
               <a:t>第五级</a:t>
             </a:r>
+            <a:endParaRPr lang="zh-CN" altLang="en-US" dirty="0"/>
           </a:p>
         </p:txBody>
       </p:sp>
@@ -10168,7 +10232,7 @@
           <p:nvPr>
             <p:ph type="dt" sz="half" idx="2"/>
             <p:custDataLst>
-              <p:tags r:id="rId22"/>
+              <p:tags r:id="rId21"/>
             </p:custDataLst>
           </p:nvPr>
         </p:nvSpPr>
@@ -10201,7 +10265,6 @@
           <a:p>
             <a:fld id="{760FBDFE-C587-4B4C-A407-44438C67B59E}" type="datetimeFigureOut">
               <a:rPr lang="zh-CN" altLang="en-US" smtClean="0"/>
-              <a:t>2020/10/13</a:t>
             </a:fld>
             <a:endParaRPr lang="zh-CN" altLang="en-US"/>
           </a:p>
@@ -10216,7 +10279,7 @@
           <p:nvPr>
             <p:ph type="ftr" sz="quarter" idx="3"/>
             <p:custDataLst>
-              <p:tags r:id="rId23"/>
+              <p:tags r:id="rId22"/>
             </p:custDataLst>
           </p:nvPr>
         </p:nvSpPr>
@@ -10260,7 +10323,7 @@
           <p:nvPr>
             <p:ph type="sldNum" sz="quarter" idx="4"/>
             <p:custDataLst>
-              <p:tags r:id="rId24"/>
+              <p:tags r:id="rId23"/>
             </p:custDataLst>
           </p:nvPr>
         </p:nvSpPr>
@@ -10293,7 +10356,6 @@
           <a:p>
             <a:fld id="{49AE70B2-8BF9-45C0-BB95-33D1B9D3A854}" type="slidenum">
               <a:rPr lang="zh-CN" altLang="en-US" smtClean="0"/>
-              <a:t>‹#›</a:t>
             </a:fld>
             <a:endParaRPr lang="zh-CN" altLang="en-US" dirty="0"/>
           </a:p>
@@ -10305,7 +10367,7 @@
           <p:cNvSpPr/>
           <p:nvPr userDrawn="1">
             <p:custDataLst>
-              <p:tags r:id="rId25"/>
+              <p:tags r:id="rId24"/>
             </p:custDataLst>
           </p:nvPr>
         </p:nvSpPr>
@@ -10717,6 +10779,7 @@
               <a:rPr lang="zh-CN" altLang="en-US" sz="3555"/>
               <a:t>一个简约的文学书籍交流选购网站</a:t>
             </a:r>
+            <a:endParaRPr lang="zh-CN" altLang="en-US" sz="3555"/>
           </a:p>
         </p:txBody>
       </p:sp>
@@ -10748,6 +10811,7 @@
               <a:rPr lang="zh-CN" altLang="en-US" sz="1800"/>
               <a:t>组</a:t>
             </a:r>
+            <a:endParaRPr lang="zh-CN" altLang="en-US" sz="1800"/>
           </a:p>
         </p:txBody>
       </p:sp>
@@ -10793,7 +10857,7 @@
           <p:nvPr/>
         </p:nvPicPr>
         <p:blipFill>
-          <a:blip r:embed="rId3"/>
+          <a:blip r:embed="rId1"/>
           <a:stretch>
             <a:fillRect/>
           </a:stretch>
@@ -10810,7 +10874,7 @@
       </p:pic>
     </p:spTree>
     <p:custDataLst>
-      <p:tags r:id="rId1"/>
+      <p:tags r:id="rId2"/>
     </p:custDataLst>
   </p:cSld>
   <p:clrMapOvr>
@@ -10870,6 +10934,7 @@
               <a:rPr lang="en-US" altLang="zh-CN" sz="9600" b="1" i="1"/>
               <a:t>THANKS</a:t>
             </a:r>
+            <a:endParaRPr lang="en-US" altLang="zh-CN" sz="9600" b="1" i="1"/>
           </a:p>
         </p:txBody>
       </p:sp>
@@ -10907,7 +10972,7 @@
           <p:cNvSpPr/>
           <p:nvPr>
             <p:custDataLst>
-              <p:tags r:id="rId2"/>
+              <p:tags r:id="rId1"/>
             </p:custDataLst>
           </p:nvPr>
         </p:nvSpPr>
@@ -10970,7 +11035,7 @@
           <p:cNvSpPr txBox="1"/>
           <p:nvPr>
             <p:custDataLst>
-              <p:tags r:id="rId3"/>
+              <p:tags r:id="rId2"/>
             </p:custDataLst>
           </p:nvPr>
         </p:nvSpPr>
@@ -11005,6 +11070,18 @@
               </a:rPr>
               <a:t>功能实现</a:t>
             </a:r>
+            <a:endParaRPr lang="zh-CN" altLang="en-US" sz="2400" spc="150">
+              <a:solidFill>
+                <a:schemeClr val="tx1">
+                  <a:lumMod val="65000"/>
+                  <a:lumOff val="35000"/>
+                </a:schemeClr>
+              </a:solidFill>
+              <a:uFillTx/>
+              <a:latin typeface="Arial" panose="020B0604020202020204" pitchFamily="34" charset="0"/>
+              <a:ea typeface="微软雅黑" panose="020B0503020204020204" charset="-122"/>
+              <a:sym typeface="Arial" panose="020B0604020202020204" pitchFamily="34" charset="0"/>
+            </a:endParaRPr>
           </a:p>
         </p:txBody>
       </p:sp>
@@ -11014,7 +11091,7 @@
           <p:cNvSpPr/>
           <p:nvPr>
             <p:custDataLst>
-              <p:tags r:id="rId4"/>
+              <p:tags r:id="rId3"/>
             </p:custDataLst>
           </p:nvPr>
         </p:nvSpPr>
@@ -11074,7 +11151,7 @@
           <p:cNvSpPr txBox="1"/>
           <p:nvPr>
             <p:custDataLst>
-              <p:tags r:id="rId5"/>
+              <p:tags r:id="rId4"/>
             </p:custDataLst>
           </p:nvPr>
         </p:nvSpPr>
@@ -11109,6 +11186,18 @@
               </a:rPr>
               <a:t>课题介绍</a:t>
             </a:r>
+            <a:endParaRPr lang="zh-CN" altLang="en-US" sz="2400" spc="150">
+              <a:solidFill>
+                <a:schemeClr val="tx1">
+                  <a:lumMod val="65000"/>
+                  <a:lumOff val="35000"/>
+                </a:schemeClr>
+              </a:solidFill>
+              <a:uFillTx/>
+              <a:latin typeface="Arial" panose="020B0604020202020204" pitchFamily="34" charset="0"/>
+              <a:ea typeface="微软雅黑" panose="020B0503020204020204" charset="-122"/>
+              <a:sym typeface="Arial" panose="020B0604020202020204" pitchFamily="34" charset="0"/>
+            </a:endParaRPr>
           </a:p>
           <a:p>
             <a:pPr algn="l"/>
@@ -11133,7 +11222,7 @@
           <p:cNvSpPr/>
           <p:nvPr>
             <p:custDataLst>
-              <p:tags r:id="rId6"/>
+              <p:tags r:id="rId5"/>
             </p:custDataLst>
           </p:nvPr>
         </p:nvSpPr>
@@ -11168,6 +11257,14 @@
               </a:rPr>
               <a:t>3</a:t>
             </a:r>
+            <a:endParaRPr lang="en-US" altLang="zh-CN" b="1" dirty="0">
+              <a:solidFill>
+                <a:schemeClr val="bg1"/>
+              </a:solidFill>
+              <a:latin typeface="Arial" panose="020B0604020202020204" pitchFamily="34" charset="0"/>
+              <a:ea typeface="微软雅黑" panose="020B0503020204020204" charset="-122"/>
+              <a:sym typeface="Arial" panose="020B0604020202020204" pitchFamily="34" charset="0"/>
+            </a:endParaRPr>
           </a:p>
         </p:txBody>
       </p:sp>
@@ -11177,7 +11274,7 @@
           <p:cNvSpPr/>
           <p:nvPr>
             <p:custDataLst>
-              <p:tags r:id="rId7"/>
+              <p:tags r:id="rId6"/>
             </p:custDataLst>
           </p:nvPr>
         </p:nvSpPr>
@@ -11212,6 +11309,14 @@
               </a:rPr>
               <a:t>1</a:t>
             </a:r>
+            <a:endParaRPr lang="en-US" altLang="zh-CN" b="1" dirty="0">
+              <a:solidFill>
+                <a:schemeClr val="bg1"/>
+              </a:solidFill>
+              <a:latin typeface="Arial" panose="020B0604020202020204" pitchFamily="34" charset="0"/>
+              <a:ea typeface="微软雅黑" panose="020B0503020204020204" charset="-122"/>
+              <a:sym typeface="Arial" panose="020B0604020202020204" pitchFamily="34" charset="0"/>
+            </a:endParaRPr>
           </a:p>
         </p:txBody>
       </p:sp>
@@ -11221,7 +11326,7 @@
           <p:cNvSpPr txBox="1"/>
           <p:nvPr>
             <p:custDataLst>
-              <p:tags r:id="rId8"/>
+              <p:tags r:id="rId7"/>
             </p:custDataLst>
           </p:nvPr>
         </p:nvSpPr>
@@ -11271,6 +11376,16 @@
               </a:rPr>
               <a:t>目录</a:t>
             </a:r>
+            <a:endParaRPr lang="zh-CN" altLang="en-US" b="0">
+              <a:solidFill>
+                <a:schemeClr val="tx1">
+                  <a:lumMod val="85000"/>
+                  <a:lumOff val="15000"/>
+                </a:schemeClr>
+              </a:solidFill>
+              <a:ea typeface="汉仪旗黑-85S" panose="00020600040101010101" pitchFamily="18" charset="-122"/>
+              <a:sym typeface="Arial" panose="020B0604020202020204" pitchFamily="34" charset="0"/>
+            </a:endParaRPr>
           </a:p>
         </p:txBody>
       </p:sp>
@@ -11280,7 +11395,7 @@
           <p:cNvSpPr/>
           <p:nvPr>
             <p:custDataLst>
-              <p:tags r:id="rId9"/>
+              <p:tags r:id="rId8"/>
             </p:custDataLst>
           </p:nvPr>
         </p:nvSpPr>
@@ -11337,6 +11452,14 @@
               </a:rPr>
               <a:t>5</a:t>
             </a:r>
+            <a:endParaRPr lang="en-US" altLang="zh-CN" sz="1700" b="1" dirty="0">
+              <a:solidFill>
+                <a:schemeClr val="bg1"/>
+              </a:solidFill>
+              <a:latin typeface="Arial" panose="020B0604020202020204" pitchFamily="34" charset="0"/>
+              <a:ea typeface="微软雅黑" panose="020B0503020204020204" charset="-122"/>
+              <a:sym typeface="Arial" panose="020B0604020202020204" pitchFamily="34" charset="0"/>
+            </a:endParaRPr>
           </a:p>
         </p:txBody>
       </p:sp>
@@ -11346,7 +11469,7 @@
           <p:cNvSpPr txBox="1"/>
           <p:nvPr>
             <p:custDataLst>
-              <p:tags r:id="rId10"/>
+              <p:tags r:id="rId9"/>
             </p:custDataLst>
           </p:nvPr>
         </p:nvSpPr>
@@ -11381,6 +11504,18 @@
               </a:rPr>
               <a:t>小组成员及分工</a:t>
             </a:r>
+            <a:endParaRPr lang="zh-CN" altLang="en-US" sz="2400" spc="150">
+              <a:solidFill>
+                <a:schemeClr val="tx1">
+                  <a:lumMod val="65000"/>
+                  <a:lumOff val="35000"/>
+                </a:schemeClr>
+              </a:solidFill>
+              <a:uFillTx/>
+              <a:latin typeface="Arial" panose="020B0604020202020204" pitchFamily="34" charset="0"/>
+              <a:ea typeface="微软雅黑" panose="020B0503020204020204" charset="-122"/>
+              <a:sym typeface="Arial" panose="020B0604020202020204" pitchFamily="34" charset="0"/>
+            </a:endParaRPr>
           </a:p>
         </p:txBody>
       </p:sp>
@@ -11390,7 +11525,7 @@
           <p:cNvSpPr/>
           <p:nvPr>
             <p:custDataLst>
-              <p:tags r:id="rId11"/>
+              <p:tags r:id="rId10"/>
             </p:custDataLst>
           </p:nvPr>
         </p:nvSpPr>
@@ -11450,7 +11585,7 @@
           <p:cNvSpPr txBox="1"/>
           <p:nvPr>
             <p:custDataLst>
-              <p:tags r:id="rId12"/>
+              <p:tags r:id="rId11"/>
             </p:custDataLst>
           </p:nvPr>
         </p:nvSpPr>
@@ -11485,6 +11620,18 @@
               </a:rPr>
               <a:t>参考文献</a:t>
             </a:r>
+            <a:endParaRPr lang="zh-CN" altLang="en-US" sz="2400" spc="150">
+              <a:solidFill>
+                <a:schemeClr val="tx1">
+                  <a:lumMod val="65000"/>
+                  <a:lumOff val="35000"/>
+                </a:schemeClr>
+              </a:solidFill>
+              <a:uFillTx/>
+              <a:latin typeface="Arial" panose="020B0604020202020204" pitchFamily="34" charset="0"/>
+              <a:ea typeface="微软雅黑" panose="020B0503020204020204" charset="-122"/>
+              <a:sym typeface="Arial" panose="020B0604020202020204" pitchFamily="34" charset="0"/>
+            </a:endParaRPr>
           </a:p>
         </p:txBody>
       </p:sp>
@@ -11494,7 +11641,7 @@
           <p:cNvSpPr/>
           <p:nvPr>
             <p:custDataLst>
-              <p:tags r:id="rId13"/>
+              <p:tags r:id="rId12"/>
             </p:custDataLst>
           </p:nvPr>
         </p:nvSpPr>
@@ -11535,7 +11682,7 @@
           <p:cNvSpPr/>
           <p:nvPr>
             <p:custDataLst>
-              <p:tags r:id="rId14"/>
+              <p:tags r:id="rId13"/>
             </p:custDataLst>
           </p:nvPr>
         </p:nvSpPr>
@@ -11570,6 +11717,14 @@
               </a:rPr>
               <a:t>4</a:t>
             </a:r>
+            <a:endParaRPr lang="en-US" altLang="zh-CN" b="1" dirty="0">
+              <a:solidFill>
+                <a:schemeClr val="bg1"/>
+              </a:solidFill>
+              <a:latin typeface="Arial" panose="020B0604020202020204" pitchFamily="34" charset="0"/>
+              <a:ea typeface="微软雅黑" panose="020B0503020204020204" charset="-122"/>
+              <a:sym typeface="Arial" panose="020B0604020202020204" pitchFamily="34" charset="0"/>
+            </a:endParaRPr>
           </a:p>
         </p:txBody>
       </p:sp>
@@ -11582,7 +11737,7 @@
           <p:nvPr/>
         </p:nvPicPr>
         <p:blipFill>
-          <a:blip r:embed="rId20"/>
+          <a:blip r:embed="rId14"/>
           <a:stretch>
             <a:fillRect/>
           </a:stretch>
@@ -11701,6 +11856,18 @@
               </a:rPr>
               <a:t>可行性分析</a:t>
             </a:r>
+            <a:endParaRPr lang="zh-CN" altLang="en-US" sz="2400" spc="150">
+              <a:solidFill>
+                <a:schemeClr val="tx1">
+                  <a:lumMod val="65000"/>
+                  <a:lumOff val="35000"/>
+                </a:schemeClr>
+              </a:solidFill>
+              <a:uFillTx/>
+              <a:latin typeface="Arial" panose="020B0604020202020204" pitchFamily="34" charset="0"/>
+              <a:ea typeface="微软雅黑" panose="020B0503020204020204" charset="-122"/>
+              <a:sym typeface="Arial" panose="020B0604020202020204" pitchFamily="34" charset="0"/>
+            </a:endParaRPr>
           </a:p>
         </p:txBody>
       </p:sp>
@@ -11745,12 +11912,20 @@
               </a:rPr>
               <a:t>2</a:t>
             </a:r>
+            <a:endParaRPr lang="en-US" altLang="zh-CN" b="1" dirty="0">
+              <a:solidFill>
+                <a:schemeClr val="bg1"/>
+              </a:solidFill>
+              <a:latin typeface="Arial" panose="020B0604020202020204" pitchFamily="34" charset="0"/>
+              <a:ea typeface="微软雅黑" panose="020B0503020204020204" charset="-122"/>
+              <a:sym typeface="Arial" panose="020B0604020202020204" pitchFamily="34" charset="0"/>
+            </a:endParaRPr>
           </a:p>
         </p:txBody>
       </p:sp>
     </p:spTree>
     <p:custDataLst>
-      <p:tags r:id="rId1"/>
+      <p:tags r:id="rId18"/>
     </p:custDataLst>
   </p:cSld>
   <p:clrMapOvr>
@@ -11809,6 +11984,7 @@
               <a:rPr lang="zh-CN" altLang="en-US" sz="4000"/>
               <a:t>课题介绍</a:t>
             </a:r>
+            <a:endParaRPr lang="zh-CN" altLang="en-US" sz="4000"/>
           </a:p>
         </p:txBody>
       </p:sp>
@@ -11847,6 +12023,7 @@
               <a:rPr lang="zh-CN" altLang="en-US" sz="2800"/>
               <a:t>、项目背景</a:t>
             </a:r>
+            <a:endParaRPr lang="zh-CN" altLang="en-US" sz="2800"/>
           </a:p>
           <a:p>
             <a:pPr fontAlgn="auto">
@@ -11862,6 +12039,7 @@
               <a:rPr lang="zh-CN" altLang="en-US" sz="2000"/>
               <a:t>随着人们物质生活水平的提高，对精神文明建设的需求愈发热烈。</a:t>
             </a:r>
+            <a:endParaRPr lang="zh-CN" altLang="en-US" sz="2000"/>
           </a:p>
           <a:p>
             <a:pPr fontAlgn="auto">
@@ -11883,6 +12061,9 @@
               </a:rPr>
               <a:t>，本网站聚焦于纯文学书籍，并提供一个此类书籍交流、选购的平台。</a:t>
             </a:r>
+            <a:endParaRPr lang="zh-CN" altLang="en-US" sz="2000">
+              <a:sym typeface="+mn-ea"/>
+            </a:endParaRPr>
           </a:p>
         </p:txBody>
       </p:sp>
@@ -11892,7 +12073,7 @@
           <p:cNvSpPr/>
           <p:nvPr>
             <p:custDataLst>
-              <p:tags r:id="rId2"/>
+              <p:tags r:id="rId1"/>
             </p:custDataLst>
           </p:nvPr>
         </p:nvSpPr>
@@ -11950,7 +12131,7 @@
           <p:cNvSpPr txBox="1"/>
           <p:nvPr>
             <p:custDataLst>
-              <p:tags r:id="rId3"/>
+              <p:tags r:id="rId2"/>
             </p:custDataLst>
           </p:nvPr>
         </p:nvSpPr>
@@ -12087,6 +12268,15 @@
               </a:rPr>
               <a:t>1</a:t>
             </a:r>
+            <a:endParaRPr lang="en-US" altLang="zh-CN" sz="4400" spc="200">
+              <a:solidFill>
+                <a:schemeClr val="bg1"/>
+              </a:solidFill>
+              <a:latin typeface="Arial" panose="020B0604020202020204" pitchFamily="34" charset="0"/>
+              <a:ea typeface="微软雅黑" panose="020B0503020204020204" charset="-122"/>
+              <a:cs typeface="Arial" panose="020B0604020202020204" pitchFamily="34" charset="0"/>
+              <a:sym typeface="+mn-lt"/>
+            </a:endParaRPr>
           </a:p>
         </p:txBody>
       </p:sp>
@@ -12125,6 +12315,7 @@
               <a:rPr lang="zh-CN" altLang="en-US" sz="2800"/>
               <a:t>、项目目标</a:t>
             </a:r>
+            <a:endParaRPr lang="zh-CN" altLang="en-US" sz="2800"/>
           </a:p>
           <a:p>
             <a:pPr fontAlgn="auto">
@@ -12181,6 +12372,7 @@
               <a:rPr lang="zh-CN" altLang="en-US" sz="2800"/>
               <a:t>、目标用户</a:t>
             </a:r>
+            <a:endParaRPr lang="zh-CN" altLang="en-US" sz="2800"/>
           </a:p>
           <a:p>
             <a:pPr fontAlgn="auto">
@@ -12204,7 +12396,7 @@
       </p:sp>
     </p:spTree>
     <p:custDataLst>
-      <p:tags r:id="rId1"/>
+      <p:tags r:id="rId3"/>
     </p:custDataLst>
   </p:cSld>
   <p:clrMapOvr>
@@ -12292,6 +12484,7 @@
               <a:rPr lang="zh-CN" altLang="en-US" sz="2400" dirty="0"/>
               <a:t>       用户模块：用户登录、注册，个人主页、个人动态、书单，社交</a:t>
             </a:r>
+            <a:endParaRPr lang="zh-CN" altLang="en-US" sz="2400" dirty="0"/>
           </a:p>
           <a:p>
             <a:pPr fontAlgn="auto">
@@ -12307,6 +12500,7 @@
               <a:rPr lang="zh-CN" altLang="en-US" sz="2400" dirty="0"/>
               <a:t>书籍模块：搜索书籍，推荐书籍，查看书评，查看书摘，书籍购买</a:t>
             </a:r>
+            <a:endParaRPr lang="zh-CN" altLang="en-US" sz="2400" dirty="0"/>
           </a:p>
           <a:p>
             <a:pPr fontAlgn="auto">
@@ -12322,6 +12516,7 @@
               <a:rPr lang="zh-CN" altLang="en-US" sz="2400" dirty="0"/>
               <a:t>作家模块：搜索作家，查看作品</a:t>
             </a:r>
+            <a:endParaRPr lang="zh-CN" altLang="en-US" sz="2400" dirty="0"/>
           </a:p>
           <a:p>
             <a:pPr fontAlgn="auto">
@@ -12337,6 +12532,7 @@
               <a:rPr lang="zh-CN" altLang="en-US" sz="2400" dirty="0"/>
               <a:t>社区模块：用户动态分享交流</a:t>
             </a:r>
+            <a:endParaRPr lang="zh-CN" altLang="en-US" sz="2400" dirty="0"/>
           </a:p>
         </p:txBody>
       </p:sp>
@@ -12366,6 +12562,7 @@
               <a:rPr lang="zh-CN" altLang="en-US" sz="4000"/>
               <a:t>课题介绍</a:t>
             </a:r>
+            <a:endParaRPr lang="zh-CN" altLang="en-US" sz="4000"/>
           </a:p>
         </p:txBody>
       </p:sp>
@@ -12375,7 +12572,7 @@
           <p:cNvSpPr/>
           <p:nvPr>
             <p:custDataLst>
-              <p:tags r:id="rId2"/>
+              <p:tags r:id="rId1"/>
             </p:custDataLst>
           </p:nvPr>
         </p:nvSpPr>
@@ -12433,7 +12630,7 @@
           <p:cNvSpPr txBox="1"/>
           <p:nvPr>
             <p:custDataLst>
-              <p:tags r:id="rId3"/>
+              <p:tags r:id="rId2"/>
             </p:custDataLst>
           </p:nvPr>
         </p:nvSpPr>
@@ -12570,12 +12767,21 @@
               </a:rPr>
               <a:t>1</a:t>
             </a:r>
+            <a:endParaRPr lang="en-US" altLang="zh-CN" sz="4400" spc="200">
+              <a:solidFill>
+                <a:schemeClr val="bg1"/>
+              </a:solidFill>
+              <a:latin typeface="Arial" panose="020B0604020202020204" pitchFamily="34" charset="0"/>
+              <a:ea typeface="微软雅黑" panose="020B0503020204020204" charset="-122"/>
+              <a:cs typeface="Arial" panose="020B0604020202020204" pitchFamily="34" charset="0"/>
+              <a:sym typeface="+mn-lt"/>
+            </a:endParaRPr>
           </a:p>
         </p:txBody>
       </p:sp>
     </p:spTree>
     <p:custDataLst>
-      <p:tags r:id="rId1"/>
+      <p:tags r:id="rId3"/>
     </p:custDataLst>
   </p:cSld>
   <p:clrMapOvr>
@@ -12655,7 +12861,7 @@
           <p:nvPr/>
         </p:nvPicPr>
         <p:blipFill>
-          <a:blip r:embed="rId2"/>
+          <a:blip r:embed="rId1"/>
           <a:srcRect b="15719"/>
           <a:stretch>
             <a:fillRect/>
@@ -12674,6 +12880,30 @@
       <p:pic>
         <p:nvPicPr>
           <p:cNvPr id="5" name="图片 4"/>
+          <p:cNvPicPr>
+            <a:picLocks noChangeAspect="1"/>
+          </p:cNvPicPr>
+          <p:nvPr/>
+        </p:nvPicPr>
+        <p:blipFill>
+          <a:blip r:embed="rId2"/>
+          <a:stretch>
+            <a:fillRect/>
+          </a:stretch>
+        </p:blipFill>
+        <p:spPr>
+          <a:xfrm>
+            <a:off x="336145" y="1462328"/>
+            <a:ext cx="7748599" cy="3961754"/>
+          </a:xfrm>
+          <a:prstGeom prst="rect">
+            <a:avLst/>
+          </a:prstGeom>
+        </p:spPr>
+      </p:pic>
+      <p:pic>
+        <p:nvPicPr>
+          <p:cNvPr id="6" name="图片 5"/>
           <p:cNvPicPr>
             <a:picLocks noChangeAspect="1"/>
           </p:cNvPicPr>
@@ -12687,8 +12917,8 @@
         </p:blipFill>
         <p:spPr>
           <a:xfrm>
-            <a:off x="336145" y="1462328"/>
-            <a:ext cx="7748599" cy="3961754"/>
+            <a:off x="7413332" y="1273492"/>
+            <a:ext cx="3625850" cy="3437255"/>
           </a:xfrm>
           <a:prstGeom prst="rect">
             <a:avLst/>
@@ -12697,7 +12927,7 @@
       </p:pic>
       <p:pic>
         <p:nvPicPr>
-          <p:cNvPr id="6" name="图片 5"/>
+          <p:cNvPr id="7" name="图片 6"/>
           <p:cNvPicPr>
             <a:picLocks noChangeAspect="1"/>
           </p:cNvPicPr>
@@ -12711,8 +12941,8 @@
         </p:blipFill>
         <p:spPr>
           <a:xfrm>
-            <a:off x="7413332" y="1273492"/>
-            <a:ext cx="3625850" cy="3437255"/>
+            <a:off x="1203325" y="420370"/>
+            <a:ext cx="6789420" cy="5143500"/>
           </a:xfrm>
           <a:prstGeom prst="rect">
             <a:avLst/>
@@ -12721,7 +12951,7 @@
       </p:pic>
       <p:pic>
         <p:nvPicPr>
-          <p:cNvPr id="7" name="图片 6"/>
+          <p:cNvPr id="8" name="图片 7"/>
           <p:cNvPicPr>
             <a:picLocks noChangeAspect="1"/>
           </p:cNvPicPr>
@@ -12735,8 +12965,8 @@
         </p:blipFill>
         <p:spPr>
           <a:xfrm>
-            <a:off x="1203325" y="420370"/>
-            <a:ext cx="6789420" cy="5143500"/>
+            <a:off x="1575786" y="280658"/>
+            <a:ext cx="6973563" cy="6514486"/>
           </a:xfrm>
           <a:prstGeom prst="rect">
             <a:avLst/>
@@ -12745,7 +12975,7 @@
       </p:pic>
       <p:pic>
         <p:nvPicPr>
-          <p:cNvPr id="8" name="图片 7"/>
+          <p:cNvPr id="9" name="图片 8"/>
           <p:cNvPicPr>
             <a:picLocks noChangeAspect="1"/>
           </p:cNvPicPr>
@@ -12759,44 +12989,15 @@
         </p:blipFill>
         <p:spPr>
           <a:xfrm>
-            <a:off x="1575786" y="280658"/>
-            <a:ext cx="6973563" cy="6514486"/>
+            <a:off x="1398496" y="165657"/>
+            <a:ext cx="4314190" cy="5843905"/>
           </a:xfrm>
           <a:prstGeom prst="rect">
             <a:avLst/>
           </a:prstGeom>
         </p:spPr>
       </p:pic>
-      <p:pic>
-        <p:nvPicPr>
-          <p:cNvPr id="9" name="图片 8"/>
-          <p:cNvPicPr>
-            <a:picLocks noChangeAspect="1"/>
-          </p:cNvPicPr>
-          <p:nvPr/>
-        </p:nvPicPr>
-        <p:blipFill>
-          <a:blip r:embed="rId7"/>
-          <a:stretch>
-            <a:fillRect/>
-          </a:stretch>
-        </p:blipFill>
-        <p:spPr>
-          <a:xfrm>
-            <a:off x="1398496" y="165657"/>
-            <a:ext cx="4314190" cy="5843905"/>
-          </a:xfrm>
-          <a:prstGeom prst="rect">
-            <a:avLst/>
-          </a:prstGeom>
-        </p:spPr>
-      </p:pic>
     </p:spTree>
-    <p:extLst>
-      <p:ext uri="{BB962C8B-B14F-4D97-AF65-F5344CB8AC3E}">
-        <p14:creationId xmlns:p14="http://schemas.microsoft.com/office/powerpoint/2010/main" val="1216988680"/>
-      </p:ext>
-    </p:extLst>
   </p:cSld>
   <p:clrMapOvr>
     <a:masterClrMapping/>
@@ -13628,7 +13829,7 @@
           <p:cNvSpPr/>
           <p:nvPr>
             <p:custDataLst>
-              <p:tags r:id="rId2"/>
+              <p:tags r:id="rId1"/>
             </p:custDataLst>
           </p:nvPr>
         </p:nvSpPr>
@@ -13686,7 +13887,7 @@
           <p:cNvSpPr txBox="1"/>
           <p:nvPr>
             <p:custDataLst>
-              <p:tags r:id="rId3"/>
+              <p:tags r:id="rId2"/>
             </p:custDataLst>
           </p:nvPr>
         </p:nvSpPr>
@@ -13823,6 +14024,15 @@
               </a:rPr>
               <a:t>2</a:t>
             </a:r>
+            <a:endParaRPr lang="en-US" altLang="zh-CN" sz="4400" spc="200">
+              <a:solidFill>
+                <a:schemeClr val="bg1"/>
+              </a:solidFill>
+              <a:latin typeface="Arial" panose="020B0604020202020204" pitchFamily="34" charset="0"/>
+              <a:ea typeface="微软雅黑" panose="020B0503020204020204" charset="-122"/>
+              <a:cs typeface="Arial" panose="020B0604020202020204" pitchFamily="34" charset="0"/>
+              <a:sym typeface="+mn-lt"/>
+            </a:endParaRPr>
           </a:p>
         </p:txBody>
       </p:sp>
@@ -13835,7 +14045,7 @@
           <p:nvPr>
             <p:ph type="ctrTitle" idx="14"/>
             <p:custDataLst>
-              <p:tags r:id="rId4"/>
+              <p:tags r:id="rId3"/>
             </p:custDataLst>
           </p:nvPr>
         </p:nvSpPr>
@@ -13854,6 +14064,7 @@
               <a:rPr lang="zh-CN" altLang="en-US"/>
               <a:t>可行性分析</a:t>
             </a:r>
+            <a:endParaRPr lang="zh-CN" altLang="en-US"/>
           </a:p>
         </p:txBody>
       </p:sp>
@@ -13865,7 +14076,7 @@
           </p:cNvSpPr>
           <p:nvPr>
             <p:custDataLst>
-              <p:tags r:id="rId5"/>
+              <p:tags r:id="rId4"/>
             </p:custDataLst>
           </p:nvPr>
         </p:nvSpPr>
@@ -13918,6 +14129,7 @@
               <a:rPr lang="zh-CN" altLang="en-US" sz="3200"/>
               <a:t>技术可行性</a:t>
             </a:r>
+            <a:endParaRPr lang="zh-CN" altLang="en-US" sz="3200"/>
           </a:p>
         </p:txBody>
       </p:sp>
@@ -13960,6 +14172,7 @@
               <a:rPr lang="zh-CN" altLang="en-US" sz="2000"/>
               <a:t>、网站皆可。</a:t>
             </a:r>
+            <a:endParaRPr lang="zh-CN" altLang="en-US" sz="2000"/>
           </a:p>
           <a:p>
             <a:pPr algn="l" fontAlgn="auto">
@@ -13995,6 +14208,7 @@
               <a:rPr lang="zh-CN" altLang="en-US" sz="2000"/>
               <a:t>形式能节省学习成本。采用当前比较主流的技术栈来实现，相关技术在后面有所提及。</a:t>
             </a:r>
+            <a:endParaRPr lang="zh-CN" altLang="en-US" sz="2000"/>
           </a:p>
         </p:txBody>
       </p:sp>
@@ -14006,7 +14220,7 @@
           </p:cNvSpPr>
           <p:nvPr>
             <p:custDataLst>
-              <p:tags r:id="rId6"/>
+              <p:tags r:id="rId5"/>
             </p:custDataLst>
           </p:nvPr>
         </p:nvSpPr>
@@ -14059,6 +14273,7 @@
               <a:rPr lang="zh-CN" altLang="en-US" sz="3200"/>
               <a:t>经济可行性</a:t>
             </a:r>
+            <a:endParaRPr lang="zh-CN" altLang="en-US" sz="3200"/>
           </a:p>
         </p:txBody>
       </p:sp>
@@ -14097,6 +14312,7 @@
               <a:rPr lang="zh-CN" altLang="en-US" sz="2000"/>
               <a:t>开发成本主要在服务器的租用，学生能够享有更优惠的折扣。</a:t>
             </a:r>
+            <a:endParaRPr lang="zh-CN" altLang="en-US" sz="2000"/>
           </a:p>
         </p:txBody>
       </p:sp>
@@ -14108,7 +14324,7 @@
           </p:cNvSpPr>
           <p:nvPr>
             <p:custDataLst>
-              <p:tags r:id="rId7"/>
+              <p:tags r:id="rId6"/>
             </p:custDataLst>
           </p:nvPr>
         </p:nvSpPr>
@@ -14161,6 +14377,7 @@
               <a:rPr lang="zh-CN" altLang="en-US" sz="3200"/>
               <a:t>操作可行性</a:t>
             </a:r>
+            <a:endParaRPr lang="zh-CN" altLang="en-US" sz="3200"/>
           </a:p>
         </p:txBody>
       </p:sp>
@@ -14195,12 +14412,13 @@
               <a:rPr lang="zh-CN" altLang="en-US" sz="2000"/>
               <a:t>网站的操作方式符合类似网站用户的操作习惯。</a:t>
             </a:r>
+            <a:endParaRPr lang="zh-CN" altLang="en-US" sz="2000"/>
           </a:p>
         </p:txBody>
       </p:sp>
     </p:spTree>
     <p:custDataLst>
-      <p:tags r:id="rId1"/>
+      <p:tags r:id="rId7"/>
     </p:custDataLst>
   </p:cSld>
   <p:clrMapOvr>
@@ -14242,7 +14460,7 @@
           <p:nvPr>
             <p:ph type="ctrTitle" idx="14"/>
             <p:custDataLst>
-              <p:tags r:id="rId2"/>
+              <p:tags r:id="rId1"/>
             </p:custDataLst>
           </p:nvPr>
         </p:nvSpPr>
@@ -14344,6 +14562,7 @@
               <a:rPr lang="zh-CN" altLang="en-US" sz="2400" dirty="0"/>
               <a:t>框架</a:t>
             </a:r>
+            <a:endParaRPr lang="zh-CN" altLang="en-US" sz="2400" dirty="0"/>
           </a:p>
           <a:p>
             <a:pPr fontAlgn="auto">
@@ -14407,6 +14626,9 @@
               </a:rPr>
               <a:t>omcat</a:t>
             </a:r>
+            <a:endParaRPr lang="en-US" altLang="zh-CN" sz="2400" dirty="0" smtClean="0">
+              <a:sym typeface="+mn-ea"/>
+            </a:endParaRPr>
           </a:p>
           <a:p>
             <a:pPr fontAlgn="auto">
@@ -14466,6 +14688,7 @@
               <a:rPr lang="en-US" altLang="zh-CN" sz="2400" dirty="0"/>
               <a:t> </a:t>
             </a:r>
+            <a:endParaRPr lang="en-US" altLang="zh-CN" sz="2400" dirty="0"/>
           </a:p>
           <a:p>
             <a:pPr fontAlgn="auto">
@@ -14477,6 +14700,7 @@
               <a:rPr lang="zh-CN" altLang="en-US" sz="2400" dirty="0"/>
               <a:t>网页设计工具：墨刀</a:t>
             </a:r>
+            <a:endParaRPr lang="zh-CN" altLang="en-US" sz="2400" dirty="0"/>
           </a:p>
         </p:txBody>
       </p:sp>
@@ -14486,7 +14710,7 @@
           <p:cNvSpPr/>
           <p:nvPr>
             <p:custDataLst>
-              <p:tags r:id="rId3"/>
+              <p:tags r:id="rId2"/>
             </p:custDataLst>
           </p:nvPr>
         </p:nvSpPr>
@@ -14544,7 +14768,7 @@
           <p:cNvSpPr txBox="1"/>
           <p:nvPr>
             <p:custDataLst>
-              <p:tags r:id="rId4"/>
+              <p:tags r:id="rId3"/>
             </p:custDataLst>
           </p:nvPr>
         </p:nvSpPr>
@@ -14681,12 +14905,21 @@
               </a:rPr>
               <a:t>3</a:t>
             </a:r>
+            <a:endParaRPr lang="en-US" altLang="zh-CN" sz="4400" spc="200">
+              <a:solidFill>
+                <a:schemeClr val="bg1"/>
+              </a:solidFill>
+              <a:latin typeface="Arial" panose="020B0604020202020204" pitchFamily="34" charset="0"/>
+              <a:ea typeface="微软雅黑" panose="020B0503020204020204" charset="-122"/>
+              <a:cs typeface="Arial" panose="020B0604020202020204" pitchFamily="34" charset="0"/>
+              <a:sym typeface="+mn-lt"/>
+            </a:endParaRPr>
           </a:p>
         </p:txBody>
       </p:sp>
     </p:spTree>
     <p:custDataLst>
-      <p:tags r:id="rId1"/>
+      <p:tags r:id="rId4"/>
     </p:custDataLst>
   </p:cSld>
   <p:clrMapOvr>
@@ -14725,7 +14958,7 @@
           <p:cNvSpPr/>
           <p:nvPr>
             <p:custDataLst>
-              <p:tags r:id="rId2"/>
+              <p:tags r:id="rId1"/>
             </p:custDataLst>
           </p:nvPr>
         </p:nvSpPr>
@@ -14783,7 +15016,7 @@
           <p:cNvSpPr txBox="1"/>
           <p:nvPr>
             <p:custDataLst>
-              <p:tags r:id="rId3"/>
+              <p:tags r:id="rId2"/>
             </p:custDataLst>
           </p:nvPr>
         </p:nvSpPr>
@@ -14918,8 +15151,17 @@
                 <a:cs typeface="Arial" panose="020B0604020202020204" pitchFamily="34" charset="0"/>
                 <a:sym typeface="+mn-lt"/>
               </a:rPr>
-              <a:t>3</a:t>
-            </a:r>
+              <a:t>4</a:t>
+            </a:r>
+            <a:endParaRPr lang="en-US" altLang="zh-CN" sz="4400" spc="200">
+              <a:solidFill>
+                <a:schemeClr val="bg1"/>
+              </a:solidFill>
+              <a:latin typeface="Arial" panose="020B0604020202020204" pitchFamily="34" charset="0"/>
+              <a:ea typeface="微软雅黑" panose="020B0503020204020204" charset="-122"/>
+              <a:cs typeface="Arial" panose="020B0604020202020204" pitchFamily="34" charset="0"/>
+              <a:sym typeface="+mn-lt"/>
+            </a:endParaRPr>
           </a:p>
         </p:txBody>
       </p:sp>
@@ -14932,7 +15174,7 @@
           <p:nvPr>
             <p:ph type="ctrTitle" idx="14"/>
             <p:custDataLst>
-              <p:tags r:id="rId4"/>
+              <p:tags r:id="rId3"/>
             </p:custDataLst>
           </p:nvPr>
         </p:nvSpPr>
@@ -14995,6 +15237,7 @@
               <a:rPr lang="zh-CN" altLang="en-US" sz="2400"/>
               <a:t>[1]陈新博,段飞志.基于B/S架构下的慕课平台设计与实现[J].数码世界,2020(09):256-258.</a:t>
             </a:r>
+            <a:endParaRPr lang="zh-CN" altLang="en-US" sz="2400"/>
           </a:p>
           <a:p>
             <a:pPr fontAlgn="auto">
@@ -15014,6 +15257,7 @@
               <a:rPr lang="zh-CN" altLang="en-US" sz="2400"/>
               <a:t>]耿庆阳. 基于Spring Boot与Vue的电子商城设计与实现[D].西安石油大学,2020.</a:t>
             </a:r>
+            <a:endParaRPr lang="zh-CN" altLang="en-US" sz="2400"/>
           </a:p>
           <a:p>
             <a:pPr fontAlgn="auto">
@@ -15029,12 +15273,13 @@
               <a:rPr lang="zh-CN" altLang="en-US" sz="2400"/>
               <a:t>豆瓣网站 https://book.douban.com/</a:t>
             </a:r>
+            <a:endParaRPr lang="zh-CN" altLang="en-US" sz="2400"/>
           </a:p>
         </p:txBody>
       </p:sp>
     </p:spTree>
     <p:custDataLst>
-      <p:tags r:id="rId1"/>
+      <p:tags r:id="rId4"/>
     </p:custDataLst>
   </p:cSld>
   <p:clrMapOvr>
@@ -15087,7 +15332,7 @@
             <p:cNvSpPr/>
             <p:nvPr>
               <p:custDataLst>
-                <p:tags r:id="rId4"/>
+                <p:tags r:id="rId1"/>
               </p:custDataLst>
             </p:nvPr>
           </p:nvSpPr>
@@ -15145,7 +15390,7 @@
             <p:cNvSpPr txBox="1"/>
             <p:nvPr>
               <p:custDataLst>
-                <p:tags r:id="rId5"/>
+                <p:tags r:id="rId2"/>
               </p:custDataLst>
             </p:nvPr>
           </p:nvSpPr>
@@ -15280,8 +15525,17 @@
                   <a:cs typeface="Arial" panose="020B0604020202020204" pitchFamily="34" charset="0"/>
                   <a:sym typeface="+mn-lt"/>
                 </a:rPr>
-                <a:t>4</a:t>
+                <a:t>5</a:t>
               </a:r>
+              <a:endParaRPr lang="en-US" altLang="zh-CN" sz="4400" spc="200">
+                <a:solidFill>
+                  <a:schemeClr val="bg1"/>
+                </a:solidFill>
+                <a:latin typeface="Arial" panose="020B0604020202020204" pitchFamily="34" charset="0"/>
+                <a:ea typeface="微软雅黑" panose="020B0503020204020204" charset="-122"/>
+                <a:cs typeface="Arial" panose="020B0604020202020204" pitchFamily="34" charset="0"/>
+                <a:sym typeface="+mn-lt"/>
+              </a:endParaRPr>
             </a:p>
           </p:txBody>
         </p:sp>
@@ -15295,7 +15549,7 @@
           <p:nvPr>
             <p:ph type="ctrTitle" idx="14"/>
             <p:custDataLst>
-              <p:tags r:id="rId2"/>
+              <p:tags r:id="rId3"/>
             </p:custDataLst>
           </p:nvPr>
         </p:nvSpPr>
@@ -15316,6 +15570,7 @@
               <a:rPr lang="zh-CN" altLang="en-US"/>
               <a:t>小组成员及分工</a:t>
             </a:r>
+            <a:endParaRPr lang="zh-CN" altLang="en-US"/>
           </a:p>
         </p:txBody>
       </p:sp>
@@ -15328,7 +15583,7 @@
           <p:nvPr>
             <p:ph type="subTitle" idx="13"/>
             <p:custDataLst>
-              <p:tags r:id="rId3"/>
+              <p:tags r:id="rId4"/>
             </p:custDataLst>
           </p:nvPr>
         </p:nvSpPr>
@@ -15369,6 +15624,7 @@
               <a:rPr lang="en-US" altLang="zh-CN" sz="2400" dirty="0"/>
               <a:t>	80</a:t>
             </a:r>
+            <a:endParaRPr lang="en-US" altLang="zh-CN" sz="2400" dirty="0"/>
           </a:p>
           <a:p>
             <a:pPr algn="l"/>
@@ -15420,12 +15676,13 @@
               <a:rPr lang="en-US" altLang="zh-CN" sz="2400" dirty="0"/>
               <a:t>		80</a:t>
             </a:r>
+            <a:endParaRPr lang="en-US" altLang="zh-CN" sz="2400" dirty="0"/>
           </a:p>
         </p:txBody>
       </p:sp>
     </p:spTree>
     <p:custDataLst>
-      <p:tags r:id="rId1"/>
+      <p:tags r:id="rId5"/>
     </p:custDataLst>
   </p:cSld>
   <p:clrMapOvr>
@@ -15442,14 +15699,7 @@
 </file>
 
 <file path=ppt/tags/tag1.xml><?xml version="1.0" encoding="utf-8"?>
-<p:tagLst xmlns:a="http://schemas.openxmlformats.org/drawingml/2006/main" xmlns:r="http://schemas.openxmlformats.org/officeDocument/2006/relationships" xmlns:p="http://schemas.openxmlformats.org/presentationml/2006/main">
-  <p:tag name="ISLIDE TOOLS.GUIDESSETTING" val="{&quot;Id&quot;:&quot;GuidesStyle_Normal&quot;,&quot;Name&quot;:&quot;正常&quot;,&quot;HeaderHeight&quot;:10.0,&quot;FooterHeight&quot;:4.0,&quot;SideMargin&quot;:3.0,&quot;TopMargin&quot;:3.0,&quot;BottomMargin&quot;:3.0,&quot;IntervalMargin&quot;:3.0}"/>
-  <p:tag name="ISPRING_PRESENTATION_TITLE" val="PowerPoint 演示文稿"/>
-</p:tagLst>
-</file>
-
-<file path=ppt/tags/tag10.xml><?xml version="1.0" encoding="utf-8"?>
-<p:tagLst xmlns:a="http://schemas.openxmlformats.org/drawingml/2006/main" xmlns:r="http://schemas.openxmlformats.org/officeDocument/2006/relationships" xmlns:p="http://schemas.openxmlformats.org/presentationml/2006/main">
+<p:tagLst xmlns:p="http://schemas.openxmlformats.org/presentationml/2006/main">
   <p:tag name="KSO_WM_SLIDE_BACKGROUND_MASK_FLAG" val="1"/>
   <p:tag name="KSO_WM_UNIT_HIGHLIGHT" val="0"/>
   <p:tag name="KSO_WM_UNIT_COMPATIBLE" val="0"/>
@@ -15462,27 +15712,21 @@
 </p:tagLst>
 </file>
 
-<file path=ppt/tags/tag100.xml><?xml version="1.0" encoding="utf-8"?>
-<p:tagLst xmlns:a="http://schemas.openxmlformats.org/drawingml/2006/main" xmlns:r="http://schemas.openxmlformats.org/officeDocument/2006/relationships" xmlns:p="http://schemas.openxmlformats.org/presentationml/2006/main">
-  <p:tag name="KSO_WM_SLIDE_BACKGROUND_TYPE" val="leftRight"/>
-  <p:tag name="KSO_WM_SLIDE_BK_DARK_LIGHT" val="2"/>
+<file path=ppt/tags/tag10.xml><?xml version="1.0" encoding="utf-8"?>
+<p:tagLst xmlns:p="http://schemas.openxmlformats.org/presentationml/2006/main">
   <p:tag name="KSO_WM_UNIT_HIGHLIGHT" val="0"/>
   <p:tag name="KSO_WM_UNIT_COMPATIBLE" val="0"/>
   <p:tag name="KSO_WM_UNIT_DIAGRAM_ISNUMVISUAL" val="0"/>
   <p:tag name="KSO_WM_UNIT_DIAGRAM_ISREFERUNIT" val="0"/>
-  <p:tag name="KSO_WM_UNIT_SUBTYPE" val="h"/>
-  <p:tag name="KSO_WM_UNIT_TYPE" val="i"/>
-  <p:tag name="KSO_WM_UNIT_INDEX" val="0"/>
-  <p:tag name="KSO_WM_UNIT_ID" val="_14*i*0"/>
-  <p:tag name="KSO_WM_UNIT_BK_DARK_LIGHT" val="2"/>
+  <p:tag name="KSO_WM_UNIT_ID" val="_2**"/>
   <p:tag name="KSO_WM_UNIT_LAYERLEVEL" val="1"/>
   <p:tag name="KSO_WM_TAG_VERSION" val="1.0"/>
   <p:tag name="KSO_WM_BEAUTIFY_FLAG" val="#wm#"/>
 </p:tagLst>
 </file>
 
-<file path=ppt/tags/tag101.xml><?xml version="1.0" encoding="utf-8"?>
-<p:tagLst xmlns:a="http://schemas.openxmlformats.org/drawingml/2006/main" xmlns:r="http://schemas.openxmlformats.org/officeDocument/2006/relationships" xmlns:p="http://schemas.openxmlformats.org/presentationml/2006/main">
+<file path=ppt/tags/tag100.xml><?xml version="1.0" encoding="utf-8"?>
+<p:tagLst xmlns:p="http://schemas.openxmlformats.org/presentationml/2006/main">
   <p:tag name="KSO_WM_SLIDE_BACKGROUND_TYPE" val="leftRight"/>
   <p:tag name="KSO_WM_SLIDE_BK_DARK_LIGHT" val="2"/>
   <p:tag name="KSO_WM_UNIT_HIGHLIGHT" val="0"/>
@@ -15496,98 +15740,8 @@
 </p:tagLst>
 </file>
 
-<file path=ppt/tags/tag102.xml><?xml version="1.0" encoding="utf-8"?>
-<p:tagLst xmlns:a="http://schemas.openxmlformats.org/drawingml/2006/main" xmlns:r="http://schemas.openxmlformats.org/officeDocument/2006/relationships" xmlns:p="http://schemas.openxmlformats.org/presentationml/2006/main">
-  <p:tag name="KSO_WM_SLIDE_BACKGROUND_TYPE" val="leftRight"/>
-  <p:tag name="KSO_WM_SLIDE_BK_DARK_LIGHT" val="2"/>
-  <p:tag name="KSO_WM_UNIT_HIGHLIGHT" val="0"/>
-  <p:tag name="KSO_WM_UNIT_COMPATIBLE" val="0"/>
-  <p:tag name="KSO_WM_UNIT_DIAGRAM_ISNUMVISUAL" val="0"/>
-  <p:tag name="KSO_WM_UNIT_DIAGRAM_ISREFERUNIT" val="0"/>
-  <p:tag name="KSO_WM_UNIT_ID" val="_14**"/>
-  <p:tag name="KSO_WM_UNIT_LAYERLEVEL" val="1"/>
-  <p:tag name="KSO_WM_TAG_VERSION" val="1.0"/>
-  <p:tag name="KSO_WM_BEAUTIFY_FLAG" val="#wm#"/>
-</p:tagLst>
-</file>
-
-<file path=ppt/tags/tag103.xml><?xml version="1.0" encoding="utf-8"?>
-<p:tagLst xmlns:a="http://schemas.openxmlformats.org/drawingml/2006/main" xmlns:r="http://schemas.openxmlformats.org/officeDocument/2006/relationships" xmlns:p="http://schemas.openxmlformats.org/presentationml/2006/main">
-  <p:tag name="KSO_WM_SLIDE_BACKGROUND_TYPE" val="leftRight"/>
-  <p:tag name="KSO_WM_SLIDE_BK_DARK_LIGHT" val="2"/>
-  <p:tag name="KSO_WM_UNIT_HIGHLIGHT" val="0"/>
-  <p:tag name="KSO_WM_UNIT_COMPATIBLE" val="0"/>
-  <p:tag name="KSO_WM_UNIT_DIAGRAM_ISNUMVISUAL" val="0"/>
-  <p:tag name="KSO_WM_UNIT_DIAGRAM_ISREFERUNIT" val="0"/>
-  <p:tag name="KSO_WM_UNIT_ID" val="_14**"/>
-  <p:tag name="KSO_WM_UNIT_LAYERLEVEL" val="1"/>
-  <p:tag name="KSO_WM_TAG_VERSION" val="1.0"/>
-  <p:tag name="KSO_WM_BEAUTIFY_FLAG" val="#wm#"/>
-</p:tagLst>
-</file>
-
-<file path=ppt/tags/tag104.xml><?xml version="1.0" encoding="utf-8"?>
-<p:tagLst xmlns:a="http://schemas.openxmlformats.org/drawingml/2006/main" xmlns:r="http://schemas.openxmlformats.org/officeDocument/2006/relationships" xmlns:p="http://schemas.openxmlformats.org/presentationml/2006/main">
-  <p:tag name="KSO_WM_SLIDE_BACKGROUND_TYPE" val="leftRight"/>
-  <p:tag name="KSO_WM_SLIDE_BK_DARK_LIGHT" val="2"/>
-  <p:tag name="KSO_WM_UNIT_HIGHLIGHT" val="0"/>
-  <p:tag name="KSO_WM_UNIT_COMPATIBLE" val="0"/>
-  <p:tag name="KSO_WM_UNIT_DIAGRAM_ISNUMVISUAL" val="0"/>
-  <p:tag name="KSO_WM_UNIT_DIAGRAM_ISREFERUNIT" val="0"/>
-  <p:tag name="KSO_WM_UNIT_ID" val="_14**"/>
-  <p:tag name="KSO_WM_UNIT_LAYERLEVEL" val="1"/>
-  <p:tag name="KSO_WM_TAG_VERSION" val="1.0"/>
-  <p:tag name="KSO_WM_BEAUTIFY_FLAG" val="#wm#"/>
-</p:tagLst>
-</file>
-
-<file path=ppt/tags/tag105.xml><?xml version="1.0" encoding="utf-8"?>
-<p:tagLst xmlns:a="http://schemas.openxmlformats.org/drawingml/2006/main" xmlns:r="http://schemas.openxmlformats.org/officeDocument/2006/relationships" xmlns:p="http://schemas.openxmlformats.org/presentationml/2006/main">
-  <p:tag name="KSO_WM_SLIDE_BACKGROUND_TYPE" val="leftRight"/>
-  <p:tag name="KSO_WM_SLIDE_BK_DARK_LIGHT" val="2"/>
-  <p:tag name="KSO_WM_UNIT_HIGHLIGHT" val="0"/>
-  <p:tag name="KSO_WM_UNIT_COMPATIBLE" val="0"/>
-  <p:tag name="KSO_WM_UNIT_DIAGRAM_ISNUMVISUAL" val="0"/>
-  <p:tag name="KSO_WM_UNIT_DIAGRAM_ISREFERUNIT" val="0"/>
-  <p:tag name="KSO_WM_UNIT_ID" val="_14**"/>
-  <p:tag name="KSO_WM_UNIT_LAYERLEVEL" val="1"/>
-  <p:tag name="KSO_WM_TAG_VERSION" val="1.0"/>
-  <p:tag name="KSO_WM_BEAUTIFY_FLAG" val="#wm#"/>
-</p:tagLst>
-</file>
-
-<file path=ppt/tags/tag106.xml><?xml version="1.0" encoding="utf-8"?>
-<p:tagLst xmlns:a="http://schemas.openxmlformats.org/drawingml/2006/main" xmlns:r="http://schemas.openxmlformats.org/officeDocument/2006/relationships" xmlns:p="http://schemas.openxmlformats.org/presentationml/2006/main">
-  <p:tag name="KSO_WM_SLIDE_BACKGROUND_TYPE" val="leftRight"/>
-  <p:tag name="KSO_WM_SLIDE_BK_DARK_LIGHT" val="2"/>
-  <p:tag name="KSO_WM_UNIT_HIGHLIGHT" val="0"/>
-  <p:tag name="KSO_WM_UNIT_COMPATIBLE" val="0"/>
-  <p:tag name="KSO_WM_UNIT_DIAGRAM_ISNUMVISUAL" val="0"/>
-  <p:tag name="KSO_WM_UNIT_DIAGRAM_ISREFERUNIT" val="0"/>
-  <p:tag name="KSO_WM_UNIT_ID" val="_14**"/>
-  <p:tag name="KSO_WM_UNIT_LAYERLEVEL" val="1"/>
-  <p:tag name="KSO_WM_TAG_VERSION" val="1.0"/>
-  <p:tag name="KSO_WM_BEAUTIFY_FLAG" val="#wm#"/>
-</p:tagLst>
-</file>
-
-<file path=ppt/tags/tag107.xml><?xml version="1.0" encoding="utf-8"?>
-<p:tagLst xmlns:a="http://schemas.openxmlformats.org/drawingml/2006/main" xmlns:r="http://schemas.openxmlformats.org/officeDocument/2006/relationships" xmlns:p="http://schemas.openxmlformats.org/presentationml/2006/main">
-  <p:tag name="KSO_WM_SLIDE_BACKGROUND_TYPE" val="leftRight"/>
-  <p:tag name="KSO_WM_SLIDE_BK_DARK_LIGHT" val="2"/>
-  <p:tag name="KSO_WM_UNIT_HIGHLIGHT" val="0"/>
-  <p:tag name="KSO_WM_UNIT_COMPATIBLE" val="0"/>
-  <p:tag name="KSO_WM_UNIT_DIAGRAM_ISNUMVISUAL" val="0"/>
-  <p:tag name="KSO_WM_UNIT_DIAGRAM_ISREFERUNIT" val="0"/>
-  <p:tag name="KSO_WM_UNIT_ID" val="_14**"/>
-  <p:tag name="KSO_WM_UNIT_LAYERLEVEL" val="1"/>
-  <p:tag name="KSO_WM_TAG_VERSION" val="1.0"/>
-  <p:tag name="KSO_WM_BEAUTIFY_FLAG" val="#wm#"/>
-</p:tagLst>
-</file>
-
-<file path=ppt/tags/tag108.xml><?xml version="1.0" encoding="utf-8"?>
-<p:tagLst xmlns:a="http://schemas.openxmlformats.org/drawingml/2006/main" xmlns:r="http://schemas.openxmlformats.org/officeDocument/2006/relationships" xmlns:p="http://schemas.openxmlformats.org/presentationml/2006/main">
+<file path=ppt/tags/tag101.xml><?xml version="1.0" encoding="utf-8"?>
+<p:tagLst xmlns:p="http://schemas.openxmlformats.org/presentationml/2006/main">
   <p:tag name="KSO_WM_SLIDE_BACKGROUND_TYPE" val="topBottom"/>
   <p:tag name="KSO_WM_SLIDE_BK_DARK_LIGHT" val="2"/>
   <p:tag name="KSO_WM_UNIT_HIGHLIGHT" val="0"/>
@@ -15605,8 +15759,8 @@
 </p:tagLst>
 </file>
 
-<file path=ppt/tags/tag109.xml><?xml version="1.0" encoding="utf-8"?>
-<p:tagLst xmlns:a="http://schemas.openxmlformats.org/drawingml/2006/main" xmlns:r="http://schemas.openxmlformats.org/officeDocument/2006/relationships" xmlns:p="http://schemas.openxmlformats.org/presentationml/2006/main">
+<file path=ppt/tags/tag102.xml><?xml version="1.0" encoding="utf-8"?>
+<p:tagLst xmlns:p="http://schemas.openxmlformats.org/presentationml/2006/main">
   <p:tag name="KSO_WM_SLIDE_BACKGROUND_TYPE" val="topBottom"/>
   <p:tag name="KSO_WM_SLIDE_BK_DARK_LIGHT" val="2"/>
   <p:tag name="KSO_WM_UNIT_HIGHLIGHT" val="0"/>
@@ -15620,22 +15774,8 @@
 </p:tagLst>
 </file>
 
-<file path=ppt/tags/tag11.xml><?xml version="1.0" encoding="utf-8"?>
-<p:tagLst xmlns:a="http://schemas.openxmlformats.org/drawingml/2006/main" xmlns:r="http://schemas.openxmlformats.org/officeDocument/2006/relationships" xmlns:p="http://schemas.openxmlformats.org/presentationml/2006/main">
-  <p:tag name="KSO_WM_SLIDE_BACKGROUND_MASK_FLAG" val="1"/>
-  <p:tag name="KSO_WM_UNIT_HIGHLIGHT" val="0"/>
-  <p:tag name="KSO_WM_UNIT_COMPATIBLE" val="0"/>
-  <p:tag name="KSO_WM_UNIT_DIAGRAM_ISNUMVISUAL" val="0"/>
-  <p:tag name="KSO_WM_UNIT_DIAGRAM_ISREFERUNIT" val="0"/>
-  <p:tag name="KSO_WM_UNIT_ID" val="_1**"/>
-  <p:tag name="KSO_WM_UNIT_LAYERLEVEL" val="1"/>
-  <p:tag name="KSO_WM_TAG_VERSION" val="1.0"/>
-  <p:tag name="KSO_WM_BEAUTIFY_FLAG" val="#wm#"/>
-</p:tagLst>
-</file>
-
-<file path=ppt/tags/tag110.xml><?xml version="1.0" encoding="utf-8"?>
-<p:tagLst xmlns:a="http://schemas.openxmlformats.org/drawingml/2006/main" xmlns:r="http://schemas.openxmlformats.org/officeDocument/2006/relationships" xmlns:p="http://schemas.openxmlformats.org/presentationml/2006/main">
+<file path=ppt/tags/tag103.xml><?xml version="1.0" encoding="utf-8"?>
+<p:tagLst xmlns:p="http://schemas.openxmlformats.org/presentationml/2006/main">
   <p:tag name="KSO_WM_SLIDE_BACKGROUND_TYPE" val="topBottom"/>
   <p:tag name="KSO_WM_SLIDE_BK_DARK_LIGHT" val="2"/>
   <p:tag name="KSO_WM_UNIT_HIGHLIGHT" val="0"/>
@@ -15649,8 +15789,8 @@
 </p:tagLst>
 </file>
 
-<file path=ppt/tags/tag111.xml><?xml version="1.0" encoding="utf-8"?>
-<p:tagLst xmlns:a="http://schemas.openxmlformats.org/drawingml/2006/main" xmlns:r="http://schemas.openxmlformats.org/officeDocument/2006/relationships" xmlns:p="http://schemas.openxmlformats.org/presentationml/2006/main">
+<file path=ppt/tags/tag104.xml><?xml version="1.0" encoding="utf-8"?>
+<p:tagLst xmlns:p="http://schemas.openxmlformats.org/presentationml/2006/main">
   <p:tag name="KSO_WM_SLIDE_BACKGROUND_TYPE" val="topBottom"/>
   <p:tag name="KSO_WM_SLIDE_BK_DARK_LIGHT" val="2"/>
   <p:tag name="KSO_WM_UNIT_HIGHLIGHT" val="0"/>
@@ -15664,8 +15804,8 @@
 </p:tagLst>
 </file>
 
-<file path=ppt/tags/tag112.xml><?xml version="1.0" encoding="utf-8"?>
-<p:tagLst xmlns:a="http://schemas.openxmlformats.org/drawingml/2006/main" xmlns:r="http://schemas.openxmlformats.org/officeDocument/2006/relationships" xmlns:p="http://schemas.openxmlformats.org/presentationml/2006/main">
+<file path=ppt/tags/tag105.xml><?xml version="1.0" encoding="utf-8"?>
+<p:tagLst xmlns:p="http://schemas.openxmlformats.org/presentationml/2006/main">
   <p:tag name="KSO_WM_SLIDE_BACKGROUND_TYPE" val="topBottom"/>
   <p:tag name="KSO_WM_SLIDE_BK_DARK_LIGHT" val="2"/>
   <p:tag name="KSO_WM_UNIT_HIGHLIGHT" val="0"/>
@@ -15679,8 +15819,8 @@
 </p:tagLst>
 </file>
 
-<file path=ppt/tags/tag113.xml><?xml version="1.0" encoding="utf-8"?>
-<p:tagLst xmlns:a="http://schemas.openxmlformats.org/drawingml/2006/main" xmlns:r="http://schemas.openxmlformats.org/officeDocument/2006/relationships" xmlns:p="http://schemas.openxmlformats.org/presentationml/2006/main">
+<file path=ppt/tags/tag106.xml><?xml version="1.0" encoding="utf-8"?>
+<p:tagLst xmlns:p="http://schemas.openxmlformats.org/presentationml/2006/main">
   <p:tag name="KSO_WM_SLIDE_BACKGROUND_TYPE" val="topBottom"/>
   <p:tag name="KSO_WM_SLIDE_BK_DARK_LIGHT" val="2"/>
   <p:tag name="KSO_WM_UNIT_HIGHLIGHT" val="0"/>
@@ -15694,8 +15834,8 @@
 </p:tagLst>
 </file>
 
-<file path=ppt/tags/tag114.xml><?xml version="1.0" encoding="utf-8"?>
-<p:tagLst xmlns:a="http://schemas.openxmlformats.org/drawingml/2006/main" xmlns:r="http://schemas.openxmlformats.org/officeDocument/2006/relationships" xmlns:p="http://schemas.openxmlformats.org/presentationml/2006/main">
+<file path=ppt/tags/tag107.xml><?xml version="1.0" encoding="utf-8"?>
+<p:tagLst xmlns:p="http://schemas.openxmlformats.org/presentationml/2006/main">
   <p:tag name="KSO_WM_SLIDE_BACKGROUND_TYPE" val="topBottom"/>
   <p:tag name="KSO_WM_SLIDE_BK_DARK_LIGHT" val="2"/>
   <p:tag name="KSO_WM_UNIT_HIGHLIGHT" val="0"/>
@@ -15709,8 +15849,8 @@
 </p:tagLst>
 </file>
 
-<file path=ppt/tags/tag115.xml><?xml version="1.0" encoding="utf-8"?>
-<p:tagLst xmlns:a="http://schemas.openxmlformats.org/drawingml/2006/main" xmlns:r="http://schemas.openxmlformats.org/officeDocument/2006/relationships" xmlns:p="http://schemas.openxmlformats.org/presentationml/2006/main">
+<file path=ppt/tags/tag108.xml><?xml version="1.0" encoding="utf-8"?>
+<p:tagLst xmlns:p="http://schemas.openxmlformats.org/presentationml/2006/main">
   <p:tag name="KSO_WM_SLIDE_BACKGROUND_TYPE" val="topBottom"/>
   <p:tag name="KSO_WM_SLIDE_BK_DARK_LIGHT" val="2"/>
   <p:tag name="KSO_WM_UNIT_HIGHLIGHT" val="0"/>
@@ -15724,8 +15864,8 @@
 </p:tagLst>
 </file>
 
-<file path=ppt/tags/tag116.xml><?xml version="1.0" encoding="utf-8"?>
-<p:tagLst xmlns:a="http://schemas.openxmlformats.org/drawingml/2006/main" xmlns:r="http://schemas.openxmlformats.org/officeDocument/2006/relationships" xmlns:p="http://schemas.openxmlformats.org/presentationml/2006/main">
+<file path=ppt/tags/tag109.xml><?xml version="1.0" encoding="utf-8"?>
+<p:tagLst xmlns:p="http://schemas.openxmlformats.org/presentationml/2006/main">
   <p:tag name="KSO_WM_SLIDE_BACKGROUND_TYPE" val="topBottom"/>
   <p:tag name="KSO_WM_SLIDE_BK_DARK_LIGHT" val="2"/>
   <p:tag name="KSO_WM_UNIT_HIGHLIGHT" val="0"/>
@@ -15739,8 +15879,21 @@
 </p:tagLst>
 </file>
 
-<file path=ppt/tags/tag117.xml><?xml version="1.0" encoding="utf-8"?>
-<p:tagLst xmlns:a="http://schemas.openxmlformats.org/drawingml/2006/main" xmlns:r="http://schemas.openxmlformats.org/officeDocument/2006/relationships" xmlns:p="http://schemas.openxmlformats.org/presentationml/2006/main">
+<file path=ppt/tags/tag11.xml><?xml version="1.0" encoding="utf-8"?>
+<p:tagLst xmlns:p="http://schemas.openxmlformats.org/presentationml/2006/main">
+  <p:tag name="KSO_WM_UNIT_HIGHLIGHT" val="0"/>
+  <p:tag name="KSO_WM_UNIT_COMPATIBLE" val="0"/>
+  <p:tag name="KSO_WM_UNIT_DIAGRAM_ISNUMVISUAL" val="0"/>
+  <p:tag name="KSO_WM_UNIT_DIAGRAM_ISREFERUNIT" val="0"/>
+  <p:tag name="KSO_WM_UNIT_ID" val="_2**"/>
+  <p:tag name="KSO_WM_UNIT_LAYERLEVEL" val="1"/>
+  <p:tag name="KSO_WM_TAG_VERSION" val="1.0"/>
+  <p:tag name="KSO_WM_BEAUTIFY_FLAG" val="#wm#"/>
+</p:tagLst>
+</file>
+
+<file path=ppt/tags/tag110.xml><?xml version="1.0" encoding="utf-8"?>
+<p:tagLst xmlns:p="http://schemas.openxmlformats.org/presentationml/2006/main">
   <p:tag name="KSO_WM_SLIDE_BACKGROUND_TYPE" val="bottomTop"/>
   <p:tag name="KSO_WM_SLIDE_BK_DARK_LIGHT" val="2"/>
   <p:tag name="KSO_WM_UNIT_HIGHLIGHT" val="0"/>
@@ -15758,8 +15911,8 @@
 </p:tagLst>
 </file>
 
-<file path=ppt/tags/tag118.xml><?xml version="1.0" encoding="utf-8"?>
-<p:tagLst xmlns:a="http://schemas.openxmlformats.org/drawingml/2006/main" xmlns:r="http://schemas.openxmlformats.org/officeDocument/2006/relationships" xmlns:p="http://schemas.openxmlformats.org/presentationml/2006/main">
+<file path=ppt/tags/tag111.xml><?xml version="1.0" encoding="utf-8"?>
+<p:tagLst xmlns:p="http://schemas.openxmlformats.org/presentationml/2006/main">
   <p:tag name="KSO_WM_SLIDE_BACKGROUND_TYPE" val="bottomTop"/>
   <p:tag name="KSO_WM_SLIDE_BK_DARK_LIGHT" val="2"/>
   <p:tag name="KSO_WM_UNIT_HIGHLIGHT" val="0"/>
@@ -15773,8 +15926,8 @@
 </p:tagLst>
 </file>
 
-<file path=ppt/tags/tag119.xml><?xml version="1.0" encoding="utf-8"?>
-<p:tagLst xmlns:a="http://schemas.openxmlformats.org/drawingml/2006/main" xmlns:r="http://schemas.openxmlformats.org/officeDocument/2006/relationships" xmlns:p="http://schemas.openxmlformats.org/presentationml/2006/main">
+<file path=ppt/tags/tag112.xml><?xml version="1.0" encoding="utf-8"?>
+<p:tagLst xmlns:p="http://schemas.openxmlformats.org/presentationml/2006/main">
   <p:tag name="KSO_WM_SLIDE_BACKGROUND_TYPE" val="bottomTop"/>
   <p:tag name="KSO_WM_SLIDE_BK_DARK_LIGHT" val="2"/>
   <p:tag name="KSO_WM_UNIT_HIGHLIGHT" val="0"/>
@@ -15788,22 +15941,8 @@
 </p:tagLst>
 </file>
 
-<file path=ppt/tags/tag12.xml><?xml version="1.0" encoding="utf-8"?>
-<p:tagLst xmlns:a="http://schemas.openxmlformats.org/drawingml/2006/main" xmlns:r="http://schemas.openxmlformats.org/officeDocument/2006/relationships" xmlns:p="http://schemas.openxmlformats.org/presentationml/2006/main">
-  <p:tag name="KSO_WM_SLIDE_BACKGROUND_MASK_FLAG" val="1"/>
-  <p:tag name="KSO_WM_UNIT_HIGHLIGHT" val="0"/>
-  <p:tag name="KSO_WM_UNIT_COMPATIBLE" val="0"/>
-  <p:tag name="KSO_WM_UNIT_DIAGRAM_ISNUMVISUAL" val="0"/>
-  <p:tag name="KSO_WM_UNIT_DIAGRAM_ISREFERUNIT" val="0"/>
-  <p:tag name="KSO_WM_UNIT_ID" val="_1**"/>
-  <p:tag name="KSO_WM_UNIT_LAYERLEVEL" val="1"/>
-  <p:tag name="KSO_WM_TAG_VERSION" val="1.0"/>
-  <p:tag name="KSO_WM_BEAUTIFY_FLAG" val="#wm#"/>
-</p:tagLst>
-</file>
-
-<file path=ppt/tags/tag120.xml><?xml version="1.0" encoding="utf-8"?>
-<p:tagLst xmlns:a="http://schemas.openxmlformats.org/drawingml/2006/main" xmlns:r="http://schemas.openxmlformats.org/officeDocument/2006/relationships" xmlns:p="http://schemas.openxmlformats.org/presentationml/2006/main">
+<file path=ppt/tags/tag113.xml><?xml version="1.0" encoding="utf-8"?>
+<p:tagLst xmlns:p="http://schemas.openxmlformats.org/presentationml/2006/main">
   <p:tag name="KSO_WM_SLIDE_BACKGROUND_TYPE" val="bottomTop"/>
   <p:tag name="KSO_WM_SLIDE_BK_DARK_LIGHT" val="2"/>
   <p:tag name="KSO_WM_UNIT_HIGHLIGHT" val="0"/>
@@ -15817,8 +15956,8 @@
 </p:tagLst>
 </file>
 
-<file path=ppt/tags/tag121.xml><?xml version="1.0" encoding="utf-8"?>
-<p:tagLst xmlns:a="http://schemas.openxmlformats.org/drawingml/2006/main" xmlns:r="http://schemas.openxmlformats.org/officeDocument/2006/relationships" xmlns:p="http://schemas.openxmlformats.org/presentationml/2006/main">
+<file path=ppt/tags/tag114.xml><?xml version="1.0" encoding="utf-8"?>
+<p:tagLst xmlns:p="http://schemas.openxmlformats.org/presentationml/2006/main">
   <p:tag name="KSO_WM_SLIDE_BACKGROUND_TYPE" val="bottomTop"/>
   <p:tag name="KSO_WM_SLIDE_BK_DARK_LIGHT" val="2"/>
   <p:tag name="KSO_WM_UNIT_HIGHLIGHT" val="0"/>
@@ -15832,8 +15971,8 @@
 </p:tagLst>
 </file>
 
-<file path=ppt/tags/tag122.xml><?xml version="1.0" encoding="utf-8"?>
-<p:tagLst xmlns:a="http://schemas.openxmlformats.org/drawingml/2006/main" xmlns:r="http://schemas.openxmlformats.org/officeDocument/2006/relationships" xmlns:p="http://schemas.openxmlformats.org/presentationml/2006/main">
+<file path=ppt/tags/tag115.xml><?xml version="1.0" encoding="utf-8"?>
+<p:tagLst xmlns:p="http://schemas.openxmlformats.org/presentationml/2006/main">
   <p:tag name="KSO_WM_SLIDE_BACKGROUND_TYPE" val="bottomTop"/>
   <p:tag name="KSO_WM_SLIDE_BK_DARK_LIGHT" val="2"/>
   <p:tag name="KSO_WM_UNIT_HIGHLIGHT" val="0"/>
@@ -15847,8 +15986,8 @@
 </p:tagLst>
 </file>
 
-<file path=ppt/tags/tag123.xml><?xml version="1.0" encoding="utf-8"?>
-<p:tagLst xmlns:a="http://schemas.openxmlformats.org/drawingml/2006/main" xmlns:r="http://schemas.openxmlformats.org/officeDocument/2006/relationships" xmlns:p="http://schemas.openxmlformats.org/presentationml/2006/main">
+<file path=ppt/tags/tag116.xml><?xml version="1.0" encoding="utf-8"?>
+<p:tagLst xmlns:p="http://schemas.openxmlformats.org/presentationml/2006/main">
   <p:tag name="KSO_WM_SLIDE_BACKGROUND_TYPE" val="bottomTop"/>
   <p:tag name="KSO_WM_SLIDE_BK_DARK_LIGHT" val="2"/>
   <p:tag name="KSO_WM_UNIT_HIGHLIGHT" val="0"/>
@@ -15862,8 +16001,8 @@
 </p:tagLst>
 </file>
 
-<file path=ppt/tags/tag124.xml><?xml version="1.0" encoding="utf-8"?>
-<p:tagLst xmlns:a="http://schemas.openxmlformats.org/drawingml/2006/main" xmlns:r="http://schemas.openxmlformats.org/officeDocument/2006/relationships" xmlns:p="http://schemas.openxmlformats.org/presentationml/2006/main">
+<file path=ppt/tags/tag117.xml><?xml version="1.0" encoding="utf-8"?>
+<p:tagLst xmlns:p="http://schemas.openxmlformats.org/presentationml/2006/main">
   <p:tag name="KSO_WM_SLIDE_BACKGROUND_TYPE" val="bottomTop"/>
   <p:tag name="KSO_WM_SLIDE_BK_DARK_LIGHT" val="2"/>
   <p:tag name="KSO_WM_UNIT_HIGHLIGHT" val="0"/>
@@ -15877,8 +16016,8 @@
 </p:tagLst>
 </file>
 
-<file path=ppt/tags/tag125.xml><?xml version="1.0" encoding="utf-8"?>
-<p:tagLst xmlns:a="http://schemas.openxmlformats.org/drawingml/2006/main" xmlns:r="http://schemas.openxmlformats.org/officeDocument/2006/relationships" xmlns:p="http://schemas.openxmlformats.org/presentationml/2006/main">
+<file path=ppt/tags/tag118.xml><?xml version="1.0" encoding="utf-8"?>
+<p:tagLst xmlns:p="http://schemas.openxmlformats.org/presentationml/2006/main">
   <p:tag name="KSO_WM_SLIDE_BACKGROUND_TYPE" val="bottomTop"/>
   <p:tag name="KSO_WM_SLIDE_BK_DARK_LIGHT" val="2"/>
   <p:tag name="KSO_WM_UNIT_HIGHLIGHT" val="0"/>
@@ -15892,8 +16031,8 @@
 </p:tagLst>
 </file>
 
-<file path=ppt/tags/tag126.xml><?xml version="1.0" encoding="utf-8"?>
-<p:tagLst xmlns:a="http://schemas.openxmlformats.org/drawingml/2006/main" xmlns:r="http://schemas.openxmlformats.org/officeDocument/2006/relationships" xmlns:p="http://schemas.openxmlformats.org/presentationml/2006/main">
+<file path=ppt/tags/tag119.xml><?xml version="1.0" encoding="utf-8"?>
+<p:tagLst xmlns:p="http://schemas.openxmlformats.org/presentationml/2006/main">
   <p:tag name="KSO_WM_SLIDE_BACKGROUND_TYPE" val="navigation"/>
   <p:tag name="KSO_WM_SLIDE_BK_DARK_LIGHT" val="2"/>
   <p:tag name="KSO_WM_UNIT_HIGHLIGHT" val="0"/>
@@ -15911,8 +16050,21 @@
 </p:tagLst>
 </file>
 
-<file path=ppt/tags/tag127.xml><?xml version="1.0" encoding="utf-8"?>
-<p:tagLst xmlns:a="http://schemas.openxmlformats.org/drawingml/2006/main" xmlns:r="http://schemas.openxmlformats.org/officeDocument/2006/relationships" xmlns:p="http://schemas.openxmlformats.org/presentationml/2006/main">
+<file path=ppt/tags/tag12.xml><?xml version="1.0" encoding="utf-8"?>
+<p:tagLst xmlns:p="http://schemas.openxmlformats.org/presentationml/2006/main">
+  <p:tag name="KSO_WM_UNIT_HIGHLIGHT" val="0"/>
+  <p:tag name="KSO_WM_UNIT_COMPATIBLE" val="0"/>
+  <p:tag name="KSO_WM_UNIT_DIAGRAM_ISNUMVISUAL" val="0"/>
+  <p:tag name="KSO_WM_UNIT_DIAGRAM_ISREFERUNIT" val="0"/>
+  <p:tag name="KSO_WM_UNIT_ID" val="_2**"/>
+  <p:tag name="KSO_WM_UNIT_LAYERLEVEL" val="1"/>
+  <p:tag name="KSO_WM_TAG_VERSION" val="1.0"/>
+  <p:tag name="KSO_WM_BEAUTIFY_FLAG" val="#wm#"/>
+</p:tagLst>
+</file>
+
+<file path=ppt/tags/tag120.xml><?xml version="1.0" encoding="utf-8"?>
+<p:tagLst xmlns:p="http://schemas.openxmlformats.org/presentationml/2006/main">
   <p:tag name="KSO_WM_SLIDE_BACKGROUND_TYPE" val="navigation"/>
   <p:tag name="KSO_WM_SLIDE_BK_DARK_LIGHT" val="2"/>
   <p:tag name="KSO_WM_UNIT_HIGHLIGHT" val="0"/>
@@ -15926,8 +16078,8 @@
 </p:tagLst>
 </file>
 
-<file path=ppt/tags/tag128.xml><?xml version="1.0" encoding="utf-8"?>
-<p:tagLst xmlns:a="http://schemas.openxmlformats.org/drawingml/2006/main" xmlns:r="http://schemas.openxmlformats.org/officeDocument/2006/relationships" xmlns:p="http://schemas.openxmlformats.org/presentationml/2006/main">
+<file path=ppt/tags/tag121.xml><?xml version="1.0" encoding="utf-8"?>
+<p:tagLst xmlns:p="http://schemas.openxmlformats.org/presentationml/2006/main">
   <p:tag name="KSO_WM_SLIDE_BACKGROUND_TYPE" val="navigation"/>
   <p:tag name="KSO_WM_SLIDE_BK_DARK_LIGHT" val="2"/>
   <p:tag name="KSO_WM_UNIT_HIGHLIGHT" val="0"/>
@@ -15941,8 +16093,8 @@
 </p:tagLst>
 </file>
 
-<file path=ppt/tags/tag129.xml><?xml version="1.0" encoding="utf-8"?>
-<p:tagLst xmlns:a="http://schemas.openxmlformats.org/drawingml/2006/main" xmlns:r="http://schemas.openxmlformats.org/officeDocument/2006/relationships" xmlns:p="http://schemas.openxmlformats.org/presentationml/2006/main">
+<file path=ppt/tags/tag122.xml><?xml version="1.0" encoding="utf-8"?>
+<p:tagLst xmlns:p="http://schemas.openxmlformats.org/presentationml/2006/main">
   <p:tag name="KSO_WM_SLIDE_BACKGROUND_TYPE" val="navigation"/>
   <p:tag name="KSO_WM_SLIDE_BK_DARK_LIGHT" val="2"/>
   <p:tag name="KSO_WM_UNIT_HIGHLIGHT" val="0"/>
@@ -15956,21 +16108,8 @@
 </p:tagLst>
 </file>
 
-<file path=ppt/tags/tag13.xml><?xml version="1.0" encoding="utf-8"?>
-<p:tagLst xmlns:a="http://schemas.openxmlformats.org/drawingml/2006/main" xmlns:r="http://schemas.openxmlformats.org/officeDocument/2006/relationships" xmlns:p="http://schemas.openxmlformats.org/presentationml/2006/main">
-  <p:tag name="KSO_WM_UNIT_HIGHLIGHT" val="0"/>
-  <p:tag name="KSO_WM_UNIT_COMPATIBLE" val="0"/>
-  <p:tag name="KSO_WM_UNIT_DIAGRAM_ISNUMVISUAL" val="0"/>
-  <p:tag name="KSO_WM_UNIT_DIAGRAM_ISREFERUNIT" val="0"/>
-  <p:tag name="KSO_WM_UNIT_ID" val="_2**"/>
-  <p:tag name="KSO_WM_UNIT_LAYERLEVEL" val="1"/>
-  <p:tag name="KSO_WM_TAG_VERSION" val="1.0"/>
-  <p:tag name="KSO_WM_BEAUTIFY_FLAG" val="#wm#"/>
-</p:tagLst>
-</file>
-
-<file path=ppt/tags/tag130.xml><?xml version="1.0" encoding="utf-8"?>
-<p:tagLst xmlns:a="http://schemas.openxmlformats.org/drawingml/2006/main" xmlns:r="http://schemas.openxmlformats.org/officeDocument/2006/relationships" xmlns:p="http://schemas.openxmlformats.org/presentationml/2006/main">
+<file path=ppt/tags/tag123.xml><?xml version="1.0" encoding="utf-8"?>
+<p:tagLst xmlns:p="http://schemas.openxmlformats.org/presentationml/2006/main">
   <p:tag name="KSO_WM_SLIDE_BACKGROUND_TYPE" val="navigation"/>
   <p:tag name="KSO_WM_SLIDE_BK_DARK_LIGHT" val="2"/>
   <p:tag name="KSO_WM_UNIT_HIGHLIGHT" val="0"/>
@@ -15984,8 +16123,8 @@
 </p:tagLst>
 </file>
 
-<file path=ppt/tags/tag131.xml><?xml version="1.0" encoding="utf-8"?>
-<p:tagLst xmlns:a="http://schemas.openxmlformats.org/drawingml/2006/main" xmlns:r="http://schemas.openxmlformats.org/officeDocument/2006/relationships" xmlns:p="http://schemas.openxmlformats.org/presentationml/2006/main">
+<file path=ppt/tags/tag124.xml><?xml version="1.0" encoding="utf-8"?>
+<p:tagLst xmlns:p="http://schemas.openxmlformats.org/presentationml/2006/main">
   <p:tag name="KSO_WM_SLIDE_BACKGROUND_TYPE" val="navigation"/>
   <p:tag name="KSO_WM_SLIDE_BK_DARK_LIGHT" val="2"/>
   <p:tag name="KSO_WM_UNIT_HIGHLIGHT" val="0"/>
@@ -15999,8 +16138,8 @@
 </p:tagLst>
 </file>
 
-<file path=ppt/tags/tag132.xml><?xml version="1.0" encoding="utf-8"?>
-<p:tagLst xmlns:a="http://schemas.openxmlformats.org/drawingml/2006/main" xmlns:r="http://schemas.openxmlformats.org/officeDocument/2006/relationships" xmlns:p="http://schemas.openxmlformats.org/presentationml/2006/main">
+<file path=ppt/tags/tag125.xml><?xml version="1.0" encoding="utf-8"?>
+<p:tagLst xmlns:p="http://schemas.openxmlformats.org/presentationml/2006/main">
   <p:tag name="KSO_WM_SLIDE_BACKGROUND_TYPE" val="navigation"/>
   <p:tag name="KSO_WM_SLIDE_BK_DARK_LIGHT" val="2"/>
   <p:tag name="KSO_WM_UNIT_HIGHLIGHT" val="0"/>
@@ -16014,8 +16153,8 @@
 </p:tagLst>
 </file>
 
-<file path=ppt/tags/tag133.xml><?xml version="1.0" encoding="utf-8"?>
-<p:tagLst xmlns:a="http://schemas.openxmlformats.org/drawingml/2006/main" xmlns:r="http://schemas.openxmlformats.org/officeDocument/2006/relationships" xmlns:p="http://schemas.openxmlformats.org/presentationml/2006/main">
+<file path=ppt/tags/tag126.xml><?xml version="1.0" encoding="utf-8"?>
+<p:tagLst xmlns:p="http://schemas.openxmlformats.org/presentationml/2006/main">
   <p:tag name="KSO_WM_SLIDE_BACKGROUND_TYPE" val="navigation"/>
   <p:tag name="KSO_WM_SLIDE_BK_DARK_LIGHT" val="2"/>
   <p:tag name="KSO_WM_UNIT_HIGHLIGHT" val="0"/>
@@ -16029,8 +16168,8 @@
 </p:tagLst>
 </file>
 
-<file path=ppt/tags/tag134.xml><?xml version="1.0" encoding="utf-8"?>
-<p:tagLst xmlns:a="http://schemas.openxmlformats.org/drawingml/2006/main" xmlns:r="http://schemas.openxmlformats.org/officeDocument/2006/relationships" xmlns:p="http://schemas.openxmlformats.org/presentationml/2006/main">
+<file path=ppt/tags/tag127.xml><?xml version="1.0" encoding="utf-8"?>
+<p:tagLst xmlns:p="http://schemas.openxmlformats.org/presentationml/2006/main">
   <p:tag name="KSO_WM_SLIDE_BACKGROUND_TYPE" val="navigation"/>
   <p:tag name="KSO_WM_SLIDE_BK_DARK_LIGHT" val="2"/>
   <p:tag name="KSO_WM_UNIT_HIGHLIGHT" val="0"/>
@@ -16044,8 +16183,8 @@
 </p:tagLst>
 </file>
 
-<file path=ppt/tags/tag135.xml><?xml version="1.0" encoding="utf-8"?>
-<p:tagLst xmlns:a="http://schemas.openxmlformats.org/drawingml/2006/main" xmlns:r="http://schemas.openxmlformats.org/officeDocument/2006/relationships" xmlns:p="http://schemas.openxmlformats.org/presentationml/2006/main">
+<file path=ppt/tags/tag128.xml><?xml version="1.0" encoding="utf-8"?>
+<p:tagLst xmlns:p="http://schemas.openxmlformats.org/presentationml/2006/main">
   <p:tag name="KSO_WM_SLIDE_BACKGROUND_TYPE" val="navigation"/>
   <p:tag name="KSO_WM_SLIDE_BK_DARK_LIGHT" val="2"/>
   <p:tag name="KSO_WM_UNIT_HIGHLIGHT" val="0"/>
@@ -16059,8 +16198,8 @@
 </p:tagLst>
 </file>
 
-<file path=ppt/tags/tag136.xml><?xml version="1.0" encoding="utf-8"?>
-<p:tagLst xmlns:a="http://schemas.openxmlformats.org/drawingml/2006/main" xmlns:r="http://schemas.openxmlformats.org/officeDocument/2006/relationships" xmlns:p="http://schemas.openxmlformats.org/presentationml/2006/main">
+<file path=ppt/tags/tag129.xml><?xml version="1.0" encoding="utf-8"?>
+<p:tagLst xmlns:p="http://schemas.openxmlformats.org/presentationml/2006/main">
   <p:tag name="KSO_WM_SLIDE_BACKGROUND_TYPE" val="navigation"/>
   <p:tag name="KSO_WM_SLIDE_BK_DARK_LIGHT" val="2"/>
   <p:tag name="KSO_WM_UNIT_HIGHLIGHT" val="0"/>
@@ -16074,8 +16213,21 @@
 </p:tagLst>
 </file>
 
-<file path=ppt/tags/tag137.xml><?xml version="1.0" encoding="utf-8"?>
-<p:tagLst xmlns:a="http://schemas.openxmlformats.org/drawingml/2006/main" xmlns:r="http://schemas.openxmlformats.org/officeDocument/2006/relationships" xmlns:p="http://schemas.openxmlformats.org/presentationml/2006/main">
+<file path=ppt/tags/tag13.xml><?xml version="1.0" encoding="utf-8"?>
+<p:tagLst xmlns:p="http://schemas.openxmlformats.org/presentationml/2006/main">
+  <p:tag name="KSO_WM_UNIT_HIGHLIGHT" val="0"/>
+  <p:tag name="KSO_WM_UNIT_COMPATIBLE" val="0"/>
+  <p:tag name="KSO_WM_UNIT_DIAGRAM_ISNUMVISUAL" val="0"/>
+  <p:tag name="KSO_WM_UNIT_DIAGRAM_ISREFERUNIT" val="0"/>
+  <p:tag name="KSO_WM_UNIT_ID" val="_2**"/>
+  <p:tag name="KSO_WM_UNIT_LAYERLEVEL" val="1"/>
+  <p:tag name="KSO_WM_TAG_VERSION" val="1.0"/>
+  <p:tag name="KSO_WM_BEAUTIFY_FLAG" val="#wm#"/>
+</p:tagLst>
+</file>
+
+<file path=ppt/tags/tag130.xml><?xml version="1.0" encoding="utf-8"?>
+<p:tagLst xmlns:p="http://schemas.openxmlformats.org/presentationml/2006/main">
   <p:tag name="KSO_WM_SLIDE_BACKGROUND_TYPE" val="belt"/>
   <p:tag name="KSO_WM_SLIDE_BK_DARK_LIGHT" val="2"/>
   <p:tag name="KSO_WM_UNIT_HIGHLIGHT" val="0"/>
@@ -16093,8 +16245,8 @@
 </p:tagLst>
 </file>
 
-<file path=ppt/tags/tag138.xml><?xml version="1.0" encoding="utf-8"?>
-<p:tagLst xmlns:a="http://schemas.openxmlformats.org/drawingml/2006/main" xmlns:r="http://schemas.openxmlformats.org/officeDocument/2006/relationships" xmlns:p="http://schemas.openxmlformats.org/presentationml/2006/main">
+<file path=ppt/tags/tag131.xml><?xml version="1.0" encoding="utf-8"?>
+<p:tagLst xmlns:p="http://schemas.openxmlformats.org/presentationml/2006/main">
   <p:tag name="KSO_WM_SLIDE_BACKGROUND_TYPE" val="belt"/>
   <p:tag name="KSO_WM_SLIDE_BK_DARK_LIGHT" val="2"/>
   <p:tag name="KSO_WM_UNIT_HIGHLIGHT" val="0"/>
@@ -16108,8 +16260,8 @@
 </p:tagLst>
 </file>
 
-<file path=ppt/tags/tag139.xml><?xml version="1.0" encoding="utf-8"?>
-<p:tagLst xmlns:a="http://schemas.openxmlformats.org/drawingml/2006/main" xmlns:r="http://schemas.openxmlformats.org/officeDocument/2006/relationships" xmlns:p="http://schemas.openxmlformats.org/presentationml/2006/main">
+<file path=ppt/tags/tag132.xml><?xml version="1.0" encoding="utf-8"?>
+<p:tagLst xmlns:p="http://schemas.openxmlformats.org/presentationml/2006/main">
   <p:tag name="KSO_WM_SLIDE_BACKGROUND_TYPE" val="belt"/>
   <p:tag name="KSO_WM_SLIDE_BK_DARK_LIGHT" val="2"/>
   <p:tag name="KSO_WM_UNIT_HIGHLIGHT" val="0"/>
@@ -16123,21 +16275,8 @@
 </p:tagLst>
 </file>
 
-<file path=ppt/tags/tag14.xml><?xml version="1.0" encoding="utf-8"?>
-<p:tagLst xmlns:a="http://schemas.openxmlformats.org/drawingml/2006/main" xmlns:r="http://schemas.openxmlformats.org/officeDocument/2006/relationships" xmlns:p="http://schemas.openxmlformats.org/presentationml/2006/main">
-  <p:tag name="KSO_WM_UNIT_HIGHLIGHT" val="0"/>
-  <p:tag name="KSO_WM_UNIT_COMPATIBLE" val="0"/>
-  <p:tag name="KSO_WM_UNIT_DIAGRAM_ISNUMVISUAL" val="0"/>
-  <p:tag name="KSO_WM_UNIT_DIAGRAM_ISREFERUNIT" val="0"/>
-  <p:tag name="KSO_WM_UNIT_ID" val="_2**"/>
-  <p:tag name="KSO_WM_UNIT_LAYERLEVEL" val="1"/>
-  <p:tag name="KSO_WM_TAG_VERSION" val="1.0"/>
-  <p:tag name="KSO_WM_BEAUTIFY_FLAG" val="#wm#"/>
-</p:tagLst>
-</file>
-
-<file path=ppt/tags/tag140.xml><?xml version="1.0" encoding="utf-8"?>
-<p:tagLst xmlns:a="http://schemas.openxmlformats.org/drawingml/2006/main" xmlns:r="http://schemas.openxmlformats.org/officeDocument/2006/relationships" xmlns:p="http://schemas.openxmlformats.org/presentationml/2006/main">
+<file path=ppt/tags/tag133.xml><?xml version="1.0" encoding="utf-8"?>
+<p:tagLst xmlns:p="http://schemas.openxmlformats.org/presentationml/2006/main">
   <p:tag name="KSO_WM_SLIDE_BACKGROUND_TYPE" val="belt"/>
   <p:tag name="KSO_WM_SLIDE_BK_DARK_LIGHT" val="2"/>
   <p:tag name="KSO_WM_UNIT_HIGHLIGHT" val="0"/>
@@ -16151,8 +16290,8 @@
 </p:tagLst>
 </file>
 
-<file path=ppt/tags/tag141.xml><?xml version="1.0" encoding="utf-8"?>
-<p:tagLst xmlns:a="http://schemas.openxmlformats.org/drawingml/2006/main" xmlns:r="http://schemas.openxmlformats.org/officeDocument/2006/relationships" xmlns:p="http://schemas.openxmlformats.org/presentationml/2006/main">
+<file path=ppt/tags/tag134.xml><?xml version="1.0" encoding="utf-8"?>
+<p:tagLst xmlns:p="http://schemas.openxmlformats.org/presentationml/2006/main">
   <p:tag name="KSO_WM_SLIDE_BACKGROUND_TYPE" val="belt"/>
   <p:tag name="KSO_WM_SLIDE_BK_DARK_LIGHT" val="2"/>
   <p:tag name="KSO_WM_UNIT_HIGHLIGHT" val="0"/>
@@ -16166,8 +16305,8 @@
 </p:tagLst>
 </file>
 
-<file path=ppt/tags/tag142.xml><?xml version="1.0" encoding="utf-8"?>
-<p:tagLst xmlns:a="http://schemas.openxmlformats.org/drawingml/2006/main" xmlns:r="http://schemas.openxmlformats.org/officeDocument/2006/relationships" xmlns:p="http://schemas.openxmlformats.org/presentationml/2006/main">
+<file path=ppt/tags/tag135.xml><?xml version="1.0" encoding="utf-8"?>
+<p:tagLst xmlns:p="http://schemas.openxmlformats.org/presentationml/2006/main">
   <p:tag name="KSO_WM_SLIDE_BACKGROUND_TYPE" val="belt"/>
   <p:tag name="KSO_WM_SLIDE_BK_DARK_LIGHT" val="2"/>
   <p:tag name="KSO_WM_UNIT_HIGHLIGHT" val="0"/>
@@ -16181,8 +16320,8 @@
 </p:tagLst>
 </file>
 
-<file path=ppt/tags/tag143.xml><?xml version="1.0" encoding="utf-8"?>
-<p:tagLst xmlns:a="http://schemas.openxmlformats.org/drawingml/2006/main" xmlns:r="http://schemas.openxmlformats.org/officeDocument/2006/relationships" xmlns:p="http://schemas.openxmlformats.org/presentationml/2006/main">
+<file path=ppt/tags/tag136.xml><?xml version="1.0" encoding="utf-8"?>
+<p:tagLst xmlns:p="http://schemas.openxmlformats.org/presentationml/2006/main">
   <p:tag name="KSO_WM_SLIDE_BACKGROUND_TYPE" val="belt"/>
   <p:tag name="KSO_WM_SLIDE_BK_DARK_LIGHT" val="2"/>
   <p:tag name="KSO_WM_UNIT_HIGHLIGHT" val="0"/>
@@ -16196,8 +16335,8 @@
 </p:tagLst>
 </file>
 
-<file path=ppt/tags/tag144.xml><?xml version="1.0" encoding="utf-8"?>
-<p:tagLst xmlns:a="http://schemas.openxmlformats.org/drawingml/2006/main" xmlns:r="http://schemas.openxmlformats.org/officeDocument/2006/relationships" xmlns:p="http://schemas.openxmlformats.org/presentationml/2006/main">
+<file path=ppt/tags/tag137.xml><?xml version="1.0" encoding="utf-8"?>
+<p:tagLst xmlns:p="http://schemas.openxmlformats.org/presentationml/2006/main">
   <p:tag name="KSO_WM_SLIDE_BACKGROUND_TYPE" val="belt"/>
   <p:tag name="KSO_WM_SLIDE_BK_DARK_LIGHT" val="2"/>
   <p:tag name="KSO_WM_UNIT_HIGHLIGHT" val="0"/>
@@ -16211,37 +16350,112 @@
 </p:tagLst>
 </file>
 
-<file path=ppt/tags/tag145.xml><?xml version="1.0" encoding="utf-8"?>
-<p:tagLst xmlns:a="http://schemas.openxmlformats.org/drawingml/2006/main" xmlns:r="http://schemas.openxmlformats.org/officeDocument/2006/relationships" xmlns:p="http://schemas.openxmlformats.org/presentationml/2006/main">
+<file path=ppt/tags/tag138.xml><?xml version="1.0" encoding="utf-8"?>
+<p:tagLst xmlns:p="http://schemas.openxmlformats.org/presentationml/2006/main">
+  <p:tag name="KSO_WM_UNIT_HIGHLIGHT" val="0"/>
+  <p:tag name="KSO_WM_UNIT_COMPATIBLE" val="0"/>
+  <p:tag name="KSO_WM_UNIT_DIAGRAM_ISNUMVISUAL" val="0"/>
+  <p:tag name="KSO_WM_UNIT_DIAGRAM_ISREFERUNIT" val="0"/>
+  <p:tag name="KSO_WM_UNIT_ID" val="_0**"/>
+  <p:tag name="KSO_WM_UNIT_LAYERLEVEL" val="1"/>
+  <p:tag name="KSO_WM_TAG_VERSION" val="1.0"/>
   <p:tag name="KSO_WM_BEAUTIFY_FLAG" val="#wm#"/>
   <p:tag name="KSO_WM_TEMPLATE_CATEGORY" val="custom"/>
   <p:tag name="KSO_WM_TEMPLATE_INDEX" val="20204473"/>
 </p:tagLst>
 </file>
 
-<file path=ppt/tags/tag146.xml><?xml version="1.0" encoding="utf-8"?>
-<p:tagLst xmlns:a="http://schemas.openxmlformats.org/drawingml/2006/main" xmlns:r="http://schemas.openxmlformats.org/officeDocument/2006/relationships" xmlns:p="http://schemas.openxmlformats.org/presentationml/2006/main">
-  <p:tag name="KSO_WM_SLIDE_ID" val="custom20204473_4"/>
-  <p:tag name="KSO_WM_TEMPLATE_SUBCATEGORY" val="17"/>
-  <p:tag name="KSO_WM_TEMPLATE_MASTER_TYPE" val="1"/>
-  <p:tag name="KSO_WM_TEMPLATE_COLOR_TYPE" val="1"/>
-  <p:tag name="KSO_WM_SLIDE_TYPE" val="contents"/>
-  <p:tag name="KSO_WM_SLIDE_SUBTYPE" val="diag"/>
-  <p:tag name="KSO_WM_SLIDE_ITEM_CNT" val="4"/>
-  <p:tag name="KSO_WM_SLIDE_INDEX" val="4"/>
-  <p:tag name="KSO_WM_DIAGRAM_GROUP_CODE" val="l1-1"/>
-  <p:tag name="KSO_WM_SLIDE_DIAGTYPE" val="l"/>
+<file path=ppt/tags/tag139.xml><?xml version="1.0" encoding="utf-8"?>
+<p:tagLst xmlns:p="http://schemas.openxmlformats.org/presentationml/2006/main">
+  <p:tag name="KSO_WM_UNIT_HIGHLIGHT" val="0"/>
+  <p:tag name="KSO_WM_UNIT_COMPATIBLE" val="0"/>
+  <p:tag name="KSO_WM_UNIT_DIAGRAM_ISNUMVISUAL" val="0"/>
+  <p:tag name="KSO_WM_UNIT_DIAGRAM_ISREFERUNIT" val="0"/>
+  <p:tag name="KSO_WM_UNIT_ID" val="_0**"/>
+  <p:tag name="KSO_WM_UNIT_LAYERLEVEL" val="1"/>
   <p:tag name="KSO_WM_TAG_VERSION" val="1.0"/>
   <p:tag name="KSO_WM_BEAUTIFY_FLAG" val="#wm#"/>
   <p:tag name="KSO_WM_TEMPLATE_CATEGORY" val="custom"/>
   <p:tag name="KSO_WM_TEMPLATE_INDEX" val="20204473"/>
-  <p:tag name="KSO_WM_SLIDE_LAYOUT" val="a_l"/>
-  <p:tag name="KSO_WM_SLIDE_LAYOUT_CNT" val="1_1"/>
 </p:tagLst>
 </file>
 
-<file path=ppt/tags/tag147.xml><?xml version="1.0" encoding="utf-8"?>
-<p:tagLst xmlns:a="http://schemas.openxmlformats.org/drawingml/2006/main" xmlns:r="http://schemas.openxmlformats.org/officeDocument/2006/relationships" xmlns:p="http://schemas.openxmlformats.org/presentationml/2006/main">
+<file path=ppt/tags/tag14.xml><?xml version="1.0" encoding="utf-8"?>
+<p:tagLst xmlns:p="http://schemas.openxmlformats.org/presentationml/2006/main">
+  <p:tag name="KSO_WM_UNIT_HIGHLIGHT" val="0"/>
+  <p:tag name="KSO_WM_UNIT_COMPATIBLE" val="0"/>
+  <p:tag name="KSO_WM_UNIT_DIAGRAM_ISNUMVISUAL" val="0"/>
+  <p:tag name="KSO_WM_UNIT_DIAGRAM_ISREFERUNIT" val="0"/>
+  <p:tag name="KSO_WM_UNIT_ID" val="_3**"/>
+  <p:tag name="KSO_WM_UNIT_LAYERLEVEL" val="1"/>
+  <p:tag name="KSO_WM_TAG_VERSION" val="1.0"/>
+  <p:tag name="KSO_WM_BEAUTIFY_FLAG" val="#wm#"/>
+</p:tagLst>
+</file>
+
+<file path=ppt/tags/tag140.xml><?xml version="1.0" encoding="utf-8"?>
+<p:tagLst xmlns:p="http://schemas.openxmlformats.org/presentationml/2006/main">
+  <p:tag name="KSO_WM_UNIT_HIGHLIGHT" val="0"/>
+  <p:tag name="KSO_WM_UNIT_COMPATIBLE" val="0"/>
+  <p:tag name="KSO_WM_UNIT_DIAGRAM_ISNUMVISUAL" val="0"/>
+  <p:tag name="KSO_WM_UNIT_DIAGRAM_ISREFERUNIT" val="0"/>
+  <p:tag name="KSO_WM_UNIT_ID" val="_0**"/>
+  <p:tag name="KSO_WM_UNIT_LAYERLEVEL" val="1"/>
+  <p:tag name="KSO_WM_TAG_VERSION" val="1.0"/>
+  <p:tag name="KSO_WM_BEAUTIFY_FLAG" val="#wm#"/>
+</p:tagLst>
+</file>
+
+<file path=ppt/tags/tag141.xml><?xml version="1.0" encoding="utf-8"?>
+<p:tagLst xmlns:p="http://schemas.openxmlformats.org/presentationml/2006/main">
+  <p:tag name="KSO_WM_UNIT_HIGHLIGHT" val="0"/>
+  <p:tag name="KSO_WM_UNIT_COMPATIBLE" val="0"/>
+  <p:tag name="KSO_WM_UNIT_DIAGRAM_ISNUMVISUAL" val="0"/>
+  <p:tag name="KSO_WM_UNIT_DIAGRAM_ISREFERUNIT" val="0"/>
+  <p:tag name="KSO_WM_UNIT_ID" val="_0**"/>
+  <p:tag name="KSO_WM_UNIT_LAYERLEVEL" val="1"/>
+  <p:tag name="KSO_WM_TAG_VERSION" val="1.0"/>
+  <p:tag name="KSO_WM_BEAUTIFY_FLAG" val="#wm#"/>
+</p:tagLst>
+</file>
+
+<file path=ppt/tags/tag142.xml><?xml version="1.0" encoding="utf-8"?>
+<p:tagLst xmlns:p="http://schemas.openxmlformats.org/presentationml/2006/main">
+  <p:tag name="KSO_WM_UNIT_HIGHLIGHT" val="0"/>
+  <p:tag name="KSO_WM_UNIT_COMPATIBLE" val="0"/>
+  <p:tag name="KSO_WM_UNIT_DIAGRAM_ISNUMVISUAL" val="0"/>
+  <p:tag name="KSO_WM_UNIT_DIAGRAM_ISREFERUNIT" val="0"/>
+  <p:tag name="KSO_WM_UNIT_ID" val="_0**"/>
+  <p:tag name="KSO_WM_UNIT_LAYERLEVEL" val="1"/>
+  <p:tag name="KSO_WM_TAG_VERSION" val="1.0"/>
+  <p:tag name="KSO_WM_BEAUTIFY_FLAG" val="#wm#"/>
+</p:tagLst>
+</file>
+
+<file path=ppt/tags/tag143.xml><?xml version="1.0" encoding="utf-8"?>
+<p:tagLst xmlns:p="http://schemas.openxmlformats.org/presentationml/2006/main">
+  <p:tag name="KSO_WM_TEMPLATE_THUMBS_INDEX" val="1、4、7、8、9、12、16、21、24、25、26、27、30、33、36、39、40、41"/>
+  <p:tag name="KSO_WM_TEMPLATE_SUBCATEGORY" val="17"/>
+  <p:tag name="KSO_WM_TEMPLATE_MASTER_TYPE" val="1"/>
+  <p:tag name="KSO_WM_TEMPLATE_COLOR_TYPE" val="1"/>
+  <p:tag name="KSO_WM_TEMPLATE_MASTER_THUMB_INDEX" val="12"/>
+  <p:tag name="KSO_WM_TAG_VERSION" val="1.0"/>
+  <p:tag name="KSO_WM_BEAUTIFY_FLAG" val="#wm#"/>
+  <p:tag name="KSO_WM_TEMPLATE_CATEGORY" val="custom"/>
+  <p:tag name="KSO_WM_TEMPLATE_INDEX" val="20204473"/>
+</p:tagLst>
+</file>
+
+<file path=ppt/tags/tag144.xml><?xml version="1.0" encoding="utf-8"?>
+<p:tagLst xmlns:p="http://schemas.openxmlformats.org/presentationml/2006/main">
+  <p:tag name="KSO_WM_BEAUTIFY_FLAG" val="#wm#"/>
+  <p:tag name="KSO_WM_TEMPLATE_CATEGORY" val="custom"/>
+  <p:tag name="KSO_WM_TEMPLATE_INDEX" val="20204473"/>
+</p:tagLst>
+</file>
+
+<file path=ppt/tags/tag145.xml><?xml version="1.0" encoding="utf-8"?>
+<p:tagLst xmlns:p="http://schemas.openxmlformats.org/presentationml/2006/main">
   <p:tag name="KSO_WM_UNIT_COLOR_SCHEME_SHAPE_ID" val="13"/>
   <p:tag name="KSO_WM_UNIT_COLOR_SCHEME_PARENT_PAGE" val="0_3"/>
   <p:tag name="KSO_WM_UNIT_HIGHLIGHT" val="0"/>
@@ -16265,8 +16479,8 @@
 </p:tagLst>
 </file>
 
-<file path=ppt/tags/tag148.xml><?xml version="1.0" encoding="utf-8"?>
-<p:tagLst xmlns:a="http://schemas.openxmlformats.org/drawingml/2006/main" xmlns:r="http://schemas.openxmlformats.org/officeDocument/2006/relationships" xmlns:p="http://schemas.openxmlformats.org/presentationml/2006/main">
+<file path=ppt/tags/tag146.xml><?xml version="1.0" encoding="utf-8"?>
+<p:tagLst xmlns:p="http://schemas.openxmlformats.org/presentationml/2006/main">
   <p:tag name="KSO_WM_UNIT_COLOR_SCHEME_SHAPE_ID" val="20"/>
   <p:tag name="KSO_WM_UNIT_COLOR_SCHEME_PARENT_PAGE" val="0_3"/>
   <p:tag name="KSO_WM_UNIT_NOCLEAR" val="0"/>
@@ -16292,8 +16506,8 @@
 </p:tagLst>
 </file>
 
-<file path=ppt/tags/tag149.xml><?xml version="1.0" encoding="utf-8"?>
-<p:tagLst xmlns:a="http://schemas.openxmlformats.org/drawingml/2006/main" xmlns:r="http://schemas.openxmlformats.org/officeDocument/2006/relationships" xmlns:p="http://schemas.openxmlformats.org/presentationml/2006/main">
+<file path=ppt/tags/tag147.xml><?xml version="1.0" encoding="utf-8"?>
+<p:tagLst xmlns:p="http://schemas.openxmlformats.org/presentationml/2006/main">
   <p:tag name="KSO_WM_UNIT_COLOR_SCHEME_SHAPE_ID" val="15"/>
   <p:tag name="KSO_WM_UNIT_COLOR_SCHEME_PARENT_PAGE" val="0_3"/>
   <p:tag name="KSO_WM_UNIT_HIGHLIGHT" val="0"/>
@@ -16317,21 +16531,8 @@
 </p:tagLst>
 </file>
 
-<file path=ppt/tags/tag15.xml><?xml version="1.0" encoding="utf-8"?>
-<p:tagLst xmlns:a="http://schemas.openxmlformats.org/drawingml/2006/main" xmlns:r="http://schemas.openxmlformats.org/officeDocument/2006/relationships" xmlns:p="http://schemas.openxmlformats.org/presentationml/2006/main">
-  <p:tag name="KSO_WM_UNIT_HIGHLIGHT" val="0"/>
-  <p:tag name="KSO_WM_UNIT_COMPATIBLE" val="0"/>
-  <p:tag name="KSO_WM_UNIT_DIAGRAM_ISNUMVISUAL" val="0"/>
-  <p:tag name="KSO_WM_UNIT_DIAGRAM_ISREFERUNIT" val="0"/>
-  <p:tag name="KSO_WM_UNIT_ID" val="_2**"/>
-  <p:tag name="KSO_WM_UNIT_LAYERLEVEL" val="1"/>
-  <p:tag name="KSO_WM_TAG_VERSION" val="1.0"/>
-  <p:tag name="KSO_WM_BEAUTIFY_FLAG" val="#wm#"/>
-</p:tagLst>
-</file>
-
-<file path=ppt/tags/tag150.xml><?xml version="1.0" encoding="utf-8"?>
-<p:tagLst xmlns:a="http://schemas.openxmlformats.org/drawingml/2006/main" xmlns:r="http://schemas.openxmlformats.org/officeDocument/2006/relationships" xmlns:p="http://schemas.openxmlformats.org/presentationml/2006/main">
+<file path=ppt/tags/tag148.xml><?xml version="1.0" encoding="utf-8"?>
+<p:tagLst xmlns:p="http://schemas.openxmlformats.org/presentationml/2006/main">
   <p:tag name="KSO_WM_UNIT_COLOR_SCHEME_SHAPE_ID" val="18"/>
   <p:tag name="KSO_WM_UNIT_COLOR_SCHEME_PARENT_PAGE" val="0_3"/>
   <p:tag name="KSO_WM_UNIT_NOCLEAR" val="0"/>
@@ -16357,8 +16558,8 @@
 </p:tagLst>
 </file>
 
-<file path=ppt/tags/tag151.xml><?xml version="1.0" encoding="utf-8"?>
-<p:tagLst xmlns:a="http://schemas.openxmlformats.org/drawingml/2006/main" xmlns:r="http://schemas.openxmlformats.org/officeDocument/2006/relationships" xmlns:p="http://schemas.openxmlformats.org/presentationml/2006/main">
+<file path=ppt/tags/tag149.xml><?xml version="1.0" encoding="utf-8"?>
+<p:tagLst xmlns:p="http://schemas.openxmlformats.org/presentationml/2006/main">
   <p:tag name="KSO_WM_UNIT_HIGHLIGHT" val="0"/>
   <p:tag name="KSO_WM_UNIT_COMPATIBLE" val="0"/>
   <p:tag name="KSO_WM_UNIT_DIAGRAM_ISNUMVISUAL" val="0"/>
@@ -16379,8 +16580,21 @@
 </p:tagLst>
 </file>
 
-<file path=ppt/tags/tag152.xml><?xml version="1.0" encoding="utf-8"?>
-<p:tagLst xmlns:a="http://schemas.openxmlformats.org/drawingml/2006/main" xmlns:r="http://schemas.openxmlformats.org/officeDocument/2006/relationships" xmlns:p="http://schemas.openxmlformats.org/presentationml/2006/main">
+<file path=ppt/tags/tag15.xml><?xml version="1.0" encoding="utf-8"?>
+<p:tagLst xmlns:p="http://schemas.openxmlformats.org/presentationml/2006/main">
+  <p:tag name="KSO_WM_UNIT_HIGHLIGHT" val="0"/>
+  <p:tag name="KSO_WM_UNIT_COMPATIBLE" val="0"/>
+  <p:tag name="KSO_WM_UNIT_DIAGRAM_ISNUMVISUAL" val="0"/>
+  <p:tag name="KSO_WM_UNIT_DIAGRAM_ISREFERUNIT" val="0"/>
+  <p:tag name="KSO_WM_UNIT_ID" val="_3**"/>
+  <p:tag name="KSO_WM_UNIT_LAYERLEVEL" val="1"/>
+  <p:tag name="KSO_WM_TAG_VERSION" val="1.0"/>
+  <p:tag name="KSO_WM_BEAUTIFY_FLAG" val="#wm#"/>
+</p:tagLst>
+</file>
+
+<file path=ppt/tags/tag150.xml><?xml version="1.0" encoding="utf-8"?>
+<p:tagLst xmlns:p="http://schemas.openxmlformats.org/presentationml/2006/main">
   <p:tag name="KSO_WM_UNIT_HIGHLIGHT" val="0"/>
   <p:tag name="KSO_WM_UNIT_COMPATIBLE" val="0"/>
   <p:tag name="KSO_WM_UNIT_DIAGRAM_ISNUMVISUAL" val="0"/>
@@ -16401,8 +16615,8 @@
 </p:tagLst>
 </file>
 
-<file path=ppt/tags/tag153.xml><?xml version="1.0" encoding="utf-8"?>
-<p:tagLst xmlns:a="http://schemas.openxmlformats.org/drawingml/2006/main" xmlns:r="http://schemas.openxmlformats.org/officeDocument/2006/relationships" xmlns:p="http://schemas.openxmlformats.org/presentationml/2006/main">
+<file path=ppt/tags/tag151.xml><?xml version="1.0" encoding="utf-8"?>
+<p:tagLst xmlns:p="http://schemas.openxmlformats.org/presentationml/2006/main">
   <p:tag name="KSO_WM_UNIT_ISCONTENTSTITLE" val="1"/>
   <p:tag name="KSO_WM_UNIT_ISNUMDGMTITLE" val="0"/>
   <p:tag name="KSO_WM_UNIT_NOCLEAR" val="0"/>
@@ -16427,8 +16641,8 @@
 </p:tagLst>
 </file>
 
-<file path=ppt/tags/tag154.xml><?xml version="1.0" encoding="utf-8"?>
-<p:tagLst xmlns:a="http://schemas.openxmlformats.org/drawingml/2006/main" xmlns:r="http://schemas.openxmlformats.org/officeDocument/2006/relationships" xmlns:p="http://schemas.openxmlformats.org/presentationml/2006/main">
+<file path=ppt/tags/tag152.xml><?xml version="1.0" encoding="utf-8"?>
+<p:tagLst xmlns:p="http://schemas.openxmlformats.org/presentationml/2006/main">
   <p:tag name="KSO_WM_UNIT_COLOR_SCHEME_SHAPE_ID" val="13"/>
   <p:tag name="KSO_WM_UNIT_COLOR_SCHEME_PARENT_PAGE" val="0_3"/>
   <p:tag name="KSO_WM_UNIT_HIGHLIGHT" val="0"/>
@@ -16452,8 +16666,8 @@
 </p:tagLst>
 </file>
 
-<file path=ppt/tags/tag155.xml><?xml version="1.0" encoding="utf-8"?>
-<p:tagLst xmlns:a="http://schemas.openxmlformats.org/drawingml/2006/main" xmlns:r="http://schemas.openxmlformats.org/officeDocument/2006/relationships" xmlns:p="http://schemas.openxmlformats.org/presentationml/2006/main">
+<file path=ppt/tags/tag153.xml><?xml version="1.0" encoding="utf-8"?>
+<p:tagLst xmlns:p="http://schemas.openxmlformats.org/presentationml/2006/main">
   <p:tag name="KSO_WM_UNIT_COLOR_SCHEME_SHAPE_ID" val="20"/>
   <p:tag name="KSO_WM_UNIT_COLOR_SCHEME_PARENT_PAGE" val="0_3"/>
   <p:tag name="KSO_WM_UNIT_NOCLEAR" val="0"/>
@@ -16479,8 +16693,8 @@
 </p:tagLst>
 </file>
 
-<file path=ppt/tags/tag156.xml><?xml version="1.0" encoding="utf-8"?>
-<p:tagLst xmlns:a="http://schemas.openxmlformats.org/drawingml/2006/main" xmlns:r="http://schemas.openxmlformats.org/officeDocument/2006/relationships" xmlns:p="http://schemas.openxmlformats.org/presentationml/2006/main">
+<file path=ppt/tags/tag154.xml><?xml version="1.0" encoding="utf-8"?>
+<p:tagLst xmlns:p="http://schemas.openxmlformats.org/presentationml/2006/main">
   <p:tag name="KSO_WM_UNIT_COLOR_SCHEME_SHAPE_ID" val="15"/>
   <p:tag name="KSO_WM_UNIT_COLOR_SCHEME_PARENT_PAGE" val="0_3"/>
   <p:tag name="KSO_WM_UNIT_HIGHLIGHT" val="0"/>
@@ -16504,8 +16718,8 @@
 </p:tagLst>
 </file>
 
-<file path=ppt/tags/tag157.xml><?xml version="1.0" encoding="utf-8"?>
-<p:tagLst xmlns:a="http://schemas.openxmlformats.org/drawingml/2006/main" xmlns:r="http://schemas.openxmlformats.org/officeDocument/2006/relationships" xmlns:p="http://schemas.openxmlformats.org/presentationml/2006/main">
+<file path=ppt/tags/tag155.xml><?xml version="1.0" encoding="utf-8"?>
+<p:tagLst xmlns:p="http://schemas.openxmlformats.org/presentationml/2006/main">
   <p:tag name="KSO_WM_UNIT_COLOR_SCHEME_SHAPE_ID" val="18"/>
   <p:tag name="KSO_WM_UNIT_COLOR_SCHEME_PARENT_PAGE" val="0_3"/>
   <p:tag name="KSO_WM_UNIT_NOCLEAR" val="0"/>
@@ -16531,8 +16745,8 @@
 </p:tagLst>
 </file>
 
-<file path=ppt/tags/tag158.xml><?xml version="1.0" encoding="utf-8"?>
-<p:tagLst xmlns:a="http://schemas.openxmlformats.org/drawingml/2006/main" xmlns:r="http://schemas.openxmlformats.org/officeDocument/2006/relationships" xmlns:p="http://schemas.openxmlformats.org/presentationml/2006/main">
+<file path=ppt/tags/tag156.xml><?xml version="1.0" encoding="utf-8"?>
+<p:tagLst xmlns:p="http://schemas.openxmlformats.org/presentationml/2006/main">
   <p:tag name="KSO_WM_UNIT_HIGHLIGHT" val="0"/>
   <p:tag name="KSO_WM_UNIT_COMPATIBLE" val="0"/>
   <p:tag name="KSO_WM_UNIT_DIAGRAM_ISNUMVISUAL" val="0"/>
@@ -16553,8 +16767,8 @@
 </p:tagLst>
 </file>
 
-<file path=ppt/tags/tag159.xml><?xml version="1.0" encoding="utf-8"?>
-<p:tagLst xmlns:a="http://schemas.openxmlformats.org/drawingml/2006/main" xmlns:r="http://schemas.openxmlformats.org/officeDocument/2006/relationships" xmlns:p="http://schemas.openxmlformats.org/presentationml/2006/main">
+<file path=ppt/tags/tag157.xml><?xml version="1.0" encoding="utf-8"?>
+<p:tagLst xmlns:p="http://schemas.openxmlformats.org/presentationml/2006/main">
   <p:tag name="KSO_WM_UNIT_HIGHLIGHT" val="0"/>
   <p:tag name="KSO_WM_UNIT_COMPATIBLE" val="0"/>
   <p:tag name="KSO_WM_UNIT_DIAGRAM_ISNUMVISUAL" val="0"/>
@@ -16575,21 +16789,8 @@
 </p:tagLst>
 </file>
 
-<file path=ppt/tags/tag16.xml><?xml version="1.0" encoding="utf-8"?>
-<p:tagLst xmlns:a="http://schemas.openxmlformats.org/drawingml/2006/main" xmlns:r="http://schemas.openxmlformats.org/officeDocument/2006/relationships" xmlns:p="http://schemas.openxmlformats.org/presentationml/2006/main">
-  <p:tag name="KSO_WM_UNIT_HIGHLIGHT" val="0"/>
-  <p:tag name="KSO_WM_UNIT_COMPATIBLE" val="0"/>
-  <p:tag name="KSO_WM_UNIT_DIAGRAM_ISNUMVISUAL" val="0"/>
-  <p:tag name="KSO_WM_UNIT_DIAGRAM_ISREFERUNIT" val="0"/>
-  <p:tag name="KSO_WM_UNIT_ID" val="_2**"/>
-  <p:tag name="KSO_WM_UNIT_LAYERLEVEL" val="1"/>
-  <p:tag name="KSO_WM_TAG_VERSION" val="1.0"/>
-  <p:tag name="KSO_WM_BEAUTIFY_FLAG" val="#wm#"/>
-</p:tagLst>
-</file>
-
-<file path=ppt/tags/tag160.xml><?xml version="1.0" encoding="utf-8"?>
-<p:tagLst xmlns:a="http://schemas.openxmlformats.org/drawingml/2006/main" xmlns:r="http://schemas.openxmlformats.org/officeDocument/2006/relationships" xmlns:p="http://schemas.openxmlformats.org/presentationml/2006/main">
+<file path=ppt/tags/tag158.xml><?xml version="1.0" encoding="utf-8"?>
+<p:tagLst xmlns:p="http://schemas.openxmlformats.org/presentationml/2006/main">
   <p:tag name="KSO_WM_UNIT_COLOR_SCHEME_SHAPE_ID" val="13"/>
   <p:tag name="KSO_WM_UNIT_COLOR_SCHEME_PARENT_PAGE" val="0_3"/>
   <p:tag name="KSO_WM_UNIT_HIGHLIGHT" val="0"/>
@@ -16613,8 +16814,8 @@
 </p:tagLst>
 </file>
 
-<file path=ppt/tags/tag161.xml><?xml version="1.0" encoding="utf-8"?>
-<p:tagLst xmlns:a="http://schemas.openxmlformats.org/drawingml/2006/main" xmlns:r="http://schemas.openxmlformats.org/officeDocument/2006/relationships" xmlns:p="http://schemas.openxmlformats.org/presentationml/2006/main">
+<file path=ppt/tags/tag159.xml><?xml version="1.0" encoding="utf-8"?>
+<p:tagLst xmlns:p="http://schemas.openxmlformats.org/presentationml/2006/main">
   <p:tag name="KSO_WM_UNIT_COLOR_SCHEME_SHAPE_ID" val="20"/>
   <p:tag name="KSO_WM_UNIT_COLOR_SCHEME_PARENT_PAGE" val="0_3"/>
   <p:tag name="KSO_WM_UNIT_NOCLEAR" val="0"/>
@@ -16640,8 +16841,21 @@
 </p:tagLst>
 </file>
 
-<file path=ppt/tags/tag162.xml><?xml version="1.0" encoding="utf-8"?>
-<p:tagLst xmlns:a="http://schemas.openxmlformats.org/drawingml/2006/main" xmlns:r="http://schemas.openxmlformats.org/officeDocument/2006/relationships" xmlns:p="http://schemas.openxmlformats.org/presentationml/2006/main">
+<file path=ppt/tags/tag16.xml><?xml version="1.0" encoding="utf-8"?>
+<p:tagLst xmlns:p="http://schemas.openxmlformats.org/presentationml/2006/main">
+  <p:tag name="KSO_WM_UNIT_HIGHLIGHT" val="0"/>
+  <p:tag name="KSO_WM_UNIT_COMPATIBLE" val="0"/>
+  <p:tag name="KSO_WM_UNIT_DIAGRAM_ISNUMVISUAL" val="0"/>
+  <p:tag name="KSO_WM_UNIT_DIAGRAM_ISREFERUNIT" val="0"/>
+  <p:tag name="KSO_WM_UNIT_ID" val="_3**"/>
+  <p:tag name="KSO_WM_UNIT_LAYERLEVEL" val="1"/>
+  <p:tag name="KSO_WM_TAG_VERSION" val="1.0"/>
+  <p:tag name="KSO_WM_BEAUTIFY_FLAG" val="#wm#"/>
+</p:tagLst>
+</file>
+
+<file path=ppt/tags/tag160.xml><?xml version="1.0" encoding="utf-8"?>
+<p:tagLst xmlns:p="http://schemas.openxmlformats.org/presentationml/2006/main">
   <p:tag name="KSO_WM_UNIT_HIGHLIGHT" val="0"/>
   <p:tag name="KSO_WM_UNIT_COMPATIBLE" val="0"/>
   <p:tag name="KSO_WM_UNIT_DIAGRAM_ISNUMVISUAL" val="0"/>
@@ -16662,27 +16876,29 @@
 </p:tagLst>
 </file>
 
-<file path=ppt/tags/tag163.xml><?xml version="1.0" encoding="utf-8"?>
-<p:tagLst xmlns:a="http://schemas.openxmlformats.org/drawingml/2006/main" xmlns:r="http://schemas.openxmlformats.org/officeDocument/2006/relationships" xmlns:p="http://schemas.openxmlformats.org/presentationml/2006/main">
-  <p:tag name="KSO_WM_SLIDE_ID" val="custom20204473_7"/>
+<file path=ppt/tags/tag161.xml><?xml version="1.0" encoding="utf-8"?>
+<p:tagLst xmlns:p="http://schemas.openxmlformats.org/presentationml/2006/main">
+  <p:tag name="KSO_WM_SLIDE_ID" val="custom20204473_4"/>
   <p:tag name="KSO_WM_TEMPLATE_SUBCATEGORY" val="17"/>
   <p:tag name="KSO_WM_TEMPLATE_MASTER_TYPE" val="1"/>
   <p:tag name="KSO_WM_TEMPLATE_COLOR_TYPE" val="1"/>
-  <p:tag name="KSO_WM_SLIDE_TYPE" val="sectionTitle"/>
-  <p:tag name="KSO_WM_SLIDE_SUBTYPE" val="pureTxt"/>
-  <p:tag name="KSO_WM_SLIDE_ITEM_CNT" val="0"/>
-  <p:tag name="KSO_WM_SLIDE_INDEX" val="7"/>
+  <p:tag name="KSO_WM_SLIDE_TYPE" val="contents"/>
+  <p:tag name="KSO_WM_SLIDE_SUBTYPE" val="diag"/>
+  <p:tag name="KSO_WM_SLIDE_ITEM_CNT" val="4"/>
+  <p:tag name="KSO_WM_SLIDE_INDEX" val="4"/>
+  <p:tag name="KSO_WM_DIAGRAM_GROUP_CODE" val="l1-1"/>
+  <p:tag name="KSO_WM_SLIDE_DIAGTYPE" val="l"/>
   <p:tag name="KSO_WM_TAG_VERSION" val="1.0"/>
   <p:tag name="KSO_WM_BEAUTIFY_FLAG" val="#wm#"/>
   <p:tag name="KSO_WM_TEMPLATE_CATEGORY" val="custom"/>
   <p:tag name="KSO_WM_TEMPLATE_INDEX" val="20204473"/>
-  <p:tag name="KSO_WM_SLIDE_LAYOUT" val="a_b_e"/>
-  <p:tag name="KSO_WM_SLIDE_LAYOUT_CNT" val="1_1_1"/>
+  <p:tag name="KSO_WM_SLIDE_LAYOUT" val="a_l"/>
+  <p:tag name="KSO_WM_SLIDE_LAYOUT_CNT" val="1_1"/>
 </p:tagLst>
 </file>
 
-<file path=ppt/tags/tag164.xml><?xml version="1.0" encoding="utf-8"?>
-<p:tagLst xmlns:a="http://schemas.openxmlformats.org/drawingml/2006/main" xmlns:r="http://schemas.openxmlformats.org/officeDocument/2006/relationships" xmlns:p="http://schemas.openxmlformats.org/presentationml/2006/main">
+<file path=ppt/tags/tag162.xml><?xml version="1.0" encoding="utf-8"?>
+<p:tagLst xmlns:p="http://schemas.openxmlformats.org/presentationml/2006/main">
   <p:tag name="KSO_WM_UNIT_HIGHLIGHT" val="0"/>
   <p:tag name="KSO_WM_UNIT_COMPATIBLE" val="0"/>
   <p:tag name="KSO_WM_UNIT_DIAGRAM_ISNUMVISUAL" val="0"/>
@@ -16698,8 +16914,8 @@
 </p:tagLst>
 </file>
 
-<file path=ppt/tags/tag165.xml><?xml version="1.0" encoding="utf-8"?>
-<p:tagLst xmlns:a="http://schemas.openxmlformats.org/drawingml/2006/main" xmlns:r="http://schemas.openxmlformats.org/officeDocument/2006/relationships" xmlns:p="http://schemas.openxmlformats.org/presentationml/2006/main">
+<file path=ppt/tags/tag163.xml><?xml version="1.0" encoding="utf-8"?>
+<p:tagLst xmlns:p="http://schemas.openxmlformats.org/presentationml/2006/main">
   <p:tag name="KSO_WM_UNIT_NOCLEAR" val="0"/>
   <p:tag name="KSO_WM_UNIT_VALUE" val="2"/>
   <p:tag name="KSO_WM_UNIT_HIGHLIGHT" val="0"/>
@@ -16718,8 +16934,8 @@
 </p:tagLst>
 </file>
 
-<file path=ppt/tags/tag166.xml><?xml version="1.0" encoding="utf-8"?>
-<p:tagLst xmlns:a="http://schemas.openxmlformats.org/drawingml/2006/main" xmlns:r="http://schemas.openxmlformats.org/officeDocument/2006/relationships" xmlns:p="http://schemas.openxmlformats.org/presentationml/2006/main">
+<file path=ppt/tags/tag164.xml><?xml version="1.0" encoding="utf-8"?>
+<p:tagLst xmlns:p="http://schemas.openxmlformats.org/presentationml/2006/main">
   <p:tag name="KSO_WM_SLIDE_ID" val="custom20204473_7"/>
   <p:tag name="KSO_WM_TEMPLATE_SUBCATEGORY" val="17"/>
   <p:tag name="KSO_WM_TEMPLATE_MASTER_TYPE" val="1"/>
@@ -16737,8 +16953,8 @@
 </p:tagLst>
 </file>
 
-<file path=ppt/tags/tag167.xml><?xml version="1.0" encoding="utf-8"?>
-<p:tagLst xmlns:a="http://schemas.openxmlformats.org/drawingml/2006/main" xmlns:r="http://schemas.openxmlformats.org/officeDocument/2006/relationships" xmlns:p="http://schemas.openxmlformats.org/presentationml/2006/main">
+<file path=ppt/tags/tag165.xml><?xml version="1.0" encoding="utf-8"?>
+<p:tagLst xmlns:p="http://schemas.openxmlformats.org/presentationml/2006/main">
   <p:tag name="KSO_WM_UNIT_HIGHLIGHT" val="0"/>
   <p:tag name="KSO_WM_UNIT_COMPATIBLE" val="0"/>
   <p:tag name="KSO_WM_UNIT_DIAGRAM_ISNUMVISUAL" val="0"/>
@@ -16754,8 +16970,8 @@
 </p:tagLst>
 </file>
 
-<file path=ppt/tags/tag168.xml><?xml version="1.0" encoding="utf-8"?>
-<p:tagLst xmlns:a="http://schemas.openxmlformats.org/drawingml/2006/main" xmlns:r="http://schemas.openxmlformats.org/officeDocument/2006/relationships" xmlns:p="http://schemas.openxmlformats.org/presentationml/2006/main">
+<file path=ppt/tags/tag166.xml><?xml version="1.0" encoding="utf-8"?>
+<p:tagLst xmlns:p="http://schemas.openxmlformats.org/presentationml/2006/main">
   <p:tag name="KSO_WM_UNIT_NOCLEAR" val="0"/>
   <p:tag name="KSO_WM_UNIT_VALUE" val="2"/>
   <p:tag name="KSO_WM_UNIT_HIGHLIGHT" val="0"/>
@@ -16774,8 +16990,8 @@
 </p:tagLst>
 </file>
 
-<file path=ppt/tags/tag169.xml><?xml version="1.0" encoding="utf-8"?>
-<p:tagLst xmlns:a="http://schemas.openxmlformats.org/drawingml/2006/main" xmlns:r="http://schemas.openxmlformats.org/officeDocument/2006/relationships" xmlns:p="http://schemas.openxmlformats.org/presentationml/2006/main">
+<file path=ppt/tags/tag167.xml><?xml version="1.0" encoding="utf-8"?>
+<p:tagLst xmlns:p="http://schemas.openxmlformats.org/presentationml/2006/main">
   <p:tag name="KSO_WM_SLIDE_ID" val="custom20204473_7"/>
   <p:tag name="KSO_WM_TEMPLATE_SUBCATEGORY" val="17"/>
   <p:tag name="KSO_WM_TEMPLATE_MASTER_TYPE" val="1"/>
@@ -16793,21 +17009,8 @@
 </p:tagLst>
 </file>
 
-<file path=ppt/tags/tag17.xml><?xml version="1.0" encoding="utf-8"?>
-<p:tagLst xmlns:a="http://schemas.openxmlformats.org/drawingml/2006/main" xmlns:r="http://schemas.openxmlformats.org/officeDocument/2006/relationships" xmlns:p="http://schemas.openxmlformats.org/presentationml/2006/main">
-  <p:tag name="KSO_WM_UNIT_HIGHLIGHT" val="0"/>
-  <p:tag name="KSO_WM_UNIT_COMPATIBLE" val="0"/>
-  <p:tag name="KSO_WM_UNIT_DIAGRAM_ISNUMVISUAL" val="0"/>
-  <p:tag name="KSO_WM_UNIT_DIAGRAM_ISREFERUNIT" val="0"/>
-  <p:tag name="KSO_WM_UNIT_ID" val="_2**"/>
-  <p:tag name="KSO_WM_UNIT_LAYERLEVEL" val="1"/>
-  <p:tag name="KSO_WM_TAG_VERSION" val="1.0"/>
-  <p:tag name="KSO_WM_BEAUTIFY_FLAG" val="#wm#"/>
-</p:tagLst>
-</file>
-
-<file path=ppt/tags/tag170.xml><?xml version="1.0" encoding="utf-8"?>
-<p:tagLst xmlns:a="http://schemas.openxmlformats.org/drawingml/2006/main" xmlns:r="http://schemas.openxmlformats.org/officeDocument/2006/relationships" xmlns:p="http://schemas.openxmlformats.org/presentationml/2006/main">
+<file path=ppt/tags/tag168.xml><?xml version="1.0" encoding="utf-8"?>
+<p:tagLst xmlns:p="http://schemas.openxmlformats.org/presentationml/2006/main">
   <p:tag name="KSO_WM_UNIT_HIGHLIGHT" val="0"/>
   <p:tag name="KSO_WM_UNIT_COMPATIBLE" val="0"/>
   <p:tag name="KSO_WM_UNIT_DIAGRAM_ISNUMVISUAL" val="0"/>
@@ -16823,8 +17026,8 @@
 </p:tagLst>
 </file>
 
-<file path=ppt/tags/tag171.xml><?xml version="1.0" encoding="utf-8"?>
-<p:tagLst xmlns:a="http://schemas.openxmlformats.org/drawingml/2006/main" xmlns:r="http://schemas.openxmlformats.org/officeDocument/2006/relationships" xmlns:p="http://schemas.openxmlformats.org/presentationml/2006/main">
+<file path=ppt/tags/tag169.xml><?xml version="1.0" encoding="utf-8"?>
+<p:tagLst xmlns:p="http://schemas.openxmlformats.org/presentationml/2006/main">
   <p:tag name="KSO_WM_UNIT_NOCLEAR" val="0"/>
   <p:tag name="KSO_WM_UNIT_VALUE" val="2"/>
   <p:tag name="KSO_WM_UNIT_HIGHLIGHT" val="0"/>
@@ -16843,8 +17046,21 @@
 </p:tagLst>
 </file>
 
-<file path=ppt/tags/tag172.xml><?xml version="1.0" encoding="utf-8"?>
-<p:tagLst xmlns:a="http://schemas.openxmlformats.org/drawingml/2006/main" xmlns:r="http://schemas.openxmlformats.org/officeDocument/2006/relationships" xmlns:p="http://schemas.openxmlformats.org/presentationml/2006/main">
+<file path=ppt/tags/tag17.xml><?xml version="1.0" encoding="utf-8"?>
+<p:tagLst xmlns:p="http://schemas.openxmlformats.org/presentationml/2006/main">
+  <p:tag name="KSO_WM_UNIT_HIGHLIGHT" val="0"/>
+  <p:tag name="KSO_WM_UNIT_COMPATIBLE" val="0"/>
+  <p:tag name="KSO_WM_UNIT_DIAGRAM_ISNUMVISUAL" val="0"/>
+  <p:tag name="KSO_WM_UNIT_DIAGRAM_ISREFERUNIT" val="0"/>
+  <p:tag name="KSO_WM_UNIT_ID" val="_3**"/>
+  <p:tag name="KSO_WM_UNIT_LAYERLEVEL" val="1"/>
+  <p:tag name="KSO_WM_TAG_VERSION" val="1.0"/>
+  <p:tag name="KSO_WM_BEAUTIFY_FLAG" val="#wm#"/>
+</p:tagLst>
+</file>
+
+<file path=ppt/tags/tag170.xml><?xml version="1.0" encoding="utf-8"?>
+<p:tagLst xmlns:p="http://schemas.openxmlformats.org/presentationml/2006/main">
   <p:tag name="KSO_WM_UNIT_ISCONTENTSTITLE" val="0"/>
   <p:tag name="KSO_WM_UNIT_ISNUMDGMTITLE" val="0"/>
   <p:tag name="KSO_WM_UNIT_NOCLEAR" val="0"/>
@@ -16865,8 +17081,8 @@
 </p:tagLst>
 </file>
 
-<file path=ppt/tags/tag173.xml><?xml version="1.0" encoding="utf-8"?>
-<p:tagLst xmlns:a="http://schemas.openxmlformats.org/drawingml/2006/main" xmlns:r="http://schemas.openxmlformats.org/officeDocument/2006/relationships" xmlns:p="http://schemas.openxmlformats.org/presentationml/2006/main">
+<file path=ppt/tags/tag171.xml><?xml version="1.0" encoding="utf-8"?>
+<p:tagLst xmlns:p="http://schemas.openxmlformats.org/presentationml/2006/main">
   <p:tag name="KSO_WM_UNIT_ISCONTENTSTITLE" val="0"/>
   <p:tag name="KSO_WM_UNIT_ISNUMDGMTITLE" val="0"/>
   <p:tag name="KSO_WM_UNIT_NOCLEAR" val="0"/>
@@ -16887,8 +17103,8 @@
 </p:tagLst>
 </file>
 
-<file path=ppt/tags/tag174.xml><?xml version="1.0" encoding="utf-8"?>
-<p:tagLst xmlns:a="http://schemas.openxmlformats.org/drawingml/2006/main" xmlns:r="http://schemas.openxmlformats.org/officeDocument/2006/relationships" xmlns:p="http://schemas.openxmlformats.org/presentationml/2006/main">
+<file path=ppt/tags/tag172.xml><?xml version="1.0" encoding="utf-8"?>
+<p:tagLst xmlns:p="http://schemas.openxmlformats.org/presentationml/2006/main">
   <p:tag name="KSO_WM_UNIT_ISCONTENTSTITLE" val="0"/>
   <p:tag name="KSO_WM_UNIT_ISNUMDGMTITLE" val="0"/>
   <p:tag name="KSO_WM_UNIT_NOCLEAR" val="0"/>
@@ -16909,8 +17125,8 @@
 </p:tagLst>
 </file>
 
-<file path=ppt/tags/tag175.xml><?xml version="1.0" encoding="utf-8"?>
-<p:tagLst xmlns:a="http://schemas.openxmlformats.org/drawingml/2006/main" xmlns:r="http://schemas.openxmlformats.org/officeDocument/2006/relationships" xmlns:p="http://schemas.openxmlformats.org/presentationml/2006/main">
+<file path=ppt/tags/tag173.xml><?xml version="1.0" encoding="utf-8"?>
+<p:tagLst xmlns:p="http://schemas.openxmlformats.org/presentationml/2006/main">
   <p:tag name="KSO_WM_UNIT_ISCONTENTSTITLE" val="0"/>
   <p:tag name="KSO_WM_UNIT_ISNUMDGMTITLE" val="0"/>
   <p:tag name="KSO_WM_UNIT_NOCLEAR" val="0"/>
@@ -16931,8 +17147,8 @@
 </p:tagLst>
 </file>
 
-<file path=ppt/tags/tag176.xml><?xml version="1.0" encoding="utf-8"?>
-<p:tagLst xmlns:a="http://schemas.openxmlformats.org/drawingml/2006/main" xmlns:r="http://schemas.openxmlformats.org/officeDocument/2006/relationships" xmlns:p="http://schemas.openxmlformats.org/presentationml/2006/main">
+<file path=ppt/tags/tag174.xml><?xml version="1.0" encoding="utf-8"?>
+<p:tagLst xmlns:p="http://schemas.openxmlformats.org/presentationml/2006/main">
   <p:tag name="KSO_WM_SLIDE_ID" val="custom20204473_7"/>
   <p:tag name="KSO_WM_TEMPLATE_SUBCATEGORY" val="17"/>
   <p:tag name="KSO_WM_TEMPLATE_MASTER_TYPE" val="1"/>
@@ -16950,8 +17166,8 @@
 </p:tagLst>
 </file>
 
-<file path=ppt/tags/tag177.xml><?xml version="1.0" encoding="utf-8"?>
-<p:tagLst xmlns:a="http://schemas.openxmlformats.org/drawingml/2006/main" xmlns:r="http://schemas.openxmlformats.org/officeDocument/2006/relationships" xmlns:p="http://schemas.openxmlformats.org/presentationml/2006/main">
+<file path=ppt/tags/tag175.xml><?xml version="1.0" encoding="utf-8"?>
+<p:tagLst xmlns:p="http://schemas.openxmlformats.org/presentationml/2006/main">
   <p:tag name="KSO_WM_UNIT_ISCONTENTSTITLE" val="0"/>
   <p:tag name="KSO_WM_UNIT_ISNUMDGMTITLE" val="0"/>
   <p:tag name="KSO_WM_UNIT_NOCLEAR" val="0"/>
@@ -16972,8 +17188,8 @@
 </p:tagLst>
 </file>
 
-<file path=ppt/tags/tag178.xml><?xml version="1.0" encoding="utf-8"?>
-<p:tagLst xmlns:a="http://schemas.openxmlformats.org/drawingml/2006/main" xmlns:r="http://schemas.openxmlformats.org/officeDocument/2006/relationships" xmlns:p="http://schemas.openxmlformats.org/presentationml/2006/main">
+<file path=ppt/tags/tag176.xml><?xml version="1.0" encoding="utf-8"?>
+<p:tagLst xmlns:p="http://schemas.openxmlformats.org/presentationml/2006/main">
   <p:tag name="KSO_WM_UNIT_HIGHLIGHT" val="0"/>
   <p:tag name="KSO_WM_UNIT_COMPATIBLE" val="0"/>
   <p:tag name="KSO_WM_UNIT_DIAGRAM_ISNUMVISUAL" val="0"/>
@@ -16989,8 +17205,8 @@
 </p:tagLst>
 </file>
 
-<file path=ppt/tags/tag179.xml><?xml version="1.0" encoding="utf-8"?>
-<p:tagLst xmlns:a="http://schemas.openxmlformats.org/drawingml/2006/main" xmlns:r="http://schemas.openxmlformats.org/officeDocument/2006/relationships" xmlns:p="http://schemas.openxmlformats.org/presentationml/2006/main">
+<file path=ppt/tags/tag177.xml><?xml version="1.0" encoding="utf-8"?>
+<p:tagLst xmlns:p="http://schemas.openxmlformats.org/presentationml/2006/main">
   <p:tag name="KSO_WM_UNIT_NOCLEAR" val="0"/>
   <p:tag name="KSO_WM_UNIT_VALUE" val="2"/>
   <p:tag name="KSO_WM_UNIT_HIGHLIGHT" val="0"/>
@@ -17009,21 +17225,8 @@
 </p:tagLst>
 </file>
 
-<file path=ppt/tags/tag18.xml><?xml version="1.0" encoding="utf-8"?>
-<p:tagLst xmlns:a="http://schemas.openxmlformats.org/drawingml/2006/main" xmlns:r="http://schemas.openxmlformats.org/officeDocument/2006/relationships" xmlns:p="http://schemas.openxmlformats.org/presentationml/2006/main">
-  <p:tag name="KSO_WM_UNIT_HIGHLIGHT" val="0"/>
-  <p:tag name="KSO_WM_UNIT_COMPATIBLE" val="0"/>
-  <p:tag name="KSO_WM_UNIT_DIAGRAM_ISNUMVISUAL" val="0"/>
-  <p:tag name="KSO_WM_UNIT_DIAGRAM_ISREFERUNIT" val="0"/>
-  <p:tag name="KSO_WM_UNIT_ID" val="_2**"/>
-  <p:tag name="KSO_WM_UNIT_LAYERLEVEL" val="1"/>
-  <p:tag name="KSO_WM_TAG_VERSION" val="1.0"/>
-  <p:tag name="KSO_WM_BEAUTIFY_FLAG" val="#wm#"/>
-</p:tagLst>
-</file>
-
-<file path=ppt/tags/tag180.xml><?xml version="1.0" encoding="utf-8"?>
-<p:tagLst xmlns:a="http://schemas.openxmlformats.org/drawingml/2006/main" xmlns:r="http://schemas.openxmlformats.org/officeDocument/2006/relationships" xmlns:p="http://schemas.openxmlformats.org/presentationml/2006/main">
+<file path=ppt/tags/tag178.xml><?xml version="1.0" encoding="utf-8"?>
+<p:tagLst xmlns:p="http://schemas.openxmlformats.org/presentationml/2006/main">
   <p:tag name="KSO_WM_SLIDE_ID" val="custom20204473_7"/>
   <p:tag name="KSO_WM_TEMPLATE_SUBCATEGORY" val="17"/>
   <p:tag name="KSO_WM_TEMPLATE_MASTER_TYPE" val="1"/>
@@ -17041,8 +17244,8 @@
 </p:tagLst>
 </file>
 
-<file path=ppt/tags/tag181.xml><?xml version="1.0" encoding="utf-8"?>
-<p:tagLst xmlns:a="http://schemas.openxmlformats.org/drawingml/2006/main" xmlns:r="http://schemas.openxmlformats.org/officeDocument/2006/relationships" xmlns:p="http://schemas.openxmlformats.org/presentationml/2006/main">
+<file path=ppt/tags/tag179.xml><?xml version="1.0" encoding="utf-8"?>
+<p:tagLst xmlns:p="http://schemas.openxmlformats.org/presentationml/2006/main">
   <p:tag name="KSO_WM_UNIT_HIGHLIGHT" val="0"/>
   <p:tag name="KSO_WM_UNIT_COMPATIBLE" val="0"/>
   <p:tag name="KSO_WM_UNIT_DIAGRAM_ISNUMVISUAL" val="0"/>
@@ -17058,8 +17261,21 @@
 </p:tagLst>
 </file>
 
-<file path=ppt/tags/tag182.xml><?xml version="1.0" encoding="utf-8"?>
-<p:tagLst xmlns:a="http://schemas.openxmlformats.org/drawingml/2006/main" xmlns:r="http://schemas.openxmlformats.org/officeDocument/2006/relationships" xmlns:p="http://schemas.openxmlformats.org/presentationml/2006/main">
+<file path=ppt/tags/tag18.xml><?xml version="1.0" encoding="utf-8"?>
+<p:tagLst xmlns:p="http://schemas.openxmlformats.org/presentationml/2006/main">
+  <p:tag name="KSO_WM_UNIT_HIGHLIGHT" val="0"/>
+  <p:tag name="KSO_WM_UNIT_COMPATIBLE" val="0"/>
+  <p:tag name="KSO_WM_UNIT_DIAGRAM_ISNUMVISUAL" val="0"/>
+  <p:tag name="KSO_WM_UNIT_DIAGRAM_ISREFERUNIT" val="0"/>
+  <p:tag name="KSO_WM_UNIT_ID" val="_3**"/>
+  <p:tag name="KSO_WM_UNIT_LAYERLEVEL" val="1"/>
+  <p:tag name="KSO_WM_TAG_VERSION" val="1.0"/>
+  <p:tag name="KSO_WM_BEAUTIFY_FLAG" val="#wm#"/>
+</p:tagLst>
+</file>
+
+<file path=ppt/tags/tag180.xml><?xml version="1.0" encoding="utf-8"?>
+<p:tagLst xmlns:p="http://schemas.openxmlformats.org/presentationml/2006/main">
   <p:tag name="KSO_WM_UNIT_NOCLEAR" val="0"/>
   <p:tag name="KSO_WM_UNIT_VALUE" val="2"/>
   <p:tag name="KSO_WM_UNIT_HIGHLIGHT" val="0"/>
@@ -17078,8 +17294,8 @@
 </p:tagLst>
 </file>
 
-<file path=ppt/tags/tag183.xml><?xml version="1.0" encoding="utf-8"?>
-<p:tagLst xmlns:a="http://schemas.openxmlformats.org/drawingml/2006/main" xmlns:r="http://schemas.openxmlformats.org/officeDocument/2006/relationships" xmlns:p="http://schemas.openxmlformats.org/presentationml/2006/main">
+<file path=ppt/tags/tag181.xml><?xml version="1.0" encoding="utf-8"?>
+<p:tagLst xmlns:p="http://schemas.openxmlformats.org/presentationml/2006/main">
   <p:tag name="KSO_WM_UNIT_ISCONTENTSTITLE" val="0"/>
   <p:tag name="KSO_WM_UNIT_ISNUMDGMTITLE" val="0"/>
   <p:tag name="KSO_WM_UNIT_NOCLEAR" val="0"/>
@@ -17100,8 +17316,8 @@
 </p:tagLst>
 </file>
 
-<file path=ppt/tags/tag184.xml><?xml version="1.0" encoding="utf-8"?>
-<p:tagLst xmlns:a="http://schemas.openxmlformats.org/drawingml/2006/main" xmlns:r="http://schemas.openxmlformats.org/officeDocument/2006/relationships" xmlns:p="http://schemas.openxmlformats.org/presentationml/2006/main">
+<file path=ppt/tags/tag182.xml><?xml version="1.0" encoding="utf-8"?>
+<p:tagLst xmlns:p="http://schemas.openxmlformats.org/presentationml/2006/main">
   <p:tag name="KSO_WM_SLIDE_ID" val="custom20204473_7"/>
   <p:tag name="KSO_WM_TEMPLATE_SUBCATEGORY" val="17"/>
   <p:tag name="KSO_WM_TEMPLATE_MASTER_TYPE" val="1"/>
@@ -17119,8 +17335,45 @@
 </p:tagLst>
 </file>
 
+<file path=ppt/tags/tag183.xml><?xml version="1.0" encoding="utf-8"?>
+<p:tagLst xmlns:p="http://schemas.openxmlformats.org/presentationml/2006/main">
+  <p:tag name="KSO_WM_UNIT_HIGHLIGHT" val="0"/>
+  <p:tag name="KSO_WM_UNIT_COMPATIBLE" val="0"/>
+  <p:tag name="KSO_WM_UNIT_DIAGRAM_ISNUMVISUAL" val="0"/>
+  <p:tag name="KSO_WM_UNIT_DIAGRAM_ISREFERUNIT" val="0"/>
+  <p:tag name="KSO_WM_UNIT_TYPE" val="i"/>
+  <p:tag name="KSO_WM_UNIT_INDEX" val="1"/>
+  <p:tag name="KSO_WM_UNIT_ID" val="custom20204473_7*i*1"/>
+  <p:tag name="KSO_WM_TEMPLATE_CATEGORY" val="custom"/>
+  <p:tag name="KSO_WM_TEMPLATE_INDEX" val="20204473"/>
+  <p:tag name="KSO_WM_UNIT_LAYERLEVEL" val="1"/>
+  <p:tag name="KSO_WM_TAG_VERSION" val="1.0"/>
+  <p:tag name="KSO_WM_BEAUTIFY_FLAG" val="#wm#"/>
+</p:tagLst>
+</file>
+
+<file path=ppt/tags/tag184.xml><?xml version="1.0" encoding="utf-8"?>
+<p:tagLst xmlns:p="http://schemas.openxmlformats.org/presentationml/2006/main">
+  <p:tag name="KSO_WM_UNIT_NOCLEAR" val="0"/>
+  <p:tag name="KSO_WM_UNIT_VALUE" val="2"/>
+  <p:tag name="KSO_WM_UNIT_HIGHLIGHT" val="0"/>
+  <p:tag name="KSO_WM_UNIT_COMPATIBLE" val="1"/>
+  <p:tag name="KSO_WM_UNIT_DIAGRAM_ISNUMVISUAL" val="0"/>
+  <p:tag name="KSO_WM_UNIT_DIAGRAM_ISREFERUNIT" val="0"/>
+  <p:tag name="KSO_WM_UNIT_TYPE" val="e"/>
+  <p:tag name="KSO_WM_UNIT_INDEX" val="1"/>
+  <p:tag name="KSO_WM_UNIT_ID" val="custom20204473_7*e*1"/>
+  <p:tag name="KSO_WM_TEMPLATE_CATEGORY" val="custom"/>
+  <p:tag name="KSO_WM_TEMPLATE_INDEX" val="20204473"/>
+  <p:tag name="KSO_WM_UNIT_LAYERLEVEL" val="1"/>
+  <p:tag name="KSO_WM_TAG_VERSION" val="1.0"/>
+  <p:tag name="KSO_WM_BEAUTIFY_FLAG" val="#wm#"/>
+  <p:tag name="KSO_WM_UNIT_PRESET_TEXT" val="01"/>
+</p:tagLst>
+</file>
+
 <file path=ppt/tags/tag185.xml><?xml version="1.0" encoding="utf-8"?>
-<p:tagLst xmlns:a="http://schemas.openxmlformats.org/drawingml/2006/main" xmlns:r="http://schemas.openxmlformats.org/officeDocument/2006/relationships" xmlns:p="http://schemas.openxmlformats.org/presentationml/2006/main">
+<p:tagLst xmlns:p="http://schemas.openxmlformats.org/presentationml/2006/main">
   <p:tag name="KSO_WM_UNIT_ISCONTENTSTITLE" val="0"/>
   <p:tag name="KSO_WM_UNIT_ISNUMDGMTITLE" val="0"/>
   <p:tag name="KSO_WM_UNIT_NOCLEAR" val="0"/>
@@ -17142,7 +17395,7 @@
 </file>
 
 <file path=ppt/tags/tag186.xml><?xml version="1.0" encoding="utf-8"?>
-<p:tagLst xmlns:a="http://schemas.openxmlformats.org/drawingml/2006/main" xmlns:r="http://schemas.openxmlformats.org/officeDocument/2006/relationships" xmlns:p="http://schemas.openxmlformats.org/presentationml/2006/main">
+<p:tagLst xmlns:p="http://schemas.openxmlformats.org/presentationml/2006/main">
   <p:tag name="KSO_WM_UNIT_ISCONTENTSTITLE" val="0"/>
   <p:tag name="KSO_WM_UNIT_ISNUMDGMTITLE" val="0"/>
   <p:tag name="KSO_WM_UNIT_NOCLEAR" val="0"/>
@@ -17164,44 +17417,7 @@
 </file>
 
 <file path=ppt/tags/tag187.xml><?xml version="1.0" encoding="utf-8"?>
-<p:tagLst xmlns:a="http://schemas.openxmlformats.org/drawingml/2006/main" xmlns:r="http://schemas.openxmlformats.org/officeDocument/2006/relationships" xmlns:p="http://schemas.openxmlformats.org/presentationml/2006/main">
-  <p:tag name="KSO_WM_UNIT_HIGHLIGHT" val="0"/>
-  <p:tag name="KSO_WM_UNIT_COMPATIBLE" val="0"/>
-  <p:tag name="KSO_WM_UNIT_DIAGRAM_ISNUMVISUAL" val="0"/>
-  <p:tag name="KSO_WM_UNIT_DIAGRAM_ISREFERUNIT" val="0"/>
-  <p:tag name="KSO_WM_UNIT_TYPE" val="i"/>
-  <p:tag name="KSO_WM_UNIT_INDEX" val="1"/>
-  <p:tag name="KSO_WM_UNIT_ID" val="custom20204473_7*i*1"/>
-  <p:tag name="KSO_WM_TEMPLATE_CATEGORY" val="custom"/>
-  <p:tag name="KSO_WM_TEMPLATE_INDEX" val="20204473"/>
-  <p:tag name="KSO_WM_UNIT_LAYERLEVEL" val="1"/>
-  <p:tag name="KSO_WM_TAG_VERSION" val="1.0"/>
-  <p:tag name="KSO_WM_BEAUTIFY_FLAG" val="#wm#"/>
-</p:tagLst>
-</file>
-
-<file path=ppt/tags/tag188.xml><?xml version="1.0" encoding="utf-8"?>
-<p:tagLst xmlns:a="http://schemas.openxmlformats.org/drawingml/2006/main" xmlns:r="http://schemas.openxmlformats.org/officeDocument/2006/relationships" xmlns:p="http://schemas.openxmlformats.org/presentationml/2006/main">
-  <p:tag name="KSO_WM_UNIT_NOCLEAR" val="0"/>
-  <p:tag name="KSO_WM_UNIT_VALUE" val="2"/>
-  <p:tag name="KSO_WM_UNIT_HIGHLIGHT" val="0"/>
-  <p:tag name="KSO_WM_UNIT_COMPATIBLE" val="1"/>
-  <p:tag name="KSO_WM_UNIT_DIAGRAM_ISNUMVISUAL" val="0"/>
-  <p:tag name="KSO_WM_UNIT_DIAGRAM_ISREFERUNIT" val="0"/>
-  <p:tag name="KSO_WM_UNIT_TYPE" val="e"/>
-  <p:tag name="KSO_WM_UNIT_INDEX" val="1"/>
-  <p:tag name="KSO_WM_UNIT_ID" val="custom20204473_7*e*1"/>
-  <p:tag name="KSO_WM_TEMPLATE_CATEGORY" val="custom"/>
-  <p:tag name="KSO_WM_TEMPLATE_INDEX" val="20204473"/>
-  <p:tag name="KSO_WM_UNIT_LAYERLEVEL" val="1"/>
-  <p:tag name="KSO_WM_TAG_VERSION" val="1.0"/>
-  <p:tag name="KSO_WM_BEAUTIFY_FLAG" val="#wm#"/>
-  <p:tag name="KSO_WM_UNIT_PRESET_TEXT" val="01"/>
-</p:tagLst>
-</file>
-
-<file path=ppt/tags/tag189.xml><?xml version="1.0" encoding="utf-8"?>
-<p:tagLst xmlns:a="http://schemas.openxmlformats.org/drawingml/2006/main" xmlns:r="http://schemas.openxmlformats.org/officeDocument/2006/relationships" xmlns:p="http://schemas.openxmlformats.org/presentationml/2006/main">
+<p:tagLst xmlns:p="http://schemas.openxmlformats.org/presentationml/2006/main">
   <p:tag name="KSO_WM_SLIDE_ID" val="custom20204473_7"/>
   <p:tag name="KSO_WM_TEMPLATE_SUBCATEGORY" val="17"/>
   <p:tag name="KSO_WM_TEMPLATE_MASTER_TYPE" val="1"/>
@@ -17219,49 +17435,34 @@
 </p:tagLst>
 </file>
 
-<file path=ppt/tags/tag19.xml><?xml version="1.0" encoding="utf-8"?>
-<p:tagLst xmlns:a="http://schemas.openxmlformats.org/drawingml/2006/main" xmlns:r="http://schemas.openxmlformats.org/officeDocument/2006/relationships" xmlns:p="http://schemas.openxmlformats.org/presentationml/2006/main">
-  <p:tag name="KSO_WM_UNIT_HIGHLIGHT" val="0"/>
-  <p:tag name="KSO_WM_UNIT_COMPATIBLE" val="0"/>
-  <p:tag name="KSO_WM_UNIT_DIAGRAM_ISNUMVISUAL" val="0"/>
-  <p:tag name="KSO_WM_UNIT_DIAGRAM_ISREFERUNIT" val="0"/>
-  <p:tag name="KSO_WM_UNIT_ID" val="_2**"/>
-  <p:tag name="KSO_WM_UNIT_LAYERLEVEL" val="1"/>
-  <p:tag name="KSO_WM_TAG_VERSION" val="1.0"/>
-  <p:tag name="KSO_WM_BEAUTIFY_FLAG" val="#wm#"/>
-</p:tagLst>
-</file>
-
-<file path=ppt/tags/tag2.xml><?xml version="1.0" encoding="utf-8"?>
-<p:tagLst xmlns:a="http://schemas.openxmlformats.org/drawingml/2006/main" xmlns:r="http://schemas.openxmlformats.org/officeDocument/2006/relationships" xmlns:p="http://schemas.openxmlformats.org/presentationml/2006/main">
-  <p:tag name="KSO_WM_UNIT_HIGHLIGHT" val="0"/>
-  <p:tag name="KSO_WM_UNIT_COMPATIBLE" val="0"/>
-  <p:tag name="KSO_WM_UNIT_DIAGRAM_ISNUMVISUAL" val="0"/>
-  <p:tag name="KSO_WM_UNIT_DIAGRAM_ISREFERUNIT" val="0"/>
-  <p:tag name="KSO_WM_UNIT_ID" val="_0**"/>
-  <p:tag name="KSO_WM_UNIT_LAYERLEVEL" val="1"/>
+<file path=ppt/tags/tag188.xml><?xml version="1.0" encoding="utf-8"?>
+<p:tagLst xmlns:p="http://schemas.openxmlformats.org/presentationml/2006/main">
+  <p:tag name="KSO_WM_SLIDE_ID" val="custom20204473_7"/>
+  <p:tag name="KSO_WM_TEMPLATE_SUBCATEGORY" val="17"/>
+  <p:tag name="KSO_WM_TEMPLATE_MASTER_TYPE" val="1"/>
+  <p:tag name="KSO_WM_TEMPLATE_COLOR_TYPE" val="1"/>
+  <p:tag name="KSO_WM_SLIDE_TYPE" val="sectionTitle"/>
+  <p:tag name="KSO_WM_SLIDE_SUBTYPE" val="pureTxt"/>
+  <p:tag name="KSO_WM_SLIDE_ITEM_CNT" val="0"/>
+  <p:tag name="KSO_WM_SLIDE_INDEX" val="7"/>
   <p:tag name="KSO_WM_TAG_VERSION" val="1.0"/>
   <p:tag name="KSO_WM_BEAUTIFY_FLAG" val="#wm#"/>
   <p:tag name="KSO_WM_TEMPLATE_CATEGORY" val="custom"/>
   <p:tag name="KSO_WM_TEMPLATE_INDEX" val="20204473"/>
+  <p:tag name="KSO_WM_SLIDE_LAYOUT" val="a_b_e"/>
+  <p:tag name="KSO_WM_SLIDE_LAYOUT_CNT" val="1_1_1"/>
 </p:tagLst>
 </file>
 
-<file path=ppt/tags/tag20.xml><?xml version="1.0" encoding="utf-8"?>
-<p:tagLst xmlns:a="http://schemas.openxmlformats.org/drawingml/2006/main" xmlns:r="http://schemas.openxmlformats.org/officeDocument/2006/relationships" xmlns:p="http://schemas.openxmlformats.org/presentationml/2006/main">
-  <p:tag name="KSO_WM_UNIT_HIGHLIGHT" val="0"/>
-  <p:tag name="KSO_WM_UNIT_COMPATIBLE" val="0"/>
-  <p:tag name="KSO_WM_UNIT_DIAGRAM_ISNUMVISUAL" val="0"/>
-  <p:tag name="KSO_WM_UNIT_DIAGRAM_ISREFERUNIT" val="0"/>
-  <p:tag name="KSO_WM_UNIT_ID" val="_2**"/>
-  <p:tag name="KSO_WM_UNIT_LAYERLEVEL" val="1"/>
-  <p:tag name="KSO_WM_TAG_VERSION" val="1.0"/>
-  <p:tag name="KSO_WM_BEAUTIFY_FLAG" val="#wm#"/>
+<file path=ppt/tags/tag189.xml><?xml version="1.0" encoding="utf-8"?>
+<p:tagLst xmlns:p="http://schemas.openxmlformats.org/presentationml/2006/main">
+  <p:tag name="ISLIDE TOOLS.GUIDESSETTING" val="{&quot;Id&quot;:&quot;GuidesStyle_Normal&quot;,&quot;Name&quot;:&quot;正常&quot;,&quot;HeaderHeight&quot;:10.0,&quot;FooterHeight&quot;:4.0,&quot;SideMargin&quot;:3.0,&quot;TopMargin&quot;:3.0,&quot;BottomMargin&quot;:3.0,&quot;IntervalMargin&quot;:3.0}"/>
+  <p:tag name="ISPRING_PRESENTATION_TITLE" val="PowerPoint 演示文稿"/>
 </p:tagLst>
 </file>
 
-<file path=ppt/tags/tag21.xml><?xml version="1.0" encoding="utf-8"?>
-<p:tagLst xmlns:a="http://schemas.openxmlformats.org/drawingml/2006/main" xmlns:r="http://schemas.openxmlformats.org/officeDocument/2006/relationships" xmlns:p="http://schemas.openxmlformats.org/presentationml/2006/main">
+<file path=ppt/tags/tag19.xml><?xml version="1.0" encoding="utf-8"?>
+<p:tagLst xmlns:p="http://schemas.openxmlformats.org/presentationml/2006/main">
   <p:tag name="KSO_WM_UNIT_HIGHLIGHT" val="0"/>
   <p:tag name="KSO_WM_UNIT_COMPATIBLE" val="0"/>
   <p:tag name="KSO_WM_UNIT_DIAGRAM_ISNUMVISUAL" val="0"/>
@@ -17273,830 +17474,8 @@
 </p:tagLst>
 </file>
 
-<file path=ppt/tags/tag22.xml><?xml version="1.0" encoding="utf-8"?>
-<p:tagLst xmlns:a="http://schemas.openxmlformats.org/drawingml/2006/main" xmlns:r="http://schemas.openxmlformats.org/officeDocument/2006/relationships" xmlns:p="http://schemas.openxmlformats.org/presentationml/2006/main">
-  <p:tag name="KSO_WM_UNIT_HIGHLIGHT" val="0"/>
-  <p:tag name="KSO_WM_UNIT_COMPATIBLE" val="0"/>
-  <p:tag name="KSO_WM_UNIT_DIAGRAM_ISNUMVISUAL" val="0"/>
-  <p:tag name="KSO_WM_UNIT_DIAGRAM_ISREFERUNIT" val="0"/>
-  <p:tag name="KSO_WM_UNIT_ID" val="_3**"/>
-  <p:tag name="KSO_WM_UNIT_LAYERLEVEL" val="1"/>
-  <p:tag name="KSO_WM_TAG_VERSION" val="1.0"/>
-  <p:tag name="KSO_WM_BEAUTIFY_FLAG" val="#wm#"/>
-</p:tagLst>
-</file>
-
-<file path=ppt/tags/tag23.xml><?xml version="1.0" encoding="utf-8"?>
-<p:tagLst xmlns:a="http://schemas.openxmlformats.org/drawingml/2006/main" xmlns:r="http://schemas.openxmlformats.org/officeDocument/2006/relationships" xmlns:p="http://schemas.openxmlformats.org/presentationml/2006/main">
-  <p:tag name="KSO_WM_UNIT_HIGHLIGHT" val="0"/>
-  <p:tag name="KSO_WM_UNIT_COMPATIBLE" val="0"/>
-  <p:tag name="KSO_WM_UNIT_DIAGRAM_ISNUMVISUAL" val="0"/>
-  <p:tag name="KSO_WM_UNIT_DIAGRAM_ISREFERUNIT" val="0"/>
-  <p:tag name="KSO_WM_UNIT_ID" val="_3**"/>
-  <p:tag name="KSO_WM_UNIT_LAYERLEVEL" val="1"/>
-  <p:tag name="KSO_WM_TAG_VERSION" val="1.0"/>
-  <p:tag name="KSO_WM_BEAUTIFY_FLAG" val="#wm#"/>
-</p:tagLst>
-</file>
-
-<file path=ppt/tags/tag24.xml><?xml version="1.0" encoding="utf-8"?>
-<p:tagLst xmlns:a="http://schemas.openxmlformats.org/drawingml/2006/main" xmlns:r="http://schemas.openxmlformats.org/officeDocument/2006/relationships" xmlns:p="http://schemas.openxmlformats.org/presentationml/2006/main">
-  <p:tag name="KSO_WM_UNIT_HIGHLIGHT" val="0"/>
-  <p:tag name="KSO_WM_UNIT_COMPATIBLE" val="0"/>
-  <p:tag name="KSO_WM_UNIT_DIAGRAM_ISNUMVISUAL" val="0"/>
-  <p:tag name="KSO_WM_UNIT_DIAGRAM_ISREFERUNIT" val="0"/>
-  <p:tag name="KSO_WM_UNIT_ID" val="_3**"/>
-  <p:tag name="KSO_WM_UNIT_LAYERLEVEL" val="1"/>
-  <p:tag name="KSO_WM_TAG_VERSION" val="1.0"/>
-  <p:tag name="KSO_WM_BEAUTIFY_FLAG" val="#wm#"/>
-</p:tagLst>
-</file>
-
-<file path=ppt/tags/tag25.xml><?xml version="1.0" encoding="utf-8"?>
-<p:tagLst xmlns:a="http://schemas.openxmlformats.org/drawingml/2006/main" xmlns:r="http://schemas.openxmlformats.org/officeDocument/2006/relationships" xmlns:p="http://schemas.openxmlformats.org/presentationml/2006/main">
-  <p:tag name="KSO_WM_UNIT_HIGHLIGHT" val="0"/>
-  <p:tag name="KSO_WM_UNIT_COMPATIBLE" val="0"/>
-  <p:tag name="KSO_WM_UNIT_DIAGRAM_ISNUMVISUAL" val="0"/>
-  <p:tag name="KSO_WM_UNIT_DIAGRAM_ISREFERUNIT" val="0"/>
-  <p:tag name="KSO_WM_UNIT_ID" val="_3**"/>
-  <p:tag name="KSO_WM_UNIT_LAYERLEVEL" val="1"/>
-  <p:tag name="KSO_WM_TAG_VERSION" val="1.0"/>
-  <p:tag name="KSO_WM_BEAUTIFY_FLAG" val="#wm#"/>
-</p:tagLst>
-</file>
-
-<file path=ppt/tags/tag26.xml><?xml version="1.0" encoding="utf-8"?>
-<p:tagLst xmlns:a="http://schemas.openxmlformats.org/drawingml/2006/main" xmlns:r="http://schemas.openxmlformats.org/officeDocument/2006/relationships" xmlns:p="http://schemas.openxmlformats.org/presentationml/2006/main">
-  <p:tag name="KSO_WM_UNIT_HIGHLIGHT" val="0"/>
-  <p:tag name="KSO_WM_UNIT_COMPATIBLE" val="0"/>
-  <p:tag name="KSO_WM_UNIT_DIAGRAM_ISNUMVISUAL" val="0"/>
-  <p:tag name="KSO_WM_UNIT_DIAGRAM_ISREFERUNIT" val="0"/>
-  <p:tag name="KSO_WM_UNIT_ID" val="_3**"/>
-  <p:tag name="KSO_WM_UNIT_LAYERLEVEL" val="1"/>
-  <p:tag name="KSO_WM_TAG_VERSION" val="1.0"/>
-  <p:tag name="KSO_WM_BEAUTIFY_FLAG" val="#wm#"/>
-</p:tagLst>
-</file>
-
-<file path=ppt/tags/tag27.xml><?xml version="1.0" encoding="utf-8"?>
-<p:tagLst xmlns:a="http://schemas.openxmlformats.org/drawingml/2006/main" xmlns:r="http://schemas.openxmlformats.org/officeDocument/2006/relationships" xmlns:p="http://schemas.openxmlformats.org/presentationml/2006/main">
-  <p:tag name="KSO_WM_UNIT_HIGHLIGHT" val="0"/>
-  <p:tag name="KSO_WM_UNIT_COMPATIBLE" val="0"/>
-  <p:tag name="KSO_WM_UNIT_DIAGRAM_ISNUMVISUAL" val="0"/>
-  <p:tag name="KSO_WM_UNIT_DIAGRAM_ISREFERUNIT" val="0"/>
-  <p:tag name="KSO_WM_UNIT_ID" val="_4**"/>
-  <p:tag name="KSO_WM_UNIT_LAYERLEVEL" val="1"/>
-  <p:tag name="KSO_WM_TAG_VERSION" val="1.0"/>
-  <p:tag name="KSO_WM_BEAUTIFY_FLAG" val="#wm#"/>
-</p:tagLst>
-</file>
-
-<file path=ppt/tags/tag28.xml><?xml version="1.0" encoding="utf-8"?>
-<p:tagLst xmlns:a="http://schemas.openxmlformats.org/drawingml/2006/main" xmlns:r="http://schemas.openxmlformats.org/officeDocument/2006/relationships" xmlns:p="http://schemas.openxmlformats.org/presentationml/2006/main">
-  <p:tag name="KSO_WM_UNIT_HIGHLIGHT" val="0"/>
-  <p:tag name="KSO_WM_UNIT_COMPATIBLE" val="0"/>
-  <p:tag name="KSO_WM_UNIT_DIAGRAM_ISNUMVISUAL" val="0"/>
-  <p:tag name="KSO_WM_UNIT_DIAGRAM_ISREFERUNIT" val="0"/>
-  <p:tag name="KSO_WM_UNIT_ID" val="_4**"/>
-  <p:tag name="KSO_WM_UNIT_LAYERLEVEL" val="1"/>
-  <p:tag name="KSO_WM_TAG_VERSION" val="1.0"/>
-  <p:tag name="KSO_WM_BEAUTIFY_FLAG" val="#wm#"/>
-</p:tagLst>
-</file>
-
-<file path=ppt/tags/tag29.xml><?xml version="1.0" encoding="utf-8"?>
-<p:tagLst xmlns:a="http://schemas.openxmlformats.org/drawingml/2006/main" xmlns:r="http://schemas.openxmlformats.org/officeDocument/2006/relationships" xmlns:p="http://schemas.openxmlformats.org/presentationml/2006/main">
-  <p:tag name="KSO_WM_UNIT_HIGHLIGHT" val="0"/>
-  <p:tag name="KSO_WM_UNIT_COMPATIBLE" val="0"/>
-  <p:tag name="KSO_WM_UNIT_DIAGRAM_ISNUMVISUAL" val="0"/>
-  <p:tag name="KSO_WM_UNIT_DIAGRAM_ISREFERUNIT" val="0"/>
-  <p:tag name="KSO_WM_UNIT_ID" val="_4**"/>
-  <p:tag name="KSO_WM_UNIT_LAYERLEVEL" val="1"/>
-  <p:tag name="KSO_WM_TAG_VERSION" val="1.0"/>
-  <p:tag name="KSO_WM_BEAUTIFY_FLAG" val="#wm#"/>
-</p:tagLst>
-</file>
-
-<file path=ppt/tags/tag3.xml><?xml version="1.0" encoding="utf-8"?>
-<p:tagLst xmlns:a="http://schemas.openxmlformats.org/drawingml/2006/main" xmlns:r="http://schemas.openxmlformats.org/officeDocument/2006/relationships" xmlns:p="http://schemas.openxmlformats.org/presentationml/2006/main">
-  <p:tag name="KSO_WM_UNIT_HIGHLIGHT" val="0"/>
-  <p:tag name="KSO_WM_UNIT_COMPATIBLE" val="0"/>
-  <p:tag name="KSO_WM_UNIT_DIAGRAM_ISNUMVISUAL" val="0"/>
-  <p:tag name="KSO_WM_UNIT_DIAGRAM_ISREFERUNIT" val="0"/>
-  <p:tag name="KSO_WM_UNIT_ID" val="_0**"/>
-  <p:tag name="KSO_WM_UNIT_LAYERLEVEL" val="1"/>
-  <p:tag name="KSO_WM_TAG_VERSION" val="1.0"/>
-  <p:tag name="KSO_WM_BEAUTIFY_FLAG" val="#wm#"/>
-  <p:tag name="KSO_WM_TEMPLATE_CATEGORY" val="custom"/>
-  <p:tag name="KSO_WM_TEMPLATE_INDEX" val="20204473"/>
-</p:tagLst>
-</file>
-
-<file path=ppt/tags/tag30.xml><?xml version="1.0" encoding="utf-8"?>
-<p:tagLst xmlns:a="http://schemas.openxmlformats.org/drawingml/2006/main" xmlns:r="http://schemas.openxmlformats.org/officeDocument/2006/relationships" xmlns:p="http://schemas.openxmlformats.org/presentationml/2006/main">
-  <p:tag name="KSO_WM_UNIT_HIGHLIGHT" val="0"/>
-  <p:tag name="KSO_WM_UNIT_COMPATIBLE" val="0"/>
-  <p:tag name="KSO_WM_UNIT_DIAGRAM_ISNUMVISUAL" val="0"/>
-  <p:tag name="KSO_WM_UNIT_DIAGRAM_ISREFERUNIT" val="0"/>
-  <p:tag name="KSO_WM_UNIT_ID" val="_4**"/>
-  <p:tag name="KSO_WM_UNIT_LAYERLEVEL" val="1"/>
-  <p:tag name="KSO_WM_TAG_VERSION" val="1.0"/>
-  <p:tag name="KSO_WM_BEAUTIFY_FLAG" val="#wm#"/>
-</p:tagLst>
-</file>
-
-<file path=ppt/tags/tag31.xml><?xml version="1.0" encoding="utf-8"?>
-<p:tagLst xmlns:a="http://schemas.openxmlformats.org/drawingml/2006/main" xmlns:r="http://schemas.openxmlformats.org/officeDocument/2006/relationships" xmlns:p="http://schemas.openxmlformats.org/presentationml/2006/main">
-  <p:tag name="KSO_WM_UNIT_HIGHLIGHT" val="0"/>
-  <p:tag name="KSO_WM_UNIT_COMPATIBLE" val="0"/>
-  <p:tag name="KSO_WM_UNIT_DIAGRAM_ISNUMVISUAL" val="0"/>
-  <p:tag name="KSO_WM_UNIT_DIAGRAM_ISREFERUNIT" val="0"/>
-  <p:tag name="KSO_WM_UNIT_ID" val="_4**"/>
-  <p:tag name="KSO_WM_UNIT_LAYERLEVEL" val="1"/>
-  <p:tag name="KSO_WM_TAG_VERSION" val="1.0"/>
-  <p:tag name="KSO_WM_BEAUTIFY_FLAG" val="#wm#"/>
-</p:tagLst>
-</file>
-
-<file path=ppt/tags/tag32.xml><?xml version="1.0" encoding="utf-8"?>
-<p:tagLst xmlns:a="http://schemas.openxmlformats.org/drawingml/2006/main" xmlns:r="http://schemas.openxmlformats.org/officeDocument/2006/relationships" xmlns:p="http://schemas.openxmlformats.org/presentationml/2006/main">
-  <p:tag name="KSO_WM_UNIT_HIGHLIGHT" val="0"/>
-  <p:tag name="KSO_WM_UNIT_COMPATIBLE" val="0"/>
-  <p:tag name="KSO_WM_UNIT_DIAGRAM_ISNUMVISUAL" val="0"/>
-  <p:tag name="KSO_WM_UNIT_DIAGRAM_ISREFERUNIT" val="0"/>
-  <p:tag name="KSO_WM_UNIT_ID" val="_4**"/>
-  <p:tag name="KSO_WM_UNIT_LAYERLEVEL" val="1"/>
-  <p:tag name="KSO_WM_TAG_VERSION" val="1.0"/>
-  <p:tag name="KSO_WM_BEAUTIFY_FLAG" val="#wm#"/>
-</p:tagLst>
-</file>
-
-<file path=ppt/tags/tag33.xml><?xml version="1.0" encoding="utf-8"?>
-<p:tagLst xmlns:a="http://schemas.openxmlformats.org/drawingml/2006/main" xmlns:r="http://schemas.openxmlformats.org/officeDocument/2006/relationships" xmlns:p="http://schemas.openxmlformats.org/presentationml/2006/main">
-  <p:tag name="KSO_WM_UNIT_HIGHLIGHT" val="0"/>
-  <p:tag name="KSO_WM_UNIT_COMPATIBLE" val="0"/>
-  <p:tag name="KSO_WM_UNIT_DIAGRAM_ISNUMVISUAL" val="0"/>
-  <p:tag name="KSO_WM_UNIT_DIAGRAM_ISREFERUNIT" val="0"/>
-  <p:tag name="KSO_WM_UNIT_ID" val="_4**"/>
-  <p:tag name="KSO_WM_UNIT_LAYERLEVEL" val="1"/>
-  <p:tag name="KSO_WM_TAG_VERSION" val="1.0"/>
-  <p:tag name="KSO_WM_BEAUTIFY_FLAG" val="#wm#"/>
-</p:tagLst>
-</file>
-
-<file path=ppt/tags/tag34.xml><?xml version="1.0" encoding="utf-8"?>
-<p:tagLst xmlns:a="http://schemas.openxmlformats.org/drawingml/2006/main" xmlns:r="http://schemas.openxmlformats.org/officeDocument/2006/relationships" xmlns:p="http://schemas.openxmlformats.org/presentationml/2006/main">
-  <p:tag name="KSO_WM_UNIT_HIGHLIGHT" val="0"/>
-  <p:tag name="KSO_WM_UNIT_COMPATIBLE" val="0"/>
-  <p:tag name="KSO_WM_UNIT_DIAGRAM_ISNUMVISUAL" val="0"/>
-  <p:tag name="KSO_WM_UNIT_DIAGRAM_ISREFERUNIT" val="0"/>
-  <p:tag name="KSO_WM_UNIT_ID" val="_4**"/>
-  <p:tag name="KSO_WM_UNIT_LAYERLEVEL" val="1"/>
-  <p:tag name="KSO_WM_TAG_VERSION" val="1.0"/>
-  <p:tag name="KSO_WM_BEAUTIFY_FLAG" val="#wm#"/>
-</p:tagLst>
-</file>
-
-<file path=ppt/tags/tag35.xml><?xml version="1.0" encoding="utf-8"?>
-<p:tagLst xmlns:a="http://schemas.openxmlformats.org/drawingml/2006/main" xmlns:r="http://schemas.openxmlformats.org/officeDocument/2006/relationships" xmlns:p="http://schemas.openxmlformats.org/presentationml/2006/main">
-  <p:tag name="KSO_WM_UNIT_HIGHLIGHT" val="0"/>
-  <p:tag name="KSO_WM_UNIT_COMPATIBLE" val="0"/>
-  <p:tag name="KSO_WM_UNIT_DIAGRAM_ISNUMVISUAL" val="0"/>
-  <p:tag name="KSO_WM_UNIT_DIAGRAM_ISREFERUNIT" val="0"/>
-  <p:tag name="KSO_WM_UNIT_ID" val="_4**"/>
-  <p:tag name="KSO_WM_UNIT_LAYERLEVEL" val="1"/>
-  <p:tag name="KSO_WM_TAG_VERSION" val="1.0"/>
-  <p:tag name="KSO_WM_BEAUTIFY_FLAG" val="#wm#"/>
-</p:tagLst>
-</file>
-
-<file path=ppt/tags/tag36.xml><?xml version="1.0" encoding="utf-8"?>
-<p:tagLst xmlns:a="http://schemas.openxmlformats.org/drawingml/2006/main" xmlns:r="http://schemas.openxmlformats.org/officeDocument/2006/relationships" xmlns:p="http://schemas.openxmlformats.org/presentationml/2006/main">
-  <p:tag name="KSO_WM_UNIT_HIGHLIGHT" val="0"/>
-  <p:tag name="KSO_WM_UNIT_COMPATIBLE" val="0"/>
-  <p:tag name="KSO_WM_UNIT_DIAGRAM_ISNUMVISUAL" val="0"/>
-  <p:tag name="KSO_WM_UNIT_DIAGRAM_ISREFERUNIT" val="0"/>
-  <p:tag name="KSO_WM_UNIT_ID" val="_5**"/>
-  <p:tag name="KSO_WM_UNIT_LAYERLEVEL" val="1"/>
-  <p:tag name="KSO_WM_TAG_VERSION" val="1.0"/>
-  <p:tag name="KSO_WM_BEAUTIFY_FLAG" val="#wm#"/>
-</p:tagLst>
-</file>
-
-<file path=ppt/tags/tag37.xml><?xml version="1.0" encoding="utf-8"?>
-<p:tagLst xmlns:a="http://schemas.openxmlformats.org/drawingml/2006/main" xmlns:r="http://schemas.openxmlformats.org/officeDocument/2006/relationships" xmlns:p="http://schemas.openxmlformats.org/presentationml/2006/main">
-  <p:tag name="KSO_WM_UNIT_HIGHLIGHT" val="0"/>
-  <p:tag name="KSO_WM_UNIT_COMPATIBLE" val="0"/>
-  <p:tag name="KSO_WM_UNIT_DIAGRAM_ISNUMVISUAL" val="0"/>
-  <p:tag name="KSO_WM_UNIT_DIAGRAM_ISREFERUNIT" val="0"/>
-  <p:tag name="KSO_WM_UNIT_ID" val="_5**"/>
-  <p:tag name="KSO_WM_UNIT_LAYERLEVEL" val="1"/>
-  <p:tag name="KSO_WM_TAG_VERSION" val="1.0"/>
-  <p:tag name="KSO_WM_BEAUTIFY_FLAG" val="#wm#"/>
-</p:tagLst>
-</file>
-
-<file path=ppt/tags/tag38.xml><?xml version="1.0" encoding="utf-8"?>
-<p:tagLst xmlns:a="http://schemas.openxmlformats.org/drawingml/2006/main" xmlns:r="http://schemas.openxmlformats.org/officeDocument/2006/relationships" xmlns:p="http://schemas.openxmlformats.org/presentationml/2006/main">
-  <p:tag name="KSO_WM_UNIT_HIGHLIGHT" val="0"/>
-  <p:tag name="KSO_WM_UNIT_COMPATIBLE" val="0"/>
-  <p:tag name="KSO_WM_UNIT_DIAGRAM_ISNUMVISUAL" val="0"/>
-  <p:tag name="KSO_WM_UNIT_DIAGRAM_ISREFERUNIT" val="0"/>
-  <p:tag name="KSO_WM_UNIT_ID" val="_5**"/>
-  <p:tag name="KSO_WM_UNIT_LAYERLEVEL" val="1"/>
-  <p:tag name="KSO_WM_TAG_VERSION" val="1.0"/>
-  <p:tag name="KSO_WM_BEAUTIFY_FLAG" val="#wm#"/>
-</p:tagLst>
-</file>
-
-<file path=ppt/tags/tag39.xml><?xml version="1.0" encoding="utf-8"?>
-<p:tagLst xmlns:a="http://schemas.openxmlformats.org/drawingml/2006/main" xmlns:r="http://schemas.openxmlformats.org/officeDocument/2006/relationships" xmlns:p="http://schemas.openxmlformats.org/presentationml/2006/main">
-  <p:tag name="KSO_WM_UNIT_HIGHLIGHT" val="0"/>
-  <p:tag name="KSO_WM_UNIT_COMPATIBLE" val="0"/>
-  <p:tag name="KSO_WM_UNIT_DIAGRAM_ISNUMVISUAL" val="0"/>
-  <p:tag name="KSO_WM_UNIT_DIAGRAM_ISREFERUNIT" val="0"/>
-  <p:tag name="KSO_WM_UNIT_ID" val="_5**"/>
-  <p:tag name="KSO_WM_UNIT_LAYERLEVEL" val="1"/>
-  <p:tag name="KSO_WM_TAG_VERSION" val="1.0"/>
-  <p:tag name="KSO_WM_BEAUTIFY_FLAG" val="#wm#"/>
-</p:tagLst>
-</file>
-
-<file path=ppt/tags/tag4.xml><?xml version="1.0" encoding="utf-8"?>
-<p:tagLst xmlns:a="http://schemas.openxmlformats.org/drawingml/2006/main" xmlns:r="http://schemas.openxmlformats.org/officeDocument/2006/relationships" xmlns:p="http://schemas.openxmlformats.org/presentationml/2006/main">
-  <p:tag name="KSO_WM_UNIT_HIGHLIGHT" val="0"/>
-  <p:tag name="KSO_WM_UNIT_COMPATIBLE" val="0"/>
-  <p:tag name="KSO_WM_UNIT_DIAGRAM_ISNUMVISUAL" val="0"/>
-  <p:tag name="KSO_WM_UNIT_DIAGRAM_ISREFERUNIT" val="0"/>
-  <p:tag name="KSO_WM_UNIT_ID" val="_0**"/>
-  <p:tag name="KSO_WM_UNIT_LAYERLEVEL" val="1"/>
-  <p:tag name="KSO_WM_TAG_VERSION" val="1.0"/>
-  <p:tag name="KSO_WM_BEAUTIFY_FLAG" val="#wm#"/>
-</p:tagLst>
-</file>
-
-<file path=ppt/tags/tag40.xml><?xml version="1.0" encoding="utf-8"?>
-<p:tagLst xmlns:a="http://schemas.openxmlformats.org/drawingml/2006/main" xmlns:r="http://schemas.openxmlformats.org/officeDocument/2006/relationships" xmlns:p="http://schemas.openxmlformats.org/presentationml/2006/main">
-  <p:tag name="KSO_WM_UNIT_HIGHLIGHT" val="0"/>
-  <p:tag name="KSO_WM_UNIT_COMPATIBLE" val="0"/>
-  <p:tag name="KSO_WM_UNIT_DIAGRAM_ISNUMVISUAL" val="0"/>
-  <p:tag name="KSO_WM_UNIT_DIAGRAM_ISREFERUNIT" val="0"/>
-  <p:tag name="KSO_WM_UNIT_ID" val="_5**"/>
-  <p:tag name="KSO_WM_UNIT_LAYERLEVEL" val="1"/>
-  <p:tag name="KSO_WM_TAG_VERSION" val="1.0"/>
-  <p:tag name="KSO_WM_BEAUTIFY_FLAG" val="#wm#"/>
-</p:tagLst>
-</file>
-
-<file path=ppt/tags/tag41.xml><?xml version="1.0" encoding="utf-8"?>
-<p:tagLst xmlns:a="http://schemas.openxmlformats.org/drawingml/2006/main" xmlns:r="http://schemas.openxmlformats.org/officeDocument/2006/relationships" xmlns:p="http://schemas.openxmlformats.org/presentationml/2006/main">
-  <p:tag name="KSO_WM_UNIT_HIGHLIGHT" val="0"/>
-  <p:tag name="KSO_WM_UNIT_COMPATIBLE" val="0"/>
-  <p:tag name="KSO_WM_UNIT_DIAGRAM_ISNUMVISUAL" val="0"/>
-  <p:tag name="KSO_WM_UNIT_DIAGRAM_ISREFERUNIT" val="0"/>
-  <p:tag name="KSO_WM_UNIT_ID" val="_5**"/>
-  <p:tag name="KSO_WM_UNIT_LAYERLEVEL" val="1"/>
-  <p:tag name="KSO_WM_TAG_VERSION" val="1.0"/>
-  <p:tag name="KSO_WM_BEAUTIFY_FLAG" val="#wm#"/>
-</p:tagLst>
-</file>
-
-<file path=ppt/tags/tag42.xml><?xml version="1.0" encoding="utf-8"?>
-<p:tagLst xmlns:a="http://schemas.openxmlformats.org/drawingml/2006/main" xmlns:r="http://schemas.openxmlformats.org/officeDocument/2006/relationships" xmlns:p="http://schemas.openxmlformats.org/presentationml/2006/main">
-  <p:tag name="KSO_WM_UNIT_HIGHLIGHT" val="0"/>
-  <p:tag name="KSO_WM_UNIT_COMPATIBLE" val="0"/>
-  <p:tag name="KSO_WM_UNIT_DIAGRAM_ISNUMVISUAL" val="0"/>
-  <p:tag name="KSO_WM_UNIT_DIAGRAM_ISREFERUNIT" val="0"/>
-  <p:tag name="KSO_WM_UNIT_ID" val="_5**"/>
-  <p:tag name="KSO_WM_UNIT_LAYERLEVEL" val="1"/>
-  <p:tag name="KSO_WM_TAG_VERSION" val="1.0"/>
-  <p:tag name="KSO_WM_BEAUTIFY_FLAG" val="#wm#"/>
-</p:tagLst>
-</file>
-
-<file path=ppt/tags/tag43.xml><?xml version="1.0" encoding="utf-8"?>
-<p:tagLst xmlns:a="http://schemas.openxmlformats.org/drawingml/2006/main" xmlns:r="http://schemas.openxmlformats.org/officeDocument/2006/relationships" xmlns:p="http://schemas.openxmlformats.org/presentationml/2006/main">
-  <p:tag name="KSO_WM_UNIT_HIGHLIGHT" val="0"/>
-  <p:tag name="KSO_WM_UNIT_COMPATIBLE" val="0"/>
-  <p:tag name="KSO_WM_UNIT_DIAGRAM_ISNUMVISUAL" val="0"/>
-  <p:tag name="KSO_WM_UNIT_DIAGRAM_ISREFERUNIT" val="0"/>
-  <p:tag name="KSO_WM_UNIT_ID" val="_5**"/>
-  <p:tag name="KSO_WM_UNIT_LAYERLEVEL" val="1"/>
-  <p:tag name="KSO_WM_TAG_VERSION" val="1.0"/>
-  <p:tag name="KSO_WM_BEAUTIFY_FLAG" val="#wm#"/>
-</p:tagLst>
-</file>
-
-<file path=ppt/tags/tag44.xml><?xml version="1.0" encoding="utf-8"?>
-<p:tagLst xmlns:a="http://schemas.openxmlformats.org/drawingml/2006/main" xmlns:r="http://schemas.openxmlformats.org/officeDocument/2006/relationships" xmlns:p="http://schemas.openxmlformats.org/presentationml/2006/main">
-  <p:tag name="KSO_WM_UNIT_HIGHLIGHT" val="0"/>
-  <p:tag name="KSO_WM_UNIT_COMPATIBLE" val="0"/>
-  <p:tag name="KSO_WM_UNIT_DIAGRAM_ISNUMVISUAL" val="0"/>
-  <p:tag name="KSO_WM_UNIT_DIAGRAM_ISREFERUNIT" val="0"/>
-  <p:tag name="KSO_WM_UNIT_ID" val="_5**"/>
-  <p:tag name="KSO_WM_UNIT_LAYERLEVEL" val="1"/>
-  <p:tag name="KSO_WM_TAG_VERSION" val="1.0"/>
-  <p:tag name="KSO_WM_BEAUTIFY_FLAG" val="#wm#"/>
-</p:tagLst>
-</file>
-
-<file path=ppt/tags/tag45.xml><?xml version="1.0" encoding="utf-8"?>
-<p:tagLst xmlns:a="http://schemas.openxmlformats.org/drawingml/2006/main" xmlns:r="http://schemas.openxmlformats.org/officeDocument/2006/relationships" xmlns:p="http://schemas.openxmlformats.org/presentationml/2006/main">
-  <p:tag name="KSO_WM_UNIT_HIGHLIGHT" val="0"/>
-  <p:tag name="KSO_WM_UNIT_COMPATIBLE" val="0"/>
-  <p:tag name="KSO_WM_UNIT_DIAGRAM_ISNUMVISUAL" val="0"/>
-  <p:tag name="KSO_WM_UNIT_DIAGRAM_ISREFERUNIT" val="0"/>
-  <p:tag name="KSO_WM_UNIT_ID" val="_5**"/>
-  <p:tag name="KSO_WM_UNIT_LAYERLEVEL" val="1"/>
-  <p:tag name="KSO_WM_TAG_VERSION" val="1.0"/>
-  <p:tag name="KSO_WM_BEAUTIFY_FLAG" val="#wm#"/>
-</p:tagLst>
-</file>
-
-<file path=ppt/tags/tag46.xml><?xml version="1.0" encoding="utf-8"?>
-<p:tagLst xmlns:a="http://schemas.openxmlformats.org/drawingml/2006/main" xmlns:r="http://schemas.openxmlformats.org/officeDocument/2006/relationships" xmlns:p="http://schemas.openxmlformats.org/presentationml/2006/main">
-  <p:tag name="KSO_WM_UNIT_HIGHLIGHT" val="0"/>
-  <p:tag name="KSO_WM_UNIT_COMPATIBLE" val="0"/>
-  <p:tag name="KSO_WM_UNIT_DIAGRAM_ISNUMVISUAL" val="0"/>
-  <p:tag name="KSO_WM_UNIT_DIAGRAM_ISREFERUNIT" val="0"/>
-  <p:tag name="KSO_WM_UNIT_ID" val="_5**"/>
-  <p:tag name="KSO_WM_UNIT_LAYERLEVEL" val="1"/>
-  <p:tag name="KSO_WM_TAG_VERSION" val="1.0"/>
-  <p:tag name="KSO_WM_BEAUTIFY_FLAG" val="#wm#"/>
-</p:tagLst>
-</file>
-
-<file path=ppt/tags/tag47.xml><?xml version="1.0" encoding="utf-8"?>
-<p:tagLst xmlns:a="http://schemas.openxmlformats.org/drawingml/2006/main" xmlns:r="http://schemas.openxmlformats.org/officeDocument/2006/relationships" xmlns:p="http://schemas.openxmlformats.org/presentationml/2006/main">
-  <p:tag name="KSO_WM_UNIT_HIGHLIGHT" val="0"/>
-  <p:tag name="KSO_WM_UNIT_COMPATIBLE" val="0"/>
-  <p:tag name="KSO_WM_UNIT_DIAGRAM_ISNUMVISUAL" val="0"/>
-  <p:tag name="KSO_WM_UNIT_DIAGRAM_ISREFERUNIT" val="0"/>
-  <p:tag name="KSO_WM_UNIT_ID" val="_6**"/>
-  <p:tag name="KSO_WM_UNIT_LAYERLEVEL" val="1"/>
-  <p:tag name="KSO_WM_TAG_VERSION" val="1.0"/>
-  <p:tag name="KSO_WM_BEAUTIFY_FLAG" val="#wm#"/>
-</p:tagLst>
-</file>
-
-<file path=ppt/tags/tag48.xml><?xml version="1.0" encoding="utf-8"?>
-<p:tagLst xmlns:a="http://schemas.openxmlformats.org/drawingml/2006/main" xmlns:r="http://schemas.openxmlformats.org/officeDocument/2006/relationships" xmlns:p="http://schemas.openxmlformats.org/presentationml/2006/main">
-  <p:tag name="KSO_WM_UNIT_HIGHLIGHT" val="0"/>
-  <p:tag name="KSO_WM_UNIT_COMPATIBLE" val="0"/>
-  <p:tag name="KSO_WM_UNIT_DIAGRAM_ISNUMVISUAL" val="0"/>
-  <p:tag name="KSO_WM_UNIT_DIAGRAM_ISREFERUNIT" val="0"/>
-  <p:tag name="KSO_WM_UNIT_ID" val="_6**"/>
-  <p:tag name="KSO_WM_UNIT_LAYERLEVEL" val="1"/>
-  <p:tag name="KSO_WM_TAG_VERSION" val="1.0"/>
-  <p:tag name="KSO_WM_BEAUTIFY_FLAG" val="#wm#"/>
-</p:tagLst>
-</file>
-
-<file path=ppt/tags/tag49.xml><?xml version="1.0" encoding="utf-8"?>
-<p:tagLst xmlns:a="http://schemas.openxmlformats.org/drawingml/2006/main" xmlns:r="http://schemas.openxmlformats.org/officeDocument/2006/relationships" xmlns:p="http://schemas.openxmlformats.org/presentationml/2006/main">
-  <p:tag name="KSO_WM_UNIT_HIGHLIGHT" val="0"/>
-  <p:tag name="KSO_WM_UNIT_COMPATIBLE" val="0"/>
-  <p:tag name="KSO_WM_UNIT_DIAGRAM_ISNUMVISUAL" val="0"/>
-  <p:tag name="KSO_WM_UNIT_DIAGRAM_ISREFERUNIT" val="0"/>
-  <p:tag name="KSO_WM_UNIT_ID" val="_6**"/>
-  <p:tag name="KSO_WM_UNIT_LAYERLEVEL" val="1"/>
-  <p:tag name="KSO_WM_TAG_VERSION" val="1.0"/>
-  <p:tag name="KSO_WM_BEAUTIFY_FLAG" val="#wm#"/>
-</p:tagLst>
-</file>
-
-<file path=ppt/tags/tag5.xml><?xml version="1.0" encoding="utf-8"?>
-<p:tagLst xmlns:a="http://schemas.openxmlformats.org/drawingml/2006/main" xmlns:r="http://schemas.openxmlformats.org/officeDocument/2006/relationships" xmlns:p="http://schemas.openxmlformats.org/presentationml/2006/main">
-  <p:tag name="KSO_WM_UNIT_HIGHLIGHT" val="0"/>
-  <p:tag name="KSO_WM_UNIT_COMPATIBLE" val="0"/>
-  <p:tag name="KSO_WM_UNIT_DIAGRAM_ISNUMVISUAL" val="0"/>
-  <p:tag name="KSO_WM_UNIT_DIAGRAM_ISREFERUNIT" val="0"/>
-  <p:tag name="KSO_WM_UNIT_ID" val="_0**"/>
-  <p:tag name="KSO_WM_UNIT_LAYERLEVEL" val="1"/>
-  <p:tag name="KSO_WM_TAG_VERSION" val="1.0"/>
-  <p:tag name="KSO_WM_BEAUTIFY_FLAG" val="#wm#"/>
-</p:tagLst>
-</file>
-
-<file path=ppt/tags/tag50.xml><?xml version="1.0" encoding="utf-8"?>
-<p:tagLst xmlns:a="http://schemas.openxmlformats.org/drawingml/2006/main" xmlns:r="http://schemas.openxmlformats.org/officeDocument/2006/relationships" xmlns:p="http://schemas.openxmlformats.org/presentationml/2006/main">
-  <p:tag name="KSO_WM_UNIT_HIGHLIGHT" val="0"/>
-  <p:tag name="KSO_WM_UNIT_COMPATIBLE" val="0"/>
-  <p:tag name="KSO_WM_UNIT_DIAGRAM_ISNUMVISUAL" val="0"/>
-  <p:tag name="KSO_WM_UNIT_DIAGRAM_ISREFERUNIT" val="0"/>
-  <p:tag name="KSO_WM_UNIT_ID" val="_6**"/>
-  <p:tag name="KSO_WM_UNIT_LAYERLEVEL" val="1"/>
-  <p:tag name="KSO_WM_TAG_VERSION" val="1.0"/>
-  <p:tag name="KSO_WM_BEAUTIFY_FLAG" val="#wm#"/>
-</p:tagLst>
-</file>
-
-<file path=ppt/tags/tag51.xml><?xml version="1.0" encoding="utf-8"?>
-<p:tagLst xmlns:a="http://schemas.openxmlformats.org/drawingml/2006/main" xmlns:r="http://schemas.openxmlformats.org/officeDocument/2006/relationships" xmlns:p="http://schemas.openxmlformats.org/presentationml/2006/main">
-  <p:tag name="KSO_WM_UNIT_HIGHLIGHT" val="0"/>
-  <p:tag name="KSO_WM_UNIT_COMPATIBLE" val="0"/>
-  <p:tag name="KSO_WM_UNIT_DIAGRAM_ISNUMVISUAL" val="0"/>
-  <p:tag name="KSO_WM_UNIT_DIAGRAM_ISREFERUNIT" val="0"/>
-  <p:tag name="KSO_WM_UNIT_ID" val="_6**"/>
-  <p:tag name="KSO_WM_UNIT_LAYERLEVEL" val="1"/>
-  <p:tag name="KSO_WM_TAG_VERSION" val="1.0"/>
-  <p:tag name="KSO_WM_BEAUTIFY_FLAG" val="#wm#"/>
-</p:tagLst>
-</file>
-
-<file path=ppt/tags/tag52.xml><?xml version="1.0" encoding="utf-8"?>
-<p:tagLst xmlns:a="http://schemas.openxmlformats.org/drawingml/2006/main" xmlns:r="http://schemas.openxmlformats.org/officeDocument/2006/relationships" xmlns:p="http://schemas.openxmlformats.org/presentationml/2006/main">
-  <p:tag name="KSO_WM_UNIT_HIGHLIGHT" val="0"/>
-  <p:tag name="KSO_WM_UNIT_COMPATIBLE" val="0"/>
-  <p:tag name="KSO_WM_UNIT_DIAGRAM_ISNUMVISUAL" val="0"/>
-  <p:tag name="KSO_WM_UNIT_DIAGRAM_ISREFERUNIT" val="0"/>
-  <p:tag name="KSO_WM_UNIT_ID" val="_6**"/>
-  <p:tag name="KSO_WM_UNIT_LAYERLEVEL" val="1"/>
-  <p:tag name="KSO_WM_TAG_VERSION" val="1.0"/>
-  <p:tag name="KSO_WM_BEAUTIFY_FLAG" val="#wm#"/>
-</p:tagLst>
-</file>
-
-<file path=ppt/tags/tag53.xml><?xml version="1.0" encoding="utf-8"?>
-<p:tagLst xmlns:a="http://schemas.openxmlformats.org/drawingml/2006/main" xmlns:r="http://schemas.openxmlformats.org/officeDocument/2006/relationships" xmlns:p="http://schemas.openxmlformats.org/presentationml/2006/main">
-  <p:tag name="KSO_WM_UNIT_HIGHLIGHT" val="0"/>
-  <p:tag name="KSO_WM_UNIT_COMPATIBLE" val="0"/>
-  <p:tag name="KSO_WM_UNIT_DIAGRAM_ISNUMVISUAL" val="0"/>
-  <p:tag name="KSO_WM_UNIT_DIAGRAM_ISREFERUNIT" val="0"/>
-  <p:tag name="KSO_WM_UNIT_ID" val="_6**"/>
-  <p:tag name="KSO_WM_UNIT_LAYERLEVEL" val="1"/>
-  <p:tag name="KSO_WM_TAG_VERSION" val="1.0"/>
-  <p:tag name="KSO_WM_BEAUTIFY_FLAG" val="#wm#"/>
-</p:tagLst>
-</file>
-
-<file path=ppt/tags/tag54.xml><?xml version="1.0" encoding="utf-8"?>
-<p:tagLst xmlns:a="http://schemas.openxmlformats.org/drawingml/2006/main" xmlns:r="http://schemas.openxmlformats.org/officeDocument/2006/relationships" xmlns:p="http://schemas.openxmlformats.org/presentationml/2006/main">
-  <p:tag name="KSO_WM_UNIT_HIGHLIGHT" val="0"/>
-  <p:tag name="KSO_WM_UNIT_COMPATIBLE" val="0"/>
-  <p:tag name="KSO_WM_UNIT_DIAGRAM_ISNUMVISUAL" val="0"/>
-  <p:tag name="KSO_WM_UNIT_DIAGRAM_ISREFERUNIT" val="0"/>
-  <p:tag name="KSO_WM_UNIT_ID" val="_7**"/>
-  <p:tag name="KSO_WM_UNIT_LAYERLEVEL" val="1"/>
-  <p:tag name="KSO_WM_TAG_VERSION" val="1.0"/>
-  <p:tag name="KSO_WM_BEAUTIFY_FLAG" val="#wm#"/>
-</p:tagLst>
-</file>
-
-<file path=ppt/tags/tag55.xml><?xml version="1.0" encoding="utf-8"?>
-<p:tagLst xmlns:a="http://schemas.openxmlformats.org/drawingml/2006/main" xmlns:r="http://schemas.openxmlformats.org/officeDocument/2006/relationships" xmlns:p="http://schemas.openxmlformats.org/presentationml/2006/main">
-  <p:tag name="KSO_WM_UNIT_HIGHLIGHT" val="0"/>
-  <p:tag name="KSO_WM_UNIT_COMPATIBLE" val="0"/>
-  <p:tag name="KSO_WM_UNIT_DIAGRAM_ISNUMVISUAL" val="0"/>
-  <p:tag name="KSO_WM_UNIT_DIAGRAM_ISREFERUNIT" val="0"/>
-  <p:tag name="KSO_WM_UNIT_ID" val="_7**"/>
-  <p:tag name="KSO_WM_UNIT_LAYERLEVEL" val="1"/>
-  <p:tag name="KSO_WM_TAG_VERSION" val="1.0"/>
-  <p:tag name="KSO_WM_BEAUTIFY_FLAG" val="#wm#"/>
-</p:tagLst>
-</file>
-
-<file path=ppt/tags/tag56.xml><?xml version="1.0" encoding="utf-8"?>
-<p:tagLst xmlns:a="http://schemas.openxmlformats.org/drawingml/2006/main" xmlns:r="http://schemas.openxmlformats.org/officeDocument/2006/relationships" xmlns:p="http://schemas.openxmlformats.org/presentationml/2006/main">
-  <p:tag name="KSO_WM_UNIT_HIGHLIGHT" val="0"/>
-  <p:tag name="KSO_WM_UNIT_COMPATIBLE" val="0"/>
-  <p:tag name="KSO_WM_UNIT_DIAGRAM_ISNUMVISUAL" val="0"/>
-  <p:tag name="KSO_WM_UNIT_DIAGRAM_ISREFERUNIT" val="0"/>
-  <p:tag name="KSO_WM_UNIT_ID" val="_7**"/>
-  <p:tag name="KSO_WM_UNIT_LAYERLEVEL" val="1"/>
-  <p:tag name="KSO_WM_TAG_VERSION" val="1.0"/>
-  <p:tag name="KSO_WM_BEAUTIFY_FLAG" val="#wm#"/>
-</p:tagLst>
-</file>
-
-<file path=ppt/tags/tag57.xml><?xml version="1.0" encoding="utf-8"?>
-<p:tagLst xmlns:a="http://schemas.openxmlformats.org/drawingml/2006/main" xmlns:r="http://schemas.openxmlformats.org/officeDocument/2006/relationships" xmlns:p="http://schemas.openxmlformats.org/presentationml/2006/main">
-  <p:tag name="KSO_WM_UNIT_HIGHLIGHT" val="0"/>
-  <p:tag name="KSO_WM_UNIT_COMPATIBLE" val="0"/>
-  <p:tag name="KSO_WM_UNIT_DIAGRAM_ISNUMVISUAL" val="0"/>
-  <p:tag name="KSO_WM_UNIT_DIAGRAM_ISREFERUNIT" val="0"/>
-  <p:tag name="KSO_WM_UNIT_ID" val="_8**"/>
-  <p:tag name="KSO_WM_UNIT_LAYERLEVEL" val="1"/>
-  <p:tag name="KSO_WM_TAG_VERSION" val="1.0"/>
-  <p:tag name="KSO_WM_BEAUTIFY_FLAG" val="#wm#"/>
-</p:tagLst>
-</file>
-
-<file path=ppt/tags/tag58.xml><?xml version="1.0" encoding="utf-8"?>
-<p:tagLst xmlns:a="http://schemas.openxmlformats.org/drawingml/2006/main" xmlns:r="http://schemas.openxmlformats.org/officeDocument/2006/relationships" xmlns:p="http://schemas.openxmlformats.org/presentationml/2006/main">
-  <p:tag name="KSO_WM_UNIT_HIGHLIGHT" val="0"/>
-  <p:tag name="KSO_WM_UNIT_COMPATIBLE" val="0"/>
-  <p:tag name="KSO_WM_UNIT_DIAGRAM_ISNUMVISUAL" val="0"/>
-  <p:tag name="KSO_WM_UNIT_DIAGRAM_ISREFERUNIT" val="0"/>
-  <p:tag name="KSO_WM_UNIT_ID" val="_8**"/>
-  <p:tag name="KSO_WM_UNIT_LAYERLEVEL" val="1"/>
-  <p:tag name="KSO_WM_TAG_VERSION" val="1.0"/>
-  <p:tag name="KSO_WM_BEAUTIFY_FLAG" val="#wm#"/>
-</p:tagLst>
-</file>
-
-<file path=ppt/tags/tag59.xml><?xml version="1.0" encoding="utf-8"?>
-<p:tagLst xmlns:a="http://schemas.openxmlformats.org/drawingml/2006/main" xmlns:r="http://schemas.openxmlformats.org/officeDocument/2006/relationships" xmlns:p="http://schemas.openxmlformats.org/presentationml/2006/main">
-  <p:tag name="KSO_WM_UNIT_HIGHLIGHT" val="0"/>
-  <p:tag name="KSO_WM_UNIT_COMPATIBLE" val="0"/>
-  <p:tag name="KSO_WM_UNIT_DIAGRAM_ISNUMVISUAL" val="0"/>
-  <p:tag name="KSO_WM_UNIT_DIAGRAM_ISREFERUNIT" val="0"/>
-  <p:tag name="KSO_WM_UNIT_ID" val="_8**"/>
-  <p:tag name="KSO_WM_UNIT_LAYERLEVEL" val="1"/>
-  <p:tag name="KSO_WM_TAG_VERSION" val="1.0"/>
-  <p:tag name="KSO_WM_BEAUTIFY_FLAG" val="#wm#"/>
-</p:tagLst>
-</file>
-
-<file path=ppt/tags/tag6.xml><?xml version="1.0" encoding="utf-8"?>
-<p:tagLst xmlns:a="http://schemas.openxmlformats.org/drawingml/2006/main" xmlns:r="http://schemas.openxmlformats.org/officeDocument/2006/relationships" xmlns:p="http://schemas.openxmlformats.org/presentationml/2006/main">
-  <p:tag name="KSO_WM_UNIT_HIGHLIGHT" val="0"/>
-  <p:tag name="KSO_WM_UNIT_COMPATIBLE" val="0"/>
-  <p:tag name="KSO_WM_UNIT_DIAGRAM_ISNUMVISUAL" val="0"/>
-  <p:tag name="KSO_WM_UNIT_DIAGRAM_ISREFERUNIT" val="0"/>
-  <p:tag name="KSO_WM_UNIT_ID" val="_0**"/>
-  <p:tag name="KSO_WM_UNIT_LAYERLEVEL" val="1"/>
-  <p:tag name="KSO_WM_TAG_VERSION" val="1.0"/>
-  <p:tag name="KSO_WM_BEAUTIFY_FLAG" val="#wm#"/>
-</p:tagLst>
-</file>
-
-<file path=ppt/tags/tag60.xml><?xml version="1.0" encoding="utf-8"?>
-<p:tagLst xmlns:a="http://schemas.openxmlformats.org/drawingml/2006/main" xmlns:r="http://schemas.openxmlformats.org/officeDocument/2006/relationships" xmlns:p="http://schemas.openxmlformats.org/presentationml/2006/main">
-  <p:tag name="KSO_WM_UNIT_HIGHLIGHT" val="0"/>
-  <p:tag name="KSO_WM_UNIT_COMPATIBLE" val="0"/>
-  <p:tag name="KSO_WM_UNIT_DIAGRAM_ISNUMVISUAL" val="0"/>
-  <p:tag name="KSO_WM_UNIT_DIAGRAM_ISREFERUNIT" val="0"/>
-  <p:tag name="KSO_WM_UNIT_ID" val="_8**"/>
-  <p:tag name="KSO_WM_UNIT_LAYERLEVEL" val="1"/>
-  <p:tag name="KSO_WM_TAG_VERSION" val="1.0"/>
-  <p:tag name="KSO_WM_BEAUTIFY_FLAG" val="#wm#"/>
-</p:tagLst>
-</file>
-
-<file path=ppt/tags/tag61.xml><?xml version="1.0" encoding="utf-8"?>
-<p:tagLst xmlns:a="http://schemas.openxmlformats.org/drawingml/2006/main" xmlns:r="http://schemas.openxmlformats.org/officeDocument/2006/relationships" xmlns:p="http://schemas.openxmlformats.org/presentationml/2006/main">
-  <p:tag name="KSO_WM_UNIT_HIGHLIGHT" val="0"/>
-  <p:tag name="KSO_WM_UNIT_COMPATIBLE" val="0"/>
-  <p:tag name="KSO_WM_UNIT_DIAGRAM_ISNUMVISUAL" val="0"/>
-  <p:tag name="KSO_WM_UNIT_DIAGRAM_ISREFERUNIT" val="0"/>
-  <p:tag name="KSO_WM_UNIT_ID" val="_8**"/>
-  <p:tag name="KSO_WM_UNIT_LAYERLEVEL" val="1"/>
-  <p:tag name="KSO_WM_TAG_VERSION" val="1.0"/>
-  <p:tag name="KSO_WM_BEAUTIFY_FLAG" val="#wm#"/>
-</p:tagLst>
-</file>
-
-<file path=ppt/tags/tag62.xml><?xml version="1.0" encoding="utf-8"?>
-<p:tagLst xmlns:a="http://schemas.openxmlformats.org/drawingml/2006/main" xmlns:r="http://schemas.openxmlformats.org/officeDocument/2006/relationships" xmlns:p="http://schemas.openxmlformats.org/presentationml/2006/main">
-  <p:tag name="KSO_WM_UNIT_HIGHLIGHT" val="0"/>
-  <p:tag name="KSO_WM_UNIT_COMPATIBLE" val="0"/>
-  <p:tag name="KSO_WM_UNIT_DIAGRAM_ISNUMVISUAL" val="0"/>
-  <p:tag name="KSO_WM_UNIT_DIAGRAM_ISREFERUNIT" val="0"/>
-  <p:tag name="KSO_WM_UNIT_ID" val="_8**"/>
-  <p:tag name="KSO_WM_UNIT_LAYERLEVEL" val="1"/>
-  <p:tag name="KSO_WM_TAG_VERSION" val="1.0"/>
-  <p:tag name="KSO_WM_BEAUTIFY_FLAG" val="#wm#"/>
-</p:tagLst>
-</file>
-
-<file path=ppt/tags/tag63.xml><?xml version="1.0" encoding="utf-8"?>
-<p:tagLst xmlns:a="http://schemas.openxmlformats.org/drawingml/2006/main" xmlns:r="http://schemas.openxmlformats.org/officeDocument/2006/relationships" xmlns:p="http://schemas.openxmlformats.org/presentationml/2006/main">
-  <p:tag name="KSO_WM_UNIT_HIGHLIGHT" val="0"/>
-  <p:tag name="KSO_WM_UNIT_COMPATIBLE" val="0"/>
-  <p:tag name="KSO_WM_UNIT_DIAGRAM_ISNUMVISUAL" val="0"/>
-  <p:tag name="KSO_WM_UNIT_DIAGRAM_ISREFERUNIT" val="0"/>
-  <p:tag name="KSO_WM_UNIT_ID" val="_8**"/>
-  <p:tag name="KSO_WM_UNIT_LAYERLEVEL" val="1"/>
-  <p:tag name="KSO_WM_TAG_VERSION" val="1.0"/>
-  <p:tag name="KSO_WM_BEAUTIFY_FLAG" val="#wm#"/>
-</p:tagLst>
-</file>
-
-<file path=ppt/tags/tag64.xml><?xml version="1.0" encoding="utf-8"?>
-<p:tagLst xmlns:a="http://schemas.openxmlformats.org/drawingml/2006/main" xmlns:r="http://schemas.openxmlformats.org/officeDocument/2006/relationships" xmlns:p="http://schemas.openxmlformats.org/presentationml/2006/main">
-  <p:tag name="KSO_WM_UNIT_HIGHLIGHT" val="0"/>
-  <p:tag name="KSO_WM_UNIT_COMPATIBLE" val="0"/>
-  <p:tag name="KSO_WM_UNIT_DIAGRAM_ISNUMVISUAL" val="0"/>
-  <p:tag name="KSO_WM_UNIT_DIAGRAM_ISREFERUNIT" val="0"/>
-  <p:tag name="KSO_WM_UNIT_ID" val="_8**"/>
-  <p:tag name="KSO_WM_UNIT_LAYERLEVEL" val="1"/>
-  <p:tag name="KSO_WM_TAG_VERSION" val="1.0"/>
-  <p:tag name="KSO_WM_BEAUTIFY_FLAG" val="#wm#"/>
-</p:tagLst>
-</file>
-
-<file path=ppt/tags/tag65.xml><?xml version="1.0" encoding="utf-8"?>
-<p:tagLst xmlns:a="http://schemas.openxmlformats.org/drawingml/2006/main" xmlns:r="http://schemas.openxmlformats.org/officeDocument/2006/relationships" xmlns:p="http://schemas.openxmlformats.org/presentationml/2006/main">
-  <p:tag name="KSO_WM_UNIT_HIGHLIGHT" val="0"/>
-  <p:tag name="KSO_WM_UNIT_COMPATIBLE" val="0"/>
-  <p:tag name="KSO_WM_UNIT_DIAGRAM_ISNUMVISUAL" val="0"/>
-  <p:tag name="KSO_WM_UNIT_DIAGRAM_ISREFERUNIT" val="0"/>
-  <p:tag name="KSO_WM_UNIT_ID" val="_8**"/>
-  <p:tag name="KSO_WM_UNIT_LAYERLEVEL" val="1"/>
-  <p:tag name="KSO_WM_TAG_VERSION" val="1.0"/>
-  <p:tag name="KSO_WM_BEAUTIFY_FLAG" val="#wm#"/>
-</p:tagLst>
-</file>
-
-<file path=ppt/tags/tag66.xml><?xml version="1.0" encoding="utf-8"?>
-<p:tagLst xmlns:a="http://schemas.openxmlformats.org/drawingml/2006/main" xmlns:r="http://schemas.openxmlformats.org/officeDocument/2006/relationships" xmlns:p="http://schemas.openxmlformats.org/presentationml/2006/main">
-  <p:tag name="KSO_WM_UNIT_HIGHLIGHT" val="0"/>
-  <p:tag name="KSO_WM_UNIT_COMPATIBLE" val="0"/>
-  <p:tag name="KSO_WM_UNIT_DIAGRAM_ISNUMVISUAL" val="0"/>
-  <p:tag name="KSO_WM_UNIT_DIAGRAM_ISREFERUNIT" val="0"/>
-  <p:tag name="KSO_WM_UNIT_ID" val="_9**"/>
-  <p:tag name="KSO_WM_UNIT_LAYERLEVEL" val="1"/>
-  <p:tag name="KSO_WM_TAG_VERSION" val="1.0"/>
-  <p:tag name="KSO_WM_BEAUTIFY_FLAG" val="#wm#"/>
-</p:tagLst>
-</file>
-
-<file path=ppt/tags/tag67.xml><?xml version="1.0" encoding="utf-8"?>
-<p:tagLst xmlns:a="http://schemas.openxmlformats.org/drawingml/2006/main" xmlns:r="http://schemas.openxmlformats.org/officeDocument/2006/relationships" xmlns:p="http://schemas.openxmlformats.org/presentationml/2006/main">
-  <p:tag name="KSO_WM_UNIT_HIGHLIGHT" val="0"/>
-  <p:tag name="KSO_WM_UNIT_COMPATIBLE" val="0"/>
-  <p:tag name="KSO_WM_UNIT_DIAGRAM_ISNUMVISUAL" val="0"/>
-  <p:tag name="KSO_WM_UNIT_DIAGRAM_ISREFERUNIT" val="0"/>
-  <p:tag name="KSO_WM_UNIT_ID" val="_9**"/>
-  <p:tag name="KSO_WM_UNIT_LAYERLEVEL" val="1"/>
-  <p:tag name="KSO_WM_TAG_VERSION" val="1.0"/>
-  <p:tag name="KSO_WM_BEAUTIFY_FLAG" val="#wm#"/>
-</p:tagLst>
-</file>
-
-<file path=ppt/tags/tag68.xml><?xml version="1.0" encoding="utf-8"?>
-<p:tagLst xmlns:a="http://schemas.openxmlformats.org/drawingml/2006/main" xmlns:r="http://schemas.openxmlformats.org/officeDocument/2006/relationships" xmlns:p="http://schemas.openxmlformats.org/presentationml/2006/main">
-  <p:tag name="KSO_WM_UNIT_HIGHLIGHT" val="0"/>
-  <p:tag name="KSO_WM_UNIT_COMPATIBLE" val="0"/>
-  <p:tag name="KSO_WM_UNIT_DIAGRAM_ISNUMVISUAL" val="0"/>
-  <p:tag name="KSO_WM_UNIT_DIAGRAM_ISREFERUNIT" val="0"/>
-  <p:tag name="KSO_WM_UNIT_ID" val="_9**"/>
-  <p:tag name="KSO_WM_UNIT_LAYERLEVEL" val="1"/>
-  <p:tag name="KSO_WM_TAG_VERSION" val="1.0"/>
-  <p:tag name="KSO_WM_BEAUTIFY_FLAG" val="#wm#"/>
-</p:tagLst>
-</file>
-
-<file path=ppt/tags/tag69.xml><?xml version="1.0" encoding="utf-8"?>
-<p:tagLst xmlns:a="http://schemas.openxmlformats.org/drawingml/2006/main" xmlns:r="http://schemas.openxmlformats.org/officeDocument/2006/relationships" xmlns:p="http://schemas.openxmlformats.org/presentationml/2006/main">
-  <p:tag name="KSO_WM_UNIT_HIGHLIGHT" val="0"/>
-  <p:tag name="KSO_WM_UNIT_COMPATIBLE" val="0"/>
-  <p:tag name="KSO_WM_UNIT_DIAGRAM_ISNUMVISUAL" val="0"/>
-  <p:tag name="KSO_WM_UNIT_DIAGRAM_ISREFERUNIT" val="0"/>
-  <p:tag name="KSO_WM_UNIT_ID" val="_9**"/>
-  <p:tag name="KSO_WM_UNIT_LAYERLEVEL" val="1"/>
-  <p:tag name="KSO_WM_TAG_VERSION" val="1.0"/>
-  <p:tag name="KSO_WM_BEAUTIFY_FLAG" val="#wm#"/>
-</p:tagLst>
-</file>
-
-<file path=ppt/tags/tag7.xml><?xml version="1.0" encoding="utf-8"?>
-<p:tagLst xmlns:a="http://schemas.openxmlformats.org/drawingml/2006/main" xmlns:r="http://schemas.openxmlformats.org/officeDocument/2006/relationships" xmlns:p="http://schemas.openxmlformats.org/presentationml/2006/main">
-  <p:tag name="KSO_WM_TEMPLATE_THUMBS_INDEX" val="1、4、7、8、9、12、16、21、24、25、26、27、30、33、36、39、40、41"/>
-  <p:tag name="KSO_WM_TEMPLATE_SUBCATEGORY" val="17"/>
-  <p:tag name="KSO_WM_TEMPLATE_MASTER_TYPE" val="1"/>
-  <p:tag name="KSO_WM_TEMPLATE_COLOR_TYPE" val="1"/>
-  <p:tag name="KSO_WM_TEMPLATE_MASTER_THUMB_INDEX" val="12"/>
-  <p:tag name="KSO_WM_TAG_VERSION" val="1.0"/>
-  <p:tag name="KSO_WM_BEAUTIFY_FLAG" val="#wm#"/>
-  <p:tag name="KSO_WM_TEMPLATE_CATEGORY" val="custom"/>
-  <p:tag name="KSO_WM_TEMPLATE_INDEX" val="20204473"/>
-</p:tagLst>
-</file>
-
-<file path=ppt/tags/tag70.xml><?xml version="1.0" encoding="utf-8"?>
-<p:tagLst xmlns:a="http://schemas.openxmlformats.org/drawingml/2006/main" xmlns:r="http://schemas.openxmlformats.org/officeDocument/2006/relationships" xmlns:p="http://schemas.openxmlformats.org/presentationml/2006/main">
-  <p:tag name="KSO_WM_UNIT_HIGHLIGHT" val="0"/>
-  <p:tag name="KSO_WM_UNIT_COMPATIBLE" val="0"/>
-  <p:tag name="KSO_WM_UNIT_DIAGRAM_ISNUMVISUAL" val="0"/>
-  <p:tag name="KSO_WM_UNIT_DIAGRAM_ISREFERUNIT" val="0"/>
-  <p:tag name="KSO_WM_UNIT_ID" val="_9**"/>
-  <p:tag name="KSO_WM_UNIT_LAYERLEVEL" val="1"/>
-  <p:tag name="KSO_WM_TAG_VERSION" val="1.0"/>
-  <p:tag name="KSO_WM_BEAUTIFY_FLAG" val="#wm#"/>
-</p:tagLst>
-</file>
-
-<file path=ppt/tags/tag71.xml><?xml version="1.0" encoding="utf-8"?>
-<p:tagLst xmlns:a="http://schemas.openxmlformats.org/drawingml/2006/main" xmlns:r="http://schemas.openxmlformats.org/officeDocument/2006/relationships" xmlns:p="http://schemas.openxmlformats.org/presentationml/2006/main">
-  <p:tag name="KSO_WM_UNIT_HIGHLIGHT" val="0"/>
-  <p:tag name="KSO_WM_UNIT_COMPATIBLE" val="0"/>
-  <p:tag name="KSO_WM_UNIT_DIAGRAM_ISNUMVISUAL" val="0"/>
-  <p:tag name="KSO_WM_UNIT_DIAGRAM_ISREFERUNIT" val="0"/>
-  <p:tag name="KSO_WM_UNIT_ID" val="_9**"/>
-  <p:tag name="KSO_WM_UNIT_LAYERLEVEL" val="1"/>
-  <p:tag name="KSO_WM_TAG_VERSION" val="1.0"/>
-  <p:tag name="KSO_WM_BEAUTIFY_FLAG" val="#wm#"/>
-</p:tagLst>
-</file>
-
-<file path=ppt/tags/tag72.xml><?xml version="1.0" encoding="utf-8"?>
-<p:tagLst xmlns:a="http://schemas.openxmlformats.org/drawingml/2006/main" xmlns:r="http://schemas.openxmlformats.org/officeDocument/2006/relationships" xmlns:p="http://schemas.openxmlformats.org/presentationml/2006/main">
-  <p:tag name="KSO_WM_UNIT_HIGHLIGHT" val="0"/>
-  <p:tag name="KSO_WM_UNIT_COMPATIBLE" val="0"/>
-  <p:tag name="KSO_WM_UNIT_DIAGRAM_ISNUMVISUAL" val="0"/>
-  <p:tag name="KSO_WM_UNIT_DIAGRAM_ISREFERUNIT" val="0"/>
-  <p:tag name="KSO_WM_UNIT_ID" val="_9**"/>
-  <p:tag name="KSO_WM_UNIT_LAYERLEVEL" val="1"/>
-  <p:tag name="KSO_WM_TAG_VERSION" val="1.0"/>
-  <p:tag name="KSO_WM_BEAUTIFY_FLAG" val="#wm#"/>
-</p:tagLst>
-</file>
-
-<file path=ppt/tags/tag73.xml><?xml version="1.0" encoding="utf-8"?>
-<p:tagLst xmlns:a="http://schemas.openxmlformats.org/drawingml/2006/main" xmlns:r="http://schemas.openxmlformats.org/officeDocument/2006/relationships" xmlns:p="http://schemas.openxmlformats.org/presentationml/2006/main">
-  <p:tag name="KSO_WM_UNIT_HIGHLIGHT" val="0"/>
-  <p:tag name="KSO_WM_UNIT_COMPATIBLE" val="0"/>
-  <p:tag name="KSO_WM_UNIT_DIAGRAM_ISNUMVISUAL" val="0"/>
-  <p:tag name="KSO_WM_UNIT_DIAGRAM_ISREFERUNIT" val="0"/>
-  <p:tag name="KSO_WM_UNIT_ID" val="_9**"/>
-  <p:tag name="KSO_WM_UNIT_LAYERLEVEL" val="1"/>
-  <p:tag name="KSO_WM_TAG_VERSION" val="1.0"/>
-  <p:tag name="KSO_WM_BEAUTIFY_FLAG" val="#wm#"/>
-</p:tagLst>
-</file>
-
-<file path=ppt/tags/tag74.xml><?xml version="1.0" encoding="utf-8"?>
-<p:tagLst xmlns:a="http://schemas.openxmlformats.org/drawingml/2006/main" xmlns:r="http://schemas.openxmlformats.org/officeDocument/2006/relationships" xmlns:p="http://schemas.openxmlformats.org/presentationml/2006/main">
-  <p:tag name="KSO_WM_UNIT_HIGHLIGHT" val="0"/>
-  <p:tag name="KSO_WM_UNIT_COMPATIBLE" val="0"/>
-  <p:tag name="KSO_WM_UNIT_DIAGRAM_ISNUMVISUAL" val="0"/>
-  <p:tag name="KSO_WM_UNIT_DIAGRAM_ISREFERUNIT" val="0"/>
-  <p:tag name="KSO_WM_UNIT_ID" val="_10**"/>
-  <p:tag name="KSO_WM_UNIT_LAYERLEVEL" val="1"/>
-  <p:tag name="KSO_WM_TAG_VERSION" val="1.0"/>
-  <p:tag name="KSO_WM_BEAUTIFY_FLAG" val="#wm#"/>
-</p:tagLst>
-</file>
-
-<file path=ppt/tags/tag75.xml><?xml version="1.0" encoding="utf-8"?>
-<p:tagLst xmlns:a="http://schemas.openxmlformats.org/drawingml/2006/main" xmlns:r="http://schemas.openxmlformats.org/officeDocument/2006/relationships" xmlns:p="http://schemas.openxmlformats.org/presentationml/2006/main">
-  <p:tag name="KSO_WM_UNIT_HIGHLIGHT" val="0"/>
-  <p:tag name="KSO_WM_UNIT_COMPATIBLE" val="0"/>
-  <p:tag name="KSO_WM_UNIT_DIAGRAM_ISNUMVISUAL" val="0"/>
-  <p:tag name="KSO_WM_UNIT_DIAGRAM_ISREFERUNIT" val="0"/>
-  <p:tag name="KSO_WM_UNIT_ID" val="_10**"/>
-  <p:tag name="KSO_WM_UNIT_LAYERLEVEL" val="1"/>
-  <p:tag name="KSO_WM_TAG_VERSION" val="1.0"/>
-  <p:tag name="KSO_WM_BEAUTIFY_FLAG" val="#wm#"/>
-</p:tagLst>
-</file>
-
-<file path=ppt/tags/tag76.xml><?xml version="1.0" encoding="utf-8"?>
-<p:tagLst xmlns:a="http://schemas.openxmlformats.org/drawingml/2006/main" xmlns:r="http://schemas.openxmlformats.org/officeDocument/2006/relationships" xmlns:p="http://schemas.openxmlformats.org/presentationml/2006/main">
-  <p:tag name="KSO_WM_UNIT_HIGHLIGHT" val="0"/>
-  <p:tag name="KSO_WM_UNIT_COMPATIBLE" val="0"/>
-  <p:tag name="KSO_WM_UNIT_DIAGRAM_ISNUMVISUAL" val="0"/>
-  <p:tag name="KSO_WM_UNIT_DIAGRAM_ISREFERUNIT" val="0"/>
-  <p:tag name="KSO_WM_UNIT_ID" val="_10**"/>
-  <p:tag name="KSO_WM_UNIT_LAYERLEVEL" val="1"/>
-  <p:tag name="KSO_WM_TAG_VERSION" val="1.0"/>
-  <p:tag name="KSO_WM_BEAUTIFY_FLAG" val="#wm#"/>
-</p:tagLst>
-</file>
-
-<file path=ppt/tags/tag77.xml><?xml version="1.0" encoding="utf-8"?>
-<p:tagLst xmlns:a="http://schemas.openxmlformats.org/drawingml/2006/main" xmlns:r="http://schemas.openxmlformats.org/officeDocument/2006/relationships" xmlns:p="http://schemas.openxmlformats.org/presentationml/2006/main">
-  <p:tag name="KSO_WM_UNIT_HIGHLIGHT" val="0"/>
-  <p:tag name="KSO_WM_UNIT_COMPATIBLE" val="0"/>
-  <p:tag name="KSO_WM_UNIT_DIAGRAM_ISNUMVISUAL" val="0"/>
-  <p:tag name="KSO_WM_UNIT_DIAGRAM_ISREFERUNIT" val="0"/>
-  <p:tag name="KSO_WM_UNIT_ID" val="_10**"/>
-  <p:tag name="KSO_WM_UNIT_LAYERLEVEL" val="1"/>
-  <p:tag name="KSO_WM_TAG_VERSION" val="1.0"/>
-  <p:tag name="KSO_WM_BEAUTIFY_FLAG" val="#wm#"/>
-</p:tagLst>
-</file>
-
-<file path=ppt/tags/tag78.xml><?xml version="1.0" encoding="utf-8"?>
-<p:tagLst xmlns:a="http://schemas.openxmlformats.org/drawingml/2006/main" xmlns:r="http://schemas.openxmlformats.org/officeDocument/2006/relationships" xmlns:p="http://schemas.openxmlformats.org/presentationml/2006/main">
-  <p:tag name="KSO_WM_UNIT_HIGHLIGHT" val="0"/>
-  <p:tag name="KSO_WM_UNIT_COMPATIBLE" val="0"/>
-  <p:tag name="KSO_WM_UNIT_DIAGRAM_ISNUMVISUAL" val="0"/>
-  <p:tag name="KSO_WM_UNIT_DIAGRAM_ISREFERUNIT" val="0"/>
-  <p:tag name="KSO_WM_UNIT_ID" val="_10**"/>
-  <p:tag name="KSO_WM_UNIT_LAYERLEVEL" val="1"/>
-  <p:tag name="KSO_WM_TAG_VERSION" val="1.0"/>
-  <p:tag name="KSO_WM_BEAUTIFY_FLAG" val="#wm#"/>
-</p:tagLst>
-</file>
-
-<file path=ppt/tags/tag79.xml><?xml version="1.0" encoding="utf-8"?>
-<p:tagLst xmlns:a="http://schemas.openxmlformats.org/drawingml/2006/main" xmlns:r="http://schemas.openxmlformats.org/officeDocument/2006/relationships" xmlns:p="http://schemas.openxmlformats.org/presentationml/2006/main">
-  <p:tag name="KSO_WM_UNIT_HIGHLIGHT" val="0"/>
-  <p:tag name="KSO_WM_UNIT_COMPATIBLE" val="0"/>
-  <p:tag name="KSO_WM_UNIT_DIAGRAM_ISNUMVISUAL" val="0"/>
-  <p:tag name="KSO_WM_UNIT_DIAGRAM_ISREFERUNIT" val="0"/>
-  <p:tag name="KSO_WM_UNIT_ID" val="_10**"/>
-  <p:tag name="KSO_WM_UNIT_LAYERLEVEL" val="1"/>
-  <p:tag name="KSO_WM_TAG_VERSION" val="1.0"/>
-  <p:tag name="KSO_WM_BEAUTIFY_FLAG" val="#wm#"/>
-</p:tagLst>
-</file>
-
-<file path=ppt/tags/tag8.xml><?xml version="1.0" encoding="utf-8"?>
-<p:tagLst xmlns:a="http://schemas.openxmlformats.org/drawingml/2006/main" xmlns:r="http://schemas.openxmlformats.org/officeDocument/2006/relationships" xmlns:p="http://schemas.openxmlformats.org/presentationml/2006/main">
+<file path=ppt/tags/tag2.xml><?xml version="1.0" encoding="utf-8"?>
+<p:tagLst xmlns:p="http://schemas.openxmlformats.org/presentationml/2006/main">
   <p:tag name="KSO_WM_SLIDE_BACKGROUND_MASK_FLAG" val="1"/>
   <p:tag name="KSO_WM_UNIT_HIGHLIGHT" val="0"/>
   <p:tag name="KSO_WM_UNIT_COMPATIBLE" val="0"/>
@@ -18109,8 +17488,674 @@
 </p:tagLst>
 </file>
 
-<file path=ppt/tags/tag80.xml><?xml version="1.0" encoding="utf-8"?>
-<p:tagLst xmlns:a="http://schemas.openxmlformats.org/drawingml/2006/main" xmlns:r="http://schemas.openxmlformats.org/officeDocument/2006/relationships" xmlns:p="http://schemas.openxmlformats.org/presentationml/2006/main">
+<file path=ppt/tags/tag20.xml><?xml version="1.0" encoding="utf-8"?>
+<p:tagLst xmlns:p="http://schemas.openxmlformats.org/presentationml/2006/main">
+  <p:tag name="KSO_WM_UNIT_HIGHLIGHT" val="0"/>
+  <p:tag name="KSO_WM_UNIT_COMPATIBLE" val="0"/>
+  <p:tag name="KSO_WM_UNIT_DIAGRAM_ISNUMVISUAL" val="0"/>
+  <p:tag name="KSO_WM_UNIT_DIAGRAM_ISREFERUNIT" val="0"/>
+  <p:tag name="KSO_WM_UNIT_ID" val="_4**"/>
+  <p:tag name="KSO_WM_UNIT_LAYERLEVEL" val="1"/>
+  <p:tag name="KSO_WM_TAG_VERSION" val="1.0"/>
+  <p:tag name="KSO_WM_BEAUTIFY_FLAG" val="#wm#"/>
+</p:tagLst>
+</file>
+
+<file path=ppt/tags/tag21.xml><?xml version="1.0" encoding="utf-8"?>
+<p:tagLst xmlns:p="http://schemas.openxmlformats.org/presentationml/2006/main">
+  <p:tag name="KSO_WM_UNIT_HIGHLIGHT" val="0"/>
+  <p:tag name="KSO_WM_UNIT_COMPATIBLE" val="0"/>
+  <p:tag name="KSO_WM_UNIT_DIAGRAM_ISNUMVISUAL" val="0"/>
+  <p:tag name="KSO_WM_UNIT_DIAGRAM_ISREFERUNIT" val="0"/>
+  <p:tag name="KSO_WM_UNIT_ID" val="_4**"/>
+  <p:tag name="KSO_WM_UNIT_LAYERLEVEL" val="1"/>
+  <p:tag name="KSO_WM_TAG_VERSION" val="1.0"/>
+  <p:tag name="KSO_WM_BEAUTIFY_FLAG" val="#wm#"/>
+</p:tagLst>
+</file>
+
+<file path=ppt/tags/tag22.xml><?xml version="1.0" encoding="utf-8"?>
+<p:tagLst xmlns:p="http://schemas.openxmlformats.org/presentationml/2006/main">
+  <p:tag name="KSO_WM_UNIT_HIGHLIGHT" val="0"/>
+  <p:tag name="KSO_WM_UNIT_COMPATIBLE" val="0"/>
+  <p:tag name="KSO_WM_UNIT_DIAGRAM_ISNUMVISUAL" val="0"/>
+  <p:tag name="KSO_WM_UNIT_DIAGRAM_ISREFERUNIT" val="0"/>
+  <p:tag name="KSO_WM_UNIT_ID" val="_4**"/>
+  <p:tag name="KSO_WM_UNIT_LAYERLEVEL" val="1"/>
+  <p:tag name="KSO_WM_TAG_VERSION" val="1.0"/>
+  <p:tag name="KSO_WM_BEAUTIFY_FLAG" val="#wm#"/>
+</p:tagLst>
+</file>
+
+<file path=ppt/tags/tag23.xml><?xml version="1.0" encoding="utf-8"?>
+<p:tagLst xmlns:p="http://schemas.openxmlformats.org/presentationml/2006/main">
+  <p:tag name="KSO_WM_UNIT_HIGHLIGHT" val="0"/>
+  <p:tag name="KSO_WM_UNIT_COMPATIBLE" val="0"/>
+  <p:tag name="KSO_WM_UNIT_DIAGRAM_ISNUMVISUAL" val="0"/>
+  <p:tag name="KSO_WM_UNIT_DIAGRAM_ISREFERUNIT" val="0"/>
+  <p:tag name="KSO_WM_UNIT_ID" val="_4**"/>
+  <p:tag name="KSO_WM_UNIT_LAYERLEVEL" val="1"/>
+  <p:tag name="KSO_WM_TAG_VERSION" val="1.0"/>
+  <p:tag name="KSO_WM_BEAUTIFY_FLAG" val="#wm#"/>
+</p:tagLst>
+</file>
+
+<file path=ppt/tags/tag24.xml><?xml version="1.0" encoding="utf-8"?>
+<p:tagLst xmlns:p="http://schemas.openxmlformats.org/presentationml/2006/main">
+  <p:tag name="KSO_WM_UNIT_HIGHLIGHT" val="0"/>
+  <p:tag name="KSO_WM_UNIT_COMPATIBLE" val="0"/>
+  <p:tag name="KSO_WM_UNIT_DIAGRAM_ISNUMVISUAL" val="0"/>
+  <p:tag name="KSO_WM_UNIT_DIAGRAM_ISREFERUNIT" val="0"/>
+  <p:tag name="KSO_WM_UNIT_ID" val="_4**"/>
+  <p:tag name="KSO_WM_UNIT_LAYERLEVEL" val="1"/>
+  <p:tag name="KSO_WM_TAG_VERSION" val="1.0"/>
+  <p:tag name="KSO_WM_BEAUTIFY_FLAG" val="#wm#"/>
+</p:tagLst>
+</file>
+
+<file path=ppt/tags/tag25.xml><?xml version="1.0" encoding="utf-8"?>
+<p:tagLst xmlns:p="http://schemas.openxmlformats.org/presentationml/2006/main">
+  <p:tag name="KSO_WM_UNIT_HIGHLIGHT" val="0"/>
+  <p:tag name="KSO_WM_UNIT_COMPATIBLE" val="0"/>
+  <p:tag name="KSO_WM_UNIT_DIAGRAM_ISNUMVISUAL" val="0"/>
+  <p:tag name="KSO_WM_UNIT_DIAGRAM_ISREFERUNIT" val="0"/>
+  <p:tag name="KSO_WM_UNIT_ID" val="_4**"/>
+  <p:tag name="KSO_WM_UNIT_LAYERLEVEL" val="1"/>
+  <p:tag name="KSO_WM_TAG_VERSION" val="1.0"/>
+  <p:tag name="KSO_WM_BEAUTIFY_FLAG" val="#wm#"/>
+</p:tagLst>
+</file>
+
+<file path=ppt/tags/tag26.xml><?xml version="1.0" encoding="utf-8"?>
+<p:tagLst xmlns:p="http://schemas.openxmlformats.org/presentationml/2006/main">
+  <p:tag name="KSO_WM_UNIT_HIGHLIGHT" val="0"/>
+  <p:tag name="KSO_WM_UNIT_COMPATIBLE" val="0"/>
+  <p:tag name="KSO_WM_UNIT_DIAGRAM_ISNUMVISUAL" val="0"/>
+  <p:tag name="KSO_WM_UNIT_DIAGRAM_ISREFERUNIT" val="0"/>
+  <p:tag name="KSO_WM_UNIT_ID" val="_4**"/>
+  <p:tag name="KSO_WM_UNIT_LAYERLEVEL" val="1"/>
+  <p:tag name="KSO_WM_TAG_VERSION" val="1.0"/>
+  <p:tag name="KSO_WM_BEAUTIFY_FLAG" val="#wm#"/>
+</p:tagLst>
+</file>
+
+<file path=ppt/tags/tag27.xml><?xml version="1.0" encoding="utf-8"?>
+<p:tagLst xmlns:p="http://schemas.openxmlformats.org/presentationml/2006/main">
+  <p:tag name="KSO_WM_UNIT_HIGHLIGHT" val="0"/>
+  <p:tag name="KSO_WM_UNIT_COMPATIBLE" val="0"/>
+  <p:tag name="KSO_WM_UNIT_DIAGRAM_ISNUMVISUAL" val="0"/>
+  <p:tag name="KSO_WM_UNIT_DIAGRAM_ISREFERUNIT" val="0"/>
+  <p:tag name="KSO_WM_UNIT_ID" val="_4**"/>
+  <p:tag name="KSO_WM_UNIT_LAYERLEVEL" val="1"/>
+  <p:tag name="KSO_WM_TAG_VERSION" val="1.0"/>
+  <p:tag name="KSO_WM_BEAUTIFY_FLAG" val="#wm#"/>
+</p:tagLst>
+</file>
+
+<file path=ppt/tags/tag28.xml><?xml version="1.0" encoding="utf-8"?>
+<p:tagLst xmlns:p="http://schemas.openxmlformats.org/presentationml/2006/main">
+  <p:tag name="KSO_WM_UNIT_HIGHLIGHT" val="0"/>
+  <p:tag name="KSO_WM_UNIT_COMPATIBLE" val="0"/>
+  <p:tag name="KSO_WM_UNIT_DIAGRAM_ISNUMVISUAL" val="0"/>
+  <p:tag name="KSO_WM_UNIT_DIAGRAM_ISREFERUNIT" val="0"/>
+  <p:tag name="KSO_WM_UNIT_ID" val="_4**"/>
+  <p:tag name="KSO_WM_UNIT_LAYERLEVEL" val="1"/>
+  <p:tag name="KSO_WM_TAG_VERSION" val="1.0"/>
+  <p:tag name="KSO_WM_BEAUTIFY_FLAG" val="#wm#"/>
+</p:tagLst>
+</file>
+
+<file path=ppt/tags/tag29.xml><?xml version="1.0" encoding="utf-8"?>
+<p:tagLst xmlns:p="http://schemas.openxmlformats.org/presentationml/2006/main">
+  <p:tag name="KSO_WM_UNIT_HIGHLIGHT" val="0"/>
+  <p:tag name="KSO_WM_UNIT_COMPATIBLE" val="0"/>
+  <p:tag name="KSO_WM_UNIT_DIAGRAM_ISNUMVISUAL" val="0"/>
+  <p:tag name="KSO_WM_UNIT_DIAGRAM_ISREFERUNIT" val="0"/>
+  <p:tag name="KSO_WM_UNIT_ID" val="_5**"/>
+  <p:tag name="KSO_WM_UNIT_LAYERLEVEL" val="1"/>
+  <p:tag name="KSO_WM_TAG_VERSION" val="1.0"/>
+  <p:tag name="KSO_WM_BEAUTIFY_FLAG" val="#wm#"/>
+</p:tagLst>
+</file>
+
+<file path=ppt/tags/tag3.xml><?xml version="1.0" encoding="utf-8"?>
+<p:tagLst xmlns:p="http://schemas.openxmlformats.org/presentationml/2006/main">
+  <p:tag name="KSO_WM_SLIDE_BACKGROUND_MASK_FLAG" val="1"/>
+  <p:tag name="KSO_WM_UNIT_HIGHLIGHT" val="0"/>
+  <p:tag name="KSO_WM_UNIT_COMPATIBLE" val="0"/>
+  <p:tag name="KSO_WM_UNIT_DIAGRAM_ISNUMVISUAL" val="0"/>
+  <p:tag name="KSO_WM_UNIT_DIAGRAM_ISREFERUNIT" val="0"/>
+  <p:tag name="KSO_WM_UNIT_ID" val="_1**"/>
+  <p:tag name="KSO_WM_UNIT_LAYERLEVEL" val="1"/>
+  <p:tag name="KSO_WM_TAG_VERSION" val="1.0"/>
+  <p:tag name="KSO_WM_BEAUTIFY_FLAG" val="#wm#"/>
+</p:tagLst>
+</file>
+
+<file path=ppt/tags/tag30.xml><?xml version="1.0" encoding="utf-8"?>
+<p:tagLst xmlns:p="http://schemas.openxmlformats.org/presentationml/2006/main">
+  <p:tag name="KSO_WM_UNIT_HIGHLIGHT" val="0"/>
+  <p:tag name="KSO_WM_UNIT_COMPATIBLE" val="0"/>
+  <p:tag name="KSO_WM_UNIT_DIAGRAM_ISNUMVISUAL" val="0"/>
+  <p:tag name="KSO_WM_UNIT_DIAGRAM_ISREFERUNIT" val="0"/>
+  <p:tag name="KSO_WM_UNIT_ID" val="_5**"/>
+  <p:tag name="KSO_WM_UNIT_LAYERLEVEL" val="1"/>
+  <p:tag name="KSO_WM_TAG_VERSION" val="1.0"/>
+  <p:tag name="KSO_WM_BEAUTIFY_FLAG" val="#wm#"/>
+</p:tagLst>
+</file>
+
+<file path=ppt/tags/tag31.xml><?xml version="1.0" encoding="utf-8"?>
+<p:tagLst xmlns:p="http://schemas.openxmlformats.org/presentationml/2006/main">
+  <p:tag name="KSO_WM_UNIT_HIGHLIGHT" val="0"/>
+  <p:tag name="KSO_WM_UNIT_COMPATIBLE" val="0"/>
+  <p:tag name="KSO_WM_UNIT_DIAGRAM_ISNUMVISUAL" val="0"/>
+  <p:tag name="KSO_WM_UNIT_DIAGRAM_ISREFERUNIT" val="0"/>
+  <p:tag name="KSO_WM_UNIT_ID" val="_5**"/>
+  <p:tag name="KSO_WM_UNIT_LAYERLEVEL" val="1"/>
+  <p:tag name="KSO_WM_TAG_VERSION" val="1.0"/>
+  <p:tag name="KSO_WM_BEAUTIFY_FLAG" val="#wm#"/>
+</p:tagLst>
+</file>
+
+<file path=ppt/tags/tag32.xml><?xml version="1.0" encoding="utf-8"?>
+<p:tagLst xmlns:p="http://schemas.openxmlformats.org/presentationml/2006/main">
+  <p:tag name="KSO_WM_UNIT_HIGHLIGHT" val="0"/>
+  <p:tag name="KSO_WM_UNIT_COMPATIBLE" val="0"/>
+  <p:tag name="KSO_WM_UNIT_DIAGRAM_ISNUMVISUAL" val="0"/>
+  <p:tag name="KSO_WM_UNIT_DIAGRAM_ISREFERUNIT" val="0"/>
+  <p:tag name="KSO_WM_UNIT_ID" val="_5**"/>
+  <p:tag name="KSO_WM_UNIT_LAYERLEVEL" val="1"/>
+  <p:tag name="KSO_WM_TAG_VERSION" val="1.0"/>
+  <p:tag name="KSO_WM_BEAUTIFY_FLAG" val="#wm#"/>
+</p:tagLst>
+</file>
+
+<file path=ppt/tags/tag33.xml><?xml version="1.0" encoding="utf-8"?>
+<p:tagLst xmlns:p="http://schemas.openxmlformats.org/presentationml/2006/main">
+  <p:tag name="KSO_WM_UNIT_HIGHLIGHT" val="0"/>
+  <p:tag name="KSO_WM_UNIT_COMPATIBLE" val="0"/>
+  <p:tag name="KSO_WM_UNIT_DIAGRAM_ISNUMVISUAL" val="0"/>
+  <p:tag name="KSO_WM_UNIT_DIAGRAM_ISREFERUNIT" val="0"/>
+  <p:tag name="KSO_WM_UNIT_ID" val="_5**"/>
+  <p:tag name="KSO_WM_UNIT_LAYERLEVEL" val="1"/>
+  <p:tag name="KSO_WM_TAG_VERSION" val="1.0"/>
+  <p:tag name="KSO_WM_BEAUTIFY_FLAG" val="#wm#"/>
+</p:tagLst>
+</file>
+
+<file path=ppt/tags/tag34.xml><?xml version="1.0" encoding="utf-8"?>
+<p:tagLst xmlns:p="http://schemas.openxmlformats.org/presentationml/2006/main">
+  <p:tag name="KSO_WM_UNIT_HIGHLIGHT" val="0"/>
+  <p:tag name="KSO_WM_UNIT_COMPATIBLE" val="0"/>
+  <p:tag name="KSO_WM_UNIT_DIAGRAM_ISNUMVISUAL" val="0"/>
+  <p:tag name="KSO_WM_UNIT_DIAGRAM_ISREFERUNIT" val="0"/>
+  <p:tag name="KSO_WM_UNIT_ID" val="_5**"/>
+  <p:tag name="KSO_WM_UNIT_LAYERLEVEL" val="1"/>
+  <p:tag name="KSO_WM_TAG_VERSION" val="1.0"/>
+  <p:tag name="KSO_WM_BEAUTIFY_FLAG" val="#wm#"/>
+</p:tagLst>
+</file>
+
+<file path=ppt/tags/tag35.xml><?xml version="1.0" encoding="utf-8"?>
+<p:tagLst xmlns:p="http://schemas.openxmlformats.org/presentationml/2006/main">
+  <p:tag name="KSO_WM_UNIT_HIGHLIGHT" val="0"/>
+  <p:tag name="KSO_WM_UNIT_COMPATIBLE" val="0"/>
+  <p:tag name="KSO_WM_UNIT_DIAGRAM_ISNUMVISUAL" val="0"/>
+  <p:tag name="KSO_WM_UNIT_DIAGRAM_ISREFERUNIT" val="0"/>
+  <p:tag name="KSO_WM_UNIT_ID" val="_5**"/>
+  <p:tag name="KSO_WM_UNIT_LAYERLEVEL" val="1"/>
+  <p:tag name="KSO_WM_TAG_VERSION" val="1.0"/>
+  <p:tag name="KSO_WM_BEAUTIFY_FLAG" val="#wm#"/>
+</p:tagLst>
+</file>
+
+<file path=ppt/tags/tag36.xml><?xml version="1.0" encoding="utf-8"?>
+<p:tagLst xmlns:p="http://schemas.openxmlformats.org/presentationml/2006/main">
+  <p:tag name="KSO_WM_UNIT_HIGHLIGHT" val="0"/>
+  <p:tag name="KSO_WM_UNIT_COMPATIBLE" val="0"/>
+  <p:tag name="KSO_WM_UNIT_DIAGRAM_ISNUMVISUAL" val="0"/>
+  <p:tag name="KSO_WM_UNIT_DIAGRAM_ISREFERUNIT" val="0"/>
+  <p:tag name="KSO_WM_UNIT_ID" val="_5**"/>
+  <p:tag name="KSO_WM_UNIT_LAYERLEVEL" val="1"/>
+  <p:tag name="KSO_WM_TAG_VERSION" val="1.0"/>
+  <p:tag name="KSO_WM_BEAUTIFY_FLAG" val="#wm#"/>
+</p:tagLst>
+</file>
+
+<file path=ppt/tags/tag37.xml><?xml version="1.0" encoding="utf-8"?>
+<p:tagLst xmlns:p="http://schemas.openxmlformats.org/presentationml/2006/main">
+  <p:tag name="KSO_WM_UNIT_HIGHLIGHT" val="0"/>
+  <p:tag name="KSO_WM_UNIT_COMPATIBLE" val="0"/>
+  <p:tag name="KSO_WM_UNIT_DIAGRAM_ISNUMVISUAL" val="0"/>
+  <p:tag name="KSO_WM_UNIT_DIAGRAM_ISREFERUNIT" val="0"/>
+  <p:tag name="KSO_WM_UNIT_ID" val="_5**"/>
+  <p:tag name="KSO_WM_UNIT_LAYERLEVEL" val="1"/>
+  <p:tag name="KSO_WM_TAG_VERSION" val="1.0"/>
+  <p:tag name="KSO_WM_BEAUTIFY_FLAG" val="#wm#"/>
+</p:tagLst>
+</file>
+
+<file path=ppt/tags/tag38.xml><?xml version="1.0" encoding="utf-8"?>
+<p:tagLst xmlns:p="http://schemas.openxmlformats.org/presentationml/2006/main">
+  <p:tag name="KSO_WM_UNIT_HIGHLIGHT" val="0"/>
+  <p:tag name="KSO_WM_UNIT_COMPATIBLE" val="0"/>
+  <p:tag name="KSO_WM_UNIT_DIAGRAM_ISNUMVISUAL" val="0"/>
+  <p:tag name="KSO_WM_UNIT_DIAGRAM_ISREFERUNIT" val="0"/>
+  <p:tag name="KSO_WM_UNIT_ID" val="_5**"/>
+  <p:tag name="KSO_WM_UNIT_LAYERLEVEL" val="1"/>
+  <p:tag name="KSO_WM_TAG_VERSION" val="1.0"/>
+  <p:tag name="KSO_WM_BEAUTIFY_FLAG" val="#wm#"/>
+</p:tagLst>
+</file>
+
+<file path=ppt/tags/tag39.xml><?xml version="1.0" encoding="utf-8"?>
+<p:tagLst xmlns:p="http://schemas.openxmlformats.org/presentationml/2006/main">
+  <p:tag name="KSO_WM_UNIT_HIGHLIGHT" val="0"/>
+  <p:tag name="KSO_WM_UNIT_COMPATIBLE" val="0"/>
+  <p:tag name="KSO_WM_UNIT_DIAGRAM_ISNUMVISUAL" val="0"/>
+  <p:tag name="KSO_WM_UNIT_DIAGRAM_ISREFERUNIT" val="0"/>
+  <p:tag name="KSO_WM_UNIT_ID" val="_5**"/>
+  <p:tag name="KSO_WM_UNIT_LAYERLEVEL" val="1"/>
+  <p:tag name="KSO_WM_TAG_VERSION" val="1.0"/>
+  <p:tag name="KSO_WM_BEAUTIFY_FLAG" val="#wm#"/>
+</p:tagLst>
+</file>
+
+<file path=ppt/tags/tag4.xml><?xml version="1.0" encoding="utf-8"?>
+<p:tagLst xmlns:p="http://schemas.openxmlformats.org/presentationml/2006/main">
+  <p:tag name="KSO_WM_SLIDE_BACKGROUND_MASK_FLAG" val="1"/>
+  <p:tag name="KSO_WM_UNIT_HIGHLIGHT" val="0"/>
+  <p:tag name="KSO_WM_UNIT_COMPATIBLE" val="0"/>
+  <p:tag name="KSO_WM_UNIT_DIAGRAM_ISNUMVISUAL" val="0"/>
+  <p:tag name="KSO_WM_UNIT_DIAGRAM_ISREFERUNIT" val="0"/>
+  <p:tag name="KSO_WM_UNIT_ID" val="_1**"/>
+  <p:tag name="KSO_WM_UNIT_LAYERLEVEL" val="1"/>
+  <p:tag name="KSO_WM_TAG_VERSION" val="1.0"/>
+  <p:tag name="KSO_WM_BEAUTIFY_FLAG" val="#wm#"/>
+</p:tagLst>
+</file>
+
+<file path=ppt/tags/tag40.xml><?xml version="1.0" encoding="utf-8"?>
+<p:tagLst xmlns:p="http://schemas.openxmlformats.org/presentationml/2006/main">
+  <p:tag name="KSO_WM_UNIT_HIGHLIGHT" val="0"/>
+  <p:tag name="KSO_WM_UNIT_COMPATIBLE" val="0"/>
+  <p:tag name="KSO_WM_UNIT_DIAGRAM_ISNUMVISUAL" val="0"/>
+  <p:tag name="KSO_WM_UNIT_DIAGRAM_ISREFERUNIT" val="0"/>
+  <p:tag name="KSO_WM_UNIT_ID" val="_6**"/>
+  <p:tag name="KSO_WM_UNIT_LAYERLEVEL" val="1"/>
+  <p:tag name="KSO_WM_TAG_VERSION" val="1.0"/>
+  <p:tag name="KSO_WM_BEAUTIFY_FLAG" val="#wm#"/>
+</p:tagLst>
+</file>
+
+<file path=ppt/tags/tag41.xml><?xml version="1.0" encoding="utf-8"?>
+<p:tagLst xmlns:p="http://schemas.openxmlformats.org/presentationml/2006/main">
+  <p:tag name="KSO_WM_UNIT_HIGHLIGHT" val="0"/>
+  <p:tag name="KSO_WM_UNIT_COMPATIBLE" val="0"/>
+  <p:tag name="KSO_WM_UNIT_DIAGRAM_ISNUMVISUAL" val="0"/>
+  <p:tag name="KSO_WM_UNIT_DIAGRAM_ISREFERUNIT" val="0"/>
+  <p:tag name="KSO_WM_UNIT_ID" val="_6**"/>
+  <p:tag name="KSO_WM_UNIT_LAYERLEVEL" val="1"/>
+  <p:tag name="KSO_WM_TAG_VERSION" val="1.0"/>
+  <p:tag name="KSO_WM_BEAUTIFY_FLAG" val="#wm#"/>
+</p:tagLst>
+</file>
+
+<file path=ppt/tags/tag42.xml><?xml version="1.0" encoding="utf-8"?>
+<p:tagLst xmlns:p="http://schemas.openxmlformats.org/presentationml/2006/main">
+  <p:tag name="KSO_WM_UNIT_HIGHLIGHT" val="0"/>
+  <p:tag name="KSO_WM_UNIT_COMPATIBLE" val="0"/>
+  <p:tag name="KSO_WM_UNIT_DIAGRAM_ISNUMVISUAL" val="0"/>
+  <p:tag name="KSO_WM_UNIT_DIAGRAM_ISREFERUNIT" val="0"/>
+  <p:tag name="KSO_WM_UNIT_ID" val="_6**"/>
+  <p:tag name="KSO_WM_UNIT_LAYERLEVEL" val="1"/>
+  <p:tag name="KSO_WM_TAG_VERSION" val="1.0"/>
+  <p:tag name="KSO_WM_BEAUTIFY_FLAG" val="#wm#"/>
+</p:tagLst>
+</file>
+
+<file path=ppt/tags/tag43.xml><?xml version="1.0" encoding="utf-8"?>
+<p:tagLst xmlns:p="http://schemas.openxmlformats.org/presentationml/2006/main">
+  <p:tag name="KSO_WM_UNIT_HIGHLIGHT" val="0"/>
+  <p:tag name="KSO_WM_UNIT_COMPATIBLE" val="0"/>
+  <p:tag name="KSO_WM_UNIT_DIAGRAM_ISNUMVISUAL" val="0"/>
+  <p:tag name="KSO_WM_UNIT_DIAGRAM_ISREFERUNIT" val="0"/>
+  <p:tag name="KSO_WM_UNIT_ID" val="_6**"/>
+  <p:tag name="KSO_WM_UNIT_LAYERLEVEL" val="1"/>
+  <p:tag name="KSO_WM_TAG_VERSION" val="1.0"/>
+  <p:tag name="KSO_WM_BEAUTIFY_FLAG" val="#wm#"/>
+</p:tagLst>
+</file>
+
+<file path=ppt/tags/tag44.xml><?xml version="1.0" encoding="utf-8"?>
+<p:tagLst xmlns:p="http://schemas.openxmlformats.org/presentationml/2006/main">
+  <p:tag name="KSO_WM_UNIT_HIGHLIGHT" val="0"/>
+  <p:tag name="KSO_WM_UNIT_COMPATIBLE" val="0"/>
+  <p:tag name="KSO_WM_UNIT_DIAGRAM_ISNUMVISUAL" val="0"/>
+  <p:tag name="KSO_WM_UNIT_DIAGRAM_ISREFERUNIT" val="0"/>
+  <p:tag name="KSO_WM_UNIT_ID" val="_6**"/>
+  <p:tag name="KSO_WM_UNIT_LAYERLEVEL" val="1"/>
+  <p:tag name="KSO_WM_TAG_VERSION" val="1.0"/>
+  <p:tag name="KSO_WM_BEAUTIFY_FLAG" val="#wm#"/>
+</p:tagLst>
+</file>
+
+<file path=ppt/tags/tag45.xml><?xml version="1.0" encoding="utf-8"?>
+<p:tagLst xmlns:p="http://schemas.openxmlformats.org/presentationml/2006/main">
+  <p:tag name="KSO_WM_UNIT_HIGHLIGHT" val="0"/>
+  <p:tag name="KSO_WM_UNIT_COMPATIBLE" val="0"/>
+  <p:tag name="KSO_WM_UNIT_DIAGRAM_ISNUMVISUAL" val="0"/>
+  <p:tag name="KSO_WM_UNIT_DIAGRAM_ISREFERUNIT" val="0"/>
+  <p:tag name="KSO_WM_UNIT_ID" val="_6**"/>
+  <p:tag name="KSO_WM_UNIT_LAYERLEVEL" val="1"/>
+  <p:tag name="KSO_WM_TAG_VERSION" val="1.0"/>
+  <p:tag name="KSO_WM_BEAUTIFY_FLAG" val="#wm#"/>
+</p:tagLst>
+</file>
+
+<file path=ppt/tags/tag46.xml><?xml version="1.0" encoding="utf-8"?>
+<p:tagLst xmlns:p="http://schemas.openxmlformats.org/presentationml/2006/main">
+  <p:tag name="KSO_WM_UNIT_HIGHLIGHT" val="0"/>
+  <p:tag name="KSO_WM_UNIT_COMPATIBLE" val="0"/>
+  <p:tag name="KSO_WM_UNIT_DIAGRAM_ISNUMVISUAL" val="0"/>
+  <p:tag name="KSO_WM_UNIT_DIAGRAM_ISREFERUNIT" val="0"/>
+  <p:tag name="KSO_WM_UNIT_ID" val="_6**"/>
+  <p:tag name="KSO_WM_UNIT_LAYERLEVEL" val="1"/>
+  <p:tag name="KSO_WM_TAG_VERSION" val="1.0"/>
+  <p:tag name="KSO_WM_BEAUTIFY_FLAG" val="#wm#"/>
+</p:tagLst>
+</file>
+
+<file path=ppt/tags/tag47.xml><?xml version="1.0" encoding="utf-8"?>
+<p:tagLst xmlns:p="http://schemas.openxmlformats.org/presentationml/2006/main">
+  <p:tag name="KSO_WM_UNIT_HIGHLIGHT" val="0"/>
+  <p:tag name="KSO_WM_UNIT_COMPATIBLE" val="0"/>
+  <p:tag name="KSO_WM_UNIT_DIAGRAM_ISNUMVISUAL" val="0"/>
+  <p:tag name="KSO_WM_UNIT_DIAGRAM_ISREFERUNIT" val="0"/>
+  <p:tag name="KSO_WM_UNIT_ID" val="_7**"/>
+  <p:tag name="KSO_WM_UNIT_LAYERLEVEL" val="1"/>
+  <p:tag name="KSO_WM_TAG_VERSION" val="1.0"/>
+  <p:tag name="KSO_WM_BEAUTIFY_FLAG" val="#wm#"/>
+</p:tagLst>
+</file>
+
+<file path=ppt/tags/tag48.xml><?xml version="1.0" encoding="utf-8"?>
+<p:tagLst xmlns:p="http://schemas.openxmlformats.org/presentationml/2006/main">
+  <p:tag name="KSO_WM_UNIT_HIGHLIGHT" val="0"/>
+  <p:tag name="KSO_WM_UNIT_COMPATIBLE" val="0"/>
+  <p:tag name="KSO_WM_UNIT_DIAGRAM_ISNUMVISUAL" val="0"/>
+  <p:tag name="KSO_WM_UNIT_DIAGRAM_ISREFERUNIT" val="0"/>
+  <p:tag name="KSO_WM_UNIT_ID" val="_7**"/>
+  <p:tag name="KSO_WM_UNIT_LAYERLEVEL" val="1"/>
+  <p:tag name="KSO_WM_TAG_VERSION" val="1.0"/>
+  <p:tag name="KSO_WM_BEAUTIFY_FLAG" val="#wm#"/>
+</p:tagLst>
+</file>
+
+<file path=ppt/tags/tag49.xml><?xml version="1.0" encoding="utf-8"?>
+<p:tagLst xmlns:p="http://schemas.openxmlformats.org/presentationml/2006/main">
+  <p:tag name="KSO_WM_UNIT_HIGHLIGHT" val="0"/>
+  <p:tag name="KSO_WM_UNIT_COMPATIBLE" val="0"/>
+  <p:tag name="KSO_WM_UNIT_DIAGRAM_ISNUMVISUAL" val="0"/>
+  <p:tag name="KSO_WM_UNIT_DIAGRAM_ISREFERUNIT" val="0"/>
+  <p:tag name="KSO_WM_UNIT_ID" val="_7**"/>
+  <p:tag name="KSO_WM_UNIT_LAYERLEVEL" val="1"/>
+  <p:tag name="KSO_WM_TAG_VERSION" val="1.0"/>
+  <p:tag name="KSO_WM_BEAUTIFY_FLAG" val="#wm#"/>
+</p:tagLst>
+</file>
+
+<file path=ppt/tags/tag5.xml><?xml version="1.0" encoding="utf-8"?>
+<p:tagLst xmlns:p="http://schemas.openxmlformats.org/presentationml/2006/main">
+  <p:tag name="KSO_WM_SLIDE_BACKGROUND_MASK_FLAG" val="1"/>
+  <p:tag name="KSO_WM_UNIT_HIGHLIGHT" val="0"/>
+  <p:tag name="KSO_WM_UNIT_COMPATIBLE" val="0"/>
+  <p:tag name="KSO_WM_UNIT_DIAGRAM_ISNUMVISUAL" val="0"/>
+  <p:tag name="KSO_WM_UNIT_DIAGRAM_ISREFERUNIT" val="0"/>
+  <p:tag name="KSO_WM_UNIT_ID" val="_1**"/>
+  <p:tag name="KSO_WM_UNIT_LAYERLEVEL" val="1"/>
+  <p:tag name="KSO_WM_TAG_VERSION" val="1.0"/>
+  <p:tag name="KSO_WM_BEAUTIFY_FLAG" val="#wm#"/>
+</p:tagLst>
+</file>
+
+<file path=ppt/tags/tag50.xml><?xml version="1.0" encoding="utf-8"?>
+<p:tagLst xmlns:p="http://schemas.openxmlformats.org/presentationml/2006/main">
+  <p:tag name="KSO_WM_UNIT_HIGHLIGHT" val="0"/>
+  <p:tag name="KSO_WM_UNIT_COMPATIBLE" val="0"/>
+  <p:tag name="KSO_WM_UNIT_DIAGRAM_ISNUMVISUAL" val="0"/>
+  <p:tag name="KSO_WM_UNIT_DIAGRAM_ISREFERUNIT" val="0"/>
+  <p:tag name="KSO_WM_UNIT_ID" val="_8**"/>
+  <p:tag name="KSO_WM_UNIT_LAYERLEVEL" val="1"/>
+  <p:tag name="KSO_WM_TAG_VERSION" val="1.0"/>
+  <p:tag name="KSO_WM_BEAUTIFY_FLAG" val="#wm#"/>
+</p:tagLst>
+</file>
+
+<file path=ppt/tags/tag51.xml><?xml version="1.0" encoding="utf-8"?>
+<p:tagLst xmlns:p="http://schemas.openxmlformats.org/presentationml/2006/main">
+  <p:tag name="KSO_WM_UNIT_HIGHLIGHT" val="0"/>
+  <p:tag name="KSO_WM_UNIT_COMPATIBLE" val="0"/>
+  <p:tag name="KSO_WM_UNIT_DIAGRAM_ISNUMVISUAL" val="0"/>
+  <p:tag name="KSO_WM_UNIT_DIAGRAM_ISREFERUNIT" val="0"/>
+  <p:tag name="KSO_WM_UNIT_ID" val="_8**"/>
+  <p:tag name="KSO_WM_UNIT_LAYERLEVEL" val="1"/>
+  <p:tag name="KSO_WM_TAG_VERSION" val="1.0"/>
+  <p:tag name="KSO_WM_BEAUTIFY_FLAG" val="#wm#"/>
+</p:tagLst>
+</file>
+
+<file path=ppt/tags/tag52.xml><?xml version="1.0" encoding="utf-8"?>
+<p:tagLst xmlns:p="http://schemas.openxmlformats.org/presentationml/2006/main">
+  <p:tag name="KSO_WM_UNIT_HIGHLIGHT" val="0"/>
+  <p:tag name="KSO_WM_UNIT_COMPATIBLE" val="0"/>
+  <p:tag name="KSO_WM_UNIT_DIAGRAM_ISNUMVISUAL" val="0"/>
+  <p:tag name="KSO_WM_UNIT_DIAGRAM_ISREFERUNIT" val="0"/>
+  <p:tag name="KSO_WM_UNIT_ID" val="_8**"/>
+  <p:tag name="KSO_WM_UNIT_LAYERLEVEL" val="1"/>
+  <p:tag name="KSO_WM_TAG_VERSION" val="1.0"/>
+  <p:tag name="KSO_WM_BEAUTIFY_FLAG" val="#wm#"/>
+</p:tagLst>
+</file>
+
+<file path=ppt/tags/tag53.xml><?xml version="1.0" encoding="utf-8"?>
+<p:tagLst xmlns:p="http://schemas.openxmlformats.org/presentationml/2006/main">
+  <p:tag name="KSO_WM_UNIT_HIGHLIGHT" val="0"/>
+  <p:tag name="KSO_WM_UNIT_COMPATIBLE" val="0"/>
+  <p:tag name="KSO_WM_UNIT_DIAGRAM_ISNUMVISUAL" val="0"/>
+  <p:tag name="KSO_WM_UNIT_DIAGRAM_ISREFERUNIT" val="0"/>
+  <p:tag name="KSO_WM_UNIT_ID" val="_8**"/>
+  <p:tag name="KSO_WM_UNIT_LAYERLEVEL" val="1"/>
+  <p:tag name="KSO_WM_TAG_VERSION" val="1.0"/>
+  <p:tag name="KSO_WM_BEAUTIFY_FLAG" val="#wm#"/>
+</p:tagLst>
+</file>
+
+<file path=ppt/tags/tag54.xml><?xml version="1.0" encoding="utf-8"?>
+<p:tagLst xmlns:p="http://schemas.openxmlformats.org/presentationml/2006/main">
+  <p:tag name="KSO_WM_UNIT_HIGHLIGHT" val="0"/>
+  <p:tag name="KSO_WM_UNIT_COMPATIBLE" val="0"/>
+  <p:tag name="KSO_WM_UNIT_DIAGRAM_ISNUMVISUAL" val="0"/>
+  <p:tag name="KSO_WM_UNIT_DIAGRAM_ISREFERUNIT" val="0"/>
+  <p:tag name="KSO_WM_UNIT_ID" val="_8**"/>
+  <p:tag name="KSO_WM_UNIT_LAYERLEVEL" val="1"/>
+  <p:tag name="KSO_WM_TAG_VERSION" val="1.0"/>
+  <p:tag name="KSO_WM_BEAUTIFY_FLAG" val="#wm#"/>
+</p:tagLst>
+</file>
+
+<file path=ppt/tags/tag55.xml><?xml version="1.0" encoding="utf-8"?>
+<p:tagLst xmlns:p="http://schemas.openxmlformats.org/presentationml/2006/main">
+  <p:tag name="KSO_WM_UNIT_HIGHLIGHT" val="0"/>
+  <p:tag name="KSO_WM_UNIT_COMPATIBLE" val="0"/>
+  <p:tag name="KSO_WM_UNIT_DIAGRAM_ISNUMVISUAL" val="0"/>
+  <p:tag name="KSO_WM_UNIT_DIAGRAM_ISREFERUNIT" val="0"/>
+  <p:tag name="KSO_WM_UNIT_ID" val="_8**"/>
+  <p:tag name="KSO_WM_UNIT_LAYERLEVEL" val="1"/>
+  <p:tag name="KSO_WM_TAG_VERSION" val="1.0"/>
+  <p:tag name="KSO_WM_BEAUTIFY_FLAG" val="#wm#"/>
+</p:tagLst>
+</file>
+
+<file path=ppt/tags/tag56.xml><?xml version="1.0" encoding="utf-8"?>
+<p:tagLst xmlns:p="http://schemas.openxmlformats.org/presentationml/2006/main">
+  <p:tag name="KSO_WM_UNIT_HIGHLIGHT" val="0"/>
+  <p:tag name="KSO_WM_UNIT_COMPATIBLE" val="0"/>
+  <p:tag name="KSO_WM_UNIT_DIAGRAM_ISNUMVISUAL" val="0"/>
+  <p:tag name="KSO_WM_UNIT_DIAGRAM_ISREFERUNIT" val="0"/>
+  <p:tag name="KSO_WM_UNIT_ID" val="_8**"/>
+  <p:tag name="KSO_WM_UNIT_LAYERLEVEL" val="1"/>
+  <p:tag name="KSO_WM_TAG_VERSION" val="1.0"/>
+  <p:tag name="KSO_WM_BEAUTIFY_FLAG" val="#wm#"/>
+</p:tagLst>
+</file>
+
+<file path=ppt/tags/tag57.xml><?xml version="1.0" encoding="utf-8"?>
+<p:tagLst xmlns:p="http://schemas.openxmlformats.org/presentationml/2006/main">
+  <p:tag name="KSO_WM_UNIT_HIGHLIGHT" val="0"/>
+  <p:tag name="KSO_WM_UNIT_COMPATIBLE" val="0"/>
+  <p:tag name="KSO_WM_UNIT_DIAGRAM_ISNUMVISUAL" val="0"/>
+  <p:tag name="KSO_WM_UNIT_DIAGRAM_ISREFERUNIT" val="0"/>
+  <p:tag name="KSO_WM_UNIT_ID" val="_8**"/>
+  <p:tag name="KSO_WM_UNIT_LAYERLEVEL" val="1"/>
+  <p:tag name="KSO_WM_TAG_VERSION" val="1.0"/>
+  <p:tag name="KSO_WM_BEAUTIFY_FLAG" val="#wm#"/>
+</p:tagLst>
+</file>
+
+<file path=ppt/tags/tag58.xml><?xml version="1.0" encoding="utf-8"?>
+<p:tagLst xmlns:p="http://schemas.openxmlformats.org/presentationml/2006/main">
+  <p:tag name="KSO_WM_UNIT_HIGHLIGHT" val="0"/>
+  <p:tag name="KSO_WM_UNIT_COMPATIBLE" val="0"/>
+  <p:tag name="KSO_WM_UNIT_DIAGRAM_ISNUMVISUAL" val="0"/>
+  <p:tag name="KSO_WM_UNIT_DIAGRAM_ISREFERUNIT" val="0"/>
+  <p:tag name="KSO_WM_UNIT_ID" val="_8**"/>
+  <p:tag name="KSO_WM_UNIT_LAYERLEVEL" val="1"/>
+  <p:tag name="KSO_WM_TAG_VERSION" val="1.0"/>
+  <p:tag name="KSO_WM_BEAUTIFY_FLAG" val="#wm#"/>
+</p:tagLst>
+</file>
+
+<file path=ppt/tags/tag59.xml><?xml version="1.0" encoding="utf-8"?>
+<p:tagLst xmlns:p="http://schemas.openxmlformats.org/presentationml/2006/main">
+  <p:tag name="KSO_WM_UNIT_HIGHLIGHT" val="0"/>
+  <p:tag name="KSO_WM_UNIT_COMPATIBLE" val="0"/>
+  <p:tag name="KSO_WM_UNIT_DIAGRAM_ISNUMVISUAL" val="0"/>
+  <p:tag name="KSO_WM_UNIT_DIAGRAM_ISREFERUNIT" val="0"/>
+  <p:tag name="KSO_WM_UNIT_ID" val="_9**"/>
+  <p:tag name="KSO_WM_UNIT_LAYERLEVEL" val="1"/>
+  <p:tag name="KSO_WM_TAG_VERSION" val="1.0"/>
+  <p:tag name="KSO_WM_BEAUTIFY_FLAG" val="#wm#"/>
+</p:tagLst>
+</file>
+
+<file path=ppt/tags/tag6.xml><?xml version="1.0" encoding="utf-8"?>
+<p:tagLst xmlns:p="http://schemas.openxmlformats.org/presentationml/2006/main">
+  <p:tag name="KSO_WM_UNIT_HIGHLIGHT" val="0"/>
+  <p:tag name="KSO_WM_UNIT_COMPATIBLE" val="0"/>
+  <p:tag name="KSO_WM_UNIT_DIAGRAM_ISNUMVISUAL" val="0"/>
+  <p:tag name="KSO_WM_UNIT_DIAGRAM_ISREFERUNIT" val="0"/>
+  <p:tag name="KSO_WM_UNIT_ID" val="_2**"/>
+  <p:tag name="KSO_WM_UNIT_LAYERLEVEL" val="1"/>
+  <p:tag name="KSO_WM_TAG_VERSION" val="1.0"/>
+  <p:tag name="KSO_WM_BEAUTIFY_FLAG" val="#wm#"/>
+</p:tagLst>
+</file>
+
+<file path=ppt/tags/tag60.xml><?xml version="1.0" encoding="utf-8"?>
+<p:tagLst xmlns:p="http://schemas.openxmlformats.org/presentationml/2006/main">
+  <p:tag name="KSO_WM_UNIT_HIGHLIGHT" val="0"/>
+  <p:tag name="KSO_WM_UNIT_COMPATIBLE" val="0"/>
+  <p:tag name="KSO_WM_UNIT_DIAGRAM_ISNUMVISUAL" val="0"/>
+  <p:tag name="KSO_WM_UNIT_DIAGRAM_ISREFERUNIT" val="0"/>
+  <p:tag name="KSO_WM_UNIT_ID" val="_9**"/>
+  <p:tag name="KSO_WM_UNIT_LAYERLEVEL" val="1"/>
+  <p:tag name="KSO_WM_TAG_VERSION" val="1.0"/>
+  <p:tag name="KSO_WM_BEAUTIFY_FLAG" val="#wm#"/>
+</p:tagLst>
+</file>
+
+<file path=ppt/tags/tag61.xml><?xml version="1.0" encoding="utf-8"?>
+<p:tagLst xmlns:p="http://schemas.openxmlformats.org/presentationml/2006/main">
+  <p:tag name="KSO_WM_UNIT_HIGHLIGHT" val="0"/>
+  <p:tag name="KSO_WM_UNIT_COMPATIBLE" val="0"/>
+  <p:tag name="KSO_WM_UNIT_DIAGRAM_ISNUMVISUAL" val="0"/>
+  <p:tag name="KSO_WM_UNIT_DIAGRAM_ISREFERUNIT" val="0"/>
+  <p:tag name="KSO_WM_UNIT_ID" val="_9**"/>
+  <p:tag name="KSO_WM_UNIT_LAYERLEVEL" val="1"/>
+  <p:tag name="KSO_WM_TAG_VERSION" val="1.0"/>
+  <p:tag name="KSO_WM_BEAUTIFY_FLAG" val="#wm#"/>
+</p:tagLst>
+</file>
+
+<file path=ppt/tags/tag62.xml><?xml version="1.0" encoding="utf-8"?>
+<p:tagLst xmlns:p="http://schemas.openxmlformats.org/presentationml/2006/main">
+  <p:tag name="KSO_WM_UNIT_HIGHLIGHT" val="0"/>
+  <p:tag name="KSO_WM_UNIT_COMPATIBLE" val="0"/>
+  <p:tag name="KSO_WM_UNIT_DIAGRAM_ISNUMVISUAL" val="0"/>
+  <p:tag name="KSO_WM_UNIT_DIAGRAM_ISREFERUNIT" val="0"/>
+  <p:tag name="KSO_WM_UNIT_ID" val="_9**"/>
+  <p:tag name="KSO_WM_UNIT_LAYERLEVEL" val="1"/>
+  <p:tag name="KSO_WM_TAG_VERSION" val="1.0"/>
+  <p:tag name="KSO_WM_BEAUTIFY_FLAG" val="#wm#"/>
+</p:tagLst>
+</file>
+
+<file path=ppt/tags/tag63.xml><?xml version="1.0" encoding="utf-8"?>
+<p:tagLst xmlns:p="http://schemas.openxmlformats.org/presentationml/2006/main">
+  <p:tag name="KSO_WM_UNIT_HIGHLIGHT" val="0"/>
+  <p:tag name="KSO_WM_UNIT_COMPATIBLE" val="0"/>
+  <p:tag name="KSO_WM_UNIT_DIAGRAM_ISNUMVISUAL" val="0"/>
+  <p:tag name="KSO_WM_UNIT_DIAGRAM_ISREFERUNIT" val="0"/>
+  <p:tag name="KSO_WM_UNIT_ID" val="_9**"/>
+  <p:tag name="KSO_WM_UNIT_LAYERLEVEL" val="1"/>
+  <p:tag name="KSO_WM_TAG_VERSION" val="1.0"/>
+  <p:tag name="KSO_WM_BEAUTIFY_FLAG" val="#wm#"/>
+</p:tagLst>
+</file>
+
+<file path=ppt/tags/tag64.xml><?xml version="1.0" encoding="utf-8"?>
+<p:tagLst xmlns:p="http://schemas.openxmlformats.org/presentationml/2006/main">
+  <p:tag name="KSO_WM_UNIT_HIGHLIGHT" val="0"/>
+  <p:tag name="KSO_WM_UNIT_COMPATIBLE" val="0"/>
+  <p:tag name="KSO_WM_UNIT_DIAGRAM_ISNUMVISUAL" val="0"/>
+  <p:tag name="KSO_WM_UNIT_DIAGRAM_ISREFERUNIT" val="0"/>
+  <p:tag name="KSO_WM_UNIT_ID" val="_9**"/>
+  <p:tag name="KSO_WM_UNIT_LAYERLEVEL" val="1"/>
+  <p:tag name="KSO_WM_TAG_VERSION" val="1.0"/>
+  <p:tag name="KSO_WM_BEAUTIFY_FLAG" val="#wm#"/>
+</p:tagLst>
+</file>
+
+<file path=ppt/tags/tag65.xml><?xml version="1.0" encoding="utf-8"?>
+<p:tagLst xmlns:p="http://schemas.openxmlformats.org/presentationml/2006/main">
+  <p:tag name="KSO_WM_UNIT_HIGHLIGHT" val="0"/>
+  <p:tag name="KSO_WM_UNIT_COMPATIBLE" val="0"/>
+  <p:tag name="KSO_WM_UNIT_DIAGRAM_ISNUMVISUAL" val="0"/>
+  <p:tag name="KSO_WM_UNIT_DIAGRAM_ISREFERUNIT" val="0"/>
+  <p:tag name="KSO_WM_UNIT_ID" val="_9**"/>
+  <p:tag name="KSO_WM_UNIT_LAYERLEVEL" val="1"/>
+  <p:tag name="KSO_WM_TAG_VERSION" val="1.0"/>
+  <p:tag name="KSO_WM_BEAUTIFY_FLAG" val="#wm#"/>
+</p:tagLst>
+</file>
+
+<file path=ppt/tags/tag66.xml><?xml version="1.0" encoding="utf-8"?>
+<p:tagLst xmlns:p="http://schemas.openxmlformats.org/presentationml/2006/main">
+  <p:tag name="KSO_WM_UNIT_HIGHLIGHT" val="0"/>
+  <p:tag name="KSO_WM_UNIT_COMPATIBLE" val="0"/>
+  <p:tag name="KSO_WM_UNIT_DIAGRAM_ISNUMVISUAL" val="0"/>
+  <p:tag name="KSO_WM_UNIT_DIAGRAM_ISREFERUNIT" val="0"/>
+  <p:tag name="KSO_WM_UNIT_ID" val="_9**"/>
+  <p:tag name="KSO_WM_UNIT_LAYERLEVEL" val="1"/>
+  <p:tag name="KSO_WM_TAG_VERSION" val="1.0"/>
+  <p:tag name="KSO_WM_BEAUTIFY_FLAG" val="#wm#"/>
+</p:tagLst>
+</file>
+
+<file path=ppt/tags/tag67.xml><?xml version="1.0" encoding="utf-8"?>
+<p:tagLst xmlns:p="http://schemas.openxmlformats.org/presentationml/2006/main">
   <p:tag name="KSO_WM_UNIT_HIGHLIGHT" val="0"/>
   <p:tag name="KSO_WM_UNIT_COMPATIBLE" val="0"/>
   <p:tag name="KSO_WM_UNIT_DIAGRAM_ISNUMVISUAL" val="0"/>
@@ -18122,8 +18167,99 @@
 </p:tagLst>
 </file>
 
-<file path=ppt/tags/tag81.xml><?xml version="1.0" encoding="utf-8"?>
-<p:tagLst xmlns:a="http://schemas.openxmlformats.org/drawingml/2006/main" xmlns:r="http://schemas.openxmlformats.org/officeDocument/2006/relationships" xmlns:p="http://schemas.openxmlformats.org/presentationml/2006/main">
+<file path=ppt/tags/tag68.xml><?xml version="1.0" encoding="utf-8"?>
+<p:tagLst xmlns:p="http://schemas.openxmlformats.org/presentationml/2006/main">
+  <p:tag name="KSO_WM_UNIT_HIGHLIGHT" val="0"/>
+  <p:tag name="KSO_WM_UNIT_COMPATIBLE" val="0"/>
+  <p:tag name="KSO_WM_UNIT_DIAGRAM_ISNUMVISUAL" val="0"/>
+  <p:tag name="KSO_WM_UNIT_DIAGRAM_ISREFERUNIT" val="0"/>
+  <p:tag name="KSO_WM_UNIT_ID" val="_10**"/>
+  <p:tag name="KSO_WM_UNIT_LAYERLEVEL" val="1"/>
+  <p:tag name="KSO_WM_TAG_VERSION" val="1.0"/>
+  <p:tag name="KSO_WM_BEAUTIFY_FLAG" val="#wm#"/>
+</p:tagLst>
+</file>
+
+<file path=ppt/tags/tag69.xml><?xml version="1.0" encoding="utf-8"?>
+<p:tagLst xmlns:p="http://schemas.openxmlformats.org/presentationml/2006/main">
+  <p:tag name="KSO_WM_UNIT_HIGHLIGHT" val="0"/>
+  <p:tag name="KSO_WM_UNIT_COMPATIBLE" val="0"/>
+  <p:tag name="KSO_WM_UNIT_DIAGRAM_ISNUMVISUAL" val="0"/>
+  <p:tag name="KSO_WM_UNIT_DIAGRAM_ISREFERUNIT" val="0"/>
+  <p:tag name="KSO_WM_UNIT_ID" val="_10**"/>
+  <p:tag name="KSO_WM_UNIT_LAYERLEVEL" val="1"/>
+  <p:tag name="KSO_WM_TAG_VERSION" val="1.0"/>
+  <p:tag name="KSO_WM_BEAUTIFY_FLAG" val="#wm#"/>
+</p:tagLst>
+</file>
+
+<file path=ppt/tags/tag7.xml><?xml version="1.0" encoding="utf-8"?>
+<p:tagLst xmlns:p="http://schemas.openxmlformats.org/presentationml/2006/main">
+  <p:tag name="KSO_WM_UNIT_HIGHLIGHT" val="0"/>
+  <p:tag name="KSO_WM_UNIT_COMPATIBLE" val="0"/>
+  <p:tag name="KSO_WM_UNIT_DIAGRAM_ISNUMVISUAL" val="0"/>
+  <p:tag name="KSO_WM_UNIT_DIAGRAM_ISREFERUNIT" val="0"/>
+  <p:tag name="KSO_WM_UNIT_ID" val="_2**"/>
+  <p:tag name="KSO_WM_UNIT_LAYERLEVEL" val="1"/>
+  <p:tag name="KSO_WM_TAG_VERSION" val="1.0"/>
+  <p:tag name="KSO_WM_BEAUTIFY_FLAG" val="#wm#"/>
+</p:tagLst>
+</file>
+
+<file path=ppt/tags/tag70.xml><?xml version="1.0" encoding="utf-8"?>
+<p:tagLst xmlns:p="http://schemas.openxmlformats.org/presentationml/2006/main">
+  <p:tag name="KSO_WM_UNIT_HIGHLIGHT" val="0"/>
+  <p:tag name="KSO_WM_UNIT_COMPATIBLE" val="0"/>
+  <p:tag name="KSO_WM_UNIT_DIAGRAM_ISNUMVISUAL" val="0"/>
+  <p:tag name="KSO_WM_UNIT_DIAGRAM_ISREFERUNIT" val="0"/>
+  <p:tag name="KSO_WM_UNIT_ID" val="_10**"/>
+  <p:tag name="KSO_WM_UNIT_LAYERLEVEL" val="1"/>
+  <p:tag name="KSO_WM_TAG_VERSION" val="1.0"/>
+  <p:tag name="KSO_WM_BEAUTIFY_FLAG" val="#wm#"/>
+</p:tagLst>
+</file>
+
+<file path=ppt/tags/tag71.xml><?xml version="1.0" encoding="utf-8"?>
+<p:tagLst xmlns:p="http://schemas.openxmlformats.org/presentationml/2006/main">
+  <p:tag name="KSO_WM_UNIT_HIGHLIGHT" val="0"/>
+  <p:tag name="KSO_WM_UNIT_COMPATIBLE" val="0"/>
+  <p:tag name="KSO_WM_UNIT_DIAGRAM_ISNUMVISUAL" val="0"/>
+  <p:tag name="KSO_WM_UNIT_DIAGRAM_ISREFERUNIT" val="0"/>
+  <p:tag name="KSO_WM_UNIT_ID" val="_10**"/>
+  <p:tag name="KSO_WM_UNIT_LAYERLEVEL" val="1"/>
+  <p:tag name="KSO_WM_TAG_VERSION" val="1.0"/>
+  <p:tag name="KSO_WM_BEAUTIFY_FLAG" val="#wm#"/>
+</p:tagLst>
+</file>
+
+<file path=ppt/tags/tag72.xml><?xml version="1.0" encoding="utf-8"?>
+<p:tagLst xmlns:p="http://schemas.openxmlformats.org/presentationml/2006/main">
+  <p:tag name="KSO_WM_UNIT_HIGHLIGHT" val="0"/>
+  <p:tag name="KSO_WM_UNIT_COMPATIBLE" val="0"/>
+  <p:tag name="KSO_WM_UNIT_DIAGRAM_ISNUMVISUAL" val="0"/>
+  <p:tag name="KSO_WM_UNIT_DIAGRAM_ISREFERUNIT" val="0"/>
+  <p:tag name="KSO_WM_UNIT_ID" val="_10**"/>
+  <p:tag name="KSO_WM_UNIT_LAYERLEVEL" val="1"/>
+  <p:tag name="KSO_WM_TAG_VERSION" val="1.0"/>
+  <p:tag name="KSO_WM_BEAUTIFY_FLAG" val="#wm#"/>
+</p:tagLst>
+</file>
+
+<file path=ppt/tags/tag73.xml><?xml version="1.0" encoding="utf-8"?>
+<p:tagLst xmlns:p="http://schemas.openxmlformats.org/presentationml/2006/main">
+  <p:tag name="KSO_WM_UNIT_HIGHLIGHT" val="0"/>
+  <p:tag name="KSO_WM_UNIT_COMPATIBLE" val="0"/>
+  <p:tag name="KSO_WM_UNIT_DIAGRAM_ISNUMVISUAL" val="0"/>
+  <p:tag name="KSO_WM_UNIT_DIAGRAM_ISREFERUNIT" val="0"/>
+  <p:tag name="KSO_WM_UNIT_ID" val="_10**"/>
+  <p:tag name="KSO_WM_UNIT_LAYERLEVEL" val="1"/>
+  <p:tag name="KSO_WM_TAG_VERSION" val="1.0"/>
+  <p:tag name="KSO_WM_BEAUTIFY_FLAG" val="#wm#"/>
+</p:tagLst>
+</file>
+
+<file path=ppt/tags/tag74.xml><?xml version="1.0" encoding="utf-8"?>
+<p:tagLst xmlns:p="http://schemas.openxmlformats.org/presentationml/2006/main">
   <p:tag name="KSO_WM_UNIT_HIGHLIGHT" val="0"/>
   <p:tag name="KSO_WM_UNIT_COMPATIBLE" val="0"/>
   <p:tag name="KSO_WM_UNIT_DIAGRAM_ISNUMVISUAL" val="0"/>
@@ -18135,8 +18271,8 @@
 </p:tagLst>
 </file>
 
-<file path=ppt/tags/tag82.xml><?xml version="1.0" encoding="utf-8"?>
-<p:tagLst xmlns:a="http://schemas.openxmlformats.org/drawingml/2006/main" xmlns:r="http://schemas.openxmlformats.org/officeDocument/2006/relationships" xmlns:p="http://schemas.openxmlformats.org/presentationml/2006/main">
+<file path=ppt/tags/tag75.xml><?xml version="1.0" encoding="utf-8"?>
+<p:tagLst xmlns:p="http://schemas.openxmlformats.org/presentationml/2006/main">
   <p:tag name="KSO_WM_UNIT_HIGHLIGHT" val="0"/>
   <p:tag name="KSO_WM_UNIT_COMPATIBLE" val="0"/>
   <p:tag name="KSO_WM_UNIT_DIAGRAM_ISNUMVISUAL" val="0"/>
@@ -18148,8 +18284,8 @@
 </p:tagLst>
 </file>
 
-<file path=ppt/tags/tag83.xml><?xml version="1.0" encoding="utf-8"?>
-<p:tagLst xmlns:a="http://schemas.openxmlformats.org/drawingml/2006/main" xmlns:r="http://schemas.openxmlformats.org/officeDocument/2006/relationships" xmlns:p="http://schemas.openxmlformats.org/presentationml/2006/main">
+<file path=ppt/tags/tag76.xml><?xml version="1.0" encoding="utf-8"?>
+<p:tagLst xmlns:p="http://schemas.openxmlformats.org/presentationml/2006/main">
   <p:tag name="KSO_WM_UNIT_HIGHLIGHT" val="0"/>
   <p:tag name="KSO_WM_UNIT_COMPATIBLE" val="0"/>
   <p:tag name="KSO_WM_UNIT_DIAGRAM_ISNUMVISUAL" val="0"/>
@@ -18161,8 +18297,8 @@
 </p:tagLst>
 </file>
 
-<file path=ppt/tags/tag84.xml><?xml version="1.0" encoding="utf-8"?>
-<p:tagLst xmlns:a="http://schemas.openxmlformats.org/drawingml/2006/main" xmlns:r="http://schemas.openxmlformats.org/officeDocument/2006/relationships" xmlns:p="http://schemas.openxmlformats.org/presentationml/2006/main">
+<file path=ppt/tags/tag77.xml><?xml version="1.0" encoding="utf-8"?>
+<p:tagLst xmlns:p="http://schemas.openxmlformats.org/presentationml/2006/main">
   <p:tag name="KSO_WM_UNIT_HIGHLIGHT" val="0"/>
   <p:tag name="KSO_WM_UNIT_COMPATIBLE" val="0"/>
   <p:tag name="KSO_WM_UNIT_DIAGRAM_ISNUMVISUAL" val="0"/>
@@ -18174,8 +18310,8 @@
 </p:tagLst>
 </file>
 
-<file path=ppt/tags/tag85.xml><?xml version="1.0" encoding="utf-8"?>
-<p:tagLst xmlns:a="http://schemas.openxmlformats.org/drawingml/2006/main" xmlns:r="http://schemas.openxmlformats.org/officeDocument/2006/relationships" xmlns:p="http://schemas.openxmlformats.org/presentationml/2006/main">
+<file path=ppt/tags/tag78.xml><?xml version="1.0" encoding="utf-8"?>
+<p:tagLst xmlns:p="http://schemas.openxmlformats.org/presentationml/2006/main">
   <p:tag name="KSO_WM_UNIT_HIGHLIGHT" val="0"/>
   <p:tag name="KSO_WM_UNIT_COMPATIBLE" val="0"/>
   <p:tag name="KSO_WM_UNIT_DIAGRAM_ISNUMVISUAL" val="0"/>
@@ -18187,8 +18323,8 @@
 </p:tagLst>
 </file>
 
-<file path=ppt/tags/tag86.xml><?xml version="1.0" encoding="utf-8"?>
-<p:tagLst xmlns:a="http://schemas.openxmlformats.org/drawingml/2006/main" xmlns:r="http://schemas.openxmlformats.org/officeDocument/2006/relationships" xmlns:p="http://schemas.openxmlformats.org/presentationml/2006/main">
+<file path=ppt/tags/tag79.xml><?xml version="1.0" encoding="utf-8"?>
+<p:tagLst xmlns:p="http://schemas.openxmlformats.org/presentationml/2006/main">
   <p:tag name="KSO_WM_SLIDE_BACKGROUND_TYPE" val="general"/>
   <p:tag name="KSO_WM_UNIT_HIGHLIGHT" val="0"/>
   <p:tag name="KSO_WM_UNIT_COMPATIBLE" val="0"/>
@@ -18201,8 +18337,21 @@
 </p:tagLst>
 </file>
 
-<file path=ppt/tags/tag87.xml><?xml version="1.0" encoding="utf-8"?>
-<p:tagLst xmlns:a="http://schemas.openxmlformats.org/drawingml/2006/main" xmlns:r="http://schemas.openxmlformats.org/officeDocument/2006/relationships" xmlns:p="http://schemas.openxmlformats.org/presentationml/2006/main">
+<file path=ppt/tags/tag8.xml><?xml version="1.0" encoding="utf-8"?>
+<p:tagLst xmlns:p="http://schemas.openxmlformats.org/presentationml/2006/main">
+  <p:tag name="KSO_WM_UNIT_HIGHLIGHT" val="0"/>
+  <p:tag name="KSO_WM_UNIT_COMPATIBLE" val="0"/>
+  <p:tag name="KSO_WM_UNIT_DIAGRAM_ISNUMVISUAL" val="0"/>
+  <p:tag name="KSO_WM_UNIT_DIAGRAM_ISREFERUNIT" val="0"/>
+  <p:tag name="KSO_WM_UNIT_ID" val="_2**"/>
+  <p:tag name="KSO_WM_UNIT_LAYERLEVEL" val="1"/>
+  <p:tag name="KSO_WM_TAG_VERSION" val="1.0"/>
+  <p:tag name="KSO_WM_BEAUTIFY_FLAG" val="#wm#"/>
+</p:tagLst>
+</file>
+
+<file path=ppt/tags/tag80.xml><?xml version="1.0" encoding="utf-8"?>
+<p:tagLst xmlns:p="http://schemas.openxmlformats.org/presentationml/2006/main">
   <p:tag name="KSO_WM_SLIDE_BACKGROUND_TYPE" val="general"/>
   <p:tag name="KSO_WM_UNIT_HIGHLIGHT" val="0"/>
   <p:tag name="KSO_WM_UNIT_COMPATIBLE" val="0"/>
@@ -18215,8 +18364,8 @@
 </p:tagLst>
 </file>
 
-<file path=ppt/tags/tag88.xml><?xml version="1.0" encoding="utf-8"?>
-<p:tagLst xmlns:a="http://schemas.openxmlformats.org/drawingml/2006/main" xmlns:r="http://schemas.openxmlformats.org/officeDocument/2006/relationships" xmlns:p="http://schemas.openxmlformats.org/presentationml/2006/main">
+<file path=ppt/tags/tag81.xml><?xml version="1.0" encoding="utf-8"?>
+<p:tagLst xmlns:p="http://schemas.openxmlformats.org/presentationml/2006/main">
   <p:tag name="KSO_WM_SLIDE_BACKGROUND_TYPE" val="general"/>
   <p:tag name="KSO_WM_UNIT_HIGHLIGHT" val="0"/>
   <p:tag name="KSO_WM_UNIT_COMPATIBLE" val="0"/>
@@ -18229,8 +18378,8 @@
 </p:tagLst>
 </file>
 
-<file path=ppt/tags/tag89.xml><?xml version="1.0" encoding="utf-8"?>
-<p:tagLst xmlns:a="http://schemas.openxmlformats.org/drawingml/2006/main" xmlns:r="http://schemas.openxmlformats.org/officeDocument/2006/relationships" xmlns:p="http://schemas.openxmlformats.org/presentationml/2006/main">
+<file path=ppt/tags/tag82.xml><?xml version="1.0" encoding="utf-8"?>
+<p:tagLst xmlns:p="http://schemas.openxmlformats.org/presentationml/2006/main">
   <p:tag name="KSO_WM_SLIDE_BACKGROUND_TYPE" val="general"/>
   <p:tag name="KSO_WM_UNIT_HIGHLIGHT" val="0"/>
   <p:tag name="KSO_WM_UNIT_COMPATIBLE" val="0"/>
@@ -18243,22 +18392,8 @@
 </p:tagLst>
 </file>
 
-<file path=ppt/tags/tag9.xml><?xml version="1.0" encoding="utf-8"?>
-<p:tagLst xmlns:a="http://schemas.openxmlformats.org/drawingml/2006/main" xmlns:r="http://schemas.openxmlformats.org/officeDocument/2006/relationships" xmlns:p="http://schemas.openxmlformats.org/presentationml/2006/main">
-  <p:tag name="KSO_WM_SLIDE_BACKGROUND_MASK_FLAG" val="1"/>
-  <p:tag name="KSO_WM_UNIT_HIGHLIGHT" val="0"/>
-  <p:tag name="KSO_WM_UNIT_COMPATIBLE" val="0"/>
-  <p:tag name="KSO_WM_UNIT_DIAGRAM_ISNUMVISUAL" val="0"/>
-  <p:tag name="KSO_WM_UNIT_DIAGRAM_ISREFERUNIT" val="0"/>
-  <p:tag name="KSO_WM_UNIT_ID" val="_1**"/>
-  <p:tag name="KSO_WM_UNIT_LAYERLEVEL" val="1"/>
-  <p:tag name="KSO_WM_TAG_VERSION" val="1.0"/>
-  <p:tag name="KSO_WM_BEAUTIFY_FLAG" val="#wm#"/>
-</p:tagLst>
-</file>
-
-<file path=ppt/tags/tag90.xml><?xml version="1.0" encoding="utf-8"?>
-<p:tagLst xmlns:a="http://schemas.openxmlformats.org/drawingml/2006/main" xmlns:r="http://schemas.openxmlformats.org/officeDocument/2006/relationships" xmlns:p="http://schemas.openxmlformats.org/presentationml/2006/main">
+<file path=ppt/tags/tag83.xml><?xml version="1.0" encoding="utf-8"?>
+<p:tagLst xmlns:p="http://schemas.openxmlformats.org/presentationml/2006/main">
   <p:tag name="KSO_WM_SLIDE_BACKGROUND_TYPE" val="general"/>
   <p:tag name="KSO_WM_UNIT_HIGHLIGHT" val="0"/>
   <p:tag name="KSO_WM_UNIT_COMPATIBLE" val="0"/>
@@ -18271,8 +18406,8 @@
 </p:tagLst>
 </file>
 
-<file path=ppt/tags/tag91.xml><?xml version="1.0" encoding="utf-8"?>
-<p:tagLst xmlns:a="http://schemas.openxmlformats.org/drawingml/2006/main" xmlns:r="http://schemas.openxmlformats.org/officeDocument/2006/relationships" xmlns:p="http://schemas.openxmlformats.org/presentationml/2006/main">
+<file path=ppt/tags/tag84.xml><?xml version="1.0" encoding="utf-8"?>
+<p:tagLst xmlns:p="http://schemas.openxmlformats.org/presentationml/2006/main">
   <p:tag name="KSO_WM_SLIDE_BACKGROUND_TYPE" val="general"/>
   <p:tag name="KSO_WM_UNIT_HIGHLIGHT" val="0"/>
   <p:tag name="KSO_WM_UNIT_COMPATIBLE" val="0"/>
@@ -18285,8 +18420,8 @@
 </p:tagLst>
 </file>
 
-<file path=ppt/tags/tag92.xml><?xml version="1.0" encoding="utf-8"?>
-<p:tagLst xmlns:a="http://schemas.openxmlformats.org/drawingml/2006/main" xmlns:r="http://schemas.openxmlformats.org/officeDocument/2006/relationships" xmlns:p="http://schemas.openxmlformats.org/presentationml/2006/main">
+<file path=ppt/tags/tag85.xml><?xml version="1.0" encoding="utf-8"?>
+<p:tagLst xmlns:p="http://schemas.openxmlformats.org/presentationml/2006/main">
   <p:tag name="KSO_WM_SLIDE_BACKGROUND_TYPE" val="frame"/>
   <p:tag name="KSO_WM_SLIDE_BK_DARK_LIGHT" val="2"/>
   <p:tag name="KSO_WM_UNIT_HIGHLIGHT" val="0"/>
@@ -18304,8 +18439,8 @@
 </p:tagLst>
 </file>
 
-<file path=ppt/tags/tag93.xml><?xml version="1.0" encoding="utf-8"?>
-<p:tagLst xmlns:a="http://schemas.openxmlformats.org/drawingml/2006/main" xmlns:r="http://schemas.openxmlformats.org/officeDocument/2006/relationships" xmlns:p="http://schemas.openxmlformats.org/presentationml/2006/main">
+<file path=ppt/tags/tag86.xml><?xml version="1.0" encoding="utf-8"?>
+<p:tagLst xmlns:p="http://schemas.openxmlformats.org/presentationml/2006/main">
   <p:tag name="KSO_WM_SLIDE_BACKGROUND_TYPE" val="frame"/>
   <p:tag name="KSO_WM_SLIDE_BK_DARK_LIGHT" val="2"/>
   <p:tag name="KSO_WM_UNIT_HIGHLIGHT" val="0"/>
@@ -18319,8 +18454,8 @@
 </p:tagLst>
 </file>
 
-<file path=ppt/tags/tag94.xml><?xml version="1.0" encoding="utf-8"?>
-<p:tagLst xmlns:a="http://schemas.openxmlformats.org/drawingml/2006/main" xmlns:r="http://schemas.openxmlformats.org/officeDocument/2006/relationships" xmlns:p="http://schemas.openxmlformats.org/presentationml/2006/main">
+<file path=ppt/tags/tag87.xml><?xml version="1.0" encoding="utf-8"?>
+<p:tagLst xmlns:p="http://schemas.openxmlformats.org/presentationml/2006/main">
   <p:tag name="KSO_WM_SLIDE_BACKGROUND_TYPE" val="frame"/>
   <p:tag name="KSO_WM_SLIDE_BK_DARK_LIGHT" val="2"/>
   <p:tag name="KSO_WM_UNIT_HIGHLIGHT" val="0"/>
@@ -18334,8 +18469,8 @@
 </p:tagLst>
 </file>
 
-<file path=ppt/tags/tag95.xml><?xml version="1.0" encoding="utf-8"?>
-<p:tagLst xmlns:a="http://schemas.openxmlformats.org/drawingml/2006/main" xmlns:r="http://schemas.openxmlformats.org/officeDocument/2006/relationships" xmlns:p="http://schemas.openxmlformats.org/presentationml/2006/main">
+<file path=ppt/tags/tag88.xml><?xml version="1.0" encoding="utf-8"?>
+<p:tagLst xmlns:p="http://schemas.openxmlformats.org/presentationml/2006/main">
   <p:tag name="KSO_WM_SLIDE_BACKGROUND_TYPE" val="frame"/>
   <p:tag name="KSO_WM_SLIDE_BK_DARK_LIGHT" val="2"/>
   <p:tag name="KSO_WM_UNIT_HIGHLIGHT" val="0"/>
@@ -18349,8 +18484,8 @@
 </p:tagLst>
 </file>
 
-<file path=ppt/tags/tag96.xml><?xml version="1.0" encoding="utf-8"?>
-<p:tagLst xmlns:a="http://schemas.openxmlformats.org/drawingml/2006/main" xmlns:r="http://schemas.openxmlformats.org/officeDocument/2006/relationships" xmlns:p="http://schemas.openxmlformats.org/presentationml/2006/main">
+<file path=ppt/tags/tag89.xml><?xml version="1.0" encoding="utf-8"?>
+<p:tagLst xmlns:p="http://schemas.openxmlformats.org/presentationml/2006/main">
   <p:tag name="KSO_WM_SLIDE_BACKGROUND_TYPE" val="frame"/>
   <p:tag name="KSO_WM_SLIDE_BK_DARK_LIGHT" val="2"/>
   <p:tag name="KSO_WM_UNIT_HIGHLIGHT" val="0"/>
@@ -18364,8 +18499,21 @@
 </p:tagLst>
 </file>
 
-<file path=ppt/tags/tag97.xml><?xml version="1.0" encoding="utf-8"?>
-<p:tagLst xmlns:a="http://schemas.openxmlformats.org/drawingml/2006/main" xmlns:r="http://schemas.openxmlformats.org/officeDocument/2006/relationships" xmlns:p="http://schemas.openxmlformats.org/presentationml/2006/main">
+<file path=ppt/tags/tag9.xml><?xml version="1.0" encoding="utf-8"?>
+<p:tagLst xmlns:p="http://schemas.openxmlformats.org/presentationml/2006/main">
+  <p:tag name="KSO_WM_UNIT_HIGHLIGHT" val="0"/>
+  <p:tag name="KSO_WM_UNIT_COMPATIBLE" val="0"/>
+  <p:tag name="KSO_WM_UNIT_DIAGRAM_ISNUMVISUAL" val="0"/>
+  <p:tag name="KSO_WM_UNIT_DIAGRAM_ISREFERUNIT" val="0"/>
+  <p:tag name="KSO_WM_UNIT_ID" val="_2**"/>
+  <p:tag name="KSO_WM_UNIT_LAYERLEVEL" val="1"/>
+  <p:tag name="KSO_WM_TAG_VERSION" val="1.0"/>
+  <p:tag name="KSO_WM_BEAUTIFY_FLAG" val="#wm#"/>
+</p:tagLst>
+</file>
+
+<file path=ppt/tags/tag90.xml><?xml version="1.0" encoding="utf-8"?>
+<p:tagLst xmlns:p="http://schemas.openxmlformats.org/presentationml/2006/main">
   <p:tag name="KSO_WM_SLIDE_BACKGROUND_TYPE" val="frame"/>
   <p:tag name="KSO_WM_SLIDE_BK_DARK_LIGHT" val="2"/>
   <p:tag name="KSO_WM_UNIT_HIGHLIGHT" val="0"/>
@@ -18379,8 +18527,8 @@
 </p:tagLst>
 </file>
 
-<file path=ppt/tags/tag98.xml><?xml version="1.0" encoding="utf-8"?>
-<p:tagLst xmlns:a="http://schemas.openxmlformats.org/drawingml/2006/main" xmlns:r="http://schemas.openxmlformats.org/officeDocument/2006/relationships" xmlns:p="http://schemas.openxmlformats.org/presentationml/2006/main">
+<file path=ppt/tags/tag91.xml><?xml version="1.0" encoding="utf-8"?>
+<p:tagLst xmlns:p="http://schemas.openxmlformats.org/presentationml/2006/main">
   <p:tag name="KSO_WM_SLIDE_BACKGROUND_TYPE" val="frame"/>
   <p:tag name="KSO_WM_SLIDE_BK_DARK_LIGHT" val="2"/>
   <p:tag name="KSO_WM_UNIT_HIGHLIGHT" val="0"/>
@@ -18394,8 +18542,8 @@
 </p:tagLst>
 </file>
 
-<file path=ppt/tags/tag99.xml><?xml version="1.0" encoding="utf-8"?>
-<p:tagLst xmlns:a="http://schemas.openxmlformats.org/drawingml/2006/main" xmlns:r="http://schemas.openxmlformats.org/officeDocument/2006/relationships" xmlns:p="http://schemas.openxmlformats.org/presentationml/2006/main">
+<file path=ppt/tags/tag92.xml><?xml version="1.0" encoding="utf-8"?>
+<p:tagLst xmlns:p="http://schemas.openxmlformats.org/presentationml/2006/main">
   <p:tag name="KSO_WM_SLIDE_BACKGROUND_TYPE" val="frame"/>
   <p:tag name="KSO_WM_SLIDE_BK_DARK_LIGHT" val="2"/>
   <p:tag name="KSO_WM_UNIT_HIGHLIGHT" val="0"/>
@@ -18403,6 +18551,115 @@
   <p:tag name="KSO_WM_UNIT_DIAGRAM_ISNUMVISUAL" val="0"/>
   <p:tag name="KSO_WM_UNIT_DIAGRAM_ISREFERUNIT" val="0"/>
   <p:tag name="KSO_WM_UNIT_ID" val="_13**"/>
+  <p:tag name="KSO_WM_UNIT_LAYERLEVEL" val="1"/>
+  <p:tag name="KSO_WM_TAG_VERSION" val="1.0"/>
+  <p:tag name="KSO_WM_BEAUTIFY_FLAG" val="#wm#"/>
+</p:tagLst>
+</file>
+
+<file path=ppt/tags/tag93.xml><?xml version="1.0" encoding="utf-8"?>
+<p:tagLst xmlns:p="http://schemas.openxmlformats.org/presentationml/2006/main">
+  <p:tag name="KSO_WM_SLIDE_BACKGROUND_TYPE" val="leftRight"/>
+  <p:tag name="KSO_WM_SLIDE_BK_DARK_LIGHT" val="2"/>
+  <p:tag name="KSO_WM_UNIT_HIGHLIGHT" val="0"/>
+  <p:tag name="KSO_WM_UNIT_COMPATIBLE" val="0"/>
+  <p:tag name="KSO_WM_UNIT_DIAGRAM_ISNUMVISUAL" val="0"/>
+  <p:tag name="KSO_WM_UNIT_DIAGRAM_ISREFERUNIT" val="0"/>
+  <p:tag name="KSO_WM_UNIT_SUBTYPE" val="h"/>
+  <p:tag name="KSO_WM_UNIT_TYPE" val="i"/>
+  <p:tag name="KSO_WM_UNIT_INDEX" val="0"/>
+  <p:tag name="KSO_WM_UNIT_ID" val="_14*i*0"/>
+  <p:tag name="KSO_WM_UNIT_BK_DARK_LIGHT" val="2"/>
+  <p:tag name="KSO_WM_UNIT_LAYERLEVEL" val="1"/>
+  <p:tag name="KSO_WM_TAG_VERSION" val="1.0"/>
+  <p:tag name="KSO_WM_BEAUTIFY_FLAG" val="#wm#"/>
+</p:tagLst>
+</file>
+
+<file path=ppt/tags/tag94.xml><?xml version="1.0" encoding="utf-8"?>
+<p:tagLst xmlns:p="http://schemas.openxmlformats.org/presentationml/2006/main">
+  <p:tag name="KSO_WM_SLIDE_BACKGROUND_TYPE" val="leftRight"/>
+  <p:tag name="KSO_WM_SLIDE_BK_DARK_LIGHT" val="2"/>
+  <p:tag name="KSO_WM_UNIT_HIGHLIGHT" val="0"/>
+  <p:tag name="KSO_WM_UNIT_COMPATIBLE" val="0"/>
+  <p:tag name="KSO_WM_UNIT_DIAGRAM_ISNUMVISUAL" val="0"/>
+  <p:tag name="KSO_WM_UNIT_DIAGRAM_ISREFERUNIT" val="0"/>
+  <p:tag name="KSO_WM_UNIT_ID" val="_14**"/>
+  <p:tag name="KSO_WM_UNIT_LAYERLEVEL" val="1"/>
+  <p:tag name="KSO_WM_TAG_VERSION" val="1.0"/>
+  <p:tag name="KSO_WM_BEAUTIFY_FLAG" val="#wm#"/>
+</p:tagLst>
+</file>
+
+<file path=ppt/tags/tag95.xml><?xml version="1.0" encoding="utf-8"?>
+<p:tagLst xmlns:p="http://schemas.openxmlformats.org/presentationml/2006/main">
+  <p:tag name="KSO_WM_SLIDE_BACKGROUND_TYPE" val="leftRight"/>
+  <p:tag name="KSO_WM_SLIDE_BK_DARK_LIGHT" val="2"/>
+  <p:tag name="KSO_WM_UNIT_HIGHLIGHT" val="0"/>
+  <p:tag name="KSO_WM_UNIT_COMPATIBLE" val="0"/>
+  <p:tag name="KSO_WM_UNIT_DIAGRAM_ISNUMVISUAL" val="0"/>
+  <p:tag name="KSO_WM_UNIT_DIAGRAM_ISREFERUNIT" val="0"/>
+  <p:tag name="KSO_WM_UNIT_ID" val="_14**"/>
+  <p:tag name="KSO_WM_UNIT_LAYERLEVEL" val="1"/>
+  <p:tag name="KSO_WM_TAG_VERSION" val="1.0"/>
+  <p:tag name="KSO_WM_BEAUTIFY_FLAG" val="#wm#"/>
+</p:tagLst>
+</file>
+
+<file path=ppt/tags/tag96.xml><?xml version="1.0" encoding="utf-8"?>
+<p:tagLst xmlns:p="http://schemas.openxmlformats.org/presentationml/2006/main">
+  <p:tag name="KSO_WM_SLIDE_BACKGROUND_TYPE" val="leftRight"/>
+  <p:tag name="KSO_WM_SLIDE_BK_DARK_LIGHT" val="2"/>
+  <p:tag name="KSO_WM_UNIT_HIGHLIGHT" val="0"/>
+  <p:tag name="KSO_WM_UNIT_COMPATIBLE" val="0"/>
+  <p:tag name="KSO_WM_UNIT_DIAGRAM_ISNUMVISUAL" val="0"/>
+  <p:tag name="KSO_WM_UNIT_DIAGRAM_ISREFERUNIT" val="0"/>
+  <p:tag name="KSO_WM_UNIT_ID" val="_14**"/>
+  <p:tag name="KSO_WM_UNIT_LAYERLEVEL" val="1"/>
+  <p:tag name="KSO_WM_TAG_VERSION" val="1.0"/>
+  <p:tag name="KSO_WM_BEAUTIFY_FLAG" val="#wm#"/>
+</p:tagLst>
+</file>
+
+<file path=ppt/tags/tag97.xml><?xml version="1.0" encoding="utf-8"?>
+<p:tagLst xmlns:p="http://schemas.openxmlformats.org/presentationml/2006/main">
+  <p:tag name="KSO_WM_SLIDE_BACKGROUND_TYPE" val="leftRight"/>
+  <p:tag name="KSO_WM_SLIDE_BK_DARK_LIGHT" val="2"/>
+  <p:tag name="KSO_WM_UNIT_HIGHLIGHT" val="0"/>
+  <p:tag name="KSO_WM_UNIT_COMPATIBLE" val="0"/>
+  <p:tag name="KSO_WM_UNIT_DIAGRAM_ISNUMVISUAL" val="0"/>
+  <p:tag name="KSO_WM_UNIT_DIAGRAM_ISREFERUNIT" val="0"/>
+  <p:tag name="KSO_WM_UNIT_ID" val="_14**"/>
+  <p:tag name="KSO_WM_UNIT_LAYERLEVEL" val="1"/>
+  <p:tag name="KSO_WM_TAG_VERSION" val="1.0"/>
+  <p:tag name="KSO_WM_BEAUTIFY_FLAG" val="#wm#"/>
+</p:tagLst>
+</file>
+
+<file path=ppt/tags/tag98.xml><?xml version="1.0" encoding="utf-8"?>
+<p:tagLst xmlns:p="http://schemas.openxmlformats.org/presentationml/2006/main">
+  <p:tag name="KSO_WM_SLIDE_BACKGROUND_TYPE" val="leftRight"/>
+  <p:tag name="KSO_WM_SLIDE_BK_DARK_LIGHT" val="2"/>
+  <p:tag name="KSO_WM_UNIT_HIGHLIGHT" val="0"/>
+  <p:tag name="KSO_WM_UNIT_COMPATIBLE" val="0"/>
+  <p:tag name="KSO_WM_UNIT_DIAGRAM_ISNUMVISUAL" val="0"/>
+  <p:tag name="KSO_WM_UNIT_DIAGRAM_ISREFERUNIT" val="0"/>
+  <p:tag name="KSO_WM_UNIT_ID" val="_14**"/>
+  <p:tag name="KSO_WM_UNIT_LAYERLEVEL" val="1"/>
+  <p:tag name="KSO_WM_TAG_VERSION" val="1.0"/>
+  <p:tag name="KSO_WM_BEAUTIFY_FLAG" val="#wm#"/>
+</p:tagLst>
+</file>
+
+<file path=ppt/tags/tag99.xml><?xml version="1.0" encoding="utf-8"?>
+<p:tagLst xmlns:p="http://schemas.openxmlformats.org/presentationml/2006/main">
+  <p:tag name="KSO_WM_SLIDE_BACKGROUND_TYPE" val="leftRight"/>
+  <p:tag name="KSO_WM_SLIDE_BK_DARK_LIGHT" val="2"/>
+  <p:tag name="KSO_WM_UNIT_HIGHLIGHT" val="0"/>
+  <p:tag name="KSO_WM_UNIT_COMPATIBLE" val="0"/>
+  <p:tag name="KSO_WM_UNIT_DIAGRAM_ISNUMVISUAL" val="0"/>
+  <p:tag name="KSO_WM_UNIT_DIAGRAM_ISREFERUNIT" val="0"/>
+  <p:tag name="KSO_WM_UNIT_ID" val="_14**"/>
   <p:tag name="KSO_WM_UNIT_LAYERLEVEL" val="1"/>
   <p:tag name="KSO_WM_TAG_VERSION" val="1.0"/>
   <p:tag name="KSO_WM_BEAUTIFY_FLAG" val="#wm#"/>
@@ -18654,7 +18911,6 @@
       </a:lstStyle>
     </a:txDef>
   </a:objectDefaults>
-  <a:extraClrSchemeLst/>
   <a:extLst>
     <a:ext uri="{05A4C25C-085E-4340-85A3-A5531E510DB2}">
       <thm15:themeFamily xmlns:thm15="http://schemas.microsoft.com/office/thememl/2012/main" name="Office Theme" id="{62F939B6-93AF-4DB8-9C6B-D6C7DFDC589F}" vid="{4A3C46E8-61CC-4603-A589-7422A47A8E4A}"/>
@@ -18854,8 +19110,6 @@
       </a:bgFillStyleLst>
     </a:fmtScheme>
   </a:themeElements>
-  <a:objectDefaults/>
-  <a:extraClrSchemeLst/>
   <a:extLst>
     <a:ext uri="{05A4C25C-085E-4340-85A3-A5531E510DB2}">
       <thm15:themeFamily xmlns:thm15="http://schemas.microsoft.com/office/thememl/2012/main" name="Office Theme" id="{62F939B6-93AF-4DB8-9C6B-D6C7DFDC589F}" vid="{4A3C46E8-61CC-4603-A589-7422A47A8E4A}"/>
@@ -19115,8 +19369,6 @@
       </a:bgFillStyleLst>
     </a:fmtScheme>
   </a:themeElements>
-  <a:objectDefaults/>
-  <a:extraClrSchemeLst/>
   <a:extLst>
     <a:ext uri="{05A4C25C-085E-4340-85A3-A5531E510DB2}">
       <thm15:themeFamily xmlns:thm15="http://schemas.microsoft.com/office/thememl/2012/main" name="Office Theme" id="{62F939B6-93AF-4DB8-9C6B-D6C7DFDC589F}" vid="{4A3C46E8-61CC-4603-A589-7422A47A8E4A}"/>
